--- a/Figures [Enregistrement automatique].pptx
+++ b/Figures [Enregistrement automatique].pptx
@@ -263,7 +263,7 @@
           <a:p>
             <a:fld id="{8650A246-1026-46AD-AFCC-0ACF25FECB60}" type="datetimeFigureOut">
               <a:rPr lang="fr-FR" smtClean="0"/>
-              <a:t>15/05/2023</a:t>
+              <a:t>23/10/2023</a:t>
             </a:fld>
             <a:endParaRPr lang="fr-FR"/>
           </a:p>
@@ -551,7 +551,7 @@
           <a:p>
             <a:fld id="{8650A246-1026-46AD-AFCC-0ACF25FECB60}" type="datetimeFigureOut">
               <a:rPr lang="fr-FR" smtClean="0"/>
-              <a:t>15/05/2023</a:t>
+              <a:t>23/10/2023</a:t>
             </a:fld>
             <a:endParaRPr lang="fr-FR"/>
           </a:p>
@@ -749,7 +749,7 @@
           <a:p>
             <a:fld id="{8650A246-1026-46AD-AFCC-0ACF25FECB60}" type="datetimeFigureOut">
               <a:rPr lang="fr-FR" smtClean="0"/>
-              <a:t>15/05/2023</a:t>
+              <a:t>23/10/2023</a:t>
             </a:fld>
             <a:endParaRPr lang="fr-FR"/>
           </a:p>
@@ -957,7 +957,7 @@
           <a:p>
             <a:fld id="{8650A246-1026-46AD-AFCC-0ACF25FECB60}" type="datetimeFigureOut">
               <a:rPr lang="fr-FR" smtClean="0"/>
-              <a:t>15/05/2023</a:t>
+              <a:t>23/10/2023</a:t>
             </a:fld>
             <a:endParaRPr lang="fr-FR"/>
           </a:p>
@@ -1155,7 +1155,7 @@
           <a:p>
             <a:fld id="{8650A246-1026-46AD-AFCC-0ACF25FECB60}" type="datetimeFigureOut">
               <a:rPr lang="fr-FR" smtClean="0"/>
-              <a:t>15/05/2023</a:t>
+              <a:t>23/10/2023</a:t>
             </a:fld>
             <a:endParaRPr lang="fr-FR"/>
           </a:p>
@@ -1430,7 +1430,7 @@
           <a:p>
             <a:fld id="{8650A246-1026-46AD-AFCC-0ACF25FECB60}" type="datetimeFigureOut">
               <a:rPr lang="fr-FR" smtClean="0"/>
-              <a:t>15/05/2023</a:t>
+              <a:t>23/10/2023</a:t>
             </a:fld>
             <a:endParaRPr lang="fr-FR"/>
           </a:p>
@@ -1695,7 +1695,7 @@
           <a:p>
             <a:fld id="{8650A246-1026-46AD-AFCC-0ACF25FECB60}" type="datetimeFigureOut">
               <a:rPr lang="fr-FR" smtClean="0"/>
-              <a:t>15/05/2023</a:t>
+              <a:t>23/10/2023</a:t>
             </a:fld>
             <a:endParaRPr lang="fr-FR"/>
           </a:p>
@@ -2107,7 +2107,7 @@
           <a:p>
             <a:fld id="{8650A246-1026-46AD-AFCC-0ACF25FECB60}" type="datetimeFigureOut">
               <a:rPr lang="fr-FR" smtClean="0"/>
-              <a:t>15/05/2023</a:t>
+              <a:t>23/10/2023</a:t>
             </a:fld>
             <a:endParaRPr lang="fr-FR"/>
           </a:p>
@@ -2248,7 +2248,7 @@
           <a:p>
             <a:fld id="{8650A246-1026-46AD-AFCC-0ACF25FECB60}" type="datetimeFigureOut">
               <a:rPr lang="fr-FR" smtClean="0"/>
-              <a:t>15/05/2023</a:t>
+              <a:t>23/10/2023</a:t>
             </a:fld>
             <a:endParaRPr lang="fr-FR"/>
           </a:p>
@@ -2462,7 +2462,7 @@
           <a:p>
             <a:fld id="{8650A246-1026-46AD-AFCC-0ACF25FECB60}" type="datetimeFigureOut">
               <a:rPr lang="fr-FR" smtClean="0"/>
-              <a:t>15/05/2023</a:t>
+              <a:t>23/10/2023</a:t>
             </a:fld>
             <a:endParaRPr lang="fr-FR"/>
           </a:p>
@@ -2575,7 +2575,7 @@
           <a:p>
             <a:fld id="{8650A246-1026-46AD-AFCC-0ACF25FECB60}" type="datetimeFigureOut">
               <a:rPr lang="fr-FR" smtClean="0"/>
-              <a:t>15/05/2023</a:t>
+              <a:t>23/10/2023</a:t>
             </a:fld>
             <a:endParaRPr lang="fr-FR"/>
           </a:p>
@@ -2886,7 +2886,7 @@
           <a:p>
             <a:fld id="{8650A246-1026-46AD-AFCC-0ACF25FECB60}" type="datetimeFigureOut">
               <a:rPr lang="fr-FR" smtClean="0"/>
-              <a:t>15/05/2023</a:t>
+              <a:t>23/10/2023</a:t>
             </a:fld>
             <a:endParaRPr lang="fr-FR"/>
           </a:p>
@@ -3127,7 +3127,7 @@
           <a:p>
             <a:fld id="{8650A246-1026-46AD-AFCC-0ACF25FECB60}" type="datetimeFigureOut">
               <a:rPr lang="fr-FR" smtClean="0"/>
-              <a:t>15/05/2023</a:t>
+              <a:t>23/10/2023</a:t>
             </a:fld>
             <a:endParaRPr lang="fr-FR"/>
           </a:p>
@@ -9407,6 +9407,954 @@
           <a:chExt cx="0" cy="0"/>
         </a:xfrm>
       </p:grpSpPr>
+      <p:cxnSp>
+        <p:nvCxnSpPr>
+          <p:cNvPr id="3" name="Connecteur droit avec flèche 2">
+            <a:extLst>
+              <a:ext uri="{FF2B5EF4-FFF2-40B4-BE49-F238E27FC236}">
+                <a16:creationId xmlns:a16="http://schemas.microsoft.com/office/drawing/2014/main" id="{18CA7C2B-DFAA-3B5B-DD49-EF287D62D77F}"/>
+              </a:ext>
+            </a:extLst>
+          </p:cNvPr>
+          <p:cNvCxnSpPr>
+            <a:cxnSpLocks/>
+          </p:cNvCxnSpPr>
+          <p:nvPr/>
+        </p:nvCxnSpPr>
+        <p:spPr>
+          <a:xfrm flipV="1">
+            <a:off x="1046480" y="1989000"/>
+            <a:ext cx="0" cy="1440000"/>
+          </a:xfrm>
+          <a:prstGeom prst="straightConnector1">
+            <a:avLst/>
+          </a:prstGeom>
+          <a:ln>
+            <a:solidFill>
+              <a:srgbClr val="002060"/>
+            </a:solidFill>
+            <a:tailEnd type="stealth" w="med" len="lg"/>
+          </a:ln>
+        </p:spPr>
+        <p:style>
+          <a:lnRef idx="1">
+            <a:schemeClr val="accent1"/>
+          </a:lnRef>
+          <a:fillRef idx="0">
+            <a:schemeClr val="accent1"/>
+          </a:fillRef>
+          <a:effectRef idx="0">
+            <a:schemeClr val="accent1"/>
+          </a:effectRef>
+          <a:fontRef idx="minor">
+            <a:schemeClr val="tx1"/>
+          </a:fontRef>
+        </p:style>
+      </p:cxnSp>
+      <p:sp>
+        <p:nvSpPr>
+          <p:cNvPr id="7" name="Trapèze 6">
+            <a:extLst>
+              <a:ext uri="{FF2B5EF4-FFF2-40B4-BE49-F238E27FC236}">
+                <a16:creationId xmlns:a16="http://schemas.microsoft.com/office/drawing/2014/main" id="{94A7DBB9-8B87-9DC4-24F3-1CDB08A2F6F4}"/>
+              </a:ext>
+            </a:extLst>
+          </p:cNvPr>
+          <p:cNvSpPr/>
+          <p:nvPr/>
+        </p:nvSpPr>
+        <p:spPr>
+          <a:xfrm>
+            <a:off x="1046478" y="2455332"/>
+            <a:ext cx="1968863" cy="973667"/>
+          </a:xfrm>
+          <a:prstGeom prst="trapezoid">
+            <a:avLst>
+              <a:gd name="adj" fmla="val 26044"/>
+            </a:avLst>
+          </a:prstGeom>
+          <a:solidFill>
+            <a:schemeClr val="accent2">
+              <a:lumMod val="20000"/>
+              <a:lumOff val="80000"/>
+            </a:schemeClr>
+          </a:solidFill>
+          <a:ln>
+            <a:solidFill>
+              <a:schemeClr val="accent2">
+                <a:lumMod val="50000"/>
+              </a:schemeClr>
+            </a:solidFill>
+          </a:ln>
+        </p:spPr>
+        <p:style>
+          <a:lnRef idx="2">
+            <a:schemeClr val="accent1">
+              <a:shade val="15000"/>
+            </a:schemeClr>
+          </a:lnRef>
+          <a:fillRef idx="1">
+            <a:schemeClr val="accent1"/>
+          </a:fillRef>
+          <a:effectRef idx="0">
+            <a:schemeClr val="accent1"/>
+          </a:effectRef>
+          <a:fontRef idx="minor">
+            <a:schemeClr val="lt1"/>
+          </a:fontRef>
+        </p:style>
+        <p:txBody>
+          <a:bodyPr rtlCol="0" anchor="ctr"/>
+          <a:lstStyle/>
+          <a:p>
+            <a:pPr algn="ctr"/>
+            <a:endParaRPr lang="fr-FR" dirty="0"/>
+          </a:p>
+        </p:txBody>
+      </p:sp>
+      <p:cxnSp>
+        <p:nvCxnSpPr>
+          <p:cNvPr id="5" name="Connecteur droit avec flèche 4">
+            <a:extLst>
+              <a:ext uri="{FF2B5EF4-FFF2-40B4-BE49-F238E27FC236}">
+                <a16:creationId xmlns:a16="http://schemas.microsoft.com/office/drawing/2014/main" id="{10FB8054-D472-375B-E9B6-9C21F23DBCF2}"/>
+              </a:ext>
+            </a:extLst>
+          </p:cNvPr>
+          <p:cNvCxnSpPr>
+            <a:cxnSpLocks/>
+          </p:cNvCxnSpPr>
+          <p:nvPr/>
+        </p:nvCxnSpPr>
+        <p:spPr>
+          <a:xfrm>
+            <a:off x="1046480" y="3429000"/>
+            <a:ext cx="2175691" cy="0"/>
+          </a:xfrm>
+          <a:prstGeom prst="straightConnector1">
+            <a:avLst/>
+          </a:prstGeom>
+          <a:ln>
+            <a:solidFill>
+              <a:srgbClr val="002060"/>
+            </a:solidFill>
+            <a:tailEnd type="stealth" w="med" len="lg"/>
+          </a:ln>
+        </p:spPr>
+        <p:style>
+          <a:lnRef idx="1">
+            <a:schemeClr val="accent1"/>
+          </a:lnRef>
+          <a:fillRef idx="0">
+            <a:schemeClr val="accent1"/>
+          </a:fillRef>
+          <a:effectRef idx="0">
+            <a:schemeClr val="accent1"/>
+          </a:effectRef>
+          <a:fontRef idx="minor">
+            <a:schemeClr val="tx1"/>
+          </a:fontRef>
+        </p:style>
+      </p:cxnSp>
+      <p:cxnSp>
+        <p:nvCxnSpPr>
+          <p:cNvPr id="8" name="Connecteur droit avec flèche 7">
+            <a:extLst>
+              <a:ext uri="{FF2B5EF4-FFF2-40B4-BE49-F238E27FC236}">
+                <a16:creationId xmlns:a16="http://schemas.microsoft.com/office/drawing/2014/main" id="{52283DFF-C665-FE06-394D-8900BD8D333D}"/>
+              </a:ext>
+            </a:extLst>
+          </p:cNvPr>
+          <p:cNvCxnSpPr>
+            <a:cxnSpLocks/>
+          </p:cNvCxnSpPr>
+          <p:nvPr/>
+        </p:nvCxnSpPr>
+        <p:spPr>
+          <a:xfrm flipV="1">
+            <a:off x="1300480" y="2455332"/>
+            <a:ext cx="0" cy="973668"/>
+          </a:xfrm>
+          <a:prstGeom prst="straightConnector1">
+            <a:avLst/>
+          </a:prstGeom>
+          <a:ln>
+            <a:solidFill>
+              <a:srgbClr val="002060"/>
+            </a:solidFill>
+            <a:prstDash val="dash"/>
+            <a:tailEnd type="none" w="med" len="lg"/>
+          </a:ln>
+        </p:spPr>
+        <p:style>
+          <a:lnRef idx="1">
+            <a:schemeClr val="accent1"/>
+          </a:lnRef>
+          <a:fillRef idx="0">
+            <a:schemeClr val="accent1"/>
+          </a:fillRef>
+          <a:effectRef idx="0">
+            <a:schemeClr val="accent1"/>
+          </a:effectRef>
+          <a:fontRef idx="minor">
+            <a:schemeClr val="tx1"/>
+          </a:fontRef>
+        </p:style>
+      </p:cxnSp>
+      <p:cxnSp>
+        <p:nvCxnSpPr>
+          <p:cNvPr id="10" name="Connecteur droit avec flèche 9">
+            <a:extLst>
+              <a:ext uri="{FF2B5EF4-FFF2-40B4-BE49-F238E27FC236}">
+                <a16:creationId xmlns:a16="http://schemas.microsoft.com/office/drawing/2014/main" id="{0D8FE66D-B1B8-8C6E-A5A0-3B376CC20652}"/>
+              </a:ext>
+            </a:extLst>
+          </p:cNvPr>
+          <p:cNvCxnSpPr>
+            <a:cxnSpLocks/>
+          </p:cNvCxnSpPr>
+          <p:nvPr/>
+        </p:nvCxnSpPr>
+        <p:spPr>
+          <a:xfrm flipV="1">
+            <a:off x="2758440" y="2455331"/>
+            <a:ext cx="0" cy="973668"/>
+          </a:xfrm>
+          <a:prstGeom prst="straightConnector1">
+            <a:avLst/>
+          </a:prstGeom>
+          <a:ln>
+            <a:solidFill>
+              <a:srgbClr val="002060"/>
+            </a:solidFill>
+            <a:prstDash val="dash"/>
+            <a:tailEnd type="none" w="med" len="lg"/>
+          </a:ln>
+        </p:spPr>
+        <p:style>
+          <a:lnRef idx="1">
+            <a:schemeClr val="accent1"/>
+          </a:lnRef>
+          <a:fillRef idx="0">
+            <a:schemeClr val="accent1"/>
+          </a:fillRef>
+          <a:effectRef idx="0">
+            <a:schemeClr val="accent1"/>
+          </a:effectRef>
+          <a:fontRef idx="minor">
+            <a:schemeClr val="tx1"/>
+          </a:fontRef>
+        </p:style>
+      </p:cxnSp>
+      <mc:AlternateContent xmlns:mc="http://schemas.openxmlformats.org/markup-compatibility/2006">
+        <mc:Choice xmlns:a14="http://schemas.microsoft.com/office/drawing/2010/main" Requires="a14">
+          <p:sp>
+            <p:nvSpPr>
+              <p:cNvPr id="11" name="ZoneTexte 10">
+                <a:extLst>
+                  <a:ext uri="{FF2B5EF4-FFF2-40B4-BE49-F238E27FC236}">
+                    <a16:creationId xmlns:a16="http://schemas.microsoft.com/office/drawing/2014/main" id="{4C9C68B8-7E8E-3324-A750-638C726B6CC8}"/>
+                  </a:ext>
+                </a:extLst>
+              </p:cNvPr>
+              <p:cNvSpPr txBox="1"/>
+              <p:nvPr/>
+            </p:nvSpPr>
+            <p:spPr>
+              <a:xfrm>
+                <a:off x="3067384" y="3152000"/>
+                <a:ext cx="149913" cy="276999"/>
+              </a:xfrm>
+              <a:prstGeom prst="rect">
+                <a:avLst/>
+              </a:prstGeom>
+              <a:noFill/>
+            </p:spPr>
+            <p:txBody>
+              <a:bodyPr wrap="none" lIns="0" tIns="0" rIns="0" bIns="0" rtlCol="0">
+                <a:spAutoFit/>
+              </a:bodyPr>
+              <a:lstStyle/>
+              <a:p>
+                <a14:m>
+                  <m:oMathPara xmlns:m="http://schemas.openxmlformats.org/officeDocument/2006/math">
+                    <m:oMathParaPr>
+                      <m:jc m:val="centerGroup"/>
+                    </m:oMathParaPr>
+                    <m:oMath xmlns:m="http://schemas.openxmlformats.org/officeDocument/2006/math">
+                      <m:r>
+                        <a:rPr lang="fr-FR" b="0" i="1" smtClean="0">
+                          <a:latin typeface="Cambria Math" panose="02040503050406030204" pitchFamily="18" charset="0"/>
+                        </a:rPr>
+                        <m:t>𝑡</m:t>
+                      </m:r>
+                    </m:oMath>
+                  </m:oMathPara>
+                </a14:m>
+                <a:endParaRPr lang="fr-FR" dirty="0"/>
+              </a:p>
+            </p:txBody>
+          </p:sp>
+        </mc:Choice>
+        <mc:Fallback>
+          <p:sp>
+            <p:nvSpPr>
+              <p:cNvPr id="11" name="ZoneTexte 10">
+                <a:extLst>
+                  <a:ext uri="{FF2B5EF4-FFF2-40B4-BE49-F238E27FC236}">
+                    <a16:creationId xmlns:a16="http://schemas.microsoft.com/office/drawing/2014/main" id="{4C9C68B8-7E8E-3324-A750-638C726B6CC8}"/>
+                  </a:ext>
+                </a:extLst>
+              </p:cNvPr>
+              <p:cNvSpPr txBox="1">
+                <a:spLocks noRot="1" noChangeAspect="1" noMove="1" noResize="1" noEditPoints="1" noAdjustHandles="1" noChangeArrowheads="1" noChangeShapeType="1" noTextEdit="1"/>
+              </p:cNvSpPr>
+              <p:nvPr/>
+            </p:nvSpPr>
+            <p:spPr>
+              <a:xfrm>
+                <a:off x="3067384" y="3152000"/>
+                <a:ext cx="149913" cy="276999"/>
+              </a:xfrm>
+              <a:prstGeom prst="rect">
+                <a:avLst/>
+              </a:prstGeom>
+              <a:blipFill>
+                <a:blip r:embed="rId2"/>
+                <a:stretch>
+                  <a:fillRect l="-32000" r="-28000" b="-6667"/>
+                </a:stretch>
+              </a:blipFill>
+            </p:spPr>
+            <p:txBody>
+              <a:bodyPr/>
+              <a:lstStyle/>
+              <a:p>
+                <a:r>
+                  <a:rPr lang="fr-FR">
+                    <a:noFill/>
+                  </a:rPr>
+                  <a:t> </a:t>
+                </a:r>
+              </a:p>
+            </p:txBody>
+          </p:sp>
+        </mc:Fallback>
+      </mc:AlternateContent>
+      <mc:AlternateContent xmlns:mc="http://schemas.openxmlformats.org/markup-compatibility/2006">
+        <mc:Choice xmlns:a14="http://schemas.microsoft.com/office/drawing/2010/main" Requires="a14">
+          <p:sp>
+            <p:nvSpPr>
+              <p:cNvPr id="12" name="ZoneTexte 11">
+                <a:extLst>
+                  <a:ext uri="{FF2B5EF4-FFF2-40B4-BE49-F238E27FC236}">
+                    <a16:creationId xmlns:a16="http://schemas.microsoft.com/office/drawing/2014/main" id="{056307E9-BEB6-56E0-261F-21F31E6411CD}"/>
+                  </a:ext>
+                </a:extLst>
+              </p:cNvPr>
+              <p:cNvSpPr txBox="1"/>
+              <p:nvPr/>
+            </p:nvSpPr>
+            <p:spPr>
+              <a:xfrm>
+                <a:off x="626565" y="1989000"/>
+                <a:ext cx="365485" cy="215444"/>
+              </a:xfrm>
+              <a:prstGeom prst="rect">
+                <a:avLst/>
+              </a:prstGeom>
+              <a:noFill/>
+            </p:spPr>
+            <p:txBody>
+              <a:bodyPr wrap="none" lIns="0" tIns="0" rIns="0" bIns="0" rtlCol="0">
+                <a:spAutoFit/>
+              </a:bodyPr>
+              <a:lstStyle/>
+              <a:p>
+                <a14:m>
+                  <m:oMathPara xmlns:m="http://schemas.openxmlformats.org/officeDocument/2006/math">
+                    <m:oMathParaPr>
+                      <m:jc m:val="centerGroup"/>
+                    </m:oMathParaPr>
+                    <m:oMath xmlns:m="http://schemas.openxmlformats.org/officeDocument/2006/math">
+                      <m:r>
+                        <a:rPr lang="fr-FR" sz="1400" b="0" i="1" smtClean="0">
+                          <a:latin typeface="Cambria Math" panose="02040503050406030204" pitchFamily="18" charset="0"/>
+                        </a:rPr>
+                        <m:t>𝑣</m:t>
+                      </m:r>
+                      <m:r>
+                        <a:rPr lang="fr-FR" sz="1400" b="0" i="1" smtClean="0">
+                          <a:latin typeface="Cambria Math" panose="02040503050406030204" pitchFamily="18" charset="0"/>
+                        </a:rPr>
+                        <m:t>(</m:t>
+                      </m:r>
+                      <m:r>
+                        <a:rPr lang="fr-FR" sz="1400" b="0" i="1" smtClean="0">
+                          <a:latin typeface="Cambria Math" panose="02040503050406030204" pitchFamily="18" charset="0"/>
+                        </a:rPr>
+                        <m:t>𝑡</m:t>
+                      </m:r>
+                      <m:r>
+                        <a:rPr lang="fr-FR" sz="1400" b="0" i="1" smtClean="0">
+                          <a:latin typeface="Cambria Math" panose="02040503050406030204" pitchFamily="18" charset="0"/>
+                        </a:rPr>
+                        <m:t>)</m:t>
+                      </m:r>
+                    </m:oMath>
+                  </m:oMathPara>
+                </a14:m>
+                <a:endParaRPr lang="fr-FR" sz="1400" dirty="0"/>
+              </a:p>
+            </p:txBody>
+          </p:sp>
+        </mc:Choice>
+        <mc:Fallback>
+          <p:sp>
+            <p:nvSpPr>
+              <p:cNvPr id="12" name="ZoneTexte 11">
+                <a:extLst>
+                  <a:ext uri="{FF2B5EF4-FFF2-40B4-BE49-F238E27FC236}">
+                    <a16:creationId xmlns:a16="http://schemas.microsoft.com/office/drawing/2014/main" id="{056307E9-BEB6-56E0-261F-21F31E6411CD}"/>
+                  </a:ext>
+                </a:extLst>
+              </p:cNvPr>
+              <p:cNvSpPr txBox="1">
+                <a:spLocks noRot="1" noChangeAspect="1" noMove="1" noResize="1" noEditPoints="1" noAdjustHandles="1" noChangeArrowheads="1" noChangeShapeType="1" noTextEdit="1"/>
+              </p:cNvSpPr>
+              <p:nvPr/>
+            </p:nvSpPr>
+            <p:spPr>
+              <a:xfrm>
+                <a:off x="626565" y="1989000"/>
+                <a:ext cx="365485" cy="215444"/>
+              </a:xfrm>
+              <a:prstGeom prst="rect">
+                <a:avLst/>
+              </a:prstGeom>
+              <a:blipFill>
+                <a:blip r:embed="rId3"/>
+                <a:stretch>
+                  <a:fillRect l="-6667" r="-15000" b="-30556"/>
+                </a:stretch>
+              </a:blipFill>
+            </p:spPr>
+            <p:txBody>
+              <a:bodyPr/>
+              <a:lstStyle/>
+              <a:p>
+                <a:r>
+                  <a:rPr lang="fr-FR">
+                    <a:noFill/>
+                  </a:rPr>
+                  <a:t> </a:t>
+                </a:r>
+              </a:p>
+            </p:txBody>
+          </p:sp>
+        </mc:Fallback>
+      </mc:AlternateContent>
+      <p:cxnSp>
+        <p:nvCxnSpPr>
+          <p:cNvPr id="13" name="Connecteur droit avec flèche 12">
+            <a:extLst>
+              <a:ext uri="{FF2B5EF4-FFF2-40B4-BE49-F238E27FC236}">
+                <a16:creationId xmlns:a16="http://schemas.microsoft.com/office/drawing/2014/main" id="{A9BC7F03-45A9-256C-FE9A-4A6FF81CE7B7}"/>
+              </a:ext>
+            </a:extLst>
+          </p:cNvPr>
+          <p:cNvCxnSpPr>
+            <a:cxnSpLocks/>
+          </p:cNvCxnSpPr>
+          <p:nvPr/>
+        </p:nvCxnSpPr>
+        <p:spPr>
+          <a:xfrm>
+            <a:off x="1041604" y="2455331"/>
+            <a:ext cx="258876" cy="0"/>
+          </a:xfrm>
+          <a:prstGeom prst="straightConnector1">
+            <a:avLst/>
+          </a:prstGeom>
+          <a:ln>
+            <a:solidFill>
+              <a:srgbClr val="002060"/>
+            </a:solidFill>
+            <a:prstDash val="dash"/>
+            <a:tailEnd type="none" w="med" len="lg"/>
+          </a:ln>
+        </p:spPr>
+        <p:style>
+          <a:lnRef idx="1">
+            <a:schemeClr val="accent1"/>
+          </a:lnRef>
+          <a:fillRef idx="0">
+            <a:schemeClr val="accent1"/>
+          </a:fillRef>
+          <a:effectRef idx="0">
+            <a:schemeClr val="accent1"/>
+          </a:effectRef>
+          <a:fontRef idx="minor">
+            <a:schemeClr val="tx1"/>
+          </a:fontRef>
+        </p:style>
+      </p:cxnSp>
+      <mc:AlternateContent xmlns:mc="http://schemas.openxmlformats.org/markup-compatibility/2006">
+        <mc:Choice xmlns:a14="http://schemas.microsoft.com/office/drawing/2010/main" Requires="a14">
+          <p:sp>
+            <p:nvSpPr>
+              <p:cNvPr id="16" name="ZoneTexte 15">
+                <a:extLst>
+                  <a:ext uri="{FF2B5EF4-FFF2-40B4-BE49-F238E27FC236}">
+                    <a16:creationId xmlns:a16="http://schemas.microsoft.com/office/drawing/2014/main" id="{9457E4AA-CA22-80A7-9E3A-17E4FAD67473}"/>
+                  </a:ext>
+                </a:extLst>
+              </p:cNvPr>
+              <p:cNvSpPr txBox="1"/>
+              <p:nvPr/>
+            </p:nvSpPr>
+            <p:spPr>
+              <a:xfrm>
+                <a:off x="567562" y="2353420"/>
+                <a:ext cx="418833" cy="215444"/>
+              </a:xfrm>
+              <a:prstGeom prst="rect">
+                <a:avLst/>
+              </a:prstGeom>
+              <a:noFill/>
+            </p:spPr>
+            <p:txBody>
+              <a:bodyPr wrap="none" lIns="0" tIns="0" rIns="0" bIns="0" rtlCol="0">
+                <a:spAutoFit/>
+              </a:bodyPr>
+              <a:lstStyle/>
+              <a:p>
+                <a14:m>
+                  <m:oMathPara xmlns:m="http://schemas.openxmlformats.org/officeDocument/2006/math">
+                    <m:oMathParaPr>
+                      <m:jc m:val="centerGroup"/>
+                    </m:oMathParaPr>
+                    <m:oMath xmlns:m="http://schemas.openxmlformats.org/officeDocument/2006/math">
+                      <m:sSub>
+                        <m:sSubPr>
+                          <m:ctrlPr>
+                            <a:rPr lang="fr-FR" sz="1400" b="0" i="1" smtClean="0">
+                              <a:latin typeface="Cambria Math" panose="02040503050406030204" pitchFamily="18" charset="0"/>
+                            </a:rPr>
+                          </m:ctrlPr>
+                        </m:sSubPr>
+                        <m:e>
+                          <m:r>
+                            <a:rPr lang="fr-FR" sz="1400" b="0" i="1" smtClean="0">
+                              <a:latin typeface="Cambria Math" panose="02040503050406030204" pitchFamily="18" charset="0"/>
+                            </a:rPr>
+                            <m:t>𝑣</m:t>
+                          </m:r>
+                        </m:e>
+                        <m:sub>
+                          <m:r>
+                            <a:rPr lang="fr-FR" sz="1400" b="0" i="1" smtClean="0">
+                              <a:latin typeface="Cambria Math" panose="02040503050406030204" pitchFamily="18" charset="0"/>
+                            </a:rPr>
+                            <m:t>𝑚𝑎𝑥</m:t>
+                          </m:r>
+                        </m:sub>
+                      </m:sSub>
+                    </m:oMath>
+                  </m:oMathPara>
+                </a14:m>
+                <a:endParaRPr lang="fr-FR" sz="1400" dirty="0"/>
+              </a:p>
+            </p:txBody>
+          </p:sp>
+        </mc:Choice>
+        <mc:Fallback>
+          <p:sp>
+            <p:nvSpPr>
+              <p:cNvPr id="16" name="ZoneTexte 15">
+                <a:extLst>
+                  <a:ext uri="{FF2B5EF4-FFF2-40B4-BE49-F238E27FC236}">
+                    <a16:creationId xmlns:a16="http://schemas.microsoft.com/office/drawing/2014/main" id="{9457E4AA-CA22-80A7-9E3A-17E4FAD67473}"/>
+                  </a:ext>
+                </a:extLst>
+              </p:cNvPr>
+              <p:cNvSpPr txBox="1">
+                <a:spLocks noRot="1" noChangeAspect="1" noMove="1" noResize="1" noEditPoints="1" noAdjustHandles="1" noChangeArrowheads="1" noChangeShapeType="1" noTextEdit="1"/>
+              </p:cNvSpPr>
+              <p:nvPr/>
+            </p:nvSpPr>
+            <p:spPr>
+              <a:xfrm>
+                <a:off x="567562" y="2353420"/>
+                <a:ext cx="418833" cy="215444"/>
+              </a:xfrm>
+              <a:prstGeom prst="rect">
+                <a:avLst/>
+              </a:prstGeom>
+              <a:blipFill>
+                <a:blip r:embed="rId4"/>
+                <a:stretch>
+                  <a:fillRect l="-5797" b="-11429"/>
+                </a:stretch>
+              </a:blipFill>
+            </p:spPr>
+            <p:txBody>
+              <a:bodyPr/>
+              <a:lstStyle/>
+              <a:p>
+                <a:r>
+                  <a:rPr lang="fr-FR">
+                    <a:noFill/>
+                  </a:rPr>
+                  <a:t> </a:t>
+                </a:r>
+              </a:p>
+            </p:txBody>
+          </p:sp>
+        </mc:Fallback>
+      </mc:AlternateContent>
+      <mc:AlternateContent xmlns:mc="http://schemas.openxmlformats.org/markup-compatibility/2006">
+        <mc:Choice xmlns:a14="http://schemas.microsoft.com/office/drawing/2010/main" Requires="a14">
+          <p:sp>
+            <p:nvSpPr>
+              <p:cNvPr id="17" name="ZoneTexte 16">
+                <a:extLst>
+                  <a:ext uri="{FF2B5EF4-FFF2-40B4-BE49-F238E27FC236}">
+                    <a16:creationId xmlns:a16="http://schemas.microsoft.com/office/drawing/2014/main" id="{0B431CCC-9673-E322-E412-4D3F6DBFD1F0}"/>
+                  </a:ext>
+                </a:extLst>
+              </p:cNvPr>
+              <p:cNvSpPr txBox="1"/>
+              <p:nvPr/>
+            </p:nvSpPr>
+            <p:spPr>
+              <a:xfrm>
+                <a:off x="1207185" y="3486260"/>
+                <a:ext cx="186590" cy="215444"/>
+              </a:xfrm>
+              <a:prstGeom prst="rect">
+                <a:avLst/>
+              </a:prstGeom>
+              <a:noFill/>
+            </p:spPr>
+            <p:txBody>
+              <a:bodyPr wrap="none" lIns="0" tIns="0" rIns="0" bIns="0" rtlCol="0">
+                <a:spAutoFit/>
+              </a:bodyPr>
+              <a:lstStyle/>
+              <a:p>
+                <a14:m>
+                  <m:oMathPara xmlns:m="http://schemas.openxmlformats.org/officeDocument/2006/math">
+                    <m:oMathParaPr>
+                      <m:jc m:val="centerGroup"/>
+                    </m:oMathParaPr>
+                    <m:oMath xmlns:m="http://schemas.openxmlformats.org/officeDocument/2006/math">
+                      <m:sSub>
+                        <m:sSubPr>
+                          <m:ctrlPr>
+                            <a:rPr lang="fr-FR" sz="1400" b="0" i="1" smtClean="0">
+                              <a:latin typeface="Cambria Math" panose="02040503050406030204" pitchFamily="18" charset="0"/>
+                            </a:rPr>
+                          </m:ctrlPr>
+                        </m:sSubPr>
+                        <m:e>
+                          <m:r>
+                            <a:rPr lang="fr-FR" sz="1400" b="0" i="1" smtClean="0">
+                              <a:latin typeface="Cambria Math" panose="02040503050406030204" pitchFamily="18" charset="0"/>
+                            </a:rPr>
+                            <m:t>𝑡</m:t>
+                          </m:r>
+                        </m:e>
+                        <m:sub>
+                          <m:r>
+                            <a:rPr lang="fr-FR" sz="1400" b="0" i="1" smtClean="0">
+                              <a:latin typeface="Cambria Math" panose="02040503050406030204" pitchFamily="18" charset="0"/>
+                            </a:rPr>
+                            <m:t>1</m:t>
+                          </m:r>
+                        </m:sub>
+                      </m:sSub>
+                    </m:oMath>
+                  </m:oMathPara>
+                </a14:m>
+                <a:endParaRPr lang="fr-FR" sz="1400" dirty="0"/>
+              </a:p>
+            </p:txBody>
+          </p:sp>
+        </mc:Choice>
+        <mc:Fallback>
+          <p:sp>
+            <p:nvSpPr>
+              <p:cNvPr id="17" name="ZoneTexte 16">
+                <a:extLst>
+                  <a:ext uri="{FF2B5EF4-FFF2-40B4-BE49-F238E27FC236}">
+                    <a16:creationId xmlns:a16="http://schemas.microsoft.com/office/drawing/2014/main" id="{0B431CCC-9673-E322-E412-4D3F6DBFD1F0}"/>
+                  </a:ext>
+                </a:extLst>
+              </p:cNvPr>
+              <p:cNvSpPr txBox="1">
+                <a:spLocks noRot="1" noChangeAspect="1" noMove="1" noResize="1" noEditPoints="1" noAdjustHandles="1" noChangeArrowheads="1" noChangeShapeType="1" noTextEdit="1"/>
+              </p:cNvSpPr>
+              <p:nvPr/>
+            </p:nvSpPr>
+            <p:spPr>
+              <a:xfrm>
+                <a:off x="1207185" y="3486260"/>
+                <a:ext cx="186590" cy="215444"/>
+              </a:xfrm>
+              <a:prstGeom prst="rect">
+                <a:avLst/>
+              </a:prstGeom>
+              <a:blipFill>
+                <a:blip r:embed="rId5"/>
+                <a:stretch>
+                  <a:fillRect l="-19355" r="-3226" b="-14286"/>
+                </a:stretch>
+              </a:blipFill>
+            </p:spPr>
+            <p:txBody>
+              <a:bodyPr/>
+              <a:lstStyle/>
+              <a:p>
+                <a:r>
+                  <a:rPr lang="fr-FR">
+                    <a:noFill/>
+                  </a:rPr>
+                  <a:t> </a:t>
+                </a:r>
+              </a:p>
+            </p:txBody>
+          </p:sp>
+        </mc:Fallback>
+      </mc:AlternateContent>
+      <mc:AlternateContent xmlns:mc="http://schemas.openxmlformats.org/markup-compatibility/2006">
+        <mc:Choice xmlns:a14="http://schemas.microsoft.com/office/drawing/2010/main" Requires="a14">
+          <p:sp>
+            <p:nvSpPr>
+              <p:cNvPr id="18" name="ZoneTexte 17">
+                <a:extLst>
+                  <a:ext uri="{FF2B5EF4-FFF2-40B4-BE49-F238E27FC236}">
+                    <a16:creationId xmlns:a16="http://schemas.microsoft.com/office/drawing/2014/main" id="{F1459487-8D7E-E495-D536-4DF88129027F}"/>
+                  </a:ext>
+                </a:extLst>
+              </p:cNvPr>
+              <p:cNvSpPr txBox="1"/>
+              <p:nvPr/>
+            </p:nvSpPr>
+            <p:spPr>
+              <a:xfrm>
+                <a:off x="2665145" y="3486260"/>
+                <a:ext cx="190758" cy="215444"/>
+              </a:xfrm>
+              <a:prstGeom prst="rect">
+                <a:avLst/>
+              </a:prstGeom>
+              <a:noFill/>
+            </p:spPr>
+            <p:txBody>
+              <a:bodyPr wrap="none" lIns="0" tIns="0" rIns="0" bIns="0" rtlCol="0">
+                <a:spAutoFit/>
+              </a:bodyPr>
+              <a:lstStyle/>
+              <a:p>
+                <a14:m>
+                  <m:oMathPara xmlns:m="http://schemas.openxmlformats.org/officeDocument/2006/math">
+                    <m:oMathParaPr>
+                      <m:jc m:val="centerGroup"/>
+                    </m:oMathParaPr>
+                    <m:oMath xmlns:m="http://schemas.openxmlformats.org/officeDocument/2006/math">
+                      <m:sSub>
+                        <m:sSubPr>
+                          <m:ctrlPr>
+                            <a:rPr lang="fr-FR" sz="1400" b="0" i="1" smtClean="0">
+                              <a:latin typeface="Cambria Math" panose="02040503050406030204" pitchFamily="18" charset="0"/>
+                            </a:rPr>
+                          </m:ctrlPr>
+                        </m:sSubPr>
+                        <m:e>
+                          <m:r>
+                            <a:rPr lang="fr-FR" sz="1400" b="0" i="1" smtClean="0">
+                              <a:latin typeface="Cambria Math" panose="02040503050406030204" pitchFamily="18" charset="0"/>
+                            </a:rPr>
+                            <m:t>𝑡</m:t>
+                          </m:r>
+                        </m:e>
+                        <m:sub>
+                          <m:r>
+                            <a:rPr lang="fr-FR" sz="1400" b="0" i="1" smtClean="0">
+                              <a:latin typeface="Cambria Math" panose="02040503050406030204" pitchFamily="18" charset="0"/>
+                            </a:rPr>
+                            <m:t>2</m:t>
+                          </m:r>
+                        </m:sub>
+                      </m:sSub>
+                    </m:oMath>
+                  </m:oMathPara>
+                </a14:m>
+                <a:endParaRPr lang="fr-FR" sz="1400" dirty="0"/>
+              </a:p>
+            </p:txBody>
+          </p:sp>
+        </mc:Choice>
+        <mc:Fallback>
+          <p:sp>
+            <p:nvSpPr>
+              <p:cNvPr id="18" name="ZoneTexte 17">
+                <a:extLst>
+                  <a:ext uri="{FF2B5EF4-FFF2-40B4-BE49-F238E27FC236}">
+                    <a16:creationId xmlns:a16="http://schemas.microsoft.com/office/drawing/2014/main" id="{F1459487-8D7E-E495-D536-4DF88129027F}"/>
+                  </a:ext>
+                </a:extLst>
+              </p:cNvPr>
+              <p:cNvSpPr txBox="1">
+                <a:spLocks noRot="1" noChangeAspect="1" noMove="1" noResize="1" noEditPoints="1" noAdjustHandles="1" noChangeArrowheads="1" noChangeShapeType="1" noTextEdit="1"/>
+              </p:cNvSpPr>
+              <p:nvPr/>
+            </p:nvSpPr>
+            <p:spPr>
+              <a:xfrm>
+                <a:off x="2665145" y="3486260"/>
+                <a:ext cx="190758" cy="215444"/>
+              </a:xfrm>
+              <a:prstGeom prst="rect">
+                <a:avLst/>
+              </a:prstGeom>
+              <a:blipFill>
+                <a:blip r:embed="rId6"/>
+                <a:stretch>
+                  <a:fillRect l="-19355" r="-6452" b="-14286"/>
+                </a:stretch>
+              </a:blipFill>
+            </p:spPr>
+            <p:txBody>
+              <a:bodyPr/>
+              <a:lstStyle/>
+              <a:p>
+                <a:r>
+                  <a:rPr lang="fr-FR">
+                    <a:noFill/>
+                  </a:rPr>
+                  <a:t> </a:t>
+                </a:r>
+              </a:p>
+            </p:txBody>
+          </p:sp>
+        </mc:Fallback>
+      </mc:AlternateContent>
+      <mc:AlternateContent xmlns:mc="http://schemas.openxmlformats.org/markup-compatibility/2006">
+        <mc:Choice xmlns:a14="http://schemas.microsoft.com/office/drawing/2010/main" Requires="a14">
+          <p:sp>
+            <p:nvSpPr>
+              <p:cNvPr id="19" name="ZoneTexte 18">
+                <a:extLst>
+                  <a:ext uri="{FF2B5EF4-FFF2-40B4-BE49-F238E27FC236}">
+                    <a16:creationId xmlns:a16="http://schemas.microsoft.com/office/drawing/2014/main" id="{0BBFA339-6634-C541-ABBD-E3D27FAC7C25}"/>
+                  </a:ext>
+                </a:extLst>
+              </p:cNvPr>
+              <p:cNvSpPr txBox="1"/>
+              <p:nvPr/>
+            </p:nvSpPr>
+            <p:spPr>
+              <a:xfrm>
+                <a:off x="2951582" y="3486260"/>
+                <a:ext cx="190758" cy="215444"/>
+              </a:xfrm>
+              <a:prstGeom prst="rect">
+                <a:avLst/>
+              </a:prstGeom>
+              <a:noFill/>
+            </p:spPr>
+            <p:txBody>
+              <a:bodyPr wrap="none" lIns="0" tIns="0" rIns="0" bIns="0" rtlCol="0">
+                <a:spAutoFit/>
+              </a:bodyPr>
+              <a:lstStyle/>
+              <a:p>
+                <a14:m>
+                  <m:oMathPara xmlns:m="http://schemas.openxmlformats.org/officeDocument/2006/math">
+                    <m:oMathParaPr>
+                      <m:jc m:val="centerGroup"/>
+                    </m:oMathParaPr>
+                    <m:oMath xmlns:m="http://schemas.openxmlformats.org/officeDocument/2006/math">
+                      <m:sSub>
+                        <m:sSubPr>
+                          <m:ctrlPr>
+                            <a:rPr lang="fr-FR" sz="1400" b="0" i="1" smtClean="0">
+                              <a:latin typeface="Cambria Math" panose="02040503050406030204" pitchFamily="18" charset="0"/>
+                            </a:rPr>
+                          </m:ctrlPr>
+                        </m:sSubPr>
+                        <m:e>
+                          <m:r>
+                            <a:rPr lang="fr-FR" sz="1400" b="0" i="1" smtClean="0">
+                              <a:latin typeface="Cambria Math" panose="02040503050406030204" pitchFamily="18" charset="0"/>
+                            </a:rPr>
+                            <m:t>𝑡</m:t>
+                          </m:r>
+                        </m:e>
+                        <m:sub>
+                          <m:r>
+                            <a:rPr lang="fr-FR" sz="1400" b="0" i="1" smtClean="0">
+                              <a:latin typeface="Cambria Math" panose="02040503050406030204" pitchFamily="18" charset="0"/>
+                            </a:rPr>
+                            <m:t>3</m:t>
+                          </m:r>
+                        </m:sub>
+                      </m:sSub>
+                    </m:oMath>
+                  </m:oMathPara>
+                </a14:m>
+                <a:endParaRPr lang="fr-FR" sz="1400" dirty="0"/>
+              </a:p>
+            </p:txBody>
+          </p:sp>
+        </mc:Choice>
+        <mc:Fallback>
+          <p:sp>
+            <p:nvSpPr>
+              <p:cNvPr id="19" name="ZoneTexte 18">
+                <a:extLst>
+                  <a:ext uri="{FF2B5EF4-FFF2-40B4-BE49-F238E27FC236}">
+                    <a16:creationId xmlns:a16="http://schemas.microsoft.com/office/drawing/2014/main" id="{0BBFA339-6634-C541-ABBD-E3D27FAC7C25}"/>
+                  </a:ext>
+                </a:extLst>
+              </p:cNvPr>
+              <p:cNvSpPr txBox="1">
+                <a:spLocks noRot="1" noChangeAspect="1" noMove="1" noResize="1" noEditPoints="1" noAdjustHandles="1" noChangeArrowheads="1" noChangeShapeType="1" noTextEdit="1"/>
+              </p:cNvSpPr>
+              <p:nvPr/>
+            </p:nvSpPr>
+            <p:spPr>
+              <a:xfrm>
+                <a:off x="2951582" y="3486260"/>
+                <a:ext cx="190758" cy="215444"/>
+              </a:xfrm>
+              <a:prstGeom prst="rect">
+                <a:avLst/>
+              </a:prstGeom>
+              <a:blipFill>
+                <a:blip r:embed="rId7"/>
+                <a:stretch>
+                  <a:fillRect l="-19355" r="-6452" b="-14286"/>
+                </a:stretch>
+              </a:blipFill>
+            </p:spPr>
+            <p:txBody>
+              <a:bodyPr/>
+              <a:lstStyle/>
+              <a:p>
+                <a:r>
+                  <a:rPr lang="fr-FR">
+                    <a:noFill/>
+                  </a:rPr>
+                  <a:t> </a:t>
+                </a:r>
+              </a:p>
+            </p:txBody>
+          </p:sp>
+        </mc:Fallback>
+      </mc:AlternateContent>
     </p:spTree>
     <p:extLst>
       <p:ext uri="{BB962C8B-B14F-4D97-AF65-F5344CB8AC3E}">

--- a/Figures [Enregistrement automatique].pptx
+++ b/Figures [Enregistrement automatique].pptx
@@ -10,6 +10,7 @@
     <p:sldId id="258" r:id="rId4"/>
     <p:sldId id="259" r:id="rId5"/>
     <p:sldId id="260" r:id="rId6"/>
+    <p:sldId id="261" r:id="rId7"/>
   </p:sldIdLst>
   <p:sldSz cx="12192000" cy="6858000"/>
   <p:notesSz cx="6858000" cy="9144000"/>
@@ -263,7 +264,7 @@
           <a:p>
             <a:fld id="{8650A246-1026-46AD-AFCC-0ACF25FECB60}" type="datetimeFigureOut">
               <a:rPr lang="fr-FR" smtClean="0"/>
-              <a:t>23/10/2023</a:t>
+              <a:t>28/10/2023</a:t>
             </a:fld>
             <a:endParaRPr lang="fr-FR"/>
           </a:p>
@@ -551,7 +552,7 @@
           <a:p>
             <a:fld id="{8650A246-1026-46AD-AFCC-0ACF25FECB60}" type="datetimeFigureOut">
               <a:rPr lang="fr-FR" smtClean="0"/>
-              <a:t>23/10/2023</a:t>
+              <a:t>28/10/2023</a:t>
             </a:fld>
             <a:endParaRPr lang="fr-FR"/>
           </a:p>
@@ -749,7 +750,7 @@
           <a:p>
             <a:fld id="{8650A246-1026-46AD-AFCC-0ACF25FECB60}" type="datetimeFigureOut">
               <a:rPr lang="fr-FR" smtClean="0"/>
-              <a:t>23/10/2023</a:t>
+              <a:t>28/10/2023</a:t>
             </a:fld>
             <a:endParaRPr lang="fr-FR"/>
           </a:p>
@@ -957,7 +958,7 @@
           <a:p>
             <a:fld id="{8650A246-1026-46AD-AFCC-0ACF25FECB60}" type="datetimeFigureOut">
               <a:rPr lang="fr-FR" smtClean="0"/>
-              <a:t>23/10/2023</a:t>
+              <a:t>28/10/2023</a:t>
             </a:fld>
             <a:endParaRPr lang="fr-FR"/>
           </a:p>
@@ -1155,7 +1156,7 @@
           <a:p>
             <a:fld id="{8650A246-1026-46AD-AFCC-0ACF25FECB60}" type="datetimeFigureOut">
               <a:rPr lang="fr-FR" smtClean="0"/>
-              <a:t>23/10/2023</a:t>
+              <a:t>28/10/2023</a:t>
             </a:fld>
             <a:endParaRPr lang="fr-FR"/>
           </a:p>
@@ -1430,7 +1431,7 @@
           <a:p>
             <a:fld id="{8650A246-1026-46AD-AFCC-0ACF25FECB60}" type="datetimeFigureOut">
               <a:rPr lang="fr-FR" smtClean="0"/>
-              <a:t>23/10/2023</a:t>
+              <a:t>28/10/2023</a:t>
             </a:fld>
             <a:endParaRPr lang="fr-FR"/>
           </a:p>
@@ -1695,7 +1696,7 @@
           <a:p>
             <a:fld id="{8650A246-1026-46AD-AFCC-0ACF25FECB60}" type="datetimeFigureOut">
               <a:rPr lang="fr-FR" smtClean="0"/>
-              <a:t>23/10/2023</a:t>
+              <a:t>28/10/2023</a:t>
             </a:fld>
             <a:endParaRPr lang="fr-FR"/>
           </a:p>
@@ -2107,7 +2108,7 @@
           <a:p>
             <a:fld id="{8650A246-1026-46AD-AFCC-0ACF25FECB60}" type="datetimeFigureOut">
               <a:rPr lang="fr-FR" smtClean="0"/>
-              <a:t>23/10/2023</a:t>
+              <a:t>28/10/2023</a:t>
             </a:fld>
             <a:endParaRPr lang="fr-FR"/>
           </a:p>
@@ -2248,7 +2249,7 @@
           <a:p>
             <a:fld id="{8650A246-1026-46AD-AFCC-0ACF25FECB60}" type="datetimeFigureOut">
               <a:rPr lang="fr-FR" smtClean="0"/>
-              <a:t>23/10/2023</a:t>
+              <a:t>28/10/2023</a:t>
             </a:fld>
             <a:endParaRPr lang="fr-FR"/>
           </a:p>
@@ -2462,7 +2463,7 @@
           <a:p>
             <a:fld id="{8650A246-1026-46AD-AFCC-0ACF25FECB60}" type="datetimeFigureOut">
               <a:rPr lang="fr-FR" smtClean="0"/>
-              <a:t>23/10/2023</a:t>
+              <a:t>28/10/2023</a:t>
             </a:fld>
             <a:endParaRPr lang="fr-FR"/>
           </a:p>
@@ -2575,7 +2576,7 @@
           <a:p>
             <a:fld id="{8650A246-1026-46AD-AFCC-0ACF25FECB60}" type="datetimeFigureOut">
               <a:rPr lang="fr-FR" smtClean="0"/>
-              <a:t>23/10/2023</a:t>
+              <a:t>28/10/2023</a:t>
             </a:fld>
             <a:endParaRPr lang="fr-FR"/>
           </a:p>
@@ -2886,7 +2887,7 @@
           <a:p>
             <a:fld id="{8650A246-1026-46AD-AFCC-0ACF25FECB60}" type="datetimeFigureOut">
               <a:rPr lang="fr-FR" smtClean="0"/>
-              <a:t>23/10/2023</a:t>
+              <a:t>28/10/2023</a:t>
             </a:fld>
             <a:endParaRPr lang="fr-FR"/>
           </a:p>
@@ -3127,7 +3128,7 @@
           <a:p>
             <a:fld id="{8650A246-1026-46AD-AFCC-0ACF25FECB60}" type="datetimeFigureOut">
               <a:rPr lang="fr-FR" smtClean="0"/>
-              <a:t>23/10/2023</a:t>
+              <a:t>28/10/2023</a:t>
             </a:fld>
             <a:endParaRPr lang="fr-FR"/>
           </a:p>
@@ -9646,8 +9647,8 @@
           </a:fontRef>
         </p:style>
       </p:cxnSp>
-      <mc:AlternateContent xmlns:mc="http://schemas.openxmlformats.org/markup-compatibility/2006">
-        <mc:Choice xmlns:a14="http://schemas.microsoft.com/office/drawing/2010/main" Requires="a14">
+      <mc:AlternateContent xmlns:mc="http://schemas.openxmlformats.org/markup-compatibility/2006" xmlns:a14="http://schemas.microsoft.com/office/drawing/2010/main">
+        <mc:Choice Requires="a14">
           <p:sp>
             <p:nvSpPr>
               <p:cNvPr id="11" name="ZoneTexte 10">
@@ -9676,6 +9677,7 @@
               </a:bodyPr>
               <a:lstStyle/>
               <a:p>
+                <a:pPr/>
                 <a14:m>
                   <m:oMathPara xmlns:m="http://schemas.openxmlformats.org/officeDocument/2006/math">
                     <m:oMathParaPr>
@@ -9696,7 +9698,953 @@
             </p:txBody>
           </p:sp>
         </mc:Choice>
-        <mc:Fallback>
+        <mc:Fallback xmlns="">
+          <p:sp>
+            <p:nvSpPr>
+              <p:cNvPr id="11" name="ZoneTexte 10">
+                <a:extLst>
+                  <a:ext uri="{FF2B5EF4-FFF2-40B4-BE49-F238E27FC236}">
+                    <a16:creationId xmlns:a16="http://schemas.microsoft.com/office/drawing/2014/main" id="{4C9C68B8-7E8E-3324-A750-638C726B6CC8}"/>
+                  </a:ext>
+                </a:extLst>
+              </p:cNvPr>
+              <p:cNvSpPr txBox="1">
+                <a:spLocks noRot="1" noChangeAspect="1" noMove="1" noResize="1" noEditPoints="1" noAdjustHandles="1" noChangeArrowheads="1" noChangeShapeType="1" noTextEdit="1"/>
+              </p:cNvSpPr>
+              <p:nvPr/>
+            </p:nvSpPr>
+            <p:spPr>
+              <a:xfrm>
+                <a:off x="3067384" y="3152000"/>
+                <a:ext cx="149913" cy="276999"/>
+              </a:xfrm>
+              <a:prstGeom prst="rect">
+                <a:avLst/>
+              </a:prstGeom>
+              <a:blipFill>
+                <a:blip r:embed="rId2"/>
+                <a:stretch>
+                  <a:fillRect l="-32000" r="-28000" b="-6667"/>
+                </a:stretch>
+              </a:blipFill>
+            </p:spPr>
+            <p:txBody>
+              <a:bodyPr/>
+              <a:lstStyle/>
+              <a:p>
+                <a:r>
+                  <a:rPr lang="fr-FR">
+                    <a:noFill/>
+                  </a:rPr>
+                  <a:t> </a:t>
+                </a:r>
+              </a:p>
+            </p:txBody>
+          </p:sp>
+        </mc:Fallback>
+      </mc:AlternateContent>
+      <mc:AlternateContent xmlns:mc="http://schemas.openxmlformats.org/markup-compatibility/2006" xmlns:a14="http://schemas.microsoft.com/office/drawing/2010/main">
+        <mc:Choice Requires="a14">
+          <p:sp>
+            <p:nvSpPr>
+              <p:cNvPr id="12" name="ZoneTexte 11">
+                <a:extLst>
+                  <a:ext uri="{FF2B5EF4-FFF2-40B4-BE49-F238E27FC236}">
+                    <a16:creationId xmlns:a16="http://schemas.microsoft.com/office/drawing/2014/main" id="{056307E9-BEB6-56E0-261F-21F31E6411CD}"/>
+                  </a:ext>
+                </a:extLst>
+              </p:cNvPr>
+              <p:cNvSpPr txBox="1"/>
+              <p:nvPr/>
+            </p:nvSpPr>
+            <p:spPr>
+              <a:xfrm>
+                <a:off x="626565" y="1989000"/>
+                <a:ext cx="365485" cy="215444"/>
+              </a:xfrm>
+              <a:prstGeom prst="rect">
+                <a:avLst/>
+              </a:prstGeom>
+              <a:noFill/>
+            </p:spPr>
+            <p:txBody>
+              <a:bodyPr wrap="none" lIns="0" tIns="0" rIns="0" bIns="0" rtlCol="0">
+                <a:spAutoFit/>
+              </a:bodyPr>
+              <a:lstStyle/>
+              <a:p>
+                <a:pPr/>
+                <a14:m>
+                  <m:oMathPara xmlns:m="http://schemas.openxmlformats.org/officeDocument/2006/math">
+                    <m:oMathParaPr>
+                      <m:jc m:val="centerGroup"/>
+                    </m:oMathParaPr>
+                    <m:oMath xmlns:m="http://schemas.openxmlformats.org/officeDocument/2006/math">
+                      <m:r>
+                        <a:rPr lang="fr-FR" sz="1400" b="0" i="1" smtClean="0">
+                          <a:latin typeface="Cambria Math" panose="02040503050406030204" pitchFamily="18" charset="0"/>
+                        </a:rPr>
+                        <m:t>𝑣</m:t>
+                      </m:r>
+                      <m:r>
+                        <a:rPr lang="fr-FR" sz="1400" b="0" i="1" smtClean="0">
+                          <a:latin typeface="Cambria Math" panose="02040503050406030204" pitchFamily="18" charset="0"/>
+                        </a:rPr>
+                        <m:t>(</m:t>
+                      </m:r>
+                      <m:r>
+                        <a:rPr lang="fr-FR" sz="1400" b="0" i="1" smtClean="0">
+                          <a:latin typeface="Cambria Math" panose="02040503050406030204" pitchFamily="18" charset="0"/>
+                        </a:rPr>
+                        <m:t>𝑡</m:t>
+                      </m:r>
+                      <m:r>
+                        <a:rPr lang="fr-FR" sz="1400" b="0" i="1" smtClean="0">
+                          <a:latin typeface="Cambria Math" panose="02040503050406030204" pitchFamily="18" charset="0"/>
+                        </a:rPr>
+                        <m:t>)</m:t>
+                      </m:r>
+                    </m:oMath>
+                  </m:oMathPara>
+                </a14:m>
+                <a:endParaRPr lang="fr-FR" sz="1400" dirty="0"/>
+              </a:p>
+            </p:txBody>
+          </p:sp>
+        </mc:Choice>
+        <mc:Fallback xmlns="">
+          <p:sp>
+            <p:nvSpPr>
+              <p:cNvPr id="12" name="ZoneTexte 11">
+                <a:extLst>
+                  <a:ext uri="{FF2B5EF4-FFF2-40B4-BE49-F238E27FC236}">
+                    <a16:creationId xmlns:a16="http://schemas.microsoft.com/office/drawing/2014/main" id="{056307E9-BEB6-56E0-261F-21F31E6411CD}"/>
+                  </a:ext>
+                </a:extLst>
+              </p:cNvPr>
+              <p:cNvSpPr txBox="1">
+                <a:spLocks noRot="1" noChangeAspect="1" noMove="1" noResize="1" noEditPoints="1" noAdjustHandles="1" noChangeArrowheads="1" noChangeShapeType="1" noTextEdit="1"/>
+              </p:cNvSpPr>
+              <p:nvPr/>
+            </p:nvSpPr>
+            <p:spPr>
+              <a:xfrm>
+                <a:off x="626565" y="1989000"/>
+                <a:ext cx="365485" cy="215444"/>
+              </a:xfrm>
+              <a:prstGeom prst="rect">
+                <a:avLst/>
+              </a:prstGeom>
+              <a:blipFill>
+                <a:blip r:embed="rId3"/>
+                <a:stretch>
+                  <a:fillRect l="-6667" r="-15000" b="-30556"/>
+                </a:stretch>
+              </a:blipFill>
+            </p:spPr>
+            <p:txBody>
+              <a:bodyPr/>
+              <a:lstStyle/>
+              <a:p>
+                <a:r>
+                  <a:rPr lang="fr-FR">
+                    <a:noFill/>
+                  </a:rPr>
+                  <a:t> </a:t>
+                </a:r>
+              </a:p>
+            </p:txBody>
+          </p:sp>
+        </mc:Fallback>
+      </mc:AlternateContent>
+      <p:cxnSp>
+        <p:nvCxnSpPr>
+          <p:cNvPr id="13" name="Connecteur droit avec flèche 12">
+            <a:extLst>
+              <a:ext uri="{FF2B5EF4-FFF2-40B4-BE49-F238E27FC236}">
+                <a16:creationId xmlns:a16="http://schemas.microsoft.com/office/drawing/2014/main" id="{A9BC7F03-45A9-256C-FE9A-4A6FF81CE7B7}"/>
+              </a:ext>
+            </a:extLst>
+          </p:cNvPr>
+          <p:cNvCxnSpPr>
+            <a:cxnSpLocks/>
+          </p:cNvCxnSpPr>
+          <p:nvPr/>
+        </p:nvCxnSpPr>
+        <p:spPr>
+          <a:xfrm>
+            <a:off x="1041604" y="2455331"/>
+            <a:ext cx="258876" cy="0"/>
+          </a:xfrm>
+          <a:prstGeom prst="straightConnector1">
+            <a:avLst/>
+          </a:prstGeom>
+          <a:ln>
+            <a:solidFill>
+              <a:srgbClr val="002060"/>
+            </a:solidFill>
+            <a:prstDash val="dash"/>
+            <a:tailEnd type="none" w="med" len="lg"/>
+          </a:ln>
+        </p:spPr>
+        <p:style>
+          <a:lnRef idx="1">
+            <a:schemeClr val="accent1"/>
+          </a:lnRef>
+          <a:fillRef idx="0">
+            <a:schemeClr val="accent1"/>
+          </a:fillRef>
+          <a:effectRef idx="0">
+            <a:schemeClr val="accent1"/>
+          </a:effectRef>
+          <a:fontRef idx="minor">
+            <a:schemeClr val="tx1"/>
+          </a:fontRef>
+        </p:style>
+      </p:cxnSp>
+      <mc:AlternateContent xmlns:mc="http://schemas.openxmlformats.org/markup-compatibility/2006" xmlns:a14="http://schemas.microsoft.com/office/drawing/2010/main">
+        <mc:Choice Requires="a14">
+          <p:sp>
+            <p:nvSpPr>
+              <p:cNvPr id="16" name="ZoneTexte 15">
+                <a:extLst>
+                  <a:ext uri="{FF2B5EF4-FFF2-40B4-BE49-F238E27FC236}">
+                    <a16:creationId xmlns:a16="http://schemas.microsoft.com/office/drawing/2014/main" id="{9457E4AA-CA22-80A7-9E3A-17E4FAD67473}"/>
+                  </a:ext>
+                </a:extLst>
+              </p:cNvPr>
+              <p:cNvSpPr txBox="1"/>
+              <p:nvPr/>
+            </p:nvSpPr>
+            <p:spPr>
+              <a:xfrm>
+                <a:off x="567562" y="2353420"/>
+                <a:ext cx="418833" cy="215444"/>
+              </a:xfrm>
+              <a:prstGeom prst="rect">
+                <a:avLst/>
+              </a:prstGeom>
+              <a:noFill/>
+            </p:spPr>
+            <p:txBody>
+              <a:bodyPr wrap="none" lIns="0" tIns="0" rIns="0" bIns="0" rtlCol="0">
+                <a:spAutoFit/>
+              </a:bodyPr>
+              <a:lstStyle/>
+              <a:p>
+                <a:pPr/>
+                <a14:m>
+                  <m:oMathPara xmlns:m="http://schemas.openxmlformats.org/officeDocument/2006/math">
+                    <m:oMathParaPr>
+                      <m:jc m:val="centerGroup"/>
+                    </m:oMathParaPr>
+                    <m:oMath xmlns:m="http://schemas.openxmlformats.org/officeDocument/2006/math">
+                      <m:sSub>
+                        <m:sSubPr>
+                          <m:ctrlPr>
+                            <a:rPr lang="fr-FR" sz="1400" b="0" i="1" smtClean="0">
+                              <a:latin typeface="Cambria Math" panose="02040503050406030204" pitchFamily="18" charset="0"/>
+                            </a:rPr>
+                          </m:ctrlPr>
+                        </m:sSubPr>
+                        <m:e>
+                          <m:r>
+                            <a:rPr lang="fr-FR" sz="1400" b="0" i="1" smtClean="0">
+                              <a:latin typeface="Cambria Math" panose="02040503050406030204" pitchFamily="18" charset="0"/>
+                            </a:rPr>
+                            <m:t>𝑣</m:t>
+                          </m:r>
+                        </m:e>
+                        <m:sub>
+                          <m:r>
+                            <a:rPr lang="fr-FR" sz="1400" b="0" i="1" smtClean="0">
+                              <a:latin typeface="Cambria Math" panose="02040503050406030204" pitchFamily="18" charset="0"/>
+                            </a:rPr>
+                            <m:t>𝑚𝑎𝑥</m:t>
+                          </m:r>
+                        </m:sub>
+                      </m:sSub>
+                    </m:oMath>
+                  </m:oMathPara>
+                </a14:m>
+                <a:endParaRPr lang="fr-FR" sz="1400" dirty="0"/>
+              </a:p>
+            </p:txBody>
+          </p:sp>
+        </mc:Choice>
+        <mc:Fallback xmlns="">
+          <p:sp>
+            <p:nvSpPr>
+              <p:cNvPr id="16" name="ZoneTexte 15">
+                <a:extLst>
+                  <a:ext uri="{FF2B5EF4-FFF2-40B4-BE49-F238E27FC236}">
+                    <a16:creationId xmlns:a16="http://schemas.microsoft.com/office/drawing/2014/main" id="{9457E4AA-CA22-80A7-9E3A-17E4FAD67473}"/>
+                  </a:ext>
+                </a:extLst>
+              </p:cNvPr>
+              <p:cNvSpPr txBox="1">
+                <a:spLocks noRot="1" noChangeAspect="1" noMove="1" noResize="1" noEditPoints="1" noAdjustHandles="1" noChangeArrowheads="1" noChangeShapeType="1" noTextEdit="1"/>
+              </p:cNvSpPr>
+              <p:nvPr/>
+            </p:nvSpPr>
+            <p:spPr>
+              <a:xfrm>
+                <a:off x="567562" y="2353420"/>
+                <a:ext cx="418833" cy="215444"/>
+              </a:xfrm>
+              <a:prstGeom prst="rect">
+                <a:avLst/>
+              </a:prstGeom>
+              <a:blipFill>
+                <a:blip r:embed="rId4"/>
+                <a:stretch>
+                  <a:fillRect l="-5797" b="-11429"/>
+                </a:stretch>
+              </a:blipFill>
+            </p:spPr>
+            <p:txBody>
+              <a:bodyPr/>
+              <a:lstStyle/>
+              <a:p>
+                <a:r>
+                  <a:rPr lang="fr-FR">
+                    <a:noFill/>
+                  </a:rPr>
+                  <a:t> </a:t>
+                </a:r>
+              </a:p>
+            </p:txBody>
+          </p:sp>
+        </mc:Fallback>
+      </mc:AlternateContent>
+      <mc:AlternateContent xmlns:mc="http://schemas.openxmlformats.org/markup-compatibility/2006" xmlns:a14="http://schemas.microsoft.com/office/drawing/2010/main">
+        <mc:Choice Requires="a14">
+          <p:sp>
+            <p:nvSpPr>
+              <p:cNvPr id="17" name="ZoneTexte 16">
+                <a:extLst>
+                  <a:ext uri="{FF2B5EF4-FFF2-40B4-BE49-F238E27FC236}">
+                    <a16:creationId xmlns:a16="http://schemas.microsoft.com/office/drawing/2014/main" id="{0B431CCC-9673-E322-E412-4D3F6DBFD1F0}"/>
+                  </a:ext>
+                </a:extLst>
+              </p:cNvPr>
+              <p:cNvSpPr txBox="1"/>
+              <p:nvPr/>
+            </p:nvSpPr>
+            <p:spPr>
+              <a:xfrm>
+                <a:off x="1207185" y="3486260"/>
+                <a:ext cx="186590" cy="215444"/>
+              </a:xfrm>
+              <a:prstGeom prst="rect">
+                <a:avLst/>
+              </a:prstGeom>
+              <a:noFill/>
+            </p:spPr>
+            <p:txBody>
+              <a:bodyPr wrap="none" lIns="0" tIns="0" rIns="0" bIns="0" rtlCol="0">
+                <a:spAutoFit/>
+              </a:bodyPr>
+              <a:lstStyle/>
+              <a:p>
+                <a:pPr/>
+                <a14:m>
+                  <m:oMathPara xmlns:m="http://schemas.openxmlformats.org/officeDocument/2006/math">
+                    <m:oMathParaPr>
+                      <m:jc m:val="centerGroup"/>
+                    </m:oMathParaPr>
+                    <m:oMath xmlns:m="http://schemas.openxmlformats.org/officeDocument/2006/math">
+                      <m:sSub>
+                        <m:sSubPr>
+                          <m:ctrlPr>
+                            <a:rPr lang="fr-FR" sz="1400" b="0" i="1" smtClean="0">
+                              <a:latin typeface="Cambria Math" panose="02040503050406030204" pitchFamily="18" charset="0"/>
+                            </a:rPr>
+                          </m:ctrlPr>
+                        </m:sSubPr>
+                        <m:e>
+                          <m:r>
+                            <a:rPr lang="fr-FR" sz="1400" b="0" i="1" smtClean="0">
+                              <a:latin typeface="Cambria Math" panose="02040503050406030204" pitchFamily="18" charset="0"/>
+                            </a:rPr>
+                            <m:t>𝑡</m:t>
+                          </m:r>
+                        </m:e>
+                        <m:sub>
+                          <m:r>
+                            <a:rPr lang="fr-FR" sz="1400" b="0" i="1" smtClean="0">
+                              <a:latin typeface="Cambria Math" panose="02040503050406030204" pitchFamily="18" charset="0"/>
+                            </a:rPr>
+                            <m:t>1</m:t>
+                          </m:r>
+                        </m:sub>
+                      </m:sSub>
+                    </m:oMath>
+                  </m:oMathPara>
+                </a14:m>
+                <a:endParaRPr lang="fr-FR" sz="1400" dirty="0"/>
+              </a:p>
+            </p:txBody>
+          </p:sp>
+        </mc:Choice>
+        <mc:Fallback xmlns="">
+          <p:sp>
+            <p:nvSpPr>
+              <p:cNvPr id="17" name="ZoneTexte 16">
+                <a:extLst>
+                  <a:ext uri="{FF2B5EF4-FFF2-40B4-BE49-F238E27FC236}">
+                    <a16:creationId xmlns:a16="http://schemas.microsoft.com/office/drawing/2014/main" id="{0B431CCC-9673-E322-E412-4D3F6DBFD1F0}"/>
+                  </a:ext>
+                </a:extLst>
+              </p:cNvPr>
+              <p:cNvSpPr txBox="1">
+                <a:spLocks noRot="1" noChangeAspect="1" noMove="1" noResize="1" noEditPoints="1" noAdjustHandles="1" noChangeArrowheads="1" noChangeShapeType="1" noTextEdit="1"/>
+              </p:cNvSpPr>
+              <p:nvPr/>
+            </p:nvSpPr>
+            <p:spPr>
+              <a:xfrm>
+                <a:off x="1207185" y="3486260"/>
+                <a:ext cx="186590" cy="215444"/>
+              </a:xfrm>
+              <a:prstGeom prst="rect">
+                <a:avLst/>
+              </a:prstGeom>
+              <a:blipFill>
+                <a:blip r:embed="rId5"/>
+                <a:stretch>
+                  <a:fillRect l="-19355" r="-3226" b="-14286"/>
+                </a:stretch>
+              </a:blipFill>
+            </p:spPr>
+            <p:txBody>
+              <a:bodyPr/>
+              <a:lstStyle/>
+              <a:p>
+                <a:r>
+                  <a:rPr lang="fr-FR">
+                    <a:noFill/>
+                  </a:rPr>
+                  <a:t> </a:t>
+                </a:r>
+              </a:p>
+            </p:txBody>
+          </p:sp>
+        </mc:Fallback>
+      </mc:AlternateContent>
+      <mc:AlternateContent xmlns:mc="http://schemas.openxmlformats.org/markup-compatibility/2006" xmlns:a14="http://schemas.microsoft.com/office/drawing/2010/main">
+        <mc:Choice Requires="a14">
+          <p:sp>
+            <p:nvSpPr>
+              <p:cNvPr id="18" name="ZoneTexte 17">
+                <a:extLst>
+                  <a:ext uri="{FF2B5EF4-FFF2-40B4-BE49-F238E27FC236}">
+                    <a16:creationId xmlns:a16="http://schemas.microsoft.com/office/drawing/2014/main" id="{F1459487-8D7E-E495-D536-4DF88129027F}"/>
+                  </a:ext>
+                </a:extLst>
+              </p:cNvPr>
+              <p:cNvSpPr txBox="1"/>
+              <p:nvPr/>
+            </p:nvSpPr>
+            <p:spPr>
+              <a:xfrm>
+                <a:off x="2665145" y="3486260"/>
+                <a:ext cx="190758" cy="215444"/>
+              </a:xfrm>
+              <a:prstGeom prst="rect">
+                <a:avLst/>
+              </a:prstGeom>
+              <a:noFill/>
+            </p:spPr>
+            <p:txBody>
+              <a:bodyPr wrap="none" lIns="0" tIns="0" rIns="0" bIns="0" rtlCol="0">
+                <a:spAutoFit/>
+              </a:bodyPr>
+              <a:lstStyle/>
+              <a:p>
+                <a:pPr/>
+                <a14:m>
+                  <m:oMathPara xmlns:m="http://schemas.openxmlformats.org/officeDocument/2006/math">
+                    <m:oMathParaPr>
+                      <m:jc m:val="centerGroup"/>
+                    </m:oMathParaPr>
+                    <m:oMath xmlns:m="http://schemas.openxmlformats.org/officeDocument/2006/math">
+                      <m:sSub>
+                        <m:sSubPr>
+                          <m:ctrlPr>
+                            <a:rPr lang="fr-FR" sz="1400" b="0" i="1" smtClean="0">
+                              <a:latin typeface="Cambria Math" panose="02040503050406030204" pitchFamily="18" charset="0"/>
+                            </a:rPr>
+                          </m:ctrlPr>
+                        </m:sSubPr>
+                        <m:e>
+                          <m:r>
+                            <a:rPr lang="fr-FR" sz="1400" b="0" i="1" smtClean="0">
+                              <a:latin typeface="Cambria Math" panose="02040503050406030204" pitchFamily="18" charset="0"/>
+                            </a:rPr>
+                            <m:t>𝑡</m:t>
+                          </m:r>
+                        </m:e>
+                        <m:sub>
+                          <m:r>
+                            <a:rPr lang="fr-FR" sz="1400" b="0" i="1" smtClean="0">
+                              <a:latin typeface="Cambria Math" panose="02040503050406030204" pitchFamily="18" charset="0"/>
+                            </a:rPr>
+                            <m:t>2</m:t>
+                          </m:r>
+                        </m:sub>
+                      </m:sSub>
+                    </m:oMath>
+                  </m:oMathPara>
+                </a14:m>
+                <a:endParaRPr lang="fr-FR" sz="1400" dirty="0"/>
+              </a:p>
+            </p:txBody>
+          </p:sp>
+        </mc:Choice>
+        <mc:Fallback xmlns="">
+          <p:sp>
+            <p:nvSpPr>
+              <p:cNvPr id="18" name="ZoneTexte 17">
+                <a:extLst>
+                  <a:ext uri="{FF2B5EF4-FFF2-40B4-BE49-F238E27FC236}">
+                    <a16:creationId xmlns:a16="http://schemas.microsoft.com/office/drawing/2014/main" id="{F1459487-8D7E-E495-D536-4DF88129027F}"/>
+                  </a:ext>
+                </a:extLst>
+              </p:cNvPr>
+              <p:cNvSpPr txBox="1">
+                <a:spLocks noRot="1" noChangeAspect="1" noMove="1" noResize="1" noEditPoints="1" noAdjustHandles="1" noChangeArrowheads="1" noChangeShapeType="1" noTextEdit="1"/>
+              </p:cNvSpPr>
+              <p:nvPr/>
+            </p:nvSpPr>
+            <p:spPr>
+              <a:xfrm>
+                <a:off x="2665145" y="3486260"/>
+                <a:ext cx="190758" cy="215444"/>
+              </a:xfrm>
+              <a:prstGeom prst="rect">
+                <a:avLst/>
+              </a:prstGeom>
+              <a:blipFill>
+                <a:blip r:embed="rId6"/>
+                <a:stretch>
+                  <a:fillRect l="-19355" r="-6452" b="-14286"/>
+                </a:stretch>
+              </a:blipFill>
+            </p:spPr>
+            <p:txBody>
+              <a:bodyPr/>
+              <a:lstStyle/>
+              <a:p>
+                <a:r>
+                  <a:rPr lang="fr-FR">
+                    <a:noFill/>
+                  </a:rPr>
+                  <a:t> </a:t>
+                </a:r>
+              </a:p>
+            </p:txBody>
+          </p:sp>
+        </mc:Fallback>
+      </mc:AlternateContent>
+      <mc:AlternateContent xmlns:mc="http://schemas.openxmlformats.org/markup-compatibility/2006" xmlns:a14="http://schemas.microsoft.com/office/drawing/2010/main">
+        <mc:Choice Requires="a14">
+          <p:sp>
+            <p:nvSpPr>
+              <p:cNvPr id="19" name="ZoneTexte 18">
+                <a:extLst>
+                  <a:ext uri="{FF2B5EF4-FFF2-40B4-BE49-F238E27FC236}">
+                    <a16:creationId xmlns:a16="http://schemas.microsoft.com/office/drawing/2014/main" id="{0BBFA339-6634-C541-ABBD-E3D27FAC7C25}"/>
+                  </a:ext>
+                </a:extLst>
+              </p:cNvPr>
+              <p:cNvSpPr txBox="1"/>
+              <p:nvPr/>
+            </p:nvSpPr>
+            <p:spPr>
+              <a:xfrm>
+                <a:off x="2951582" y="3486260"/>
+                <a:ext cx="190758" cy="215444"/>
+              </a:xfrm>
+              <a:prstGeom prst="rect">
+                <a:avLst/>
+              </a:prstGeom>
+              <a:noFill/>
+            </p:spPr>
+            <p:txBody>
+              <a:bodyPr wrap="none" lIns="0" tIns="0" rIns="0" bIns="0" rtlCol="0">
+                <a:spAutoFit/>
+              </a:bodyPr>
+              <a:lstStyle/>
+              <a:p>
+                <a:pPr/>
+                <a14:m>
+                  <m:oMathPara xmlns:m="http://schemas.openxmlformats.org/officeDocument/2006/math">
+                    <m:oMathParaPr>
+                      <m:jc m:val="centerGroup"/>
+                    </m:oMathParaPr>
+                    <m:oMath xmlns:m="http://schemas.openxmlformats.org/officeDocument/2006/math">
+                      <m:sSub>
+                        <m:sSubPr>
+                          <m:ctrlPr>
+                            <a:rPr lang="fr-FR" sz="1400" b="0" i="1" smtClean="0">
+                              <a:latin typeface="Cambria Math" panose="02040503050406030204" pitchFamily="18" charset="0"/>
+                            </a:rPr>
+                          </m:ctrlPr>
+                        </m:sSubPr>
+                        <m:e>
+                          <m:r>
+                            <a:rPr lang="fr-FR" sz="1400" b="0" i="1" smtClean="0">
+                              <a:latin typeface="Cambria Math" panose="02040503050406030204" pitchFamily="18" charset="0"/>
+                            </a:rPr>
+                            <m:t>𝑡</m:t>
+                          </m:r>
+                        </m:e>
+                        <m:sub>
+                          <m:r>
+                            <a:rPr lang="fr-FR" sz="1400" b="0" i="1" smtClean="0">
+                              <a:latin typeface="Cambria Math" panose="02040503050406030204" pitchFamily="18" charset="0"/>
+                            </a:rPr>
+                            <m:t>3</m:t>
+                          </m:r>
+                        </m:sub>
+                      </m:sSub>
+                    </m:oMath>
+                  </m:oMathPara>
+                </a14:m>
+                <a:endParaRPr lang="fr-FR" sz="1400" dirty="0"/>
+              </a:p>
+            </p:txBody>
+          </p:sp>
+        </mc:Choice>
+        <mc:Fallback xmlns="">
+          <p:sp>
+            <p:nvSpPr>
+              <p:cNvPr id="19" name="ZoneTexte 18">
+                <a:extLst>
+                  <a:ext uri="{FF2B5EF4-FFF2-40B4-BE49-F238E27FC236}">
+                    <a16:creationId xmlns:a16="http://schemas.microsoft.com/office/drawing/2014/main" id="{0BBFA339-6634-C541-ABBD-E3D27FAC7C25}"/>
+                  </a:ext>
+                </a:extLst>
+              </p:cNvPr>
+              <p:cNvSpPr txBox="1">
+                <a:spLocks noRot="1" noChangeAspect="1" noMove="1" noResize="1" noEditPoints="1" noAdjustHandles="1" noChangeArrowheads="1" noChangeShapeType="1" noTextEdit="1"/>
+              </p:cNvSpPr>
+              <p:nvPr/>
+            </p:nvSpPr>
+            <p:spPr>
+              <a:xfrm>
+                <a:off x="2951582" y="3486260"/>
+                <a:ext cx="190758" cy="215444"/>
+              </a:xfrm>
+              <a:prstGeom prst="rect">
+                <a:avLst/>
+              </a:prstGeom>
+              <a:blipFill>
+                <a:blip r:embed="rId7"/>
+                <a:stretch>
+                  <a:fillRect l="-19355" r="-6452" b="-14286"/>
+                </a:stretch>
+              </a:blipFill>
+            </p:spPr>
+            <p:txBody>
+              <a:bodyPr/>
+              <a:lstStyle/>
+              <a:p>
+                <a:r>
+                  <a:rPr lang="fr-FR">
+                    <a:noFill/>
+                  </a:rPr>
+                  <a:t> </a:t>
+                </a:r>
+              </a:p>
+            </p:txBody>
+          </p:sp>
+        </mc:Fallback>
+      </mc:AlternateContent>
+    </p:spTree>
+    <p:extLst>
+      <p:ext uri="{BB962C8B-B14F-4D97-AF65-F5344CB8AC3E}">
+        <p14:creationId xmlns:p14="http://schemas.microsoft.com/office/powerpoint/2010/main" val="518156337"/>
+      </p:ext>
+    </p:extLst>
+  </p:cSld>
+  <p:clrMapOvr>
+    <a:masterClrMapping/>
+  </p:clrMapOvr>
+</p:sld>
+</file>
+
+<file path=ppt/slides/slide6.xml><?xml version="1.0" encoding="utf-8"?>
+<p:sld xmlns:a="http://schemas.openxmlformats.org/drawingml/2006/main" xmlns:r="http://schemas.openxmlformats.org/officeDocument/2006/relationships" xmlns:p="http://schemas.openxmlformats.org/presentationml/2006/main">
+  <p:cSld>
+    <p:spTree>
+      <p:nvGrpSpPr>
+        <p:cNvPr id="1" name=""/>
+        <p:cNvGrpSpPr/>
+        <p:nvPr/>
+      </p:nvGrpSpPr>
+      <p:grpSpPr>
+        <a:xfrm>
+          <a:off x="0" y="0"/>
+          <a:ext cx="0" cy="0"/>
+          <a:chOff x="0" y="0"/>
+          <a:chExt cx="0" cy="0"/>
+        </a:xfrm>
+      </p:grpSpPr>
+      <p:sp>
+        <p:nvSpPr>
+          <p:cNvPr id="55" name="Triangle rectangle 54">
+            <a:extLst>
+              <a:ext uri="{FF2B5EF4-FFF2-40B4-BE49-F238E27FC236}">
+                <a16:creationId xmlns:a16="http://schemas.microsoft.com/office/drawing/2014/main" id="{FFD5E54C-DDA3-8521-8934-427E87C4C3C5}"/>
+              </a:ext>
+            </a:extLst>
+          </p:cNvPr>
+          <p:cNvSpPr/>
+          <p:nvPr/>
+        </p:nvSpPr>
+        <p:spPr>
+          <a:xfrm flipH="1">
+            <a:off x="2164926" y="2552835"/>
+            <a:ext cx="245531" cy="77496"/>
+          </a:xfrm>
+          <a:prstGeom prst="rtTriangle">
+            <a:avLst/>
+          </a:prstGeom>
+          <a:solidFill>
+            <a:schemeClr val="accent2">
+              <a:lumMod val="20000"/>
+              <a:lumOff val="80000"/>
+            </a:schemeClr>
+          </a:solidFill>
+          <a:ln>
+            <a:noFill/>
+          </a:ln>
+        </p:spPr>
+        <p:style>
+          <a:lnRef idx="2">
+            <a:schemeClr val="accent1">
+              <a:shade val="15000"/>
+            </a:schemeClr>
+          </a:lnRef>
+          <a:fillRef idx="1">
+            <a:schemeClr val="accent1"/>
+          </a:fillRef>
+          <a:effectRef idx="0">
+            <a:schemeClr val="accent1"/>
+          </a:effectRef>
+          <a:fontRef idx="minor">
+            <a:schemeClr val="lt1"/>
+          </a:fontRef>
+        </p:style>
+        <p:txBody>
+          <a:bodyPr rtlCol="0" anchor="ctr"/>
+          <a:lstStyle/>
+          <a:p>
+            <a:pPr algn="ctr"/>
+            <a:endParaRPr lang="fr-FR"/>
+          </a:p>
+        </p:txBody>
+      </p:sp>
+      <p:sp>
+        <p:nvSpPr>
+          <p:cNvPr id="54" name="Rectangle : avec coin arrondi et coin rogné en haut 53">
+            <a:extLst>
+              <a:ext uri="{FF2B5EF4-FFF2-40B4-BE49-F238E27FC236}">
+                <a16:creationId xmlns:a16="http://schemas.microsoft.com/office/drawing/2014/main" id="{8ACF5D38-E701-85DC-54CC-6CABE6CECED7}"/>
+              </a:ext>
+            </a:extLst>
+          </p:cNvPr>
+          <p:cNvSpPr/>
+          <p:nvPr/>
+        </p:nvSpPr>
+        <p:spPr>
+          <a:xfrm rot="16200000">
+            <a:off x="1876670" y="2899871"/>
+            <a:ext cx="812727" cy="245529"/>
+          </a:xfrm>
+          <a:prstGeom prst="snipRoundRect">
+            <a:avLst>
+              <a:gd name="adj1" fmla="val 0"/>
+              <a:gd name="adj2" fmla="val 2192"/>
+            </a:avLst>
+          </a:prstGeom>
+          <a:solidFill>
+            <a:schemeClr val="accent2">
+              <a:lumMod val="20000"/>
+              <a:lumOff val="80000"/>
+            </a:schemeClr>
+          </a:solidFill>
+          <a:ln>
+            <a:noFill/>
+          </a:ln>
+        </p:spPr>
+        <p:style>
+          <a:lnRef idx="2">
+            <a:schemeClr val="accent1">
+              <a:shade val="15000"/>
+            </a:schemeClr>
+          </a:lnRef>
+          <a:fillRef idx="1">
+            <a:schemeClr val="accent1"/>
+          </a:fillRef>
+          <a:effectRef idx="0">
+            <a:schemeClr val="accent1"/>
+          </a:effectRef>
+          <a:fontRef idx="minor">
+            <a:schemeClr val="lt1"/>
+          </a:fontRef>
+        </p:style>
+        <p:txBody>
+          <a:bodyPr rtlCol="0" anchor="ctr"/>
+          <a:lstStyle/>
+          <a:p>
+            <a:pPr algn="ctr"/>
+            <a:endParaRPr lang="fr-FR"/>
+          </a:p>
+        </p:txBody>
+      </p:sp>
+      <p:cxnSp>
+        <p:nvCxnSpPr>
+          <p:cNvPr id="3" name="Connecteur droit avec flèche 2">
+            <a:extLst>
+              <a:ext uri="{FF2B5EF4-FFF2-40B4-BE49-F238E27FC236}">
+                <a16:creationId xmlns:a16="http://schemas.microsoft.com/office/drawing/2014/main" id="{18CA7C2B-DFAA-3B5B-DD49-EF287D62D77F}"/>
+              </a:ext>
+            </a:extLst>
+          </p:cNvPr>
+          <p:cNvCxnSpPr>
+            <a:cxnSpLocks/>
+          </p:cNvCxnSpPr>
+          <p:nvPr/>
+        </p:nvCxnSpPr>
+        <p:spPr>
+          <a:xfrm flipV="1">
+            <a:off x="1046480" y="1989000"/>
+            <a:ext cx="0" cy="1440000"/>
+          </a:xfrm>
+          <a:prstGeom prst="straightConnector1">
+            <a:avLst/>
+          </a:prstGeom>
+          <a:ln>
+            <a:solidFill>
+              <a:srgbClr val="002060"/>
+            </a:solidFill>
+            <a:tailEnd type="stealth" w="med" len="lg"/>
+          </a:ln>
+        </p:spPr>
+        <p:style>
+          <a:lnRef idx="1">
+            <a:schemeClr val="accent1"/>
+          </a:lnRef>
+          <a:fillRef idx="0">
+            <a:schemeClr val="accent1"/>
+          </a:fillRef>
+          <a:effectRef idx="0">
+            <a:schemeClr val="accent1"/>
+          </a:effectRef>
+          <a:fontRef idx="minor">
+            <a:schemeClr val="tx1"/>
+          </a:fontRef>
+        </p:style>
+      </p:cxnSp>
+      <p:cxnSp>
+        <p:nvCxnSpPr>
+          <p:cNvPr id="5" name="Connecteur droit avec flèche 4">
+            <a:extLst>
+              <a:ext uri="{FF2B5EF4-FFF2-40B4-BE49-F238E27FC236}">
+                <a16:creationId xmlns:a16="http://schemas.microsoft.com/office/drawing/2014/main" id="{10FB8054-D472-375B-E9B6-9C21F23DBCF2}"/>
+              </a:ext>
+            </a:extLst>
+          </p:cNvPr>
+          <p:cNvCxnSpPr>
+            <a:cxnSpLocks/>
+          </p:cNvCxnSpPr>
+          <p:nvPr/>
+        </p:nvCxnSpPr>
+        <p:spPr>
+          <a:xfrm>
+            <a:off x="1046480" y="3429000"/>
+            <a:ext cx="2175691" cy="0"/>
+          </a:xfrm>
+          <a:prstGeom prst="straightConnector1">
+            <a:avLst/>
+          </a:prstGeom>
+          <a:ln>
+            <a:solidFill>
+              <a:srgbClr val="002060"/>
+            </a:solidFill>
+            <a:tailEnd type="stealth" w="med" len="lg"/>
+          </a:ln>
+        </p:spPr>
+        <p:style>
+          <a:lnRef idx="1">
+            <a:schemeClr val="accent1"/>
+          </a:lnRef>
+          <a:fillRef idx="0">
+            <a:schemeClr val="accent1"/>
+          </a:fillRef>
+          <a:effectRef idx="0">
+            <a:schemeClr val="accent1"/>
+          </a:effectRef>
+          <a:fontRef idx="minor">
+            <a:schemeClr val="tx1"/>
+          </a:fontRef>
+        </p:style>
+      </p:cxnSp>
+      <mc:AlternateContent xmlns:mc="http://schemas.openxmlformats.org/markup-compatibility/2006" xmlns:a14="http://schemas.microsoft.com/office/drawing/2010/main">
+        <mc:Choice Requires="a14">
+          <p:sp>
+            <p:nvSpPr>
+              <p:cNvPr id="11" name="ZoneTexte 10">
+                <a:extLst>
+                  <a:ext uri="{FF2B5EF4-FFF2-40B4-BE49-F238E27FC236}">
+                    <a16:creationId xmlns:a16="http://schemas.microsoft.com/office/drawing/2014/main" id="{4C9C68B8-7E8E-3324-A750-638C726B6CC8}"/>
+                  </a:ext>
+                </a:extLst>
+              </p:cNvPr>
+              <p:cNvSpPr txBox="1"/>
+              <p:nvPr/>
+            </p:nvSpPr>
+            <p:spPr>
+              <a:xfrm>
+                <a:off x="3067384" y="3152000"/>
+                <a:ext cx="149913" cy="276999"/>
+              </a:xfrm>
+              <a:prstGeom prst="rect">
+                <a:avLst/>
+              </a:prstGeom>
+              <a:noFill/>
+            </p:spPr>
+            <p:txBody>
+              <a:bodyPr wrap="none" lIns="0" tIns="0" rIns="0" bIns="0" rtlCol="0">
+                <a:spAutoFit/>
+              </a:bodyPr>
+              <a:lstStyle/>
+              <a:p>
+                <a:pPr/>
+                <a14:m>
+                  <m:oMathPara xmlns:m="http://schemas.openxmlformats.org/officeDocument/2006/math">
+                    <m:oMathParaPr>
+                      <m:jc m:val="centerGroup"/>
+                    </m:oMathParaPr>
+                    <m:oMath xmlns:m="http://schemas.openxmlformats.org/officeDocument/2006/math">
+                      <m:r>
+                        <a:rPr lang="fr-FR" b="0" i="1" smtClean="0">
+                          <a:latin typeface="Cambria Math" panose="02040503050406030204" pitchFamily="18" charset="0"/>
+                        </a:rPr>
+                        <m:t>𝑡</m:t>
+                      </m:r>
+                    </m:oMath>
+                  </m:oMathPara>
+                </a14:m>
+                <a:endParaRPr lang="fr-FR" dirty="0"/>
+              </a:p>
+            </p:txBody>
+          </p:sp>
+        </mc:Choice>
+        <mc:Fallback xmlns="">
           <p:sp>
             <p:nvSpPr>
               <p:cNvPr id="11" name="ZoneTexte 10">
@@ -9758,7 +10706,7 @@
             <p:spPr>
               <a:xfrm>
                 <a:off x="626565" y="1989000"/>
-                <a:ext cx="365485" cy="215444"/>
+                <a:ext cx="381515" cy="215444"/>
               </a:xfrm>
               <a:prstGeom prst="rect">
                 <a:avLst/>
@@ -9771,6 +10719,7 @@
               </a:bodyPr>
               <a:lstStyle/>
               <a:p>
+                <a:pPr/>
                 <a14:m>
                   <m:oMathPara xmlns:m="http://schemas.openxmlformats.org/officeDocument/2006/math">
                     <m:oMathParaPr>
@@ -9781,7 +10730,7 @@
                         <a:rPr lang="fr-FR" sz="1400" b="0" i="1" smtClean="0">
                           <a:latin typeface="Cambria Math" panose="02040503050406030204" pitchFamily="18" charset="0"/>
                         </a:rPr>
-                        <m:t>𝑣</m:t>
+                        <m:t>𝑓</m:t>
                       </m:r>
                       <m:r>
                         <a:rPr lang="fr-FR" sz="1400" b="0" i="1" smtClean="0">
@@ -9827,7 +10776,7 @@
             <p:spPr>
               <a:xfrm>
                 <a:off x="626565" y="1989000"/>
-                <a:ext cx="365485" cy="215444"/>
+                <a:ext cx="381515" cy="215444"/>
               </a:xfrm>
               <a:prstGeom prst="rect">
                 <a:avLst/>
@@ -9835,7 +10784,7 @@
               <a:blipFill>
                 <a:blip r:embed="rId3"/>
                 <a:stretch>
-                  <a:fillRect l="-6667" r="-15000" b="-30556"/>
+                  <a:fillRect l="-14516" r="-14516" b="-30556"/>
                 </a:stretch>
               </a:blipFill>
             </p:spPr>
@@ -9856,46 +10805,212 @@
       </mc:AlternateContent>
       <p:cxnSp>
         <p:nvCxnSpPr>
-          <p:cNvPr id="13" name="Connecteur droit avec flèche 12">
-            <a:extLst>
-              <a:ext uri="{FF2B5EF4-FFF2-40B4-BE49-F238E27FC236}">
-                <a16:creationId xmlns:a16="http://schemas.microsoft.com/office/drawing/2014/main" id="{A9BC7F03-45A9-256C-FE9A-4A6FF81CE7B7}"/>
+          <p:cNvPr id="9" name="Connecteur droit 8">
+            <a:extLst>
+              <a:ext uri="{FF2B5EF4-FFF2-40B4-BE49-F238E27FC236}">
+                <a16:creationId xmlns:a16="http://schemas.microsoft.com/office/drawing/2014/main" id="{854D29DE-07AE-54C5-6A09-E9D689E08591}"/>
               </a:ext>
             </a:extLst>
           </p:cNvPr>
           <p:cNvCxnSpPr>
             <a:cxnSpLocks/>
+            <a:stCxn id="36" idx="4"/>
           </p:cNvCxnSpPr>
           <p:nvPr/>
         </p:nvCxnSpPr>
         <p:spPr>
-          <a:xfrm>
-            <a:off x="1041604" y="2455331"/>
-            <a:ext cx="258876" cy="0"/>
+          <a:xfrm flipH="1">
+            <a:off x="2839654" y="2427407"/>
+            <a:ext cx="0" cy="1001592"/>
           </a:xfrm>
-          <a:prstGeom prst="straightConnector1">
+          <a:prstGeom prst="line">
             <a:avLst/>
           </a:prstGeom>
+          <a:noFill/>
           <a:ln>
             <a:solidFill>
-              <a:srgbClr val="002060"/>
+              <a:schemeClr val="accent2">
+                <a:lumMod val="50000"/>
+              </a:schemeClr>
             </a:solidFill>
-            <a:prstDash val="dash"/>
-            <a:tailEnd type="none" w="med" len="lg"/>
           </a:ln>
         </p:spPr>
         <p:style>
-          <a:lnRef idx="1">
-            <a:schemeClr val="accent1"/>
+          <a:lnRef idx="2">
+            <a:schemeClr val="accent1">
+              <a:shade val="15000"/>
+            </a:schemeClr>
           </a:lnRef>
-          <a:fillRef idx="0">
+          <a:fillRef idx="1">
             <a:schemeClr val="accent1"/>
           </a:fillRef>
           <a:effectRef idx="0">
             <a:schemeClr val="accent1"/>
           </a:effectRef>
           <a:fontRef idx="minor">
-            <a:schemeClr val="tx1"/>
+            <a:schemeClr val="lt1"/>
+          </a:fontRef>
+        </p:style>
+      </p:cxnSp>
+      <p:sp>
+        <p:nvSpPr>
+          <p:cNvPr id="36" name="Forme libre : forme 35">
+            <a:extLst>
+              <a:ext uri="{FF2B5EF4-FFF2-40B4-BE49-F238E27FC236}">
+                <a16:creationId xmlns:a16="http://schemas.microsoft.com/office/drawing/2014/main" id="{EF89BA12-3F57-66FC-435A-9790022B0118}"/>
+              </a:ext>
+            </a:extLst>
+          </p:cNvPr>
+          <p:cNvSpPr/>
+          <p:nvPr/>
+        </p:nvSpPr>
+        <p:spPr>
+          <a:xfrm>
+            <a:off x="1046480" y="2382700"/>
+            <a:ext cx="1800000" cy="330200"/>
+          </a:xfrm>
+          <a:custGeom>
+            <a:avLst/>
+            <a:gdLst>
+              <a:gd name="connsiteX0" fmla="*/ 0 w 1744134"/>
+              <a:gd name="connsiteY0" fmla="*/ 636515 h 636515"/>
+              <a:gd name="connsiteX1" fmla="*/ 474134 w 1744134"/>
+              <a:gd name="connsiteY1" fmla="*/ 1515 h 636515"/>
+              <a:gd name="connsiteX2" fmla="*/ 1083734 w 1744134"/>
+              <a:gd name="connsiteY2" fmla="*/ 450248 h 636515"/>
+              <a:gd name="connsiteX3" fmla="*/ 1557867 w 1744134"/>
+              <a:gd name="connsiteY3" fmla="*/ 145448 h 636515"/>
+              <a:gd name="connsiteX4" fmla="*/ 1744134 w 1744134"/>
+              <a:gd name="connsiteY4" fmla="*/ 86181 h 636515"/>
+            </a:gdLst>
+            <a:ahLst/>
+            <a:cxnLst>
+              <a:cxn ang="0">
+                <a:pos x="connsiteX0" y="connsiteY0"/>
+              </a:cxn>
+              <a:cxn ang="0">
+                <a:pos x="connsiteX1" y="connsiteY1"/>
+              </a:cxn>
+              <a:cxn ang="0">
+                <a:pos x="connsiteX2" y="connsiteY2"/>
+              </a:cxn>
+              <a:cxn ang="0">
+                <a:pos x="connsiteX3" y="connsiteY3"/>
+              </a:cxn>
+              <a:cxn ang="0">
+                <a:pos x="connsiteX4" y="connsiteY4"/>
+              </a:cxn>
+            </a:cxnLst>
+            <a:rect l="l" t="t" r="r" b="b"/>
+            <a:pathLst>
+              <a:path w="1744134" h="636515">
+                <a:moveTo>
+                  <a:pt x="0" y="636515"/>
+                </a:moveTo>
+                <a:cubicBezTo>
+                  <a:pt x="146756" y="334537"/>
+                  <a:pt x="293512" y="32559"/>
+                  <a:pt x="474134" y="1515"/>
+                </a:cubicBezTo>
+                <a:cubicBezTo>
+                  <a:pt x="654756" y="-29529"/>
+                  <a:pt x="903112" y="426259"/>
+                  <a:pt x="1083734" y="450248"/>
+                </a:cubicBezTo>
+                <a:cubicBezTo>
+                  <a:pt x="1264356" y="474237"/>
+                  <a:pt x="1447800" y="206126"/>
+                  <a:pt x="1557867" y="145448"/>
+                </a:cubicBezTo>
+                <a:cubicBezTo>
+                  <a:pt x="1667934" y="84770"/>
+                  <a:pt x="1706034" y="85475"/>
+                  <a:pt x="1744134" y="86181"/>
+                </a:cubicBezTo>
+              </a:path>
+            </a:pathLst>
+          </a:custGeom>
+          <a:noFill/>
+          <a:ln>
+            <a:solidFill>
+              <a:schemeClr val="accent2">
+                <a:lumMod val="50000"/>
+              </a:schemeClr>
+            </a:solidFill>
+          </a:ln>
+        </p:spPr>
+        <p:style>
+          <a:lnRef idx="2">
+            <a:schemeClr val="accent1">
+              <a:shade val="15000"/>
+            </a:schemeClr>
+          </a:lnRef>
+          <a:fillRef idx="1">
+            <a:schemeClr val="accent1"/>
+          </a:fillRef>
+          <a:effectRef idx="0">
+            <a:schemeClr val="accent1"/>
+          </a:effectRef>
+          <a:fontRef idx="minor">
+            <a:schemeClr val="lt1"/>
+          </a:fontRef>
+        </p:style>
+        <p:txBody>
+          <a:bodyPr rtlCol="0" anchor="ctr"/>
+          <a:lstStyle/>
+          <a:p>
+            <a:pPr algn="ctr"/>
+            <a:endParaRPr lang="fr-FR"/>
+          </a:p>
+        </p:txBody>
+      </p:sp>
+      <p:cxnSp>
+        <p:nvCxnSpPr>
+          <p:cNvPr id="39" name="Connecteur droit 38">
+            <a:extLst>
+              <a:ext uri="{FF2B5EF4-FFF2-40B4-BE49-F238E27FC236}">
+                <a16:creationId xmlns:a16="http://schemas.microsoft.com/office/drawing/2014/main" id="{4A69997A-B4BB-3B9D-DB19-174F220F569A}"/>
+              </a:ext>
+            </a:extLst>
+          </p:cNvPr>
+          <p:cNvCxnSpPr>
+            <a:cxnSpLocks/>
+            <a:stCxn id="36" idx="2"/>
+          </p:cNvCxnSpPr>
+          <p:nvPr/>
+        </p:nvCxnSpPr>
+        <p:spPr>
+          <a:xfrm>
+            <a:off x="2164927" y="2616272"/>
+            <a:ext cx="0" cy="821195"/>
+          </a:xfrm>
+          <a:prstGeom prst="line">
+            <a:avLst/>
+          </a:prstGeom>
+          <a:noFill/>
+          <a:ln>
+            <a:solidFill>
+              <a:schemeClr val="accent2">
+                <a:lumMod val="50000"/>
+              </a:schemeClr>
+            </a:solidFill>
+            <a:headEnd type="oval"/>
+          </a:ln>
+        </p:spPr>
+        <p:style>
+          <a:lnRef idx="2">
+            <a:schemeClr val="accent1">
+              <a:shade val="15000"/>
+            </a:schemeClr>
+          </a:lnRef>
+          <a:fillRef idx="1">
+            <a:schemeClr val="accent1"/>
+          </a:fillRef>
+          <a:effectRef idx="0">
+            <a:schemeClr val="accent1"/>
+          </a:effectRef>
+          <a:fontRef idx="minor">
+            <a:schemeClr val="lt1"/>
           </a:fontRef>
         </p:style>
       </p:cxnSp>
@@ -9903,10 +11018,10 @@
         <mc:Choice xmlns:a14="http://schemas.microsoft.com/office/drawing/2010/main" Requires="a14">
           <p:sp>
             <p:nvSpPr>
-              <p:cNvPr id="16" name="ZoneTexte 15">
+              <p:cNvPr id="43" name="ZoneTexte 42">
                 <a:extLst>
                   <a:ext uri="{FF2B5EF4-FFF2-40B4-BE49-F238E27FC236}">
-                    <a16:creationId xmlns:a16="http://schemas.microsoft.com/office/drawing/2014/main" id="{9457E4AA-CA22-80A7-9E3A-17E4FAD67473}"/>
+                    <a16:creationId xmlns:a16="http://schemas.microsoft.com/office/drawing/2014/main" id="{684AEDFB-01B1-6FBF-D4E9-4FDA71819579}"/>
                   </a:ext>
                 </a:extLst>
               </p:cNvPr>
@@ -9915,8 +11030,8 @@
             </p:nvSpPr>
             <p:spPr>
               <a:xfrm>
-                <a:off x="567562" y="2353420"/>
-                <a:ext cx="418833" cy="215444"/>
+                <a:off x="1976128" y="3484600"/>
+                <a:ext cx="197810" cy="215444"/>
               </a:xfrm>
               <a:prstGeom prst="rect">
                 <a:avLst/>
@@ -9929,120 +11044,7 @@
               </a:bodyPr>
               <a:lstStyle/>
               <a:p>
-                <a14:m>
-                  <m:oMathPara xmlns:m="http://schemas.openxmlformats.org/officeDocument/2006/math">
-                    <m:oMathParaPr>
-                      <m:jc m:val="centerGroup"/>
-                    </m:oMathParaPr>
-                    <m:oMath xmlns:m="http://schemas.openxmlformats.org/officeDocument/2006/math">
-                      <m:sSub>
-                        <m:sSubPr>
-                          <m:ctrlPr>
-                            <a:rPr lang="fr-FR" sz="1400" b="0" i="1" smtClean="0">
-                              <a:latin typeface="Cambria Math" panose="02040503050406030204" pitchFamily="18" charset="0"/>
-                            </a:rPr>
-                          </m:ctrlPr>
-                        </m:sSubPr>
-                        <m:e>
-                          <m:r>
-                            <a:rPr lang="fr-FR" sz="1400" b="0" i="1" smtClean="0">
-                              <a:latin typeface="Cambria Math" panose="02040503050406030204" pitchFamily="18" charset="0"/>
-                            </a:rPr>
-                            <m:t>𝑣</m:t>
-                          </m:r>
-                        </m:e>
-                        <m:sub>
-                          <m:r>
-                            <a:rPr lang="fr-FR" sz="1400" b="0" i="1" smtClean="0">
-                              <a:latin typeface="Cambria Math" panose="02040503050406030204" pitchFamily="18" charset="0"/>
-                            </a:rPr>
-                            <m:t>𝑚𝑎𝑥</m:t>
-                          </m:r>
-                        </m:sub>
-                      </m:sSub>
-                    </m:oMath>
-                  </m:oMathPara>
-                </a14:m>
-                <a:endParaRPr lang="fr-FR" sz="1400" dirty="0"/>
-              </a:p>
-            </p:txBody>
-          </p:sp>
-        </mc:Choice>
-        <mc:Fallback>
-          <p:sp>
-            <p:nvSpPr>
-              <p:cNvPr id="16" name="ZoneTexte 15">
-                <a:extLst>
-                  <a:ext uri="{FF2B5EF4-FFF2-40B4-BE49-F238E27FC236}">
-                    <a16:creationId xmlns:a16="http://schemas.microsoft.com/office/drawing/2014/main" id="{9457E4AA-CA22-80A7-9E3A-17E4FAD67473}"/>
-                  </a:ext>
-                </a:extLst>
-              </p:cNvPr>
-              <p:cNvSpPr txBox="1">
-                <a:spLocks noRot="1" noChangeAspect="1" noMove="1" noResize="1" noEditPoints="1" noAdjustHandles="1" noChangeArrowheads="1" noChangeShapeType="1" noTextEdit="1"/>
-              </p:cNvSpPr>
-              <p:nvPr/>
-            </p:nvSpPr>
-            <p:spPr>
-              <a:xfrm>
-                <a:off x="567562" y="2353420"/>
-                <a:ext cx="418833" cy="215444"/>
-              </a:xfrm>
-              <a:prstGeom prst="rect">
-                <a:avLst/>
-              </a:prstGeom>
-              <a:blipFill>
-                <a:blip r:embed="rId4"/>
-                <a:stretch>
-                  <a:fillRect l="-5797" b="-11429"/>
-                </a:stretch>
-              </a:blipFill>
-            </p:spPr>
-            <p:txBody>
-              <a:bodyPr/>
-              <a:lstStyle/>
-              <a:p>
-                <a:r>
-                  <a:rPr lang="fr-FR">
-                    <a:noFill/>
-                  </a:rPr>
-                  <a:t> </a:t>
-                </a:r>
-              </a:p>
-            </p:txBody>
-          </p:sp>
-        </mc:Fallback>
-      </mc:AlternateContent>
-      <mc:AlternateContent xmlns:mc="http://schemas.openxmlformats.org/markup-compatibility/2006">
-        <mc:Choice xmlns:a14="http://schemas.microsoft.com/office/drawing/2010/main" Requires="a14">
-          <p:sp>
-            <p:nvSpPr>
-              <p:cNvPr id="17" name="ZoneTexte 16">
-                <a:extLst>
-                  <a:ext uri="{FF2B5EF4-FFF2-40B4-BE49-F238E27FC236}">
-                    <a16:creationId xmlns:a16="http://schemas.microsoft.com/office/drawing/2014/main" id="{0B431CCC-9673-E322-E412-4D3F6DBFD1F0}"/>
-                  </a:ext>
-                </a:extLst>
-              </p:cNvPr>
-              <p:cNvSpPr txBox="1"/>
-              <p:nvPr/>
-            </p:nvSpPr>
-            <p:spPr>
-              <a:xfrm>
-                <a:off x="1207185" y="3486260"/>
-                <a:ext cx="186590" cy="215444"/>
-              </a:xfrm>
-              <a:prstGeom prst="rect">
-                <a:avLst/>
-              </a:prstGeom>
-              <a:noFill/>
-            </p:spPr>
-            <p:txBody>
-              <a:bodyPr wrap="none" lIns="0" tIns="0" rIns="0" bIns="0" rtlCol="0">
-                <a:spAutoFit/>
-              </a:bodyPr>
-              <a:lstStyle/>
-              <a:p>
+                <a:pPr/>
                 <a14:m>
                   <m:oMathPara xmlns:m="http://schemas.openxmlformats.org/officeDocument/2006/math">
                     <m:oMathParaPr>
@@ -10070,7 +11072,7 @@
                             <a:rPr lang="fr-FR" sz="1400" b="0" i="1" smtClean="0">
                               <a:latin typeface="Cambria Math" panose="02040503050406030204" pitchFamily="18" charset="0"/>
                             </a:rPr>
-                            <m:t>1</m:t>
+                            <m:t>𝑘</m:t>
                           </m:r>
                         </m:sub>
                       </m:sSub>
@@ -10085,10 +11087,10 @@
         <mc:Fallback>
           <p:sp>
             <p:nvSpPr>
-              <p:cNvPr id="17" name="ZoneTexte 16">
+              <p:cNvPr id="43" name="ZoneTexte 42">
                 <a:extLst>
                   <a:ext uri="{FF2B5EF4-FFF2-40B4-BE49-F238E27FC236}">
-                    <a16:creationId xmlns:a16="http://schemas.microsoft.com/office/drawing/2014/main" id="{0B431CCC-9673-E322-E412-4D3F6DBFD1F0}"/>
+                    <a16:creationId xmlns:a16="http://schemas.microsoft.com/office/drawing/2014/main" id="{684AEDFB-01B1-6FBF-D4E9-4FDA71819579}"/>
                   </a:ext>
                 </a:extLst>
               </p:cNvPr>
@@ -10099,16 +11101,16 @@
             </p:nvSpPr>
             <p:spPr>
               <a:xfrm>
-                <a:off x="1207185" y="3486260"/>
-                <a:ext cx="186590" cy="215444"/>
+                <a:off x="1976128" y="3484600"/>
+                <a:ext cx="197810" cy="215444"/>
               </a:xfrm>
               <a:prstGeom prst="rect">
                 <a:avLst/>
               </a:prstGeom>
               <a:blipFill>
-                <a:blip r:embed="rId5"/>
+                <a:blip r:embed="rId4"/>
                 <a:stretch>
-                  <a:fillRect l="-19355" r="-3226" b="-14286"/>
+                  <a:fillRect l="-18182" r="-6061" b="-14286"/>
                 </a:stretch>
               </a:blipFill>
             </p:spPr>
@@ -10131,10 +11133,10 @@
         <mc:Choice xmlns:a14="http://schemas.microsoft.com/office/drawing/2010/main" Requires="a14">
           <p:sp>
             <p:nvSpPr>
-              <p:cNvPr id="18" name="ZoneTexte 17">
+              <p:cNvPr id="44" name="ZoneTexte 43">
                 <a:extLst>
                   <a:ext uri="{FF2B5EF4-FFF2-40B4-BE49-F238E27FC236}">
-                    <a16:creationId xmlns:a16="http://schemas.microsoft.com/office/drawing/2014/main" id="{F1459487-8D7E-E495-D536-4DF88129027F}"/>
+                    <a16:creationId xmlns:a16="http://schemas.microsoft.com/office/drawing/2014/main" id="{594B3595-E03C-3700-8DE2-33B9C8A8992E}"/>
                   </a:ext>
                 </a:extLst>
               </p:cNvPr>
@@ -10143,8 +11145,8 @@
             </p:nvSpPr>
             <p:spPr>
               <a:xfrm>
-                <a:off x="2665145" y="3486260"/>
-                <a:ext cx="190758" cy="215444"/>
+                <a:off x="1220235" y="2703543"/>
+                <a:ext cx="749179" cy="646652"/>
               </a:xfrm>
               <a:prstGeom prst="rect">
                 <a:avLst/>
@@ -10157,6 +11159,283 @@
               </a:bodyPr>
               <a:lstStyle/>
               <a:p>
+                <a:pPr/>
+                <a14:m>
+                  <m:oMathPara xmlns:m="http://schemas.openxmlformats.org/officeDocument/2006/math">
+                    <m:oMathParaPr>
+                      <m:jc m:val="centerGroup"/>
+                    </m:oMathParaPr>
+                    <m:oMath xmlns:m="http://schemas.openxmlformats.org/officeDocument/2006/math">
+                      <m:nary>
+                        <m:naryPr>
+                          <m:limLoc m:val="undOvr"/>
+                          <m:ctrlPr>
+                            <a:rPr lang="fr-FR" sz="1400" i="1" smtClean="0">
+                              <a:latin typeface="Cambria Math" panose="02040503050406030204" pitchFamily="18" charset="0"/>
+                            </a:rPr>
+                          </m:ctrlPr>
+                        </m:naryPr>
+                        <m:sub>
+                          <m:r>
+                            <m:rPr>
+                              <m:brk m:alnAt="24"/>
+                            </m:rPr>
+                            <a:rPr lang="fr-FR" sz="1400" b="0" i="1" smtClean="0">
+                              <a:latin typeface="Cambria Math" panose="02040503050406030204" pitchFamily="18" charset="0"/>
+                            </a:rPr>
+                            <m:t>0</m:t>
+                          </m:r>
+                        </m:sub>
+                        <m:sup>
+                          <m:sSub>
+                            <m:sSubPr>
+                              <m:ctrlPr>
+                                <a:rPr lang="fr-FR" sz="1400" b="0" i="1" smtClean="0">
+                                  <a:latin typeface="Cambria Math" panose="02040503050406030204" pitchFamily="18" charset="0"/>
+                                </a:rPr>
+                              </m:ctrlPr>
+                            </m:sSubPr>
+                            <m:e>
+                              <m:r>
+                                <a:rPr lang="fr-FR" sz="1400" b="0" i="1" smtClean="0">
+                                  <a:latin typeface="Cambria Math" panose="02040503050406030204" pitchFamily="18" charset="0"/>
+                                </a:rPr>
+                                <m:t>𝑡</m:t>
+                              </m:r>
+                            </m:e>
+                            <m:sub>
+                              <m:r>
+                                <a:rPr lang="fr-FR" sz="1400" b="0" i="1" smtClean="0">
+                                  <a:latin typeface="Cambria Math" panose="02040503050406030204" pitchFamily="18" charset="0"/>
+                                </a:rPr>
+                                <m:t>𝑘</m:t>
+                              </m:r>
+                            </m:sub>
+                          </m:sSub>
+                        </m:sup>
+                        <m:e>
+                          <m:r>
+                            <a:rPr lang="fr-FR" sz="1400" b="0" i="1" smtClean="0">
+                              <a:latin typeface="Cambria Math" panose="02040503050406030204" pitchFamily="18" charset="0"/>
+                            </a:rPr>
+                            <m:t>𝑓</m:t>
+                          </m:r>
+                          <m:d>
+                            <m:dPr>
+                              <m:ctrlPr>
+                                <a:rPr lang="fr-FR" sz="1400" b="0" i="1" smtClean="0">
+                                  <a:latin typeface="Cambria Math" panose="02040503050406030204" pitchFamily="18" charset="0"/>
+                                </a:rPr>
+                              </m:ctrlPr>
+                            </m:dPr>
+                            <m:e>
+                              <m:r>
+                                <a:rPr lang="fr-FR" sz="1400" b="0" i="1" smtClean="0">
+                                  <a:latin typeface="Cambria Math" panose="02040503050406030204" pitchFamily="18" charset="0"/>
+                                </a:rPr>
+                                <m:t>𝑡</m:t>
+                              </m:r>
+                            </m:e>
+                          </m:d>
+                          <m:r>
+                            <m:rPr>
+                              <m:sty m:val="p"/>
+                            </m:rPr>
+                            <a:rPr lang="fr-FR" sz="1400" b="0" i="0" smtClean="0">
+                              <a:latin typeface="Cambria Math" panose="02040503050406030204" pitchFamily="18" charset="0"/>
+                            </a:rPr>
+                            <m:t>d</m:t>
+                          </m:r>
+                          <m:r>
+                            <a:rPr lang="fr-FR" sz="1400" b="0" i="1" smtClean="0">
+                              <a:latin typeface="Cambria Math" panose="02040503050406030204" pitchFamily="18" charset="0"/>
+                            </a:rPr>
+                            <m:t>𝑡</m:t>
+                          </m:r>
+                        </m:e>
+                      </m:nary>
+                    </m:oMath>
+                  </m:oMathPara>
+                </a14:m>
+                <a:endParaRPr lang="fr-FR" sz="1400" dirty="0"/>
+              </a:p>
+            </p:txBody>
+          </p:sp>
+        </mc:Choice>
+        <mc:Fallback>
+          <p:sp>
+            <p:nvSpPr>
+              <p:cNvPr id="44" name="ZoneTexte 43">
+                <a:extLst>
+                  <a:ext uri="{FF2B5EF4-FFF2-40B4-BE49-F238E27FC236}">
+                    <a16:creationId xmlns:a16="http://schemas.microsoft.com/office/drawing/2014/main" id="{594B3595-E03C-3700-8DE2-33B9C8A8992E}"/>
+                  </a:ext>
+                </a:extLst>
+              </p:cNvPr>
+              <p:cNvSpPr txBox="1">
+                <a:spLocks noRot="1" noChangeAspect="1" noMove="1" noResize="1" noEditPoints="1" noAdjustHandles="1" noChangeArrowheads="1" noChangeShapeType="1" noTextEdit="1"/>
+              </p:cNvSpPr>
+              <p:nvPr/>
+            </p:nvSpPr>
+            <p:spPr>
+              <a:xfrm>
+                <a:off x="1220235" y="2703543"/>
+                <a:ext cx="749179" cy="646652"/>
+              </a:xfrm>
+              <a:prstGeom prst="rect">
+                <a:avLst/>
+              </a:prstGeom>
+              <a:blipFill>
+                <a:blip r:embed="rId5"/>
+                <a:stretch>
+                  <a:fillRect/>
+                </a:stretch>
+              </a:blipFill>
+            </p:spPr>
+            <p:txBody>
+              <a:bodyPr/>
+              <a:lstStyle/>
+              <a:p>
+                <a:r>
+                  <a:rPr lang="fr-FR">
+                    <a:noFill/>
+                  </a:rPr>
+                  <a:t> </a:t>
+                </a:r>
+              </a:p>
+            </p:txBody>
+          </p:sp>
+        </mc:Fallback>
+      </mc:AlternateContent>
+      <p:cxnSp>
+        <p:nvCxnSpPr>
+          <p:cNvPr id="45" name="Connecteur droit 44">
+            <a:extLst>
+              <a:ext uri="{FF2B5EF4-FFF2-40B4-BE49-F238E27FC236}">
+                <a16:creationId xmlns:a16="http://schemas.microsoft.com/office/drawing/2014/main" id="{38648722-E4E7-761D-FE10-FB469EEA76E1}"/>
+              </a:ext>
+            </a:extLst>
+          </p:cNvPr>
+          <p:cNvCxnSpPr>
+            <a:cxnSpLocks/>
+          </p:cNvCxnSpPr>
+          <p:nvPr/>
+        </p:nvCxnSpPr>
+        <p:spPr>
+          <a:xfrm>
+            <a:off x="2410461" y="2556267"/>
+            <a:ext cx="0" cy="881199"/>
+          </a:xfrm>
+          <a:prstGeom prst="line">
+            <a:avLst/>
+          </a:prstGeom>
+          <a:noFill/>
+          <a:ln>
+            <a:solidFill>
+              <a:schemeClr val="accent2">
+                <a:lumMod val="50000"/>
+              </a:schemeClr>
+            </a:solidFill>
+            <a:headEnd type="oval"/>
+          </a:ln>
+        </p:spPr>
+        <p:style>
+          <a:lnRef idx="2">
+            <a:schemeClr val="accent1">
+              <a:shade val="15000"/>
+            </a:schemeClr>
+          </a:lnRef>
+          <a:fillRef idx="1">
+            <a:schemeClr val="accent1"/>
+          </a:fillRef>
+          <a:effectRef idx="0">
+            <a:schemeClr val="accent1"/>
+          </a:effectRef>
+          <a:fontRef idx="minor">
+            <a:schemeClr val="lt1"/>
+          </a:fontRef>
+        </p:style>
+      </p:cxnSp>
+      <p:cxnSp>
+        <p:nvCxnSpPr>
+          <p:cNvPr id="47" name="Connecteur droit 46">
+            <a:extLst>
+              <a:ext uri="{FF2B5EF4-FFF2-40B4-BE49-F238E27FC236}">
+                <a16:creationId xmlns:a16="http://schemas.microsoft.com/office/drawing/2014/main" id="{9070E307-F1B0-C942-09C8-9E3A44190137}"/>
+              </a:ext>
+            </a:extLst>
+          </p:cNvPr>
+          <p:cNvCxnSpPr>
+            <a:cxnSpLocks/>
+          </p:cNvCxnSpPr>
+          <p:nvPr/>
+        </p:nvCxnSpPr>
+        <p:spPr>
+          <a:xfrm>
+            <a:off x="2302368" y="3256088"/>
+            <a:ext cx="651152" cy="676022"/>
+          </a:xfrm>
+          <a:prstGeom prst="line">
+            <a:avLst/>
+          </a:prstGeom>
+          <a:noFill/>
+          <a:ln>
+            <a:solidFill>
+              <a:schemeClr val="accent2">
+                <a:lumMod val="50000"/>
+              </a:schemeClr>
+            </a:solidFill>
+            <a:headEnd type="oval"/>
+          </a:ln>
+        </p:spPr>
+        <p:style>
+          <a:lnRef idx="2">
+            <a:schemeClr val="accent1">
+              <a:shade val="15000"/>
+            </a:schemeClr>
+          </a:lnRef>
+          <a:fillRef idx="1">
+            <a:schemeClr val="accent1"/>
+          </a:fillRef>
+          <a:effectRef idx="0">
+            <a:schemeClr val="accent1"/>
+          </a:effectRef>
+          <a:fontRef idx="minor">
+            <a:schemeClr val="lt1"/>
+          </a:fontRef>
+        </p:style>
+      </p:cxnSp>
+      <mc:AlternateContent xmlns:mc="http://schemas.openxmlformats.org/markup-compatibility/2006">
+        <mc:Choice xmlns:a14="http://schemas.microsoft.com/office/drawing/2010/main" Requires="a14">
+          <p:sp>
+            <p:nvSpPr>
+              <p:cNvPr id="49" name="ZoneTexte 48">
+                <a:extLst>
+                  <a:ext uri="{FF2B5EF4-FFF2-40B4-BE49-F238E27FC236}">
+                    <a16:creationId xmlns:a16="http://schemas.microsoft.com/office/drawing/2014/main" id="{A321FB9D-99FD-0066-73F2-D63B9B301AA1}"/>
+                  </a:ext>
+                </a:extLst>
+              </p:cNvPr>
+              <p:cNvSpPr txBox="1"/>
+              <p:nvPr/>
+            </p:nvSpPr>
+            <p:spPr>
+              <a:xfrm>
+                <a:off x="2311556" y="3484600"/>
+                <a:ext cx="367729" cy="215444"/>
+              </a:xfrm>
+              <a:prstGeom prst="rect">
+                <a:avLst/>
+              </a:prstGeom>
+              <a:noFill/>
+            </p:spPr>
+            <p:txBody>
+              <a:bodyPr wrap="none" lIns="0" tIns="0" rIns="0" bIns="0" rtlCol="0">
+                <a:spAutoFit/>
+              </a:bodyPr>
+              <a:lstStyle/>
+              <a:p>
+                <a:pPr/>
                 <a14:m>
                   <m:oMathPara xmlns:m="http://schemas.openxmlformats.org/officeDocument/2006/math">
                     <m:oMathParaPr>
@@ -10184,7 +11463,13 @@
                             <a:rPr lang="fr-FR" sz="1400" b="0" i="1" smtClean="0">
                               <a:latin typeface="Cambria Math" panose="02040503050406030204" pitchFamily="18" charset="0"/>
                             </a:rPr>
-                            <m:t>2</m:t>
+                            <m:t>𝑘</m:t>
+                          </m:r>
+                          <m:r>
+                            <a:rPr lang="fr-FR" sz="1400" b="0" i="1" smtClean="0">
+                              <a:latin typeface="Cambria Math" panose="02040503050406030204" pitchFamily="18" charset="0"/>
+                            </a:rPr>
+                            <m:t>+1</m:t>
                           </m:r>
                         </m:sub>
                       </m:sSub>
@@ -10199,10 +11484,10 @@
         <mc:Fallback>
           <p:sp>
             <p:nvSpPr>
-              <p:cNvPr id="18" name="ZoneTexte 17">
+              <p:cNvPr id="49" name="ZoneTexte 48">
                 <a:extLst>
                   <a:ext uri="{FF2B5EF4-FFF2-40B4-BE49-F238E27FC236}">
-                    <a16:creationId xmlns:a16="http://schemas.microsoft.com/office/drawing/2014/main" id="{F1459487-8D7E-E495-D536-4DF88129027F}"/>
+                    <a16:creationId xmlns:a16="http://schemas.microsoft.com/office/drawing/2014/main" id="{A321FB9D-99FD-0066-73F2-D63B9B301AA1}"/>
                   </a:ext>
                 </a:extLst>
               </p:cNvPr>
@@ -10213,8 +11498,8 @@
             </p:nvSpPr>
             <p:spPr>
               <a:xfrm>
-                <a:off x="2665145" y="3486260"/>
-                <a:ext cx="190758" cy="215444"/>
+                <a:off x="2311556" y="3484600"/>
+                <a:ext cx="367729" cy="215444"/>
               </a:xfrm>
               <a:prstGeom prst="rect">
                 <a:avLst/>
@@ -10222,7 +11507,7 @@
               <a:blipFill>
                 <a:blip r:embed="rId6"/>
                 <a:stretch>
-                  <a:fillRect l="-19355" r="-6452" b="-14286"/>
+                  <a:fillRect l="-9836" r="-1639" b="-14286"/>
                 </a:stretch>
               </a:blipFill>
             </p:spPr>
@@ -10245,10 +11530,10 @@
         <mc:Choice xmlns:a14="http://schemas.microsoft.com/office/drawing/2010/main" Requires="a14">
           <p:sp>
             <p:nvSpPr>
-              <p:cNvPr id="19" name="ZoneTexte 18">
+              <p:cNvPr id="50" name="ZoneTexte 49">
                 <a:extLst>
                   <a:ext uri="{FF2B5EF4-FFF2-40B4-BE49-F238E27FC236}">
-                    <a16:creationId xmlns:a16="http://schemas.microsoft.com/office/drawing/2014/main" id="{0BBFA339-6634-C541-ABBD-E3D27FAC7C25}"/>
+                    <a16:creationId xmlns:a16="http://schemas.microsoft.com/office/drawing/2014/main" id="{541CD644-1E76-4539-0503-49942037516E}"/>
                   </a:ext>
                 </a:extLst>
               </p:cNvPr>
@@ -10257,8 +11542,8 @@
             </p:nvSpPr>
             <p:spPr>
               <a:xfrm>
-                <a:off x="2951582" y="3486260"/>
-                <a:ext cx="190758" cy="215444"/>
+                <a:off x="2410461" y="2164479"/>
+                <a:ext cx="621389" cy="215444"/>
               </a:xfrm>
               <a:prstGeom prst="rect">
                 <a:avLst/>
@@ -10271,37 +11556,61 @@
               </a:bodyPr>
               <a:lstStyle/>
               <a:p>
+                <a:pPr/>
                 <a14:m>
                   <m:oMathPara xmlns:m="http://schemas.openxmlformats.org/officeDocument/2006/math">
                     <m:oMathParaPr>
                       <m:jc m:val="centerGroup"/>
                     </m:oMathParaPr>
                     <m:oMath xmlns:m="http://schemas.openxmlformats.org/officeDocument/2006/math">
-                      <m:sSub>
-                        <m:sSubPr>
+                      <m:r>
+                        <a:rPr lang="fr-FR" sz="1400" b="0" i="1" smtClean="0">
+                          <a:latin typeface="Cambria Math" panose="02040503050406030204" pitchFamily="18" charset="0"/>
+                        </a:rPr>
+                        <m:t>𝑓</m:t>
+                      </m:r>
+                      <m:d>
+                        <m:dPr>
                           <m:ctrlPr>
                             <a:rPr lang="fr-FR" sz="1400" b="0" i="1" smtClean="0">
                               <a:latin typeface="Cambria Math" panose="02040503050406030204" pitchFamily="18" charset="0"/>
                             </a:rPr>
                           </m:ctrlPr>
-                        </m:sSubPr>
+                        </m:dPr>
                         <m:e>
-                          <m:r>
-                            <a:rPr lang="fr-FR" sz="1400" b="0" i="1" smtClean="0">
-                              <a:latin typeface="Cambria Math" panose="02040503050406030204" pitchFamily="18" charset="0"/>
-                            </a:rPr>
-                            <m:t>𝑡</m:t>
-                          </m:r>
+                          <m:sSub>
+                            <m:sSubPr>
+                              <m:ctrlPr>
+                                <a:rPr lang="fr-FR" sz="1400" i="1">
+                                  <a:latin typeface="Cambria Math" panose="02040503050406030204" pitchFamily="18" charset="0"/>
+                                </a:rPr>
+                              </m:ctrlPr>
+                            </m:sSubPr>
+                            <m:e>
+                              <m:r>
+                                <a:rPr lang="fr-FR" sz="1400" i="1">
+                                  <a:latin typeface="Cambria Math" panose="02040503050406030204" pitchFamily="18" charset="0"/>
+                                </a:rPr>
+                                <m:t>𝑡</m:t>
+                              </m:r>
+                            </m:e>
+                            <m:sub>
+                              <m:r>
+                                <a:rPr lang="fr-FR" sz="1400" i="1">
+                                  <a:latin typeface="Cambria Math" panose="02040503050406030204" pitchFamily="18" charset="0"/>
+                                </a:rPr>
+                                <m:t>𝑘</m:t>
+                              </m:r>
+                              <m:r>
+                                <a:rPr lang="fr-FR" sz="1400" i="1">
+                                  <a:latin typeface="Cambria Math" panose="02040503050406030204" pitchFamily="18" charset="0"/>
+                                </a:rPr>
+                                <m:t>+1</m:t>
+                              </m:r>
+                            </m:sub>
+                          </m:sSub>
                         </m:e>
-                        <m:sub>
-                          <m:r>
-                            <a:rPr lang="fr-FR" sz="1400" b="0" i="1" smtClean="0">
-                              <a:latin typeface="Cambria Math" panose="02040503050406030204" pitchFamily="18" charset="0"/>
-                            </a:rPr>
-                            <m:t>3</m:t>
-                          </m:r>
-                        </m:sub>
-                      </m:sSub>
+                      </m:d>
                     </m:oMath>
                   </m:oMathPara>
                 </a14:m>
@@ -10313,10 +11622,10 @@
         <mc:Fallback>
           <p:sp>
             <p:nvSpPr>
-              <p:cNvPr id="19" name="ZoneTexte 18">
+              <p:cNvPr id="50" name="ZoneTexte 49">
                 <a:extLst>
                   <a:ext uri="{FF2B5EF4-FFF2-40B4-BE49-F238E27FC236}">
-                    <a16:creationId xmlns:a16="http://schemas.microsoft.com/office/drawing/2014/main" id="{0BBFA339-6634-C541-ABBD-E3D27FAC7C25}"/>
+                    <a16:creationId xmlns:a16="http://schemas.microsoft.com/office/drawing/2014/main" id="{541CD644-1E76-4539-0503-49942037516E}"/>
                   </a:ext>
                 </a:extLst>
               </p:cNvPr>
@@ -10327,8 +11636,8 @@
             </p:nvSpPr>
             <p:spPr>
               <a:xfrm>
-                <a:off x="2951582" y="3486260"/>
-                <a:ext cx="190758" cy="215444"/>
+                <a:off x="2410461" y="2164479"/>
+                <a:ext cx="621389" cy="215444"/>
               </a:xfrm>
               <a:prstGeom prst="rect">
                 <a:avLst/>
@@ -10336,7 +11645,7 @@
               <a:blipFill>
                 <a:blip r:embed="rId7"/>
                 <a:stretch>
-                  <a:fillRect l="-19355" r="-6452" b="-14286"/>
+                  <a:fillRect l="-8824" b="-34286"/>
                 </a:stretch>
               </a:blipFill>
             </p:spPr>
@@ -10355,10 +11664,623 @@
           </p:sp>
         </mc:Fallback>
       </mc:AlternateContent>
+      <mc:AlternateContent xmlns:mc="http://schemas.openxmlformats.org/markup-compatibility/2006">
+        <mc:Choice xmlns:a14="http://schemas.microsoft.com/office/drawing/2010/main" Requires="a14">
+          <p:sp>
+            <p:nvSpPr>
+              <p:cNvPr id="51" name="ZoneTexte 50">
+                <a:extLst>
+                  <a:ext uri="{FF2B5EF4-FFF2-40B4-BE49-F238E27FC236}">
+                    <a16:creationId xmlns:a16="http://schemas.microsoft.com/office/drawing/2014/main" id="{408182C4-13A6-E951-B35B-8261278FF6C0}"/>
+                  </a:ext>
+                </a:extLst>
+              </p:cNvPr>
+              <p:cNvSpPr txBox="1"/>
+              <p:nvPr/>
+            </p:nvSpPr>
+            <p:spPr>
+              <a:xfrm>
+                <a:off x="1809285" y="2247179"/>
+                <a:ext cx="451469" cy="215444"/>
+              </a:xfrm>
+              <a:prstGeom prst="rect">
+                <a:avLst/>
+              </a:prstGeom>
+              <a:noFill/>
+            </p:spPr>
+            <p:txBody>
+              <a:bodyPr wrap="none" lIns="0" tIns="0" rIns="0" bIns="0" rtlCol="0">
+                <a:spAutoFit/>
+              </a:bodyPr>
+              <a:lstStyle/>
+              <a:p>
+                <a:pPr/>
+                <a14:m>
+                  <m:oMathPara xmlns:m="http://schemas.openxmlformats.org/officeDocument/2006/math">
+                    <m:oMathParaPr>
+                      <m:jc m:val="centerGroup"/>
+                    </m:oMathParaPr>
+                    <m:oMath xmlns:m="http://schemas.openxmlformats.org/officeDocument/2006/math">
+                      <m:r>
+                        <a:rPr lang="fr-FR" sz="1400" b="0" i="1" smtClean="0">
+                          <a:latin typeface="Cambria Math" panose="02040503050406030204" pitchFamily="18" charset="0"/>
+                        </a:rPr>
+                        <m:t>𝑓</m:t>
+                      </m:r>
+                      <m:d>
+                        <m:dPr>
+                          <m:ctrlPr>
+                            <a:rPr lang="fr-FR" sz="1400" b="0" i="1" smtClean="0">
+                              <a:latin typeface="Cambria Math" panose="02040503050406030204" pitchFamily="18" charset="0"/>
+                            </a:rPr>
+                          </m:ctrlPr>
+                        </m:dPr>
+                        <m:e>
+                          <m:sSub>
+                            <m:sSubPr>
+                              <m:ctrlPr>
+                                <a:rPr lang="fr-FR" sz="1400" i="1">
+                                  <a:latin typeface="Cambria Math" panose="02040503050406030204" pitchFamily="18" charset="0"/>
+                                </a:rPr>
+                              </m:ctrlPr>
+                            </m:sSubPr>
+                            <m:e>
+                              <m:r>
+                                <a:rPr lang="fr-FR" sz="1400" i="1">
+                                  <a:latin typeface="Cambria Math" panose="02040503050406030204" pitchFamily="18" charset="0"/>
+                                </a:rPr>
+                                <m:t>𝑡</m:t>
+                              </m:r>
+                            </m:e>
+                            <m:sub>
+                              <m:r>
+                                <a:rPr lang="fr-FR" sz="1400" i="1">
+                                  <a:latin typeface="Cambria Math" panose="02040503050406030204" pitchFamily="18" charset="0"/>
+                                </a:rPr>
+                                <m:t>𝑘</m:t>
+                              </m:r>
+                            </m:sub>
+                          </m:sSub>
+                        </m:e>
+                      </m:d>
+                    </m:oMath>
+                  </m:oMathPara>
+                </a14:m>
+                <a:endParaRPr lang="fr-FR" sz="1400" dirty="0"/>
+              </a:p>
+            </p:txBody>
+          </p:sp>
+        </mc:Choice>
+        <mc:Fallback>
+          <p:sp>
+            <p:nvSpPr>
+              <p:cNvPr id="51" name="ZoneTexte 50">
+                <a:extLst>
+                  <a:ext uri="{FF2B5EF4-FFF2-40B4-BE49-F238E27FC236}">
+                    <a16:creationId xmlns:a16="http://schemas.microsoft.com/office/drawing/2014/main" id="{408182C4-13A6-E951-B35B-8261278FF6C0}"/>
+                  </a:ext>
+                </a:extLst>
+              </p:cNvPr>
+              <p:cNvSpPr txBox="1">
+                <a:spLocks noRot="1" noChangeAspect="1" noMove="1" noResize="1" noEditPoints="1" noAdjustHandles="1" noChangeArrowheads="1" noChangeShapeType="1" noTextEdit="1"/>
+              </p:cNvSpPr>
+              <p:nvPr/>
+            </p:nvSpPr>
+            <p:spPr>
+              <a:xfrm>
+                <a:off x="1809285" y="2247179"/>
+                <a:ext cx="451469" cy="215444"/>
+              </a:xfrm>
+              <a:prstGeom prst="rect">
+                <a:avLst/>
+              </a:prstGeom>
+              <a:blipFill>
+                <a:blip r:embed="rId8"/>
+                <a:stretch>
+                  <a:fillRect l="-13514" b="-31429"/>
+                </a:stretch>
+              </a:blipFill>
+            </p:spPr>
+            <p:txBody>
+              <a:bodyPr/>
+              <a:lstStyle/>
+              <a:p>
+                <a:r>
+                  <a:rPr lang="fr-FR">
+                    <a:noFill/>
+                  </a:rPr>
+                  <a:t> </a:t>
+                </a:r>
+              </a:p>
+            </p:txBody>
+          </p:sp>
+        </mc:Fallback>
+      </mc:AlternateContent>
+      <mc:AlternateContent xmlns:mc="http://schemas.openxmlformats.org/markup-compatibility/2006">
+        <mc:Choice xmlns:a14="http://schemas.microsoft.com/office/drawing/2010/main" Requires="a14">
+          <p:sp>
+            <p:nvSpPr>
+              <p:cNvPr id="52" name="ZoneTexte 51">
+                <a:extLst>
+                  <a:ext uri="{FF2B5EF4-FFF2-40B4-BE49-F238E27FC236}">
+                    <a16:creationId xmlns:a16="http://schemas.microsoft.com/office/drawing/2014/main" id="{8765A5CD-ED12-2FFE-F9D2-6EBDC4AFA3E8}"/>
+                  </a:ext>
+                </a:extLst>
+              </p:cNvPr>
+              <p:cNvSpPr txBox="1"/>
+              <p:nvPr/>
+            </p:nvSpPr>
+            <p:spPr>
+              <a:xfrm>
+                <a:off x="3090960" y="3746170"/>
+                <a:ext cx="3561295" cy="673711"/>
+              </a:xfrm>
+              <a:prstGeom prst="rect">
+                <a:avLst/>
+              </a:prstGeom>
+              <a:noFill/>
+            </p:spPr>
+            <p:txBody>
+              <a:bodyPr wrap="none" lIns="0" tIns="0" rIns="0" bIns="0" rtlCol="0">
+                <a:spAutoFit/>
+              </a:bodyPr>
+              <a:lstStyle/>
+              <a:p>
+                <a:pPr/>
+                <a14:m>
+                  <m:oMathPara xmlns:m="http://schemas.openxmlformats.org/officeDocument/2006/math">
+                    <m:oMathParaPr>
+                      <m:jc m:val="centerGroup"/>
+                    </m:oMathParaPr>
+                    <m:oMath xmlns:m="http://schemas.openxmlformats.org/officeDocument/2006/math">
+                      <m:nary>
+                        <m:naryPr>
+                          <m:limLoc m:val="undOvr"/>
+                          <m:ctrlPr>
+                            <a:rPr lang="fr-FR" sz="1400" i="1" smtClean="0">
+                              <a:latin typeface="Cambria Math" panose="02040503050406030204" pitchFamily="18" charset="0"/>
+                            </a:rPr>
+                          </m:ctrlPr>
+                        </m:naryPr>
+                        <m:sub>
+                          <m:sSub>
+                            <m:sSubPr>
+                              <m:ctrlPr>
+                                <a:rPr lang="fr-FR" sz="1400" b="0" i="1" smtClean="0">
+                                  <a:latin typeface="Cambria Math" panose="02040503050406030204" pitchFamily="18" charset="0"/>
+                                </a:rPr>
+                              </m:ctrlPr>
+                            </m:sSubPr>
+                            <m:e>
+                              <m:r>
+                                <m:rPr>
+                                  <m:brk m:alnAt="24"/>
+                                </m:rPr>
+                                <a:rPr lang="fr-FR" sz="1400" b="0" i="1" smtClean="0">
+                                  <a:latin typeface="Cambria Math" panose="02040503050406030204" pitchFamily="18" charset="0"/>
+                                </a:rPr>
+                                <m:t>𝑡</m:t>
+                              </m:r>
+                            </m:e>
+                            <m:sub>
+                              <m:r>
+                                <a:rPr lang="fr-FR" sz="1400" b="0" i="1" smtClean="0">
+                                  <a:latin typeface="Cambria Math" panose="02040503050406030204" pitchFamily="18" charset="0"/>
+                                </a:rPr>
+                                <m:t>𝑘</m:t>
+                              </m:r>
+                            </m:sub>
+                          </m:sSub>
+                        </m:sub>
+                        <m:sup>
+                          <m:sSub>
+                            <m:sSubPr>
+                              <m:ctrlPr>
+                                <a:rPr lang="fr-FR" sz="1400" b="0" i="1" smtClean="0">
+                                  <a:latin typeface="Cambria Math" panose="02040503050406030204" pitchFamily="18" charset="0"/>
+                                </a:rPr>
+                              </m:ctrlPr>
+                            </m:sSubPr>
+                            <m:e>
+                              <m:r>
+                                <a:rPr lang="fr-FR" sz="1400" b="0" i="1" smtClean="0">
+                                  <a:latin typeface="Cambria Math" panose="02040503050406030204" pitchFamily="18" charset="0"/>
+                                </a:rPr>
+                                <m:t>𝑡</m:t>
+                              </m:r>
+                            </m:e>
+                            <m:sub>
+                              <m:r>
+                                <a:rPr lang="fr-FR" sz="1400" b="0" i="1" smtClean="0">
+                                  <a:latin typeface="Cambria Math" panose="02040503050406030204" pitchFamily="18" charset="0"/>
+                                </a:rPr>
+                                <m:t>𝑘</m:t>
+                              </m:r>
+                              <m:r>
+                                <a:rPr lang="fr-FR" sz="1400" b="0" i="1" smtClean="0">
+                                  <a:latin typeface="Cambria Math" panose="02040503050406030204" pitchFamily="18" charset="0"/>
+                                </a:rPr>
+                                <m:t>+1</m:t>
+                              </m:r>
+                            </m:sub>
+                          </m:sSub>
+                        </m:sup>
+                        <m:e>
+                          <m:r>
+                            <a:rPr lang="fr-FR" sz="1400" b="0" i="1" smtClean="0">
+                              <a:latin typeface="Cambria Math" panose="02040503050406030204" pitchFamily="18" charset="0"/>
+                            </a:rPr>
+                            <m:t>𝑓</m:t>
+                          </m:r>
+                          <m:d>
+                            <m:dPr>
+                              <m:ctrlPr>
+                                <a:rPr lang="fr-FR" sz="1400" b="0" i="1" smtClean="0">
+                                  <a:latin typeface="Cambria Math" panose="02040503050406030204" pitchFamily="18" charset="0"/>
+                                </a:rPr>
+                              </m:ctrlPr>
+                            </m:dPr>
+                            <m:e>
+                              <m:r>
+                                <a:rPr lang="fr-FR" sz="1400" b="0" i="1" smtClean="0">
+                                  <a:latin typeface="Cambria Math" panose="02040503050406030204" pitchFamily="18" charset="0"/>
+                                </a:rPr>
+                                <m:t>𝑡</m:t>
+                              </m:r>
+                            </m:e>
+                          </m:d>
+                          <m:r>
+                            <m:rPr>
+                              <m:sty m:val="p"/>
+                            </m:rPr>
+                            <a:rPr lang="fr-FR" sz="1400" b="0" i="0" smtClean="0">
+                              <a:latin typeface="Cambria Math" panose="02040503050406030204" pitchFamily="18" charset="0"/>
+                            </a:rPr>
+                            <m:t>d</m:t>
+                          </m:r>
+                          <m:r>
+                            <a:rPr lang="fr-FR" sz="1400" b="0" i="1" smtClean="0">
+                              <a:latin typeface="Cambria Math" panose="02040503050406030204" pitchFamily="18" charset="0"/>
+                            </a:rPr>
+                            <m:t>𝑡</m:t>
+                          </m:r>
+                        </m:e>
+                      </m:nary>
+                      <m:r>
+                        <a:rPr lang="fr-FR" sz="1400" b="0" i="1" smtClean="0">
+                          <a:latin typeface="Cambria Math" panose="02040503050406030204" pitchFamily="18" charset="0"/>
+                        </a:rPr>
+                        <m:t>≃</m:t>
+                      </m:r>
+                      <m:f>
+                        <m:fPr>
+                          <m:ctrlPr>
+                            <a:rPr lang="fr-FR" sz="1400" b="0" i="1" smtClean="0">
+                              <a:latin typeface="Cambria Math" panose="02040503050406030204" pitchFamily="18" charset="0"/>
+                            </a:rPr>
+                          </m:ctrlPr>
+                        </m:fPr>
+                        <m:num>
+                          <m:r>
+                            <a:rPr lang="fr-FR" sz="1400" b="0" i="1" smtClean="0">
+                              <a:latin typeface="Cambria Math" panose="02040503050406030204" pitchFamily="18" charset="0"/>
+                            </a:rPr>
+                            <m:t>1</m:t>
+                          </m:r>
+                        </m:num>
+                        <m:den>
+                          <m:r>
+                            <a:rPr lang="fr-FR" sz="1400" b="0" i="1" smtClean="0">
+                              <a:latin typeface="Cambria Math" panose="02040503050406030204" pitchFamily="18" charset="0"/>
+                            </a:rPr>
+                            <m:t>2</m:t>
+                          </m:r>
+                        </m:den>
+                      </m:f>
+                      <m:d>
+                        <m:dPr>
+                          <m:ctrlPr>
+                            <a:rPr lang="fr-FR" sz="1400" b="0" i="1" smtClean="0">
+                              <a:latin typeface="Cambria Math" panose="02040503050406030204" pitchFamily="18" charset="0"/>
+                            </a:rPr>
+                          </m:ctrlPr>
+                        </m:dPr>
+                        <m:e>
+                          <m:r>
+                            <a:rPr lang="fr-FR" sz="1400" b="0" i="1" smtClean="0">
+                              <a:latin typeface="Cambria Math" panose="02040503050406030204" pitchFamily="18" charset="0"/>
+                            </a:rPr>
+                            <m:t>𝑓</m:t>
+                          </m:r>
+                          <m:d>
+                            <m:dPr>
+                              <m:ctrlPr>
+                                <a:rPr lang="fr-FR" sz="1400" b="0" i="1" smtClean="0">
+                                  <a:latin typeface="Cambria Math" panose="02040503050406030204" pitchFamily="18" charset="0"/>
+                                </a:rPr>
+                              </m:ctrlPr>
+                            </m:dPr>
+                            <m:e>
+                              <m:sSub>
+                                <m:sSubPr>
+                                  <m:ctrlPr>
+                                    <a:rPr lang="fr-FR" sz="1400" b="0" i="1" smtClean="0">
+                                      <a:latin typeface="Cambria Math" panose="02040503050406030204" pitchFamily="18" charset="0"/>
+                                    </a:rPr>
+                                  </m:ctrlPr>
+                                </m:sSubPr>
+                                <m:e>
+                                  <m:r>
+                                    <a:rPr lang="fr-FR" sz="1400" b="0" i="1" smtClean="0">
+                                      <a:latin typeface="Cambria Math" panose="02040503050406030204" pitchFamily="18" charset="0"/>
+                                    </a:rPr>
+                                    <m:t>𝑡</m:t>
+                                  </m:r>
+                                </m:e>
+                                <m:sub>
+                                  <m:r>
+                                    <a:rPr lang="fr-FR" sz="1400" i="1">
+                                      <a:latin typeface="Cambria Math" panose="02040503050406030204" pitchFamily="18" charset="0"/>
+                                    </a:rPr>
+                                    <m:t>𝑘</m:t>
+                                  </m:r>
+                                </m:sub>
+                              </m:sSub>
+                            </m:e>
+                          </m:d>
+                          <m:r>
+                            <a:rPr lang="fr-FR" sz="1400" i="1">
+                              <a:latin typeface="Cambria Math" panose="02040503050406030204" pitchFamily="18" charset="0"/>
+                            </a:rPr>
+                            <m:t>+</m:t>
+                          </m:r>
+                          <m:r>
+                            <a:rPr lang="fr-FR" sz="1400" i="1">
+                              <a:latin typeface="Cambria Math" panose="02040503050406030204" pitchFamily="18" charset="0"/>
+                            </a:rPr>
+                            <m:t>𝑓</m:t>
+                          </m:r>
+                          <m:d>
+                            <m:dPr>
+                              <m:ctrlPr>
+                                <a:rPr lang="fr-FR" sz="1400" i="1">
+                                  <a:latin typeface="Cambria Math" panose="02040503050406030204" pitchFamily="18" charset="0"/>
+                                </a:rPr>
+                              </m:ctrlPr>
+                            </m:dPr>
+                            <m:e>
+                              <m:sSub>
+                                <m:sSubPr>
+                                  <m:ctrlPr>
+                                    <a:rPr lang="fr-FR" sz="1400" i="1">
+                                      <a:latin typeface="Cambria Math" panose="02040503050406030204" pitchFamily="18" charset="0"/>
+                                    </a:rPr>
+                                  </m:ctrlPr>
+                                </m:sSubPr>
+                                <m:e>
+                                  <m:r>
+                                    <a:rPr lang="fr-FR" sz="1400" i="1">
+                                      <a:latin typeface="Cambria Math" panose="02040503050406030204" pitchFamily="18" charset="0"/>
+                                    </a:rPr>
+                                    <m:t>𝑡</m:t>
+                                  </m:r>
+                                </m:e>
+                                <m:sub>
+                                  <m:r>
+                                    <a:rPr lang="fr-FR" sz="1400" i="1">
+                                      <a:latin typeface="Cambria Math" panose="02040503050406030204" pitchFamily="18" charset="0"/>
+                                    </a:rPr>
+                                    <m:t>𝑘</m:t>
+                                  </m:r>
+                                  <m:r>
+                                    <a:rPr lang="fr-FR" sz="1400" i="1">
+                                      <a:latin typeface="Cambria Math" panose="02040503050406030204" pitchFamily="18" charset="0"/>
+                                    </a:rPr>
+                                    <m:t>+1</m:t>
+                                  </m:r>
+                                </m:sub>
+                              </m:sSub>
+                            </m:e>
+                          </m:d>
+                        </m:e>
+                      </m:d>
+                      <m:r>
+                        <a:rPr lang="fr-FR" sz="1400" b="0" i="1" smtClean="0">
+                          <a:latin typeface="Cambria Math" panose="02040503050406030204" pitchFamily="18" charset="0"/>
+                        </a:rPr>
+                        <m:t>⋅</m:t>
+                      </m:r>
+                      <m:d>
+                        <m:dPr>
+                          <m:ctrlPr>
+                            <a:rPr lang="fr-FR" sz="1400" i="1">
+                              <a:latin typeface="Cambria Math" panose="02040503050406030204" pitchFamily="18" charset="0"/>
+                            </a:rPr>
+                          </m:ctrlPr>
+                        </m:dPr>
+                        <m:e>
+                          <m:sSub>
+                            <m:sSubPr>
+                              <m:ctrlPr>
+                                <a:rPr lang="fr-FR" sz="1400" i="1">
+                                  <a:latin typeface="Cambria Math" panose="02040503050406030204" pitchFamily="18" charset="0"/>
+                                </a:rPr>
+                              </m:ctrlPr>
+                            </m:sSubPr>
+                            <m:e>
+                              <m:r>
+                                <a:rPr lang="fr-FR" sz="1400" i="1">
+                                  <a:latin typeface="Cambria Math" panose="02040503050406030204" pitchFamily="18" charset="0"/>
+                                </a:rPr>
+                                <m:t>𝑡</m:t>
+                              </m:r>
+                            </m:e>
+                            <m:sub>
+                              <m:r>
+                                <a:rPr lang="fr-FR" sz="1400" i="1">
+                                  <a:latin typeface="Cambria Math" panose="02040503050406030204" pitchFamily="18" charset="0"/>
+                                </a:rPr>
+                                <m:t>𝑘</m:t>
+                              </m:r>
+                              <m:r>
+                                <a:rPr lang="fr-FR" sz="1400" i="1">
+                                  <a:latin typeface="Cambria Math" panose="02040503050406030204" pitchFamily="18" charset="0"/>
+                                </a:rPr>
+                                <m:t>+1</m:t>
+                              </m:r>
+                            </m:sub>
+                          </m:sSub>
+                          <m:r>
+                            <a:rPr lang="fr-FR" sz="1400" b="0" i="1" smtClean="0">
+                              <a:latin typeface="Cambria Math" panose="02040503050406030204" pitchFamily="18" charset="0"/>
+                            </a:rPr>
+                            <m:t>−</m:t>
+                          </m:r>
+                          <m:sSub>
+                            <m:sSubPr>
+                              <m:ctrlPr>
+                                <a:rPr lang="fr-FR" sz="1400" i="1">
+                                  <a:latin typeface="Cambria Math" panose="02040503050406030204" pitchFamily="18" charset="0"/>
+                                </a:rPr>
+                              </m:ctrlPr>
+                            </m:sSubPr>
+                            <m:e>
+                              <m:r>
+                                <a:rPr lang="fr-FR" sz="1400" i="1">
+                                  <a:latin typeface="Cambria Math" panose="02040503050406030204" pitchFamily="18" charset="0"/>
+                                </a:rPr>
+                                <m:t>𝑡</m:t>
+                              </m:r>
+                            </m:e>
+                            <m:sub>
+                              <m:r>
+                                <a:rPr lang="fr-FR" sz="1400" i="1">
+                                  <a:latin typeface="Cambria Math" panose="02040503050406030204" pitchFamily="18" charset="0"/>
+                                </a:rPr>
+                                <m:t>𝑘</m:t>
+                              </m:r>
+                            </m:sub>
+                          </m:sSub>
+                        </m:e>
+                      </m:d>
+                    </m:oMath>
+                  </m:oMathPara>
+                </a14:m>
+                <a:endParaRPr lang="fr-FR" sz="1400" dirty="0"/>
+              </a:p>
+            </p:txBody>
+          </p:sp>
+        </mc:Choice>
+        <mc:Fallback>
+          <p:sp>
+            <p:nvSpPr>
+              <p:cNvPr id="52" name="ZoneTexte 51">
+                <a:extLst>
+                  <a:ext uri="{FF2B5EF4-FFF2-40B4-BE49-F238E27FC236}">
+                    <a16:creationId xmlns:a16="http://schemas.microsoft.com/office/drawing/2014/main" id="{8765A5CD-ED12-2FFE-F9D2-6EBDC4AFA3E8}"/>
+                  </a:ext>
+                </a:extLst>
+              </p:cNvPr>
+              <p:cNvSpPr txBox="1">
+                <a:spLocks noRot="1" noChangeAspect="1" noMove="1" noResize="1" noEditPoints="1" noAdjustHandles="1" noChangeArrowheads="1" noChangeShapeType="1" noTextEdit="1"/>
+              </p:cNvSpPr>
+              <p:nvPr/>
+            </p:nvSpPr>
+            <p:spPr>
+              <a:xfrm>
+                <a:off x="3090960" y="3746170"/>
+                <a:ext cx="3561295" cy="673711"/>
+              </a:xfrm>
+              <a:prstGeom prst="rect">
+                <a:avLst/>
+              </a:prstGeom>
+              <a:blipFill>
+                <a:blip r:embed="rId9"/>
+                <a:stretch>
+                  <a:fillRect/>
+                </a:stretch>
+              </a:blipFill>
+            </p:spPr>
+            <p:txBody>
+              <a:bodyPr/>
+              <a:lstStyle/>
+              <a:p>
+                <a:r>
+                  <a:rPr lang="fr-FR">
+                    <a:noFill/>
+                  </a:rPr>
+                  <a:t> </a:t>
+                </a:r>
+              </a:p>
+            </p:txBody>
+          </p:sp>
+        </mc:Fallback>
+      </mc:AlternateContent>
+      <p:sp>
+        <p:nvSpPr>
+          <p:cNvPr id="53" name="Trapèze 52">
+            <a:extLst>
+              <a:ext uri="{FF2B5EF4-FFF2-40B4-BE49-F238E27FC236}">
+                <a16:creationId xmlns:a16="http://schemas.microsoft.com/office/drawing/2014/main" id="{F09634BB-9CBA-FB01-D468-B7D092645A28}"/>
+              </a:ext>
+            </a:extLst>
+          </p:cNvPr>
+          <p:cNvSpPr/>
+          <p:nvPr/>
+        </p:nvSpPr>
+        <p:spPr>
+          <a:xfrm>
+            <a:off x="5572273" y="2282421"/>
+            <a:ext cx="1968863" cy="973667"/>
+          </a:xfrm>
+          <a:prstGeom prst="trapezoid">
+            <a:avLst>
+              <a:gd name="adj" fmla="val 26044"/>
+            </a:avLst>
+          </a:prstGeom>
+          <a:solidFill>
+            <a:schemeClr val="accent2">
+              <a:lumMod val="20000"/>
+              <a:lumOff val="80000"/>
+            </a:schemeClr>
+          </a:solidFill>
+          <a:ln>
+            <a:solidFill>
+              <a:schemeClr val="accent2">
+                <a:lumMod val="50000"/>
+              </a:schemeClr>
+            </a:solidFill>
+          </a:ln>
+        </p:spPr>
+        <p:style>
+          <a:lnRef idx="2">
+            <a:schemeClr val="accent1">
+              <a:shade val="15000"/>
+            </a:schemeClr>
+          </a:lnRef>
+          <a:fillRef idx="1">
+            <a:schemeClr val="accent1"/>
+          </a:fillRef>
+          <a:effectRef idx="0">
+            <a:schemeClr val="accent1"/>
+          </a:effectRef>
+          <a:fontRef idx="minor">
+            <a:schemeClr val="lt1"/>
+          </a:fontRef>
+        </p:style>
+        <p:txBody>
+          <a:bodyPr rtlCol="0" anchor="ctr"/>
+          <a:lstStyle/>
+          <a:p>
+            <a:pPr algn="ctr"/>
+            <a:endParaRPr lang="fr-FR" dirty="0"/>
+          </a:p>
+        </p:txBody>
+      </p:sp>
     </p:spTree>
     <p:extLst>
       <p:ext uri="{BB962C8B-B14F-4D97-AF65-F5344CB8AC3E}">
-        <p14:creationId xmlns:p14="http://schemas.microsoft.com/office/powerpoint/2010/main" val="518156337"/>
+        <p14:creationId xmlns:p14="http://schemas.microsoft.com/office/powerpoint/2010/main" val="1324267369"/>
       </p:ext>
     </p:extLst>
   </p:cSld>

--- a/Figures [Enregistrement automatique].pptx
+++ b/Figures [Enregistrement automatique].pptx
@@ -11,6 +11,7 @@
     <p:sldId id="259" r:id="rId5"/>
     <p:sldId id="260" r:id="rId6"/>
     <p:sldId id="261" r:id="rId7"/>
+    <p:sldId id="262" r:id="rId8"/>
   </p:sldIdLst>
   <p:sldSz cx="12192000" cy="6858000"/>
   <p:notesSz cx="6858000" cy="9144000"/>
@@ -264,7 +265,7 @@
           <a:p>
             <a:fld id="{8650A246-1026-46AD-AFCC-0ACF25FECB60}" type="datetimeFigureOut">
               <a:rPr lang="fr-FR" smtClean="0"/>
-              <a:t>28/10/2023</a:t>
+              <a:t>29/11/2023</a:t>
             </a:fld>
             <a:endParaRPr lang="fr-FR"/>
           </a:p>
@@ -552,7 +553,7 @@
           <a:p>
             <a:fld id="{8650A246-1026-46AD-AFCC-0ACF25FECB60}" type="datetimeFigureOut">
               <a:rPr lang="fr-FR" smtClean="0"/>
-              <a:t>28/10/2023</a:t>
+              <a:t>29/11/2023</a:t>
             </a:fld>
             <a:endParaRPr lang="fr-FR"/>
           </a:p>
@@ -750,7 +751,7 @@
           <a:p>
             <a:fld id="{8650A246-1026-46AD-AFCC-0ACF25FECB60}" type="datetimeFigureOut">
               <a:rPr lang="fr-FR" smtClean="0"/>
-              <a:t>28/10/2023</a:t>
+              <a:t>29/11/2023</a:t>
             </a:fld>
             <a:endParaRPr lang="fr-FR"/>
           </a:p>
@@ -958,7 +959,7 @@
           <a:p>
             <a:fld id="{8650A246-1026-46AD-AFCC-0ACF25FECB60}" type="datetimeFigureOut">
               <a:rPr lang="fr-FR" smtClean="0"/>
-              <a:t>28/10/2023</a:t>
+              <a:t>29/11/2023</a:t>
             </a:fld>
             <a:endParaRPr lang="fr-FR"/>
           </a:p>
@@ -1156,7 +1157,7 @@
           <a:p>
             <a:fld id="{8650A246-1026-46AD-AFCC-0ACF25FECB60}" type="datetimeFigureOut">
               <a:rPr lang="fr-FR" smtClean="0"/>
-              <a:t>28/10/2023</a:t>
+              <a:t>29/11/2023</a:t>
             </a:fld>
             <a:endParaRPr lang="fr-FR"/>
           </a:p>
@@ -1431,7 +1432,7 @@
           <a:p>
             <a:fld id="{8650A246-1026-46AD-AFCC-0ACF25FECB60}" type="datetimeFigureOut">
               <a:rPr lang="fr-FR" smtClean="0"/>
-              <a:t>28/10/2023</a:t>
+              <a:t>29/11/2023</a:t>
             </a:fld>
             <a:endParaRPr lang="fr-FR"/>
           </a:p>
@@ -1696,7 +1697,7 @@
           <a:p>
             <a:fld id="{8650A246-1026-46AD-AFCC-0ACF25FECB60}" type="datetimeFigureOut">
               <a:rPr lang="fr-FR" smtClean="0"/>
-              <a:t>28/10/2023</a:t>
+              <a:t>29/11/2023</a:t>
             </a:fld>
             <a:endParaRPr lang="fr-FR"/>
           </a:p>
@@ -2108,7 +2109,7 @@
           <a:p>
             <a:fld id="{8650A246-1026-46AD-AFCC-0ACF25FECB60}" type="datetimeFigureOut">
               <a:rPr lang="fr-FR" smtClean="0"/>
-              <a:t>28/10/2023</a:t>
+              <a:t>29/11/2023</a:t>
             </a:fld>
             <a:endParaRPr lang="fr-FR"/>
           </a:p>
@@ -2249,7 +2250,7 @@
           <a:p>
             <a:fld id="{8650A246-1026-46AD-AFCC-0ACF25FECB60}" type="datetimeFigureOut">
               <a:rPr lang="fr-FR" smtClean="0"/>
-              <a:t>28/10/2023</a:t>
+              <a:t>29/11/2023</a:t>
             </a:fld>
             <a:endParaRPr lang="fr-FR"/>
           </a:p>
@@ -2463,7 +2464,7 @@
           <a:p>
             <a:fld id="{8650A246-1026-46AD-AFCC-0ACF25FECB60}" type="datetimeFigureOut">
               <a:rPr lang="fr-FR" smtClean="0"/>
-              <a:t>28/10/2023</a:t>
+              <a:t>29/11/2023</a:t>
             </a:fld>
             <a:endParaRPr lang="fr-FR"/>
           </a:p>
@@ -2576,7 +2577,7 @@
           <a:p>
             <a:fld id="{8650A246-1026-46AD-AFCC-0ACF25FECB60}" type="datetimeFigureOut">
               <a:rPr lang="fr-FR" smtClean="0"/>
-              <a:t>28/10/2023</a:t>
+              <a:t>29/11/2023</a:t>
             </a:fld>
             <a:endParaRPr lang="fr-FR"/>
           </a:p>
@@ -2887,7 +2888,7 @@
           <a:p>
             <a:fld id="{8650A246-1026-46AD-AFCC-0ACF25FECB60}" type="datetimeFigureOut">
               <a:rPr lang="fr-FR" smtClean="0"/>
-              <a:t>28/10/2023</a:t>
+              <a:t>29/11/2023</a:t>
             </a:fld>
             <a:endParaRPr lang="fr-FR"/>
           </a:p>
@@ -3128,7 +3129,7 @@
           <a:p>
             <a:fld id="{8650A246-1026-46AD-AFCC-0ACF25FECB60}" type="datetimeFigureOut">
               <a:rPr lang="fr-FR" smtClean="0"/>
-              <a:t>28/10/2023</a:t>
+              <a:t>29/11/2023</a:t>
             </a:fld>
             <a:endParaRPr lang="fr-FR"/>
           </a:p>
@@ -10689,8 +10690,8 @@
           </p:sp>
         </mc:Fallback>
       </mc:AlternateContent>
-      <mc:AlternateContent xmlns:mc="http://schemas.openxmlformats.org/markup-compatibility/2006">
-        <mc:Choice xmlns:a14="http://schemas.microsoft.com/office/drawing/2010/main" Requires="a14">
+      <mc:AlternateContent xmlns:mc="http://schemas.openxmlformats.org/markup-compatibility/2006" xmlns:a14="http://schemas.microsoft.com/office/drawing/2010/main">
+        <mc:Choice Requires="a14">
           <p:sp>
             <p:nvSpPr>
               <p:cNvPr id="12" name="ZoneTexte 11">
@@ -10758,7 +10759,7 @@
             </p:txBody>
           </p:sp>
         </mc:Choice>
-        <mc:Fallback>
+        <mc:Fallback xmlns="">
           <p:sp>
             <p:nvSpPr>
               <p:cNvPr id="12" name="ZoneTexte 11">
@@ -11014,8 +11015,8 @@
           </a:fontRef>
         </p:style>
       </p:cxnSp>
-      <mc:AlternateContent xmlns:mc="http://schemas.openxmlformats.org/markup-compatibility/2006">
-        <mc:Choice xmlns:a14="http://schemas.microsoft.com/office/drawing/2010/main" Requires="a14">
+      <mc:AlternateContent xmlns:mc="http://schemas.openxmlformats.org/markup-compatibility/2006" xmlns:a14="http://schemas.microsoft.com/office/drawing/2010/main">
+        <mc:Choice Requires="a14">
           <p:sp>
             <p:nvSpPr>
               <p:cNvPr id="43" name="ZoneTexte 42">
@@ -11084,7 +11085,7 @@
             </p:txBody>
           </p:sp>
         </mc:Choice>
-        <mc:Fallback>
+        <mc:Fallback xmlns="">
           <p:sp>
             <p:nvSpPr>
               <p:cNvPr id="43" name="ZoneTexte 42">
@@ -11129,8 +11130,8 @@
           </p:sp>
         </mc:Fallback>
       </mc:AlternateContent>
-      <mc:AlternateContent xmlns:mc="http://schemas.openxmlformats.org/markup-compatibility/2006">
-        <mc:Choice xmlns:a14="http://schemas.microsoft.com/office/drawing/2010/main" Requires="a14">
+      <mc:AlternateContent xmlns:mc="http://schemas.openxmlformats.org/markup-compatibility/2006" xmlns:a14="http://schemas.microsoft.com/office/drawing/2010/main">
+        <mc:Choice Requires="a14">
           <p:sp>
             <p:nvSpPr>
               <p:cNvPr id="44" name="ZoneTexte 43">
@@ -11262,7 +11263,7 @@
             </p:txBody>
           </p:sp>
         </mc:Choice>
-        <mc:Fallback>
+        <mc:Fallback xmlns="">
           <p:sp>
             <p:nvSpPr>
               <p:cNvPr id="44" name="ZoneTexte 43">
@@ -11405,8 +11406,8 @@
           </a:fontRef>
         </p:style>
       </p:cxnSp>
-      <mc:AlternateContent xmlns:mc="http://schemas.openxmlformats.org/markup-compatibility/2006">
-        <mc:Choice xmlns:a14="http://schemas.microsoft.com/office/drawing/2010/main" Requires="a14">
+      <mc:AlternateContent xmlns:mc="http://schemas.openxmlformats.org/markup-compatibility/2006" xmlns:a14="http://schemas.microsoft.com/office/drawing/2010/main">
+        <mc:Choice Requires="a14">
           <p:sp>
             <p:nvSpPr>
               <p:cNvPr id="49" name="ZoneTexte 48">
@@ -11481,7 +11482,7 @@
             </p:txBody>
           </p:sp>
         </mc:Choice>
-        <mc:Fallback>
+        <mc:Fallback xmlns="">
           <p:sp>
             <p:nvSpPr>
               <p:cNvPr id="49" name="ZoneTexte 48">
@@ -11526,8 +11527,8 @@
           </p:sp>
         </mc:Fallback>
       </mc:AlternateContent>
-      <mc:AlternateContent xmlns:mc="http://schemas.openxmlformats.org/markup-compatibility/2006">
-        <mc:Choice xmlns:a14="http://schemas.microsoft.com/office/drawing/2010/main" Requires="a14">
+      <mc:AlternateContent xmlns:mc="http://schemas.openxmlformats.org/markup-compatibility/2006" xmlns:a14="http://schemas.microsoft.com/office/drawing/2010/main">
+        <mc:Choice Requires="a14">
           <p:sp>
             <p:nvSpPr>
               <p:cNvPr id="50" name="ZoneTexte 49">
@@ -11619,7 +11620,7 @@
             </p:txBody>
           </p:sp>
         </mc:Choice>
-        <mc:Fallback>
+        <mc:Fallback xmlns="">
           <p:sp>
             <p:nvSpPr>
               <p:cNvPr id="50" name="ZoneTexte 49">
@@ -11664,8 +11665,8 @@
           </p:sp>
         </mc:Fallback>
       </mc:AlternateContent>
-      <mc:AlternateContent xmlns:mc="http://schemas.openxmlformats.org/markup-compatibility/2006">
-        <mc:Choice xmlns:a14="http://schemas.microsoft.com/office/drawing/2010/main" Requires="a14">
+      <mc:AlternateContent xmlns:mc="http://schemas.openxmlformats.org/markup-compatibility/2006" xmlns:a14="http://schemas.microsoft.com/office/drawing/2010/main">
+        <mc:Choice Requires="a14">
           <p:sp>
             <p:nvSpPr>
               <p:cNvPr id="51" name="ZoneTexte 50">
@@ -11751,7 +11752,7 @@
             </p:txBody>
           </p:sp>
         </mc:Choice>
-        <mc:Fallback>
+        <mc:Fallback xmlns="">
           <p:sp>
             <p:nvSpPr>
               <p:cNvPr id="51" name="ZoneTexte 50">
@@ -11796,6 +11797,1869 @@
           </p:sp>
         </mc:Fallback>
       </mc:AlternateContent>
+      <mc:AlternateContent xmlns:mc="http://schemas.openxmlformats.org/markup-compatibility/2006" xmlns:a14="http://schemas.microsoft.com/office/drawing/2010/main">
+        <mc:Choice Requires="a14">
+          <p:sp>
+            <p:nvSpPr>
+              <p:cNvPr id="52" name="ZoneTexte 51">
+                <a:extLst>
+                  <a:ext uri="{FF2B5EF4-FFF2-40B4-BE49-F238E27FC236}">
+                    <a16:creationId xmlns:a16="http://schemas.microsoft.com/office/drawing/2014/main" id="{8765A5CD-ED12-2FFE-F9D2-6EBDC4AFA3E8}"/>
+                  </a:ext>
+                </a:extLst>
+              </p:cNvPr>
+              <p:cNvSpPr txBox="1"/>
+              <p:nvPr/>
+            </p:nvSpPr>
+            <p:spPr>
+              <a:xfrm>
+                <a:off x="3090960" y="3746170"/>
+                <a:ext cx="3561295" cy="673711"/>
+              </a:xfrm>
+              <a:prstGeom prst="rect">
+                <a:avLst/>
+              </a:prstGeom>
+              <a:noFill/>
+            </p:spPr>
+            <p:txBody>
+              <a:bodyPr wrap="none" lIns="0" tIns="0" rIns="0" bIns="0" rtlCol="0">
+                <a:spAutoFit/>
+              </a:bodyPr>
+              <a:lstStyle/>
+              <a:p>
+                <a:pPr/>
+                <a14:m>
+                  <m:oMathPara xmlns:m="http://schemas.openxmlformats.org/officeDocument/2006/math">
+                    <m:oMathParaPr>
+                      <m:jc m:val="centerGroup"/>
+                    </m:oMathParaPr>
+                    <m:oMath xmlns:m="http://schemas.openxmlformats.org/officeDocument/2006/math">
+                      <m:nary>
+                        <m:naryPr>
+                          <m:limLoc m:val="undOvr"/>
+                          <m:ctrlPr>
+                            <a:rPr lang="fr-FR" sz="1400" i="1" smtClean="0">
+                              <a:latin typeface="Cambria Math" panose="02040503050406030204" pitchFamily="18" charset="0"/>
+                            </a:rPr>
+                          </m:ctrlPr>
+                        </m:naryPr>
+                        <m:sub>
+                          <m:sSub>
+                            <m:sSubPr>
+                              <m:ctrlPr>
+                                <a:rPr lang="fr-FR" sz="1400" b="0" i="1" smtClean="0">
+                                  <a:latin typeface="Cambria Math" panose="02040503050406030204" pitchFamily="18" charset="0"/>
+                                </a:rPr>
+                              </m:ctrlPr>
+                            </m:sSubPr>
+                            <m:e>
+                              <m:r>
+                                <m:rPr>
+                                  <m:brk m:alnAt="24"/>
+                                </m:rPr>
+                                <a:rPr lang="fr-FR" sz="1400" b="0" i="1" smtClean="0">
+                                  <a:latin typeface="Cambria Math" panose="02040503050406030204" pitchFamily="18" charset="0"/>
+                                </a:rPr>
+                                <m:t>𝑡</m:t>
+                              </m:r>
+                            </m:e>
+                            <m:sub>
+                              <m:r>
+                                <a:rPr lang="fr-FR" sz="1400" b="0" i="1" smtClean="0">
+                                  <a:latin typeface="Cambria Math" panose="02040503050406030204" pitchFamily="18" charset="0"/>
+                                </a:rPr>
+                                <m:t>𝑘</m:t>
+                              </m:r>
+                            </m:sub>
+                          </m:sSub>
+                        </m:sub>
+                        <m:sup>
+                          <m:sSub>
+                            <m:sSubPr>
+                              <m:ctrlPr>
+                                <a:rPr lang="fr-FR" sz="1400" b="0" i="1" smtClean="0">
+                                  <a:latin typeface="Cambria Math" panose="02040503050406030204" pitchFamily="18" charset="0"/>
+                                </a:rPr>
+                              </m:ctrlPr>
+                            </m:sSubPr>
+                            <m:e>
+                              <m:r>
+                                <a:rPr lang="fr-FR" sz="1400" b="0" i="1" smtClean="0">
+                                  <a:latin typeface="Cambria Math" panose="02040503050406030204" pitchFamily="18" charset="0"/>
+                                </a:rPr>
+                                <m:t>𝑡</m:t>
+                              </m:r>
+                            </m:e>
+                            <m:sub>
+                              <m:r>
+                                <a:rPr lang="fr-FR" sz="1400" b="0" i="1" smtClean="0">
+                                  <a:latin typeface="Cambria Math" panose="02040503050406030204" pitchFamily="18" charset="0"/>
+                                </a:rPr>
+                                <m:t>𝑘</m:t>
+                              </m:r>
+                              <m:r>
+                                <a:rPr lang="fr-FR" sz="1400" b="0" i="1" smtClean="0">
+                                  <a:latin typeface="Cambria Math" panose="02040503050406030204" pitchFamily="18" charset="0"/>
+                                </a:rPr>
+                                <m:t>+1</m:t>
+                              </m:r>
+                            </m:sub>
+                          </m:sSub>
+                        </m:sup>
+                        <m:e>
+                          <m:r>
+                            <a:rPr lang="fr-FR" sz="1400" b="0" i="1" smtClean="0">
+                              <a:latin typeface="Cambria Math" panose="02040503050406030204" pitchFamily="18" charset="0"/>
+                            </a:rPr>
+                            <m:t>𝑓</m:t>
+                          </m:r>
+                          <m:d>
+                            <m:dPr>
+                              <m:ctrlPr>
+                                <a:rPr lang="fr-FR" sz="1400" b="0" i="1" smtClean="0">
+                                  <a:latin typeface="Cambria Math" panose="02040503050406030204" pitchFamily="18" charset="0"/>
+                                </a:rPr>
+                              </m:ctrlPr>
+                            </m:dPr>
+                            <m:e>
+                              <m:r>
+                                <a:rPr lang="fr-FR" sz="1400" b="0" i="1" smtClean="0">
+                                  <a:latin typeface="Cambria Math" panose="02040503050406030204" pitchFamily="18" charset="0"/>
+                                </a:rPr>
+                                <m:t>𝑡</m:t>
+                              </m:r>
+                            </m:e>
+                          </m:d>
+                          <m:r>
+                            <m:rPr>
+                              <m:sty m:val="p"/>
+                            </m:rPr>
+                            <a:rPr lang="fr-FR" sz="1400" b="0" i="0" smtClean="0">
+                              <a:latin typeface="Cambria Math" panose="02040503050406030204" pitchFamily="18" charset="0"/>
+                            </a:rPr>
+                            <m:t>d</m:t>
+                          </m:r>
+                          <m:r>
+                            <a:rPr lang="fr-FR" sz="1400" b="0" i="1" smtClean="0">
+                              <a:latin typeface="Cambria Math" panose="02040503050406030204" pitchFamily="18" charset="0"/>
+                            </a:rPr>
+                            <m:t>𝑡</m:t>
+                          </m:r>
+                        </m:e>
+                      </m:nary>
+                      <m:r>
+                        <a:rPr lang="fr-FR" sz="1400" b="0" i="1" smtClean="0">
+                          <a:latin typeface="Cambria Math" panose="02040503050406030204" pitchFamily="18" charset="0"/>
+                        </a:rPr>
+                        <m:t>≃</m:t>
+                      </m:r>
+                      <m:f>
+                        <m:fPr>
+                          <m:ctrlPr>
+                            <a:rPr lang="fr-FR" sz="1400" b="0" i="1" smtClean="0">
+                              <a:latin typeface="Cambria Math" panose="02040503050406030204" pitchFamily="18" charset="0"/>
+                            </a:rPr>
+                          </m:ctrlPr>
+                        </m:fPr>
+                        <m:num>
+                          <m:r>
+                            <a:rPr lang="fr-FR" sz="1400" b="0" i="1" smtClean="0">
+                              <a:latin typeface="Cambria Math" panose="02040503050406030204" pitchFamily="18" charset="0"/>
+                            </a:rPr>
+                            <m:t>1</m:t>
+                          </m:r>
+                        </m:num>
+                        <m:den>
+                          <m:r>
+                            <a:rPr lang="fr-FR" sz="1400" b="0" i="1" smtClean="0">
+                              <a:latin typeface="Cambria Math" panose="02040503050406030204" pitchFamily="18" charset="0"/>
+                            </a:rPr>
+                            <m:t>2</m:t>
+                          </m:r>
+                        </m:den>
+                      </m:f>
+                      <m:d>
+                        <m:dPr>
+                          <m:ctrlPr>
+                            <a:rPr lang="fr-FR" sz="1400" b="0" i="1" smtClean="0">
+                              <a:latin typeface="Cambria Math" panose="02040503050406030204" pitchFamily="18" charset="0"/>
+                            </a:rPr>
+                          </m:ctrlPr>
+                        </m:dPr>
+                        <m:e>
+                          <m:r>
+                            <a:rPr lang="fr-FR" sz="1400" b="0" i="1" smtClean="0">
+                              <a:latin typeface="Cambria Math" panose="02040503050406030204" pitchFamily="18" charset="0"/>
+                            </a:rPr>
+                            <m:t>𝑓</m:t>
+                          </m:r>
+                          <m:d>
+                            <m:dPr>
+                              <m:ctrlPr>
+                                <a:rPr lang="fr-FR" sz="1400" b="0" i="1" smtClean="0">
+                                  <a:latin typeface="Cambria Math" panose="02040503050406030204" pitchFamily="18" charset="0"/>
+                                </a:rPr>
+                              </m:ctrlPr>
+                            </m:dPr>
+                            <m:e>
+                              <m:sSub>
+                                <m:sSubPr>
+                                  <m:ctrlPr>
+                                    <a:rPr lang="fr-FR" sz="1400" b="0" i="1" smtClean="0">
+                                      <a:latin typeface="Cambria Math" panose="02040503050406030204" pitchFamily="18" charset="0"/>
+                                    </a:rPr>
+                                  </m:ctrlPr>
+                                </m:sSubPr>
+                                <m:e>
+                                  <m:r>
+                                    <a:rPr lang="fr-FR" sz="1400" b="0" i="1" smtClean="0">
+                                      <a:latin typeface="Cambria Math" panose="02040503050406030204" pitchFamily="18" charset="0"/>
+                                    </a:rPr>
+                                    <m:t>𝑡</m:t>
+                                  </m:r>
+                                </m:e>
+                                <m:sub>
+                                  <m:r>
+                                    <a:rPr lang="fr-FR" sz="1400" i="1">
+                                      <a:latin typeface="Cambria Math" panose="02040503050406030204" pitchFamily="18" charset="0"/>
+                                    </a:rPr>
+                                    <m:t>𝑘</m:t>
+                                  </m:r>
+                                </m:sub>
+                              </m:sSub>
+                            </m:e>
+                          </m:d>
+                          <m:r>
+                            <a:rPr lang="fr-FR" sz="1400" i="1">
+                              <a:latin typeface="Cambria Math" panose="02040503050406030204" pitchFamily="18" charset="0"/>
+                            </a:rPr>
+                            <m:t>+</m:t>
+                          </m:r>
+                          <m:r>
+                            <a:rPr lang="fr-FR" sz="1400" i="1">
+                              <a:latin typeface="Cambria Math" panose="02040503050406030204" pitchFamily="18" charset="0"/>
+                            </a:rPr>
+                            <m:t>𝑓</m:t>
+                          </m:r>
+                          <m:d>
+                            <m:dPr>
+                              <m:ctrlPr>
+                                <a:rPr lang="fr-FR" sz="1400" i="1">
+                                  <a:latin typeface="Cambria Math" panose="02040503050406030204" pitchFamily="18" charset="0"/>
+                                </a:rPr>
+                              </m:ctrlPr>
+                            </m:dPr>
+                            <m:e>
+                              <m:sSub>
+                                <m:sSubPr>
+                                  <m:ctrlPr>
+                                    <a:rPr lang="fr-FR" sz="1400" i="1">
+                                      <a:latin typeface="Cambria Math" panose="02040503050406030204" pitchFamily="18" charset="0"/>
+                                    </a:rPr>
+                                  </m:ctrlPr>
+                                </m:sSubPr>
+                                <m:e>
+                                  <m:r>
+                                    <a:rPr lang="fr-FR" sz="1400" i="1">
+                                      <a:latin typeface="Cambria Math" panose="02040503050406030204" pitchFamily="18" charset="0"/>
+                                    </a:rPr>
+                                    <m:t>𝑡</m:t>
+                                  </m:r>
+                                </m:e>
+                                <m:sub>
+                                  <m:r>
+                                    <a:rPr lang="fr-FR" sz="1400" i="1">
+                                      <a:latin typeface="Cambria Math" panose="02040503050406030204" pitchFamily="18" charset="0"/>
+                                    </a:rPr>
+                                    <m:t>𝑘</m:t>
+                                  </m:r>
+                                  <m:r>
+                                    <a:rPr lang="fr-FR" sz="1400" i="1">
+                                      <a:latin typeface="Cambria Math" panose="02040503050406030204" pitchFamily="18" charset="0"/>
+                                    </a:rPr>
+                                    <m:t>+1</m:t>
+                                  </m:r>
+                                </m:sub>
+                              </m:sSub>
+                            </m:e>
+                          </m:d>
+                        </m:e>
+                      </m:d>
+                      <m:r>
+                        <a:rPr lang="fr-FR" sz="1400" b="0" i="1" smtClean="0">
+                          <a:latin typeface="Cambria Math" panose="02040503050406030204" pitchFamily="18" charset="0"/>
+                        </a:rPr>
+                        <m:t>⋅</m:t>
+                      </m:r>
+                      <m:d>
+                        <m:dPr>
+                          <m:ctrlPr>
+                            <a:rPr lang="fr-FR" sz="1400" i="1">
+                              <a:latin typeface="Cambria Math" panose="02040503050406030204" pitchFamily="18" charset="0"/>
+                            </a:rPr>
+                          </m:ctrlPr>
+                        </m:dPr>
+                        <m:e>
+                          <m:sSub>
+                            <m:sSubPr>
+                              <m:ctrlPr>
+                                <a:rPr lang="fr-FR" sz="1400" i="1">
+                                  <a:latin typeface="Cambria Math" panose="02040503050406030204" pitchFamily="18" charset="0"/>
+                                </a:rPr>
+                              </m:ctrlPr>
+                            </m:sSubPr>
+                            <m:e>
+                              <m:r>
+                                <a:rPr lang="fr-FR" sz="1400" i="1">
+                                  <a:latin typeface="Cambria Math" panose="02040503050406030204" pitchFamily="18" charset="0"/>
+                                </a:rPr>
+                                <m:t>𝑡</m:t>
+                              </m:r>
+                            </m:e>
+                            <m:sub>
+                              <m:r>
+                                <a:rPr lang="fr-FR" sz="1400" i="1">
+                                  <a:latin typeface="Cambria Math" panose="02040503050406030204" pitchFamily="18" charset="0"/>
+                                </a:rPr>
+                                <m:t>𝑘</m:t>
+                              </m:r>
+                              <m:r>
+                                <a:rPr lang="fr-FR" sz="1400" i="1">
+                                  <a:latin typeface="Cambria Math" panose="02040503050406030204" pitchFamily="18" charset="0"/>
+                                </a:rPr>
+                                <m:t>+1</m:t>
+                              </m:r>
+                            </m:sub>
+                          </m:sSub>
+                          <m:r>
+                            <a:rPr lang="fr-FR" sz="1400" b="0" i="1" smtClean="0">
+                              <a:latin typeface="Cambria Math" panose="02040503050406030204" pitchFamily="18" charset="0"/>
+                            </a:rPr>
+                            <m:t>−</m:t>
+                          </m:r>
+                          <m:sSub>
+                            <m:sSubPr>
+                              <m:ctrlPr>
+                                <a:rPr lang="fr-FR" sz="1400" i="1">
+                                  <a:latin typeface="Cambria Math" panose="02040503050406030204" pitchFamily="18" charset="0"/>
+                                </a:rPr>
+                              </m:ctrlPr>
+                            </m:sSubPr>
+                            <m:e>
+                              <m:r>
+                                <a:rPr lang="fr-FR" sz="1400" i="1">
+                                  <a:latin typeface="Cambria Math" panose="02040503050406030204" pitchFamily="18" charset="0"/>
+                                </a:rPr>
+                                <m:t>𝑡</m:t>
+                              </m:r>
+                            </m:e>
+                            <m:sub>
+                              <m:r>
+                                <a:rPr lang="fr-FR" sz="1400" i="1">
+                                  <a:latin typeface="Cambria Math" panose="02040503050406030204" pitchFamily="18" charset="0"/>
+                                </a:rPr>
+                                <m:t>𝑘</m:t>
+                              </m:r>
+                            </m:sub>
+                          </m:sSub>
+                        </m:e>
+                      </m:d>
+                    </m:oMath>
+                  </m:oMathPara>
+                </a14:m>
+                <a:endParaRPr lang="fr-FR" sz="1400" dirty="0"/>
+              </a:p>
+            </p:txBody>
+          </p:sp>
+        </mc:Choice>
+        <mc:Fallback xmlns="">
+          <p:sp>
+            <p:nvSpPr>
+              <p:cNvPr id="52" name="ZoneTexte 51">
+                <a:extLst>
+                  <a:ext uri="{FF2B5EF4-FFF2-40B4-BE49-F238E27FC236}">
+                    <a16:creationId xmlns:a16="http://schemas.microsoft.com/office/drawing/2014/main" id="{8765A5CD-ED12-2FFE-F9D2-6EBDC4AFA3E8}"/>
+                  </a:ext>
+                </a:extLst>
+              </p:cNvPr>
+              <p:cNvSpPr txBox="1">
+                <a:spLocks noRot="1" noChangeAspect="1" noMove="1" noResize="1" noEditPoints="1" noAdjustHandles="1" noChangeArrowheads="1" noChangeShapeType="1" noTextEdit="1"/>
+              </p:cNvSpPr>
+              <p:nvPr/>
+            </p:nvSpPr>
+            <p:spPr>
+              <a:xfrm>
+                <a:off x="3090960" y="3746170"/>
+                <a:ext cx="3561295" cy="673711"/>
+              </a:xfrm>
+              <a:prstGeom prst="rect">
+                <a:avLst/>
+              </a:prstGeom>
+              <a:blipFill>
+                <a:blip r:embed="rId9"/>
+                <a:stretch>
+                  <a:fillRect/>
+                </a:stretch>
+              </a:blipFill>
+            </p:spPr>
+            <p:txBody>
+              <a:bodyPr/>
+              <a:lstStyle/>
+              <a:p>
+                <a:r>
+                  <a:rPr lang="fr-FR">
+                    <a:noFill/>
+                  </a:rPr>
+                  <a:t> </a:t>
+                </a:r>
+              </a:p>
+            </p:txBody>
+          </p:sp>
+        </mc:Fallback>
+      </mc:AlternateContent>
+      <p:sp>
+        <p:nvSpPr>
+          <p:cNvPr id="53" name="Trapèze 52">
+            <a:extLst>
+              <a:ext uri="{FF2B5EF4-FFF2-40B4-BE49-F238E27FC236}">
+                <a16:creationId xmlns:a16="http://schemas.microsoft.com/office/drawing/2014/main" id="{F09634BB-9CBA-FB01-D468-B7D092645A28}"/>
+              </a:ext>
+            </a:extLst>
+          </p:cNvPr>
+          <p:cNvSpPr/>
+          <p:nvPr/>
+        </p:nvSpPr>
+        <p:spPr>
+          <a:xfrm>
+            <a:off x="5572273" y="2282421"/>
+            <a:ext cx="1968863" cy="973667"/>
+          </a:xfrm>
+          <a:prstGeom prst="trapezoid">
+            <a:avLst>
+              <a:gd name="adj" fmla="val 26044"/>
+            </a:avLst>
+          </a:prstGeom>
+          <a:solidFill>
+            <a:schemeClr val="accent2">
+              <a:lumMod val="20000"/>
+              <a:lumOff val="80000"/>
+            </a:schemeClr>
+          </a:solidFill>
+          <a:ln>
+            <a:solidFill>
+              <a:schemeClr val="accent2">
+                <a:lumMod val="50000"/>
+              </a:schemeClr>
+            </a:solidFill>
+          </a:ln>
+        </p:spPr>
+        <p:style>
+          <a:lnRef idx="2">
+            <a:schemeClr val="accent1">
+              <a:shade val="15000"/>
+            </a:schemeClr>
+          </a:lnRef>
+          <a:fillRef idx="1">
+            <a:schemeClr val="accent1"/>
+          </a:fillRef>
+          <a:effectRef idx="0">
+            <a:schemeClr val="accent1"/>
+          </a:effectRef>
+          <a:fontRef idx="minor">
+            <a:schemeClr val="lt1"/>
+          </a:fontRef>
+        </p:style>
+        <p:txBody>
+          <a:bodyPr rtlCol="0" anchor="ctr"/>
+          <a:lstStyle/>
+          <a:p>
+            <a:pPr algn="ctr"/>
+            <a:endParaRPr lang="fr-FR" dirty="0"/>
+          </a:p>
+        </p:txBody>
+      </p:sp>
+    </p:spTree>
+    <p:extLst>
+      <p:ext uri="{BB962C8B-B14F-4D97-AF65-F5344CB8AC3E}">
+        <p14:creationId xmlns:p14="http://schemas.microsoft.com/office/powerpoint/2010/main" val="1324267369"/>
+      </p:ext>
+    </p:extLst>
+  </p:cSld>
+  <p:clrMapOvr>
+    <a:masterClrMapping/>
+  </p:clrMapOvr>
+</p:sld>
+</file>
+
+<file path=ppt/slides/slide7.xml><?xml version="1.0" encoding="utf-8"?>
+<p:sld xmlns:a="http://schemas.openxmlformats.org/drawingml/2006/main" xmlns:r="http://schemas.openxmlformats.org/officeDocument/2006/relationships" xmlns:p="http://schemas.openxmlformats.org/presentationml/2006/main">
+  <p:cSld>
+    <p:spTree>
+      <p:nvGrpSpPr>
+        <p:cNvPr id="1" name=""/>
+        <p:cNvGrpSpPr/>
+        <p:nvPr/>
+      </p:nvGrpSpPr>
+      <p:grpSpPr>
+        <a:xfrm>
+          <a:off x="0" y="0"/>
+          <a:ext cx="0" cy="0"/>
+          <a:chOff x="0" y="0"/>
+          <a:chExt cx="0" cy="0"/>
+        </a:xfrm>
+      </p:grpSpPr>
+      <p:sp>
+        <p:nvSpPr>
+          <p:cNvPr id="55" name="Triangle rectangle 54">
+            <a:extLst>
+              <a:ext uri="{FF2B5EF4-FFF2-40B4-BE49-F238E27FC236}">
+                <a16:creationId xmlns:a16="http://schemas.microsoft.com/office/drawing/2014/main" id="{FFD5E54C-DDA3-8521-8934-427E87C4C3C5}"/>
+              </a:ext>
+            </a:extLst>
+          </p:cNvPr>
+          <p:cNvSpPr/>
+          <p:nvPr/>
+        </p:nvSpPr>
+        <p:spPr>
+          <a:xfrm flipH="1">
+            <a:off x="2164926" y="2552835"/>
+            <a:ext cx="245531" cy="77496"/>
+          </a:xfrm>
+          <a:prstGeom prst="rtTriangle">
+            <a:avLst/>
+          </a:prstGeom>
+          <a:solidFill>
+            <a:schemeClr val="accent2">
+              <a:lumMod val="20000"/>
+              <a:lumOff val="80000"/>
+            </a:schemeClr>
+          </a:solidFill>
+          <a:ln>
+            <a:noFill/>
+          </a:ln>
+        </p:spPr>
+        <p:style>
+          <a:lnRef idx="2">
+            <a:schemeClr val="accent1">
+              <a:shade val="15000"/>
+            </a:schemeClr>
+          </a:lnRef>
+          <a:fillRef idx="1">
+            <a:schemeClr val="accent1"/>
+          </a:fillRef>
+          <a:effectRef idx="0">
+            <a:schemeClr val="accent1"/>
+          </a:effectRef>
+          <a:fontRef idx="minor">
+            <a:schemeClr val="lt1"/>
+          </a:fontRef>
+        </p:style>
+        <p:txBody>
+          <a:bodyPr rtlCol="0" anchor="ctr"/>
+          <a:lstStyle/>
+          <a:p>
+            <a:pPr algn="ctr"/>
+            <a:endParaRPr lang="fr-FR"/>
+          </a:p>
+        </p:txBody>
+      </p:sp>
+      <p:sp>
+        <p:nvSpPr>
+          <p:cNvPr id="54" name="Rectangle : avec coin arrondi et coin rogné en haut 53">
+            <a:extLst>
+              <a:ext uri="{FF2B5EF4-FFF2-40B4-BE49-F238E27FC236}">
+                <a16:creationId xmlns:a16="http://schemas.microsoft.com/office/drawing/2014/main" id="{8ACF5D38-E701-85DC-54CC-6CABE6CECED7}"/>
+              </a:ext>
+            </a:extLst>
+          </p:cNvPr>
+          <p:cNvSpPr/>
+          <p:nvPr/>
+        </p:nvSpPr>
+        <p:spPr>
+          <a:xfrm rot="16200000">
+            <a:off x="1876670" y="2899871"/>
+            <a:ext cx="812727" cy="245529"/>
+          </a:xfrm>
+          <a:prstGeom prst="snipRoundRect">
+            <a:avLst>
+              <a:gd name="adj1" fmla="val 0"/>
+              <a:gd name="adj2" fmla="val 2192"/>
+            </a:avLst>
+          </a:prstGeom>
+          <a:solidFill>
+            <a:schemeClr val="accent2">
+              <a:lumMod val="20000"/>
+              <a:lumOff val="80000"/>
+            </a:schemeClr>
+          </a:solidFill>
+          <a:ln>
+            <a:noFill/>
+          </a:ln>
+        </p:spPr>
+        <p:style>
+          <a:lnRef idx="2">
+            <a:schemeClr val="accent1">
+              <a:shade val="15000"/>
+            </a:schemeClr>
+          </a:lnRef>
+          <a:fillRef idx="1">
+            <a:schemeClr val="accent1"/>
+          </a:fillRef>
+          <a:effectRef idx="0">
+            <a:schemeClr val="accent1"/>
+          </a:effectRef>
+          <a:fontRef idx="minor">
+            <a:schemeClr val="lt1"/>
+          </a:fontRef>
+        </p:style>
+        <p:txBody>
+          <a:bodyPr rtlCol="0" anchor="ctr"/>
+          <a:lstStyle/>
+          <a:p>
+            <a:pPr algn="ctr"/>
+            <a:endParaRPr lang="fr-FR"/>
+          </a:p>
+        </p:txBody>
+      </p:sp>
+      <p:cxnSp>
+        <p:nvCxnSpPr>
+          <p:cNvPr id="3" name="Connecteur droit avec flèche 2">
+            <a:extLst>
+              <a:ext uri="{FF2B5EF4-FFF2-40B4-BE49-F238E27FC236}">
+                <a16:creationId xmlns:a16="http://schemas.microsoft.com/office/drawing/2014/main" id="{18CA7C2B-DFAA-3B5B-DD49-EF287D62D77F}"/>
+              </a:ext>
+            </a:extLst>
+          </p:cNvPr>
+          <p:cNvCxnSpPr>
+            <a:cxnSpLocks/>
+          </p:cNvCxnSpPr>
+          <p:nvPr/>
+        </p:nvCxnSpPr>
+        <p:spPr>
+          <a:xfrm flipV="1">
+            <a:off x="1046480" y="1989000"/>
+            <a:ext cx="0" cy="1440000"/>
+          </a:xfrm>
+          <a:prstGeom prst="straightConnector1">
+            <a:avLst/>
+          </a:prstGeom>
+          <a:ln>
+            <a:solidFill>
+              <a:srgbClr val="002060"/>
+            </a:solidFill>
+            <a:tailEnd type="stealth" w="med" len="lg"/>
+          </a:ln>
+        </p:spPr>
+        <p:style>
+          <a:lnRef idx="1">
+            <a:schemeClr val="accent1"/>
+          </a:lnRef>
+          <a:fillRef idx="0">
+            <a:schemeClr val="accent1"/>
+          </a:fillRef>
+          <a:effectRef idx="0">
+            <a:schemeClr val="accent1"/>
+          </a:effectRef>
+          <a:fontRef idx="minor">
+            <a:schemeClr val="tx1"/>
+          </a:fontRef>
+        </p:style>
+      </p:cxnSp>
+      <p:cxnSp>
+        <p:nvCxnSpPr>
+          <p:cNvPr id="5" name="Connecteur droit avec flèche 4">
+            <a:extLst>
+              <a:ext uri="{FF2B5EF4-FFF2-40B4-BE49-F238E27FC236}">
+                <a16:creationId xmlns:a16="http://schemas.microsoft.com/office/drawing/2014/main" id="{10FB8054-D472-375B-E9B6-9C21F23DBCF2}"/>
+              </a:ext>
+            </a:extLst>
+          </p:cNvPr>
+          <p:cNvCxnSpPr>
+            <a:cxnSpLocks/>
+          </p:cNvCxnSpPr>
+          <p:nvPr/>
+        </p:nvCxnSpPr>
+        <p:spPr>
+          <a:xfrm>
+            <a:off x="1046480" y="3429000"/>
+            <a:ext cx="2175691" cy="0"/>
+          </a:xfrm>
+          <a:prstGeom prst="straightConnector1">
+            <a:avLst/>
+          </a:prstGeom>
+          <a:ln>
+            <a:solidFill>
+              <a:srgbClr val="002060"/>
+            </a:solidFill>
+            <a:tailEnd type="stealth" w="med" len="lg"/>
+          </a:ln>
+        </p:spPr>
+        <p:style>
+          <a:lnRef idx="1">
+            <a:schemeClr val="accent1"/>
+          </a:lnRef>
+          <a:fillRef idx="0">
+            <a:schemeClr val="accent1"/>
+          </a:fillRef>
+          <a:effectRef idx="0">
+            <a:schemeClr val="accent1"/>
+          </a:effectRef>
+          <a:fontRef idx="minor">
+            <a:schemeClr val="tx1"/>
+          </a:fontRef>
+        </p:style>
+      </p:cxnSp>
+      <mc:AlternateContent xmlns:mc="http://schemas.openxmlformats.org/markup-compatibility/2006" xmlns:a14="http://schemas.microsoft.com/office/drawing/2010/main">
+        <mc:Choice Requires="a14">
+          <p:sp>
+            <p:nvSpPr>
+              <p:cNvPr id="11" name="ZoneTexte 10">
+                <a:extLst>
+                  <a:ext uri="{FF2B5EF4-FFF2-40B4-BE49-F238E27FC236}">
+                    <a16:creationId xmlns:a16="http://schemas.microsoft.com/office/drawing/2014/main" id="{4C9C68B8-7E8E-3324-A750-638C726B6CC8}"/>
+                  </a:ext>
+                </a:extLst>
+              </p:cNvPr>
+              <p:cNvSpPr txBox="1"/>
+              <p:nvPr/>
+            </p:nvSpPr>
+            <p:spPr>
+              <a:xfrm>
+                <a:off x="3067384" y="3152000"/>
+                <a:ext cx="149913" cy="276999"/>
+              </a:xfrm>
+              <a:prstGeom prst="rect">
+                <a:avLst/>
+              </a:prstGeom>
+              <a:noFill/>
+            </p:spPr>
+            <p:txBody>
+              <a:bodyPr wrap="none" lIns="0" tIns="0" rIns="0" bIns="0" rtlCol="0">
+                <a:spAutoFit/>
+              </a:bodyPr>
+              <a:lstStyle/>
+              <a:p>
+                <a:pPr/>
+                <a14:m>
+                  <m:oMathPara xmlns:m="http://schemas.openxmlformats.org/officeDocument/2006/math">
+                    <m:oMathParaPr>
+                      <m:jc m:val="centerGroup"/>
+                    </m:oMathParaPr>
+                    <m:oMath xmlns:m="http://schemas.openxmlformats.org/officeDocument/2006/math">
+                      <m:r>
+                        <a:rPr lang="fr-FR" b="0" i="1" smtClean="0">
+                          <a:latin typeface="Cambria Math" panose="02040503050406030204" pitchFamily="18" charset="0"/>
+                        </a:rPr>
+                        <m:t>𝑡</m:t>
+                      </m:r>
+                    </m:oMath>
+                  </m:oMathPara>
+                </a14:m>
+                <a:endParaRPr lang="fr-FR" dirty="0"/>
+              </a:p>
+            </p:txBody>
+          </p:sp>
+        </mc:Choice>
+        <mc:Fallback xmlns="">
+          <p:sp>
+            <p:nvSpPr>
+              <p:cNvPr id="11" name="ZoneTexte 10">
+                <a:extLst>
+                  <a:ext uri="{FF2B5EF4-FFF2-40B4-BE49-F238E27FC236}">
+                    <a16:creationId xmlns:a16="http://schemas.microsoft.com/office/drawing/2014/main" id="{4C9C68B8-7E8E-3324-A750-638C726B6CC8}"/>
+                  </a:ext>
+                </a:extLst>
+              </p:cNvPr>
+              <p:cNvSpPr txBox="1">
+                <a:spLocks noRot="1" noChangeAspect="1" noMove="1" noResize="1" noEditPoints="1" noAdjustHandles="1" noChangeArrowheads="1" noChangeShapeType="1" noTextEdit="1"/>
+              </p:cNvSpPr>
+              <p:nvPr/>
+            </p:nvSpPr>
+            <p:spPr>
+              <a:xfrm>
+                <a:off x="3067384" y="3152000"/>
+                <a:ext cx="149913" cy="276999"/>
+              </a:xfrm>
+              <a:prstGeom prst="rect">
+                <a:avLst/>
+              </a:prstGeom>
+              <a:blipFill>
+                <a:blip r:embed="rId2"/>
+                <a:stretch>
+                  <a:fillRect l="-32000" r="-28000" b="-6667"/>
+                </a:stretch>
+              </a:blipFill>
+            </p:spPr>
+            <p:txBody>
+              <a:bodyPr/>
+              <a:lstStyle/>
+              <a:p>
+                <a:r>
+                  <a:rPr lang="fr-FR">
+                    <a:noFill/>
+                  </a:rPr>
+                  <a:t> </a:t>
+                </a:r>
+              </a:p>
+            </p:txBody>
+          </p:sp>
+        </mc:Fallback>
+      </mc:AlternateContent>
+      <mc:AlternateContent xmlns:mc="http://schemas.openxmlformats.org/markup-compatibility/2006">
+        <mc:Choice xmlns:a14="http://schemas.microsoft.com/office/drawing/2010/main" Requires="a14">
+          <p:sp>
+            <p:nvSpPr>
+              <p:cNvPr id="12" name="ZoneTexte 11">
+                <a:extLst>
+                  <a:ext uri="{FF2B5EF4-FFF2-40B4-BE49-F238E27FC236}">
+                    <a16:creationId xmlns:a16="http://schemas.microsoft.com/office/drawing/2014/main" id="{056307E9-BEB6-56E0-261F-21F31E6411CD}"/>
+                  </a:ext>
+                </a:extLst>
+              </p:cNvPr>
+              <p:cNvSpPr txBox="1"/>
+              <p:nvPr/>
+            </p:nvSpPr>
+            <p:spPr>
+              <a:xfrm>
+                <a:off x="626565" y="1989000"/>
+                <a:ext cx="365485" cy="215444"/>
+              </a:xfrm>
+              <a:prstGeom prst="rect">
+                <a:avLst/>
+              </a:prstGeom>
+              <a:noFill/>
+            </p:spPr>
+            <p:txBody>
+              <a:bodyPr wrap="none" lIns="0" tIns="0" rIns="0" bIns="0" rtlCol="0">
+                <a:spAutoFit/>
+              </a:bodyPr>
+              <a:lstStyle/>
+              <a:p>
+                <a:pPr/>
+                <a14:m>
+                  <m:oMathPara xmlns:m="http://schemas.openxmlformats.org/officeDocument/2006/math">
+                    <m:oMathParaPr>
+                      <m:jc m:val="centerGroup"/>
+                    </m:oMathParaPr>
+                    <m:oMath xmlns:m="http://schemas.openxmlformats.org/officeDocument/2006/math">
+                      <m:r>
+                        <a:rPr lang="fr-FR" sz="1400" b="0" i="1" smtClean="0">
+                          <a:latin typeface="Cambria Math" panose="02040503050406030204" pitchFamily="18" charset="0"/>
+                        </a:rPr>
+                        <m:t>𝑣</m:t>
+                      </m:r>
+                      <m:r>
+                        <a:rPr lang="fr-FR" sz="1400" b="0" i="1" smtClean="0">
+                          <a:latin typeface="Cambria Math" panose="02040503050406030204" pitchFamily="18" charset="0"/>
+                        </a:rPr>
+                        <m:t>(</m:t>
+                      </m:r>
+                      <m:r>
+                        <a:rPr lang="fr-FR" sz="1400" b="0" i="1" smtClean="0">
+                          <a:latin typeface="Cambria Math" panose="02040503050406030204" pitchFamily="18" charset="0"/>
+                        </a:rPr>
+                        <m:t>𝑡</m:t>
+                      </m:r>
+                      <m:r>
+                        <a:rPr lang="fr-FR" sz="1400" b="0" i="1" smtClean="0">
+                          <a:latin typeface="Cambria Math" panose="02040503050406030204" pitchFamily="18" charset="0"/>
+                        </a:rPr>
+                        <m:t>)</m:t>
+                      </m:r>
+                    </m:oMath>
+                  </m:oMathPara>
+                </a14:m>
+                <a:endParaRPr lang="fr-FR" sz="1400" dirty="0"/>
+              </a:p>
+            </p:txBody>
+          </p:sp>
+        </mc:Choice>
+        <mc:Fallback>
+          <p:sp>
+            <p:nvSpPr>
+              <p:cNvPr id="12" name="ZoneTexte 11">
+                <a:extLst>
+                  <a:ext uri="{FF2B5EF4-FFF2-40B4-BE49-F238E27FC236}">
+                    <a16:creationId xmlns:a16="http://schemas.microsoft.com/office/drawing/2014/main" id="{056307E9-BEB6-56E0-261F-21F31E6411CD}"/>
+                  </a:ext>
+                </a:extLst>
+              </p:cNvPr>
+              <p:cNvSpPr txBox="1">
+                <a:spLocks noRot="1" noChangeAspect="1" noMove="1" noResize="1" noEditPoints="1" noAdjustHandles="1" noChangeArrowheads="1" noChangeShapeType="1" noTextEdit="1"/>
+              </p:cNvSpPr>
+              <p:nvPr/>
+            </p:nvSpPr>
+            <p:spPr>
+              <a:xfrm>
+                <a:off x="626565" y="1989000"/>
+                <a:ext cx="365485" cy="215444"/>
+              </a:xfrm>
+              <a:prstGeom prst="rect">
+                <a:avLst/>
+              </a:prstGeom>
+              <a:blipFill>
+                <a:blip r:embed="rId3"/>
+                <a:stretch>
+                  <a:fillRect l="-6667" r="-15000" b="-30556"/>
+                </a:stretch>
+              </a:blipFill>
+            </p:spPr>
+            <p:txBody>
+              <a:bodyPr/>
+              <a:lstStyle/>
+              <a:p>
+                <a:r>
+                  <a:rPr lang="fr-FR">
+                    <a:noFill/>
+                  </a:rPr>
+                  <a:t> </a:t>
+                </a:r>
+              </a:p>
+            </p:txBody>
+          </p:sp>
+        </mc:Fallback>
+      </mc:AlternateContent>
+      <p:cxnSp>
+        <p:nvCxnSpPr>
+          <p:cNvPr id="9" name="Connecteur droit 8">
+            <a:extLst>
+              <a:ext uri="{FF2B5EF4-FFF2-40B4-BE49-F238E27FC236}">
+                <a16:creationId xmlns:a16="http://schemas.microsoft.com/office/drawing/2014/main" id="{854D29DE-07AE-54C5-6A09-E9D689E08591}"/>
+              </a:ext>
+            </a:extLst>
+          </p:cNvPr>
+          <p:cNvCxnSpPr>
+            <a:cxnSpLocks/>
+            <a:stCxn id="36" idx="4"/>
+          </p:cNvCxnSpPr>
+          <p:nvPr/>
+        </p:nvCxnSpPr>
+        <p:spPr>
+          <a:xfrm flipH="1">
+            <a:off x="2839654" y="2427407"/>
+            <a:ext cx="0" cy="1001592"/>
+          </a:xfrm>
+          <a:prstGeom prst="line">
+            <a:avLst/>
+          </a:prstGeom>
+          <a:noFill/>
+          <a:ln>
+            <a:solidFill>
+              <a:schemeClr val="accent2">
+                <a:lumMod val="50000"/>
+              </a:schemeClr>
+            </a:solidFill>
+          </a:ln>
+        </p:spPr>
+        <p:style>
+          <a:lnRef idx="2">
+            <a:schemeClr val="accent1">
+              <a:shade val="15000"/>
+            </a:schemeClr>
+          </a:lnRef>
+          <a:fillRef idx="1">
+            <a:schemeClr val="accent1"/>
+          </a:fillRef>
+          <a:effectRef idx="0">
+            <a:schemeClr val="accent1"/>
+          </a:effectRef>
+          <a:fontRef idx="minor">
+            <a:schemeClr val="lt1"/>
+          </a:fontRef>
+        </p:style>
+      </p:cxnSp>
+      <p:sp>
+        <p:nvSpPr>
+          <p:cNvPr id="36" name="Forme libre : forme 35">
+            <a:extLst>
+              <a:ext uri="{FF2B5EF4-FFF2-40B4-BE49-F238E27FC236}">
+                <a16:creationId xmlns:a16="http://schemas.microsoft.com/office/drawing/2014/main" id="{EF89BA12-3F57-66FC-435A-9790022B0118}"/>
+              </a:ext>
+            </a:extLst>
+          </p:cNvPr>
+          <p:cNvSpPr/>
+          <p:nvPr/>
+        </p:nvSpPr>
+        <p:spPr>
+          <a:xfrm>
+            <a:off x="1046480" y="2382700"/>
+            <a:ext cx="1800000" cy="330200"/>
+          </a:xfrm>
+          <a:custGeom>
+            <a:avLst/>
+            <a:gdLst>
+              <a:gd name="connsiteX0" fmla="*/ 0 w 1744134"/>
+              <a:gd name="connsiteY0" fmla="*/ 636515 h 636515"/>
+              <a:gd name="connsiteX1" fmla="*/ 474134 w 1744134"/>
+              <a:gd name="connsiteY1" fmla="*/ 1515 h 636515"/>
+              <a:gd name="connsiteX2" fmla="*/ 1083734 w 1744134"/>
+              <a:gd name="connsiteY2" fmla="*/ 450248 h 636515"/>
+              <a:gd name="connsiteX3" fmla="*/ 1557867 w 1744134"/>
+              <a:gd name="connsiteY3" fmla="*/ 145448 h 636515"/>
+              <a:gd name="connsiteX4" fmla="*/ 1744134 w 1744134"/>
+              <a:gd name="connsiteY4" fmla="*/ 86181 h 636515"/>
+            </a:gdLst>
+            <a:ahLst/>
+            <a:cxnLst>
+              <a:cxn ang="0">
+                <a:pos x="connsiteX0" y="connsiteY0"/>
+              </a:cxn>
+              <a:cxn ang="0">
+                <a:pos x="connsiteX1" y="connsiteY1"/>
+              </a:cxn>
+              <a:cxn ang="0">
+                <a:pos x="connsiteX2" y="connsiteY2"/>
+              </a:cxn>
+              <a:cxn ang="0">
+                <a:pos x="connsiteX3" y="connsiteY3"/>
+              </a:cxn>
+              <a:cxn ang="0">
+                <a:pos x="connsiteX4" y="connsiteY4"/>
+              </a:cxn>
+            </a:cxnLst>
+            <a:rect l="l" t="t" r="r" b="b"/>
+            <a:pathLst>
+              <a:path w="1744134" h="636515">
+                <a:moveTo>
+                  <a:pt x="0" y="636515"/>
+                </a:moveTo>
+                <a:cubicBezTo>
+                  <a:pt x="146756" y="334537"/>
+                  <a:pt x="293512" y="32559"/>
+                  <a:pt x="474134" y="1515"/>
+                </a:cubicBezTo>
+                <a:cubicBezTo>
+                  <a:pt x="654756" y="-29529"/>
+                  <a:pt x="903112" y="426259"/>
+                  <a:pt x="1083734" y="450248"/>
+                </a:cubicBezTo>
+                <a:cubicBezTo>
+                  <a:pt x="1264356" y="474237"/>
+                  <a:pt x="1447800" y="206126"/>
+                  <a:pt x="1557867" y="145448"/>
+                </a:cubicBezTo>
+                <a:cubicBezTo>
+                  <a:pt x="1667934" y="84770"/>
+                  <a:pt x="1706034" y="85475"/>
+                  <a:pt x="1744134" y="86181"/>
+                </a:cubicBezTo>
+              </a:path>
+            </a:pathLst>
+          </a:custGeom>
+          <a:noFill/>
+          <a:ln>
+            <a:solidFill>
+              <a:schemeClr val="accent2">
+                <a:lumMod val="50000"/>
+              </a:schemeClr>
+            </a:solidFill>
+          </a:ln>
+        </p:spPr>
+        <p:style>
+          <a:lnRef idx="2">
+            <a:schemeClr val="accent1">
+              <a:shade val="15000"/>
+            </a:schemeClr>
+          </a:lnRef>
+          <a:fillRef idx="1">
+            <a:schemeClr val="accent1"/>
+          </a:fillRef>
+          <a:effectRef idx="0">
+            <a:schemeClr val="accent1"/>
+          </a:effectRef>
+          <a:fontRef idx="minor">
+            <a:schemeClr val="lt1"/>
+          </a:fontRef>
+        </p:style>
+        <p:txBody>
+          <a:bodyPr rtlCol="0" anchor="ctr"/>
+          <a:lstStyle/>
+          <a:p>
+            <a:pPr algn="ctr"/>
+            <a:endParaRPr lang="fr-FR"/>
+          </a:p>
+        </p:txBody>
+      </p:sp>
+      <p:cxnSp>
+        <p:nvCxnSpPr>
+          <p:cNvPr id="39" name="Connecteur droit 38">
+            <a:extLst>
+              <a:ext uri="{FF2B5EF4-FFF2-40B4-BE49-F238E27FC236}">
+                <a16:creationId xmlns:a16="http://schemas.microsoft.com/office/drawing/2014/main" id="{4A69997A-B4BB-3B9D-DB19-174F220F569A}"/>
+              </a:ext>
+            </a:extLst>
+          </p:cNvPr>
+          <p:cNvCxnSpPr>
+            <a:cxnSpLocks/>
+            <a:stCxn id="36" idx="2"/>
+          </p:cNvCxnSpPr>
+          <p:nvPr/>
+        </p:nvCxnSpPr>
+        <p:spPr>
+          <a:xfrm>
+            <a:off x="2164927" y="2616272"/>
+            <a:ext cx="0" cy="821195"/>
+          </a:xfrm>
+          <a:prstGeom prst="line">
+            <a:avLst/>
+          </a:prstGeom>
+          <a:noFill/>
+          <a:ln>
+            <a:solidFill>
+              <a:schemeClr val="accent2">
+                <a:lumMod val="50000"/>
+              </a:schemeClr>
+            </a:solidFill>
+            <a:headEnd type="oval"/>
+          </a:ln>
+        </p:spPr>
+        <p:style>
+          <a:lnRef idx="2">
+            <a:schemeClr val="accent1">
+              <a:shade val="15000"/>
+            </a:schemeClr>
+          </a:lnRef>
+          <a:fillRef idx="1">
+            <a:schemeClr val="accent1"/>
+          </a:fillRef>
+          <a:effectRef idx="0">
+            <a:schemeClr val="accent1"/>
+          </a:effectRef>
+          <a:fontRef idx="minor">
+            <a:schemeClr val="lt1"/>
+          </a:fontRef>
+        </p:style>
+      </p:cxnSp>
+      <mc:AlternateContent xmlns:mc="http://schemas.openxmlformats.org/markup-compatibility/2006">
+        <mc:Choice xmlns:a14="http://schemas.microsoft.com/office/drawing/2010/main" Requires="a14">
+          <p:sp>
+            <p:nvSpPr>
+              <p:cNvPr id="43" name="ZoneTexte 42">
+                <a:extLst>
+                  <a:ext uri="{FF2B5EF4-FFF2-40B4-BE49-F238E27FC236}">
+                    <a16:creationId xmlns:a16="http://schemas.microsoft.com/office/drawing/2014/main" id="{684AEDFB-01B1-6FBF-D4E9-4FDA71819579}"/>
+                  </a:ext>
+                </a:extLst>
+              </p:cNvPr>
+              <p:cNvSpPr txBox="1"/>
+              <p:nvPr/>
+            </p:nvSpPr>
+            <p:spPr>
+              <a:xfrm>
+                <a:off x="2077073" y="3437466"/>
+                <a:ext cx="166392" cy="215444"/>
+              </a:xfrm>
+              <a:prstGeom prst="rect">
+                <a:avLst/>
+              </a:prstGeom>
+              <a:noFill/>
+            </p:spPr>
+            <p:txBody>
+              <a:bodyPr wrap="none" lIns="0" tIns="0" rIns="0" bIns="0" rtlCol="0">
+                <a:spAutoFit/>
+              </a:bodyPr>
+              <a:lstStyle/>
+              <a:p>
+                <a:pPr/>
+                <a14:m>
+                  <m:oMathPara xmlns:m="http://schemas.openxmlformats.org/officeDocument/2006/math">
+                    <m:oMathParaPr>
+                      <m:jc m:val="centerGroup"/>
+                    </m:oMathParaPr>
+                    <m:oMath xmlns:m="http://schemas.openxmlformats.org/officeDocument/2006/math">
+                      <m:sSub>
+                        <m:sSubPr>
+                          <m:ctrlPr>
+                            <a:rPr lang="fr-FR" sz="1400" b="0" i="1" smtClean="0">
+                              <a:latin typeface="Cambria Math" panose="02040503050406030204" pitchFamily="18" charset="0"/>
+                            </a:rPr>
+                          </m:ctrlPr>
+                        </m:sSubPr>
+                        <m:e>
+                          <m:r>
+                            <a:rPr lang="fr-FR" sz="1400" b="0" i="1" smtClean="0">
+                              <a:latin typeface="Cambria Math" panose="02040503050406030204" pitchFamily="18" charset="0"/>
+                            </a:rPr>
+                            <m:t>𝑡</m:t>
+                          </m:r>
+                        </m:e>
+                        <m:sub>
+                          <m:r>
+                            <a:rPr lang="fr-FR" sz="1400" b="0" i="1" smtClean="0">
+                              <a:latin typeface="Cambria Math" panose="02040503050406030204" pitchFamily="18" charset="0"/>
+                            </a:rPr>
+                            <m:t>𝑖</m:t>
+                          </m:r>
+                        </m:sub>
+                      </m:sSub>
+                    </m:oMath>
+                  </m:oMathPara>
+                </a14:m>
+                <a:endParaRPr lang="fr-FR" sz="1400" dirty="0"/>
+              </a:p>
+            </p:txBody>
+          </p:sp>
+        </mc:Choice>
+        <mc:Fallback>
+          <p:sp>
+            <p:nvSpPr>
+              <p:cNvPr id="43" name="ZoneTexte 42">
+                <a:extLst>
+                  <a:ext uri="{FF2B5EF4-FFF2-40B4-BE49-F238E27FC236}">
+                    <a16:creationId xmlns:a16="http://schemas.microsoft.com/office/drawing/2014/main" id="{684AEDFB-01B1-6FBF-D4E9-4FDA71819579}"/>
+                  </a:ext>
+                </a:extLst>
+              </p:cNvPr>
+              <p:cNvSpPr txBox="1">
+                <a:spLocks noRot="1" noChangeAspect="1" noMove="1" noResize="1" noEditPoints="1" noAdjustHandles="1" noChangeArrowheads="1" noChangeShapeType="1" noTextEdit="1"/>
+              </p:cNvSpPr>
+              <p:nvPr/>
+            </p:nvSpPr>
+            <p:spPr>
+              <a:xfrm>
+                <a:off x="2077073" y="3437466"/>
+                <a:ext cx="166392" cy="215444"/>
+              </a:xfrm>
+              <a:prstGeom prst="rect">
+                <a:avLst/>
+              </a:prstGeom>
+              <a:blipFill>
+                <a:blip r:embed="rId4"/>
+                <a:stretch>
+                  <a:fillRect l="-25926" r="-3704" b="-14286"/>
+                </a:stretch>
+              </a:blipFill>
+            </p:spPr>
+            <p:txBody>
+              <a:bodyPr/>
+              <a:lstStyle/>
+              <a:p>
+                <a:r>
+                  <a:rPr lang="fr-FR">
+                    <a:noFill/>
+                  </a:rPr>
+                  <a:t> </a:t>
+                </a:r>
+              </a:p>
+            </p:txBody>
+          </p:sp>
+        </mc:Fallback>
+      </mc:AlternateContent>
+      <mc:AlternateContent xmlns:mc="http://schemas.openxmlformats.org/markup-compatibility/2006">
+        <mc:Choice xmlns:a14="http://schemas.microsoft.com/office/drawing/2010/main" Requires="a14">
+          <p:sp>
+            <p:nvSpPr>
+              <p:cNvPr id="44" name="ZoneTexte 43">
+                <a:extLst>
+                  <a:ext uri="{FF2B5EF4-FFF2-40B4-BE49-F238E27FC236}">
+                    <a16:creationId xmlns:a16="http://schemas.microsoft.com/office/drawing/2014/main" id="{594B3595-E03C-3700-8DE2-33B9C8A8992E}"/>
+                  </a:ext>
+                </a:extLst>
+              </p:cNvPr>
+              <p:cNvSpPr txBox="1"/>
+              <p:nvPr/>
+            </p:nvSpPr>
+            <p:spPr>
+              <a:xfrm>
+                <a:off x="1102131" y="2678974"/>
+                <a:ext cx="957634" cy="554319"/>
+              </a:xfrm>
+              <a:prstGeom prst="rect">
+                <a:avLst/>
+              </a:prstGeom>
+              <a:noFill/>
+            </p:spPr>
+            <p:txBody>
+              <a:bodyPr wrap="none" lIns="0" tIns="0" rIns="0" bIns="0" rtlCol="0">
+                <a:spAutoFit/>
+              </a:bodyPr>
+              <a:lstStyle/>
+              <a:p>
+                <a:pPr/>
+                <a14:m>
+                  <m:oMathPara xmlns:m="http://schemas.openxmlformats.org/officeDocument/2006/math">
+                    <m:oMathParaPr>
+                      <m:jc m:val="centerGroup"/>
+                    </m:oMathParaPr>
+                    <m:oMath xmlns:m="http://schemas.openxmlformats.org/officeDocument/2006/math">
+                      <m:sSub>
+                        <m:sSubPr>
+                          <m:ctrlPr>
+                            <a:rPr lang="fr-FR" sz="1200" b="0" i="1" smtClean="0">
+                              <a:latin typeface="Cambria Math" panose="02040503050406030204" pitchFamily="18" charset="0"/>
+                            </a:rPr>
+                          </m:ctrlPr>
+                        </m:sSubPr>
+                        <m:e>
+                          <m:r>
+                            <a:rPr lang="fr-FR" sz="1200" b="0" i="1" smtClean="0">
+                              <a:latin typeface="Cambria Math" panose="02040503050406030204" pitchFamily="18" charset="0"/>
+                            </a:rPr>
+                            <m:t>𝑥</m:t>
+                          </m:r>
+                        </m:e>
+                        <m:sub>
+                          <m:r>
+                            <a:rPr lang="fr-FR" sz="1200" b="0" i="1" smtClean="0">
+                              <a:latin typeface="Cambria Math" panose="02040503050406030204" pitchFamily="18" charset="0"/>
+                            </a:rPr>
+                            <m:t>𝑖</m:t>
+                          </m:r>
+                        </m:sub>
+                      </m:sSub>
+                      <m:r>
+                        <a:rPr lang="fr-FR" sz="1200" b="0" i="1" smtClean="0">
+                          <a:latin typeface="Cambria Math" panose="02040503050406030204" pitchFamily="18" charset="0"/>
+                        </a:rPr>
+                        <m:t>=</m:t>
+                      </m:r>
+                      <m:nary>
+                        <m:naryPr>
+                          <m:limLoc m:val="undOvr"/>
+                          <m:ctrlPr>
+                            <a:rPr lang="fr-FR" sz="1200" i="1" smtClean="0">
+                              <a:latin typeface="Cambria Math" panose="02040503050406030204" pitchFamily="18" charset="0"/>
+                            </a:rPr>
+                          </m:ctrlPr>
+                        </m:naryPr>
+                        <m:sub>
+                          <m:r>
+                            <m:rPr>
+                              <m:brk m:alnAt="24"/>
+                            </m:rPr>
+                            <a:rPr lang="fr-FR" sz="1200" b="0" i="1" smtClean="0">
+                              <a:latin typeface="Cambria Math" panose="02040503050406030204" pitchFamily="18" charset="0"/>
+                            </a:rPr>
+                            <m:t>0</m:t>
+                          </m:r>
+                        </m:sub>
+                        <m:sup>
+                          <m:sSub>
+                            <m:sSubPr>
+                              <m:ctrlPr>
+                                <a:rPr lang="fr-FR" sz="1200" b="0" i="1" smtClean="0">
+                                  <a:latin typeface="Cambria Math" panose="02040503050406030204" pitchFamily="18" charset="0"/>
+                                </a:rPr>
+                              </m:ctrlPr>
+                            </m:sSubPr>
+                            <m:e>
+                              <m:r>
+                                <a:rPr lang="fr-FR" sz="1200" b="0" i="1" smtClean="0">
+                                  <a:latin typeface="Cambria Math" panose="02040503050406030204" pitchFamily="18" charset="0"/>
+                                </a:rPr>
+                                <m:t>𝑡</m:t>
+                              </m:r>
+                            </m:e>
+                            <m:sub>
+                              <m:r>
+                                <a:rPr lang="fr-FR" sz="1200" b="0" i="1" smtClean="0">
+                                  <a:latin typeface="Cambria Math" panose="02040503050406030204" pitchFamily="18" charset="0"/>
+                                </a:rPr>
+                                <m:t>𝑖</m:t>
+                              </m:r>
+                            </m:sub>
+                          </m:sSub>
+                        </m:sup>
+                        <m:e>
+                          <m:r>
+                            <a:rPr lang="fr-FR" sz="1200" b="0" i="1" smtClean="0">
+                              <a:latin typeface="Cambria Math" panose="02040503050406030204" pitchFamily="18" charset="0"/>
+                            </a:rPr>
+                            <m:t>𝑣</m:t>
+                          </m:r>
+                          <m:d>
+                            <m:dPr>
+                              <m:ctrlPr>
+                                <a:rPr lang="fr-FR" sz="1200" b="0" i="1" smtClean="0">
+                                  <a:latin typeface="Cambria Math" panose="02040503050406030204" pitchFamily="18" charset="0"/>
+                                </a:rPr>
+                              </m:ctrlPr>
+                            </m:dPr>
+                            <m:e>
+                              <m:r>
+                                <a:rPr lang="fr-FR" sz="1200" b="0" i="1" smtClean="0">
+                                  <a:latin typeface="Cambria Math" panose="02040503050406030204" pitchFamily="18" charset="0"/>
+                                </a:rPr>
+                                <m:t>𝑡</m:t>
+                              </m:r>
+                            </m:e>
+                          </m:d>
+                          <m:r>
+                            <m:rPr>
+                              <m:sty m:val="p"/>
+                            </m:rPr>
+                            <a:rPr lang="fr-FR" sz="1200" b="0" i="0" smtClean="0">
+                              <a:latin typeface="Cambria Math" panose="02040503050406030204" pitchFamily="18" charset="0"/>
+                            </a:rPr>
+                            <m:t>d</m:t>
+                          </m:r>
+                          <m:r>
+                            <a:rPr lang="fr-FR" sz="1200" b="0" i="1" smtClean="0">
+                              <a:latin typeface="Cambria Math" panose="02040503050406030204" pitchFamily="18" charset="0"/>
+                            </a:rPr>
+                            <m:t>𝑡</m:t>
+                          </m:r>
+                        </m:e>
+                      </m:nary>
+                    </m:oMath>
+                  </m:oMathPara>
+                </a14:m>
+                <a:endParaRPr lang="fr-FR" sz="1200" dirty="0"/>
+              </a:p>
+            </p:txBody>
+          </p:sp>
+        </mc:Choice>
+        <mc:Fallback>
+          <p:sp>
+            <p:nvSpPr>
+              <p:cNvPr id="44" name="ZoneTexte 43">
+                <a:extLst>
+                  <a:ext uri="{FF2B5EF4-FFF2-40B4-BE49-F238E27FC236}">
+                    <a16:creationId xmlns:a16="http://schemas.microsoft.com/office/drawing/2014/main" id="{594B3595-E03C-3700-8DE2-33B9C8A8992E}"/>
+                  </a:ext>
+                </a:extLst>
+              </p:cNvPr>
+              <p:cNvSpPr txBox="1">
+                <a:spLocks noRot="1" noChangeAspect="1" noMove="1" noResize="1" noEditPoints="1" noAdjustHandles="1" noChangeArrowheads="1" noChangeShapeType="1" noTextEdit="1"/>
+              </p:cNvSpPr>
+              <p:nvPr/>
+            </p:nvSpPr>
+            <p:spPr>
+              <a:xfrm>
+                <a:off x="1102131" y="2678974"/>
+                <a:ext cx="957634" cy="554319"/>
+              </a:xfrm>
+              <a:prstGeom prst="rect">
+                <a:avLst/>
+              </a:prstGeom>
+              <a:blipFill>
+                <a:blip r:embed="rId5"/>
+                <a:stretch>
+                  <a:fillRect/>
+                </a:stretch>
+              </a:blipFill>
+            </p:spPr>
+            <p:txBody>
+              <a:bodyPr/>
+              <a:lstStyle/>
+              <a:p>
+                <a:r>
+                  <a:rPr lang="fr-FR">
+                    <a:noFill/>
+                  </a:rPr>
+                  <a:t> </a:t>
+                </a:r>
+              </a:p>
+            </p:txBody>
+          </p:sp>
+        </mc:Fallback>
+      </mc:AlternateContent>
+      <p:cxnSp>
+        <p:nvCxnSpPr>
+          <p:cNvPr id="45" name="Connecteur droit 44">
+            <a:extLst>
+              <a:ext uri="{FF2B5EF4-FFF2-40B4-BE49-F238E27FC236}">
+                <a16:creationId xmlns:a16="http://schemas.microsoft.com/office/drawing/2014/main" id="{38648722-E4E7-761D-FE10-FB469EEA76E1}"/>
+              </a:ext>
+            </a:extLst>
+          </p:cNvPr>
+          <p:cNvCxnSpPr>
+            <a:cxnSpLocks/>
+          </p:cNvCxnSpPr>
+          <p:nvPr/>
+        </p:nvCxnSpPr>
+        <p:spPr>
+          <a:xfrm>
+            <a:off x="2410461" y="2556267"/>
+            <a:ext cx="0" cy="881199"/>
+          </a:xfrm>
+          <a:prstGeom prst="line">
+            <a:avLst/>
+          </a:prstGeom>
+          <a:noFill/>
+          <a:ln>
+            <a:solidFill>
+              <a:schemeClr val="accent2">
+                <a:lumMod val="50000"/>
+              </a:schemeClr>
+            </a:solidFill>
+            <a:headEnd type="oval"/>
+          </a:ln>
+        </p:spPr>
+        <p:style>
+          <a:lnRef idx="2">
+            <a:schemeClr val="accent1">
+              <a:shade val="15000"/>
+            </a:schemeClr>
+          </a:lnRef>
+          <a:fillRef idx="1">
+            <a:schemeClr val="accent1"/>
+          </a:fillRef>
+          <a:effectRef idx="0">
+            <a:schemeClr val="accent1"/>
+          </a:effectRef>
+          <a:fontRef idx="minor">
+            <a:schemeClr val="lt1"/>
+          </a:fontRef>
+        </p:style>
+      </p:cxnSp>
+      <mc:AlternateContent xmlns:mc="http://schemas.openxmlformats.org/markup-compatibility/2006">
+        <mc:Choice xmlns:a14="http://schemas.microsoft.com/office/drawing/2010/main" Requires="a14">
+          <p:sp>
+            <p:nvSpPr>
+              <p:cNvPr id="49" name="ZoneTexte 48">
+                <a:extLst>
+                  <a:ext uri="{FF2B5EF4-FFF2-40B4-BE49-F238E27FC236}">
+                    <a16:creationId xmlns:a16="http://schemas.microsoft.com/office/drawing/2014/main" id="{A321FB9D-99FD-0066-73F2-D63B9B301AA1}"/>
+                  </a:ext>
+                </a:extLst>
+              </p:cNvPr>
+              <p:cNvSpPr txBox="1"/>
+              <p:nvPr/>
+            </p:nvSpPr>
+            <p:spPr>
+              <a:xfrm>
+                <a:off x="2310334" y="3434096"/>
+                <a:ext cx="336311" cy="215444"/>
+              </a:xfrm>
+              <a:prstGeom prst="rect">
+                <a:avLst/>
+              </a:prstGeom>
+              <a:noFill/>
+            </p:spPr>
+            <p:txBody>
+              <a:bodyPr wrap="none" lIns="0" tIns="0" rIns="0" bIns="0" rtlCol="0">
+                <a:spAutoFit/>
+              </a:bodyPr>
+              <a:lstStyle/>
+              <a:p>
+                <a:pPr/>
+                <a14:m>
+                  <m:oMathPara xmlns:m="http://schemas.openxmlformats.org/officeDocument/2006/math">
+                    <m:oMathParaPr>
+                      <m:jc m:val="centerGroup"/>
+                    </m:oMathParaPr>
+                    <m:oMath xmlns:m="http://schemas.openxmlformats.org/officeDocument/2006/math">
+                      <m:sSub>
+                        <m:sSubPr>
+                          <m:ctrlPr>
+                            <a:rPr lang="fr-FR" sz="1400" b="0" i="1" smtClean="0">
+                              <a:latin typeface="Cambria Math" panose="02040503050406030204" pitchFamily="18" charset="0"/>
+                            </a:rPr>
+                          </m:ctrlPr>
+                        </m:sSubPr>
+                        <m:e>
+                          <m:r>
+                            <a:rPr lang="fr-FR" sz="1400" b="0" i="1" smtClean="0">
+                              <a:latin typeface="Cambria Math" panose="02040503050406030204" pitchFamily="18" charset="0"/>
+                            </a:rPr>
+                            <m:t>𝑡</m:t>
+                          </m:r>
+                        </m:e>
+                        <m:sub>
+                          <m:r>
+                            <a:rPr lang="fr-FR" sz="1400" b="0" i="1" smtClean="0">
+                              <a:latin typeface="Cambria Math" panose="02040503050406030204" pitchFamily="18" charset="0"/>
+                            </a:rPr>
+                            <m:t>𝑖</m:t>
+                          </m:r>
+                          <m:r>
+                            <a:rPr lang="fr-FR" sz="1400" b="0" i="1" smtClean="0">
+                              <a:latin typeface="Cambria Math" panose="02040503050406030204" pitchFamily="18" charset="0"/>
+                            </a:rPr>
+                            <m:t>+1</m:t>
+                          </m:r>
+                        </m:sub>
+                      </m:sSub>
+                    </m:oMath>
+                  </m:oMathPara>
+                </a14:m>
+                <a:endParaRPr lang="fr-FR" sz="1400" dirty="0"/>
+              </a:p>
+            </p:txBody>
+          </p:sp>
+        </mc:Choice>
+        <mc:Fallback>
+          <p:sp>
+            <p:nvSpPr>
+              <p:cNvPr id="49" name="ZoneTexte 48">
+                <a:extLst>
+                  <a:ext uri="{FF2B5EF4-FFF2-40B4-BE49-F238E27FC236}">
+                    <a16:creationId xmlns:a16="http://schemas.microsoft.com/office/drawing/2014/main" id="{A321FB9D-99FD-0066-73F2-D63B9B301AA1}"/>
+                  </a:ext>
+                </a:extLst>
+              </p:cNvPr>
+              <p:cNvSpPr txBox="1">
+                <a:spLocks noRot="1" noChangeAspect="1" noMove="1" noResize="1" noEditPoints="1" noAdjustHandles="1" noChangeArrowheads="1" noChangeShapeType="1" noTextEdit="1"/>
+              </p:cNvSpPr>
+              <p:nvPr/>
+            </p:nvSpPr>
+            <p:spPr>
+              <a:xfrm>
+                <a:off x="2310334" y="3434096"/>
+                <a:ext cx="336311" cy="215444"/>
+              </a:xfrm>
+              <a:prstGeom prst="rect">
+                <a:avLst/>
+              </a:prstGeom>
+              <a:blipFill>
+                <a:blip r:embed="rId6"/>
+                <a:stretch>
+                  <a:fillRect l="-12727" r="-3636" b="-13889"/>
+                </a:stretch>
+              </a:blipFill>
+            </p:spPr>
+            <p:txBody>
+              <a:bodyPr/>
+              <a:lstStyle/>
+              <a:p>
+                <a:r>
+                  <a:rPr lang="fr-FR">
+                    <a:noFill/>
+                  </a:rPr>
+                  <a:t> </a:t>
+                </a:r>
+              </a:p>
+            </p:txBody>
+          </p:sp>
+        </mc:Fallback>
+      </mc:AlternateContent>
+      <mc:AlternateContent xmlns:mc="http://schemas.openxmlformats.org/markup-compatibility/2006">
+        <mc:Choice xmlns:a14="http://schemas.microsoft.com/office/drawing/2010/main" Requires="a14">
+          <p:sp>
+            <p:nvSpPr>
+              <p:cNvPr id="50" name="ZoneTexte 49">
+                <a:extLst>
+                  <a:ext uri="{FF2B5EF4-FFF2-40B4-BE49-F238E27FC236}">
+                    <a16:creationId xmlns:a16="http://schemas.microsoft.com/office/drawing/2014/main" id="{541CD644-1E76-4539-0503-49942037516E}"/>
+                  </a:ext>
+                </a:extLst>
+              </p:cNvPr>
+              <p:cNvSpPr txBox="1"/>
+              <p:nvPr/>
+            </p:nvSpPr>
+            <p:spPr>
+              <a:xfrm>
+                <a:off x="2267677" y="2230589"/>
+                <a:ext cx="364459" cy="215444"/>
+              </a:xfrm>
+              <a:prstGeom prst="rect">
+                <a:avLst/>
+              </a:prstGeom>
+              <a:noFill/>
+            </p:spPr>
+            <p:txBody>
+              <a:bodyPr wrap="none" lIns="0" tIns="0" rIns="0" bIns="0" rtlCol="0">
+                <a:spAutoFit/>
+              </a:bodyPr>
+              <a:lstStyle/>
+              <a:p>
+                <a:pPr/>
+                <a14:m>
+                  <m:oMathPara xmlns:m="http://schemas.openxmlformats.org/officeDocument/2006/math">
+                    <m:oMathParaPr>
+                      <m:jc m:val="centerGroup"/>
+                    </m:oMathParaPr>
+                    <m:oMath xmlns:m="http://schemas.openxmlformats.org/officeDocument/2006/math">
+                      <m:sSub>
+                        <m:sSubPr>
+                          <m:ctrlPr>
+                            <a:rPr lang="fr-FR" sz="1400" b="0" i="1" smtClean="0">
+                              <a:latin typeface="Cambria Math" panose="02040503050406030204" pitchFamily="18" charset="0"/>
+                            </a:rPr>
+                          </m:ctrlPr>
+                        </m:sSubPr>
+                        <m:e>
+                          <m:r>
+                            <a:rPr lang="fr-FR" sz="1400" b="0" i="1" smtClean="0">
+                              <a:latin typeface="Cambria Math" panose="02040503050406030204" pitchFamily="18" charset="0"/>
+                            </a:rPr>
+                            <m:t>𝑣</m:t>
+                          </m:r>
+                        </m:e>
+                        <m:sub>
+                          <m:r>
+                            <a:rPr lang="fr-FR" sz="1400" b="0" i="1" smtClean="0">
+                              <a:latin typeface="Cambria Math" panose="02040503050406030204" pitchFamily="18" charset="0"/>
+                            </a:rPr>
+                            <m:t>𝑖</m:t>
+                          </m:r>
+                          <m:r>
+                            <a:rPr lang="fr-FR" sz="1400" b="0" i="1" smtClean="0">
+                              <a:latin typeface="Cambria Math" panose="02040503050406030204" pitchFamily="18" charset="0"/>
+                            </a:rPr>
+                            <m:t>+1</m:t>
+                          </m:r>
+                        </m:sub>
+                      </m:sSub>
+                    </m:oMath>
+                  </m:oMathPara>
+                </a14:m>
+                <a:endParaRPr lang="fr-FR" sz="1400" dirty="0"/>
+              </a:p>
+            </p:txBody>
+          </p:sp>
+        </mc:Choice>
+        <mc:Fallback>
+          <p:sp>
+            <p:nvSpPr>
+              <p:cNvPr id="50" name="ZoneTexte 49">
+                <a:extLst>
+                  <a:ext uri="{FF2B5EF4-FFF2-40B4-BE49-F238E27FC236}">
+                    <a16:creationId xmlns:a16="http://schemas.microsoft.com/office/drawing/2014/main" id="{541CD644-1E76-4539-0503-49942037516E}"/>
+                  </a:ext>
+                </a:extLst>
+              </p:cNvPr>
+              <p:cNvSpPr txBox="1">
+                <a:spLocks noRot="1" noChangeAspect="1" noMove="1" noResize="1" noEditPoints="1" noAdjustHandles="1" noChangeArrowheads="1" noChangeShapeType="1" noTextEdit="1"/>
+              </p:cNvSpPr>
+              <p:nvPr/>
+            </p:nvSpPr>
+            <p:spPr>
+              <a:xfrm>
+                <a:off x="2267677" y="2230589"/>
+                <a:ext cx="364459" cy="215444"/>
+              </a:xfrm>
+              <a:prstGeom prst="rect">
+                <a:avLst/>
+              </a:prstGeom>
+              <a:blipFill>
+                <a:blip r:embed="rId7"/>
+                <a:stretch>
+                  <a:fillRect l="-8333" r="-3333" b="-14286"/>
+                </a:stretch>
+              </a:blipFill>
+            </p:spPr>
+            <p:txBody>
+              <a:bodyPr/>
+              <a:lstStyle/>
+              <a:p>
+                <a:r>
+                  <a:rPr lang="fr-FR">
+                    <a:noFill/>
+                  </a:rPr>
+                  <a:t> </a:t>
+                </a:r>
+              </a:p>
+            </p:txBody>
+          </p:sp>
+        </mc:Fallback>
+      </mc:AlternateContent>
+      <mc:AlternateContent xmlns:mc="http://schemas.openxmlformats.org/markup-compatibility/2006">
+        <mc:Choice xmlns:a14="http://schemas.microsoft.com/office/drawing/2010/main" Requires="a14">
+          <p:sp>
+            <p:nvSpPr>
+              <p:cNvPr id="51" name="ZoneTexte 50">
+                <a:extLst>
+                  <a:ext uri="{FF2B5EF4-FFF2-40B4-BE49-F238E27FC236}">
+                    <a16:creationId xmlns:a16="http://schemas.microsoft.com/office/drawing/2014/main" id="{408182C4-13A6-E951-B35B-8261278FF6C0}"/>
+                  </a:ext>
+                </a:extLst>
+              </p:cNvPr>
+              <p:cNvSpPr txBox="1"/>
+              <p:nvPr/>
+            </p:nvSpPr>
+            <p:spPr>
+              <a:xfrm>
+                <a:off x="1937189" y="2293921"/>
+                <a:ext cx="194540" cy="215444"/>
+              </a:xfrm>
+              <a:prstGeom prst="rect">
+                <a:avLst/>
+              </a:prstGeom>
+              <a:noFill/>
+            </p:spPr>
+            <p:txBody>
+              <a:bodyPr wrap="none" lIns="0" tIns="0" rIns="0" bIns="0" rtlCol="0">
+                <a:spAutoFit/>
+              </a:bodyPr>
+              <a:lstStyle/>
+              <a:p>
+                <a:pPr/>
+                <a14:m>
+                  <m:oMathPara xmlns:m="http://schemas.openxmlformats.org/officeDocument/2006/math">
+                    <m:oMathParaPr>
+                      <m:jc m:val="centerGroup"/>
+                    </m:oMathParaPr>
+                    <m:oMath xmlns:m="http://schemas.openxmlformats.org/officeDocument/2006/math">
+                      <m:sSub>
+                        <m:sSubPr>
+                          <m:ctrlPr>
+                            <a:rPr lang="fr-FR" sz="1400" b="0" i="1" smtClean="0">
+                              <a:latin typeface="Cambria Math" panose="02040503050406030204" pitchFamily="18" charset="0"/>
+                            </a:rPr>
+                          </m:ctrlPr>
+                        </m:sSubPr>
+                        <m:e>
+                          <m:r>
+                            <a:rPr lang="fr-FR" sz="1400" b="0" i="1" smtClean="0">
+                              <a:latin typeface="Cambria Math" panose="02040503050406030204" pitchFamily="18" charset="0"/>
+                            </a:rPr>
+                            <m:t>𝑣</m:t>
+                          </m:r>
+                        </m:e>
+                        <m:sub>
+                          <m:r>
+                            <a:rPr lang="fr-FR" sz="1400" b="0" i="1" smtClean="0">
+                              <a:latin typeface="Cambria Math" panose="02040503050406030204" pitchFamily="18" charset="0"/>
+                            </a:rPr>
+                            <m:t>𝑖</m:t>
+                          </m:r>
+                        </m:sub>
+                      </m:sSub>
+                    </m:oMath>
+                  </m:oMathPara>
+                </a14:m>
+                <a:endParaRPr lang="fr-FR" sz="1400" dirty="0"/>
+              </a:p>
+            </p:txBody>
+          </p:sp>
+        </mc:Choice>
+        <mc:Fallback>
+          <p:sp>
+            <p:nvSpPr>
+              <p:cNvPr id="51" name="ZoneTexte 50">
+                <a:extLst>
+                  <a:ext uri="{FF2B5EF4-FFF2-40B4-BE49-F238E27FC236}">
+                    <a16:creationId xmlns:a16="http://schemas.microsoft.com/office/drawing/2014/main" id="{408182C4-13A6-E951-B35B-8261278FF6C0}"/>
+                  </a:ext>
+                </a:extLst>
+              </p:cNvPr>
+              <p:cNvSpPr txBox="1">
+                <a:spLocks noRot="1" noChangeAspect="1" noMove="1" noResize="1" noEditPoints="1" noAdjustHandles="1" noChangeArrowheads="1" noChangeShapeType="1" noTextEdit="1"/>
+              </p:cNvSpPr>
+              <p:nvPr/>
+            </p:nvSpPr>
+            <p:spPr>
+              <a:xfrm>
+                <a:off x="1937189" y="2293921"/>
+                <a:ext cx="194540" cy="215444"/>
+              </a:xfrm>
+              <a:prstGeom prst="rect">
+                <a:avLst/>
+              </a:prstGeom>
+              <a:blipFill>
+                <a:blip r:embed="rId8"/>
+                <a:stretch>
+                  <a:fillRect l="-15625" r="-3125" b="-13889"/>
+                </a:stretch>
+              </a:blipFill>
+            </p:spPr>
+            <p:txBody>
+              <a:bodyPr/>
+              <a:lstStyle/>
+              <a:p>
+                <a:r>
+                  <a:rPr lang="fr-FR">
+                    <a:noFill/>
+                  </a:rPr>
+                  <a:t> </a:t>
+                </a:r>
+              </a:p>
+            </p:txBody>
+          </p:sp>
+        </mc:Fallback>
+      </mc:AlternateContent>
       <mc:AlternateContent xmlns:mc="http://schemas.openxmlformats.org/markup-compatibility/2006">
         <mc:Choice xmlns:a14="http://schemas.microsoft.com/office/drawing/2010/main" Requires="a14">
           <p:sp>
@@ -11812,7 +13676,7 @@
             </p:nvSpPr>
             <p:spPr>
               <a:xfrm>
-                <a:off x="3090960" y="3746170"/>
+                <a:off x="4420226" y="4542036"/>
                 <a:ext cx="3561295" cy="673711"/>
               </a:xfrm>
               <a:prstGeom prst="rect">
@@ -12188,7 +14052,7 @@
             </p:nvSpPr>
             <p:spPr>
               <a:xfrm>
-                <a:off x="3090960" y="3746170"/>
+                <a:off x="4420226" y="4542036"/>
                 <a:ext cx="3561295" cy="673711"/>
               </a:xfrm>
               <a:prstGeom prst="rect">
@@ -12280,7 +14144,7 @@
     </p:spTree>
     <p:extLst>
       <p:ext uri="{BB962C8B-B14F-4D97-AF65-F5344CB8AC3E}">
-        <p14:creationId xmlns:p14="http://schemas.microsoft.com/office/powerpoint/2010/main" val="1324267369"/>
+        <p14:creationId xmlns:p14="http://schemas.microsoft.com/office/powerpoint/2010/main" val="3936428797"/>
       </p:ext>
     </p:extLst>
   </p:cSld>

--- a/Figures [Enregistrement automatique].pptx
+++ b/Figures [Enregistrement automatique].pptx
@@ -9,9 +9,11 @@
     <p:sldId id="257" r:id="rId3"/>
     <p:sldId id="258" r:id="rId4"/>
     <p:sldId id="259" r:id="rId5"/>
-    <p:sldId id="260" r:id="rId6"/>
-    <p:sldId id="261" r:id="rId7"/>
-    <p:sldId id="262" r:id="rId8"/>
+    <p:sldId id="263" r:id="rId6"/>
+    <p:sldId id="264" r:id="rId7"/>
+    <p:sldId id="260" r:id="rId8"/>
+    <p:sldId id="261" r:id="rId9"/>
+    <p:sldId id="262" r:id="rId10"/>
   </p:sldIdLst>
   <p:sldSz cx="12192000" cy="6858000"/>
   <p:notesSz cx="6858000" cy="9144000"/>
@@ -265,7 +267,7 @@
           <a:p>
             <a:fld id="{8650A246-1026-46AD-AFCC-0ACF25FECB60}" type="datetimeFigureOut">
               <a:rPr lang="fr-FR" smtClean="0"/>
-              <a:t>29/11/2023</a:t>
+              <a:t>28/09/2025</a:t>
             </a:fld>
             <a:endParaRPr lang="fr-FR"/>
           </a:p>
@@ -553,7 +555,7 @@
           <a:p>
             <a:fld id="{8650A246-1026-46AD-AFCC-0ACF25FECB60}" type="datetimeFigureOut">
               <a:rPr lang="fr-FR" smtClean="0"/>
-              <a:t>29/11/2023</a:t>
+              <a:t>28/09/2025</a:t>
             </a:fld>
             <a:endParaRPr lang="fr-FR"/>
           </a:p>
@@ -751,7 +753,7 @@
           <a:p>
             <a:fld id="{8650A246-1026-46AD-AFCC-0ACF25FECB60}" type="datetimeFigureOut">
               <a:rPr lang="fr-FR" smtClean="0"/>
-              <a:t>29/11/2023</a:t>
+              <a:t>28/09/2025</a:t>
             </a:fld>
             <a:endParaRPr lang="fr-FR"/>
           </a:p>
@@ -959,7 +961,7 @@
           <a:p>
             <a:fld id="{8650A246-1026-46AD-AFCC-0ACF25FECB60}" type="datetimeFigureOut">
               <a:rPr lang="fr-FR" smtClean="0"/>
-              <a:t>29/11/2023</a:t>
+              <a:t>28/09/2025</a:t>
             </a:fld>
             <a:endParaRPr lang="fr-FR"/>
           </a:p>
@@ -1157,7 +1159,7 @@
           <a:p>
             <a:fld id="{8650A246-1026-46AD-AFCC-0ACF25FECB60}" type="datetimeFigureOut">
               <a:rPr lang="fr-FR" smtClean="0"/>
-              <a:t>29/11/2023</a:t>
+              <a:t>28/09/2025</a:t>
             </a:fld>
             <a:endParaRPr lang="fr-FR"/>
           </a:p>
@@ -1432,7 +1434,7 @@
           <a:p>
             <a:fld id="{8650A246-1026-46AD-AFCC-0ACF25FECB60}" type="datetimeFigureOut">
               <a:rPr lang="fr-FR" smtClean="0"/>
-              <a:t>29/11/2023</a:t>
+              <a:t>28/09/2025</a:t>
             </a:fld>
             <a:endParaRPr lang="fr-FR"/>
           </a:p>
@@ -1697,7 +1699,7 @@
           <a:p>
             <a:fld id="{8650A246-1026-46AD-AFCC-0ACF25FECB60}" type="datetimeFigureOut">
               <a:rPr lang="fr-FR" smtClean="0"/>
-              <a:t>29/11/2023</a:t>
+              <a:t>28/09/2025</a:t>
             </a:fld>
             <a:endParaRPr lang="fr-FR"/>
           </a:p>
@@ -2109,7 +2111,7 @@
           <a:p>
             <a:fld id="{8650A246-1026-46AD-AFCC-0ACF25FECB60}" type="datetimeFigureOut">
               <a:rPr lang="fr-FR" smtClean="0"/>
-              <a:t>29/11/2023</a:t>
+              <a:t>28/09/2025</a:t>
             </a:fld>
             <a:endParaRPr lang="fr-FR"/>
           </a:p>
@@ -2250,7 +2252,7 @@
           <a:p>
             <a:fld id="{8650A246-1026-46AD-AFCC-0ACF25FECB60}" type="datetimeFigureOut">
               <a:rPr lang="fr-FR" smtClean="0"/>
-              <a:t>29/11/2023</a:t>
+              <a:t>28/09/2025</a:t>
             </a:fld>
             <a:endParaRPr lang="fr-FR"/>
           </a:p>
@@ -2464,7 +2466,7 @@
           <a:p>
             <a:fld id="{8650A246-1026-46AD-AFCC-0ACF25FECB60}" type="datetimeFigureOut">
               <a:rPr lang="fr-FR" smtClean="0"/>
-              <a:t>29/11/2023</a:t>
+              <a:t>28/09/2025</a:t>
             </a:fld>
             <a:endParaRPr lang="fr-FR"/>
           </a:p>
@@ -2577,7 +2579,7 @@
           <a:p>
             <a:fld id="{8650A246-1026-46AD-AFCC-0ACF25FECB60}" type="datetimeFigureOut">
               <a:rPr lang="fr-FR" smtClean="0"/>
-              <a:t>29/11/2023</a:t>
+              <a:t>28/09/2025</a:t>
             </a:fld>
             <a:endParaRPr lang="fr-FR"/>
           </a:p>
@@ -2888,7 +2890,7 @@
           <a:p>
             <a:fld id="{8650A246-1026-46AD-AFCC-0ACF25FECB60}" type="datetimeFigureOut">
               <a:rPr lang="fr-FR" smtClean="0"/>
-              <a:t>29/11/2023</a:t>
+              <a:t>28/09/2025</a:t>
             </a:fld>
             <a:endParaRPr lang="fr-FR"/>
           </a:p>
@@ -3129,7 +3131,7 @@
           <a:p>
             <a:fld id="{8650A246-1026-46AD-AFCC-0ACF25FECB60}" type="datetimeFigureOut">
               <a:rPr lang="fr-FR" smtClean="0"/>
-              <a:t>29/11/2023</a:t>
+              <a:t>28/09/2025</a:t>
             </a:fld>
             <a:endParaRPr lang="fr-FR"/>
           </a:p>
@@ -9393,6 +9395,3310 @@
 </file>
 
 <file path=ppt/slides/slide5.xml><?xml version="1.0" encoding="utf-8"?>
+<p:sld xmlns:a="http://schemas.openxmlformats.org/drawingml/2006/main" xmlns:r="http://schemas.openxmlformats.org/officeDocument/2006/relationships" xmlns:p="http://schemas.openxmlformats.org/presentationml/2006/main">
+  <p:cSld>
+    <p:spTree>
+      <p:nvGrpSpPr>
+        <p:cNvPr id="1" name="">
+          <a:extLst>
+            <a:ext uri="{FF2B5EF4-FFF2-40B4-BE49-F238E27FC236}">
+              <a16:creationId xmlns:a16="http://schemas.microsoft.com/office/drawing/2014/main" id="{7AE3D838-7561-F376-3475-E6BB41E37BB3}"/>
+            </a:ext>
+          </a:extLst>
+        </p:cNvPr>
+        <p:cNvGrpSpPr/>
+        <p:nvPr/>
+      </p:nvGrpSpPr>
+      <p:grpSpPr>
+        <a:xfrm>
+          <a:off x="0" y="0"/>
+          <a:ext cx="0" cy="0"/>
+          <a:chOff x="0" y="0"/>
+          <a:chExt cx="0" cy="0"/>
+        </a:xfrm>
+      </p:grpSpPr>
+      <p:sp>
+        <p:nvSpPr>
+          <p:cNvPr id="108" name="Ellipse 107">
+            <a:extLst>
+              <a:ext uri="{FF2B5EF4-FFF2-40B4-BE49-F238E27FC236}">
+                <a16:creationId xmlns:a16="http://schemas.microsoft.com/office/drawing/2014/main" id="{5186FA33-89C6-9061-9D27-FF03DDD6F145}"/>
+              </a:ext>
+            </a:extLst>
+          </p:cNvPr>
+          <p:cNvSpPr/>
+          <p:nvPr/>
+        </p:nvSpPr>
+        <p:spPr>
+          <a:xfrm>
+            <a:off x="5272762" y="2522214"/>
+            <a:ext cx="216000" cy="107664"/>
+          </a:xfrm>
+          <a:prstGeom prst="ellipse">
+            <a:avLst/>
+          </a:prstGeom>
+          <a:ln>
+            <a:solidFill>
+              <a:schemeClr val="accent1"/>
+            </a:solidFill>
+          </a:ln>
+        </p:spPr>
+        <p:style>
+          <a:lnRef idx="2">
+            <a:schemeClr val="accent2"/>
+          </a:lnRef>
+          <a:fillRef idx="1">
+            <a:schemeClr val="lt1"/>
+          </a:fillRef>
+          <a:effectRef idx="0">
+            <a:schemeClr val="accent2"/>
+          </a:effectRef>
+          <a:fontRef idx="minor">
+            <a:schemeClr val="dk1"/>
+          </a:fontRef>
+        </p:style>
+        <p:txBody>
+          <a:bodyPr rtlCol="0" anchor="ctr"/>
+          <a:lstStyle/>
+          <a:p>
+            <a:pPr algn="ctr"/>
+            <a:endParaRPr lang="fr-FR">
+              <a:solidFill>
+                <a:schemeClr val="dk1"/>
+              </a:solidFill>
+            </a:endParaRPr>
+          </a:p>
+        </p:txBody>
+      </p:sp>
+      <p:cxnSp>
+        <p:nvCxnSpPr>
+          <p:cNvPr id="37" name="Connecteur droit 36">
+            <a:extLst>
+              <a:ext uri="{FF2B5EF4-FFF2-40B4-BE49-F238E27FC236}">
+                <a16:creationId xmlns:a16="http://schemas.microsoft.com/office/drawing/2014/main" id="{F6BB5DCC-98F2-FB88-F0BB-5D28B4A18177}"/>
+              </a:ext>
+            </a:extLst>
+          </p:cNvPr>
+          <p:cNvCxnSpPr>
+            <a:cxnSpLocks/>
+          </p:cNvCxnSpPr>
+          <p:nvPr/>
+        </p:nvCxnSpPr>
+        <p:spPr>
+          <a:xfrm flipH="1" flipV="1">
+            <a:off x="4559616" y="1570636"/>
+            <a:ext cx="258560" cy="153185"/>
+          </a:xfrm>
+          <a:prstGeom prst="line">
+            <a:avLst/>
+          </a:prstGeom>
+          <a:ln/>
+        </p:spPr>
+        <p:style>
+          <a:lnRef idx="2">
+            <a:schemeClr val="accent2"/>
+          </a:lnRef>
+          <a:fillRef idx="1">
+            <a:schemeClr val="lt1"/>
+          </a:fillRef>
+          <a:effectRef idx="0">
+            <a:schemeClr val="accent2"/>
+          </a:effectRef>
+          <a:fontRef idx="minor">
+            <a:schemeClr val="dk1"/>
+          </a:fontRef>
+        </p:style>
+      </p:cxnSp>
+      <p:sp>
+        <p:nvSpPr>
+          <p:cNvPr id="69" name="Ellipse 68">
+            <a:extLst>
+              <a:ext uri="{FF2B5EF4-FFF2-40B4-BE49-F238E27FC236}">
+                <a16:creationId xmlns:a16="http://schemas.microsoft.com/office/drawing/2014/main" id="{E9FAF713-A761-4F58-7034-426D11914CEE}"/>
+              </a:ext>
+            </a:extLst>
+          </p:cNvPr>
+          <p:cNvSpPr/>
+          <p:nvPr/>
+        </p:nvSpPr>
+        <p:spPr>
+          <a:xfrm>
+            <a:off x="6152163" y="2193231"/>
+            <a:ext cx="224593" cy="218355"/>
+          </a:xfrm>
+          <a:prstGeom prst="ellipse">
+            <a:avLst/>
+          </a:prstGeom>
+          <a:ln/>
+        </p:spPr>
+        <p:style>
+          <a:lnRef idx="2">
+            <a:schemeClr val="accent2"/>
+          </a:lnRef>
+          <a:fillRef idx="1">
+            <a:schemeClr val="lt1"/>
+          </a:fillRef>
+          <a:effectRef idx="0">
+            <a:schemeClr val="accent2"/>
+          </a:effectRef>
+          <a:fontRef idx="minor">
+            <a:schemeClr val="dk1"/>
+          </a:fontRef>
+        </p:style>
+        <p:txBody>
+          <a:bodyPr rtlCol="0" anchor="ctr"/>
+          <a:lstStyle/>
+          <a:p>
+            <a:pPr algn="ctr"/>
+            <a:r>
+              <a:rPr lang="fr-FR" sz="1100" b="1" dirty="0">
+                <a:solidFill>
+                  <a:schemeClr val="accent2"/>
+                </a:solidFill>
+              </a:rPr>
+              <a:t>2</a:t>
+            </a:r>
+            <a:endParaRPr lang="fr-FR" b="1" dirty="0">
+              <a:solidFill>
+                <a:schemeClr val="accent2"/>
+              </a:solidFill>
+            </a:endParaRPr>
+          </a:p>
+        </p:txBody>
+      </p:sp>
+      <p:sp>
+        <p:nvSpPr>
+          <p:cNvPr id="71" name="Ellipse 70">
+            <a:extLst>
+              <a:ext uri="{FF2B5EF4-FFF2-40B4-BE49-F238E27FC236}">
+                <a16:creationId xmlns:a16="http://schemas.microsoft.com/office/drawing/2014/main" id="{FFA612B3-3833-FB72-4062-E17CC5319956}"/>
+              </a:ext>
+            </a:extLst>
+          </p:cNvPr>
+          <p:cNvSpPr/>
+          <p:nvPr/>
+        </p:nvSpPr>
+        <p:spPr>
+          <a:xfrm>
+            <a:off x="5576533" y="1463264"/>
+            <a:ext cx="224593" cy="218355"/>
+          </a:xfrm>
+          <a:prstGeom prst="ellipse">
+            <a:avLst/>
+          </a:prstGeom>
+          <a:ln>
+            <a:solidFill>
+              <a:schemeClr val="accent1"/>
+            </a:solidFill>
+          </a:ln>
+        </p:spPr>
+        <p:style>
+          <a:lnRef idx="2">
+            <a:schemeClr val="accent2"/>
+          </a:lnRef>
+          <a:fillRef idx="1">
+            <a:schemeClr val="lt1"/>
+          </a:fillRef>
+          <a:effectRef idx="0">
+            <a:schemeClr val="accent2"/>
+          </a:effectRef>
+          <a:fontRef idx="minor">
+            <a:schemeClr val="dk1"/>
+          </a:fontRef>
+        </p:style>
+        <p:txBody>
+          <a:bodyPr rtlCol="0" anchor="ctr"/>
+          <a:lstStyle/>
+          <a:p>
+            <a:pPr algn="ctr"/>
+            <a:r>
+              <a:rPr lang="fr-FR" sz="1100" b="1" dirty="0">
+                <a:solidFill>
+                  <a:schemeClr val="accent1"/>
+                </a:solidFill>
+              </a:rPr>
+              <a:t>1</a:t>
+            </a:r>
+            <a:endParaRPr lang="fr-FR" b="1" dirty="0">
+              <a:solidFill>
+                <a:schemeClr val="accent1"/>
+              </a:solidFill>
+            </a:endParaRPr>
+          </a:p>
+        </p:txBody>
+      </p:sp>
+      <p:cxnSp>
+        <p:nvCxnSpPr>
+          <p:cNvPr id="75" name="Connecteur droit avec flèche 74">
+            <a:extLst>
+              <a:ext uri="{FF2B5EF4-FFF2-40B4-BE49-F238E27FC236}">
+                <a16:creationId xmlns:a16="http://schemas.microsoft.com/office/drawing/2014/main" id="{D077EFD0-05CE-E398-736E-155EE0FCF3EC}"/>
+              </a:ext>
+            </a:extLst>
+          </p:cNvPr>
+          <p:cNvCxnSpPr>
+            <a:cxnSpLocks/>
+          </p:cNvCxnSpPr>
+          <p:nvPr/>
+        </p:nvCxnSpPr>
+        <p:spPr>
+          <a:xfrm>
+            <a:off x="5267665" y="3046941"/>
+            <a:ext cx="346068" cy="200356"/>
+          </a:xfrm>
+          <a:prstGeom prst="straightConnector1">
+            <a:avLst/>
+          </a:prstGeom>
+          <a:ln>
+            <a:solidFill>
+              <a:srgbClr val="00B050"/>
+            </a:solidFill>
+            <a:tailEnd type="stealth" w="med" len="lg"/>
+          </a:ln>
+        </p:spPr>
+        <p:style>
+          <a:lnRef idx="2">
+            <a:schemeClr val="accent2"/>
+          </a:lnRef>
+          <a:fillRef idx="1">
+            <a:schemeClr val="lt1"/>
+          </a:fillRef>
+          <a:effectRef idx="0">
+            <a:schemeClr val="accent2"/>
+          </a:effectRef>
+          <a:fontRef idx="minor">
+            <a:schemeClr val="dk1"/>
+          </a:fontRef>
+        </p:style>
+      </p:cxnSp>
+      <mc:AlternateContent xmlns:mc="http://schemas.openxmlformats.org/markup-compatibility/2006">
+        <mc:Choice xmlns:a14="http://schemas.microsoft.com/office/drawing/2010/main" Requires="a14">
+          <p:sp>
+            <p:nvSpPr>
+              <p:cNvPr id="80" name="ZoneTexte 79">
+                <a:extLst>
+                  <a:ext uri="{FF2B5EF4-FFF2-40B4-BE49-F238E27FC236}">
+                    <a16:creationId xmlns:a16="http://schemas.microsoft.com/office/drawing/2014/main" id="{08C4957C-C48C-AE55-92A0-8BB63857763A}"/>
+                  </a:ext>
+                </a:extLst>
+              </p:cNvPr>
+              <p:cNvSpPr txBox="1"/>
+              <p:nvPr/>
+            </p:nvSpPr>
+            <p:spPr>
+              <a:xfrm>
+                <a:off x="4134524" y="1783442"/>
+                <a:ext cx="626532" cy="307777"/>
+              </a:xfrm>
+              <a:prstGeom prst="rect">
+                <a:avLst/>
+              </a:prstGeom>
+              <a:noFill/>
+              <a:ln>
+                <a:solidFill>
+                  <a:schemeClr val="bg1">
+                    <a:lumMod val="95000"/>
+                  </a:schemeClr>
+                </a:solidFill>
+              </a:ln>
+            </p:spPr>
+            <p:style>
+              <a:lnRef idx="2">
+                <a:schemeClr val="accent2"/>
+              </a:lnRef>
+              <a:fillRef idx="1">
+                <a:schemeClr val="lt1"/>
+              </a:fillRef>
+              <a:effectRef idx="0">
+                <a:schemeClr val="accent2"/>
+              </a:effectRef>
+              <a:fontRef idx="minor">
+                <a:schemeClr val="dk1"/>
+              </a:fontRef>
+            </p:style>
+            <p:txBody>
+              <a:bodyPr wrap="square" rtlCol="0">
+                <a:spAutoFit/>
+              </a:bodyPr>
+              <a:lstStyle/>
+              <a:p>
+                <a:pPr/>
+                <a14:m>
+                  <m:oMathPara xmlns:m="http://schemas.openxmlformats.org/officeDocument/2006/math">
+                    <m:oMathParaPr>
+                      <m:jc m:val="centerGroup"/>
+                    </m:oMathParaPr>
+                    <m:oMath xmlns:m="http://schemas.openxmlformats.org/officeDocument/2006/math">
+                      <m:acc>
+                        <m:accPr>
+                          <m:chr m:val="⃗"/>
+                          <m:ctrlPr>
+                            <a:rPr lang="fr-FR" sz="1400" b="0" i="1" smtClean="0">
+                              <a:latin typeface="Cambria Math" panose="02040503050406030204" pitchFamily="18" charset="0"/>
+                            </a:rPr>
+                          </m:ctrlPr>
+                        </m:accPr>
+                        <m:e>
+                          <m:sSub>
+                            <m:sSubPr>
+                              <m:ctrlPr>
+                                <a:rPr lang="fr-FR" sz="1400" i="1">
+                                  <a:latin typeface="Cambria Math" panose="02040503050406030204" pitchFamily="18" charset="0"/>
+                                </a:rPr>
+                              </m:ctrlPr>
+                            </m:sSubPr>
+                            <m:e>
+                              <m:r>
+                                <a:rPr lang="fr-FR" sz="1400" i="1">
+                                  <a:latin typeface="Cambria Math" panose="02040503050406030204" pitchFamily="18" charset="0"/>
+                                </a:rPr>
+                                <m:t>𝑥</m:t>
+                              </m:r>
+                            </m:e>
+                            <m:sub>
+                              <m:r>
+                                <a:rPr lang="fr-FR" sz="1400" i="1">
+                                  <a:latin typeface="Cambria Math" panose="02040503050406030204" pitchFamily="18" charset="0"/>
+                                </a:rPr>
+                                <m:t>0</m:t>
+                              </m:r>
+                            </m:sub>
+                          </m:sSub>
+                        </m:e>
+                      </m:acc>
+                    </m:oMath>
+                  </m:oMathPara>
+                </a14:m>
+                <a:endParaRPr lang="fr-FR" sz="1400" dirty="0"/>
+              </a:p>
+            </p:txBody>
+          </p:sp>
+        </mc:Choice>
+        <mc:Fallback>
+          <p:sp>
+            <p:nvSpPr>
+              <p:cNvPr id="80" name="ZoneTexte 79">
+                <a:extLst>
+                  <a:ext uri="{FF2B5EF4-FFF2-40B4-BE49-F238E27FC236}">
+                    <a16:creationId xmlns:a16="http://schemas.microsoft.com/office/drawing/2014/main" id="{08C4957C-C48C-AE55-92A0-8BB63857763A}"/>
+                  </a:ext>
+                </a:extLst>
+              </p:cNvPr>
+              <p:cNvSpPr txBox="1">
+                <a:spLocks noRot="1" noChangeAspect="1" noMove="1" noResize="1" noEditPoints="1" noAdjustHandles="1" noChangeArrowheads="1" noChangeShapeType="1" noTextEdit="1"/>
+              </p:cNvSpPr>
+              <p:nvPr/>
+            </p:nvSpPr>
+            <p:spPr>
+              <a:xfrm>
+                <a:off x="4134524" y="1783442"/>
+                <a:ext cx="626532" cy="307777"/>
+              </a:xfrm>
+              <a:prstGeom prst="rect">
+                <a:avLst/>
+              </a:prstGeom>
+              <a:blipFill>
+                <a:blip r:embed="rId2"/>
+                <a:stretch>
+                  <a:fillRect/>
+                </a:stretch>
+              </a:blipFill>
+              <a:ln>
+                <a:solidFill>
+                  <a:schemeClr val="bg1">
+                    <a:lumMod val="95000"/>
+                  </a:schemeClr>
+                </a:solidFill>
+              </a:ln>
+            </p:spPr>
+            <p:txBody>
+              <a:bodyPr/>
+              <a:lstStyle/>
+              <a:p>
+                <a:r>
+                  <a:rPr lang="fr-FR">
+                    <a:noFill/>
+                  </a:rPr>
+                  <a:t> </a:t>
+                </a:r>
+              </a:p>
+            </p:txBody>
+          </p:sp>
+        </mc:Fallback>
+      </mc:AlternateContent>
+      <p:cxnSp>
+        <p:nvCxnSpPr>
+          <p:cNvPr id="82" name="Connecteur droit avec flèche 81">
+            <a:extLst>
+              <a:ext uri="{FF2B5EF4-FFF2-40B4-BE49-F238E27FC236}">
+                <a16:creationId xmlns:a16="http://schemas.microsoft.com/office/drawing/2014/main" id="{F09E8DE5-07F0-AD74-52EC-C8798454E5EF}"/>
+              </a:ext>
+            </a:extLst>
+          </p:cNvPr>
+          <p:cNvCxnSpPr>
+            <a:cxnSpLocks/>
+          </p:cNvCxnSpPr>
+          <p:nvPr/>
+        </p:nvCxnSpPr>
+        <p:spPr>
+          <a:xfrm flipH="1">
+            <a:off x="4157679" y="2664368"/>
+            <a:ext cx="462621" cy="302849"/>
+          </a:xfrm>
+          <a:prstGeom prst="straightConnector1">
+            <a:avLst/>
+          </a:prstGeom>
+          <a:ln>
+            <a:solidFill>
+              <a:srgbClr val="00B050"/>
+            </a:solidFill>
+            <a:tailEnd type="stealth" w="med" len="lg"/>
+          </a:ln>
+        </p:spPr>
+        <p:style>
+          <a:lnRef idx="2">
+            <a:schemeClr val="accent2"/>
+          </a:lnRef>
+          <a:fillRef idx="1">
+            <a:schemeClr val="lt1"/>
+          </a:fillRef>
+          <a:effectRef idx="0">
+            <a:schemeClr val="accent2"/>
+          </a:effectRef>
+          <a:fontRef idx="minor">
+            <a:schemeClr val="dk1"/>
+          </a:fontRef>
+        </p:style>
+      </p:cxnSp>
+      <mc:AlternateContent xmlns:mc="http://schemas.openxmlformats.org/markup-compatibility/2006">
+        <mc:Choice xmlns:a14="http://schemas.microsoft.com/office/drawing/2010/main" Requires="a14">
+          <p:sp>
+            <p:nvSpPr>
+              <p:cNvPr id="85" name="ZoneTexte 84">
+                <a:extLst>
+                  <a:ext uri="{FF2B5EF4-FFF2-40B4-BE49-F238E27FC236}">
+                    <a16:creationId xmlns:a16="http://schemas.microsoft.com/office/drawing/2014/main" id="{2EFCC95F-6EDC-93A0-1203-332BD9D2F211}"/>
+                  </a:ext>
+                </a:extLst>
+              </p:cNvPr>
+              <p:cNvSpPr txBox="1"/>
+              <p:nvPr/>
+            </p:nvSpPr>
+            <p:spPr>
+              <a:xfrm>
+                <a:off x="5453107" y="3019482"/>
+                <a:ext cx="626532" cy="307777"/>
+              </a:xfrm>
+              <a:prstGeom prst="rect">
+                <a:avLst/>
+              </a:prstGeom>
+              <a:noFill/>
+              <a:ln>
+                <a:noFill/>
+              </a:ln>
+            </p:spPr>
+            <p:style>
+              <a:lnRef idx="2">
+                <a:schemeClr val="accent2"/>
+              </a:lnRef>
+              <a:fillRef idx="1">
+                <a:schemeClr val="lt1"/>
+              </a:fillRef>
+              <a:effectRef idx="0">
+                <a:schemeClr val="accent2"/>
+              </a:effectRef>
+              <a:fontRef idx="minor">
+                <a:schemeClr val="dk1"/>
+              </a:fontRef>
+            </p:style>
+            <p:txBody>
+              <a:bodyPr wrap="square" rtlCol="0">
+                <a:spAutoFit/>
+              </a:bodyPr>
+              <a:lstStyle/>
+              <a:p>
+                <a:pPr/>
+                <a14:m>
+                  <m:oMathPara xmlns:m="http://schemas.openxmlformats.org/officeDocument/2006/math">
+                    <m:oMathParaPr>
+                      <m:jc m:val="centerGroup"/>
+                    </m:oMathParaPr>
+                    <m:oMath xmlns:m="http://schemas.openxmlformats.org/officeDocument/2006/math">
+                      <m:acc>
+                        <m:accPr>
+                          <m:chr m:val="⃗"/>
+                          <m:ctrlPr>
+                            <a:rPr lang="fr-FR" sz="1400" b="0" i="1" smtClean="0">
+                              <a:latin typeface="Cambria Math" panose="02040503050406030204" pitchFamily="18" charset="0"/>
+                            </a:rPr>
+                          </m:ctrlPr>
+                        </m:accPr>
+                        <m:e>
+                          <m:sSub>
+                            <m:sSubPr>
+                              <m:ctrlPr>
+                                <a:rPr lang="fr-FR" sz="1400" i="1">
+                                  <a:latin typeface="Cambria Math" panose="02040503050406030204" pitchFamily="18" charset="0"/>
+                                </a:rPr>
+                              </m:ctrlPr>
+                            </m:sSubPr>
+                            <m:e>
+                              <m:r>
+                                <a:rPr lang="fr-FR" sz="1400" b="0" i="1" smtClean="0">
+                                  <a:latin typeface="Cambria Math" panose="02040503050406030204" pitchFamily="18" charset="0"/>
+                                </a:rPr>
+                                <m:t>𝑧</m:t>
+                              </m:r>
+                            </m:e>
+                            <m:sub>
+                              <m:r>
+                                <a:rPr lang="fr-FR" sz="1400" i="1">
+                                  <a:latin typeface="Cambria Math" panose="02040503050406030204" pitchFamily="18" charset="0"/>
+                                </a:rPr>
+                                <m:t>0</m:t>
+                              </m:r>
+                            </m:sub>
+                          </m:sSub>
+                        </m:e>
+                      </m:acc>
+                    </m:oMath>
+                  </m:oMathPara>
+                </a14:m>
+                <a:endParaRPr lang="fr-FR" sz="1400" dirty="0"/>
+              </a:p>
+            </p:txBody>
+          </p:sp>
+        </mc:Choice>
+        <mc:Fallback>
+          <p:sp>
+            <p:nvSpPr>
+              <p:cNvPr id="85" name="ZoneTexte 84">
+                <a:extLst>
+                  <a:ext uri="{FF2B5EF4-FFF2-40B4-BE49-F238E27FC236}">
+                    <a16:creationId xmlns:a16="http://schemas.microsoft.com/office/drawing/2014/main" id="{2EFCC95F-6EDC-93A0-1203-332BD9D2F211}"/>
+                  </a:ext>
+                </a:extLst>
+              </p:cNvPr>
+              <p:cNvSpPr txBox="1">
+                <a:spLocks noRot="1" noChangeAspect="1" noMove="1" noResize="1" noEditPoints="1" noAdjustHandles="1" noChangeArrowheads="1" noChangeShapeType="1" noTextEdit="1"/>
+              </p:cNvSpPr>
+              <p:nvPr/>
+            </p:nvSpPr>
+            <p:spPr>
+              <a:xfrm>
+                <a:off x="5453107" y="3019482"/>
+                <a:ext cx="626532" cy="307777"/>
+              </a:xfrm>
+              <a:prstGeom prst="rect">
+                <a:avLst/>
+              </a:prstGeom>
+              <a:blipFill>
+                <a:blip r:embed="rId3"/>
+                <a:stretch>
+                  <a:fillRect/>
+                </a:stretch>
+              </a:blipFill>
+              <a:ln>
+                <a:noFill/>
+              </a:ln>
+            </p:spPr>
+            <p:txBody>
+              <a:bodyPr/>
+              <a:lstStyle/>
+              <a:p>
+                <a:r>
+                  <a:rPr lang="fr-FR">
+                    <a:noFill/>
+                  </a:rPr>
+                  <a:t> </a:t>
+                </a:r>
+              </a:p>
+            </p:txBody>
+          </p:sp>
+        </mc:Fallback>
+      </mc:AlternateContent>
+      <p:sp>
+        <p:nvSpPr>
+          <p:cNvPr id="5" name="Cylindre 4">
+            <a:extLst>
+              <a:ext uri="{FF2B5EF4-FFF2-40B4-BE49-F238E27FC236}">
+                <a16:creationId xmlns:a16="http://schemas.microsoft.com/office/drawing/2014/main" id="{2B71DABC-B252-FAA3-F55A-9FF4230C779F}"/>
+              </a:ext>
+            </a:extLst>
+          </p:cNvPr>
+          <p:cNvSpPr/>
+          <p:nvPr/>
+        </p:nvSpPr>
+        <p:spPr>
+          <a:xfrm rot="7309303">
+            <a:off x="5843600" y="1056805"/>
+            <a:ext cx="216000" cy="432000"/>
+          </a:xfrm>
+          <a:prstGeom prst="can">
+            <a:avLst>
+              <a:gd name="adj" fmla="val 52625"/>
+            </a:avLst>
+          </a:prstGeom>
+          <a:ln>
+            <a:solidFill>
+              <a:schemeClr val="accent1"/>
+            </a:solidFill>
+          </a:ln>
+        </p:spPr>
+        <p:style>
+          <a:lnRef idx="2">
+            <a:schemeClr val="accent2"/>
+          </a:lnRef>
+          <a:fillRef idx="1">
+            <a:schemeClr val="lt1"/>
+          </a:fillRef>
+          <a:effectRef idx="0">
+            <a:schemeClr val="accent2"/>
+          </a:effectRef>
+          <a:fontRef idx="minor">
+            <a:schemeClr val="dk1"/>
+          </a:fontRef>
+        </p:style>
+        <p:txBody>
+          <a:bodyPr rtlCol="0" anchor="ctr"/>
+          <a:lstStyle/>
+          <a:p>
+            <a:pPr algn="ctr"/>
+            <a:endParaRPr lang="fr-FR"/>
+          </a:p>
+        </p:txBody>
+      </p:sp>
+      <p:cxnSp>
+        <p:nvCxnSpPr>
+          <p:cNvPr id="27" name="Connecteur droit 26">
+            <a:extLst>
+              <a:ext uri="{FF2B5EF4-FFF2-40B4-BE49-F238E27FC236}">
+                <a16:creationId xmlns:a16="http://schemas.microsoft.com/office/drawing/2014/main" id="{114476C1-828A-05ED-A0D7-3AA3726CCC4F}"/>
+              </a:ext>
+            </a:extLst>
+          </p:cNvPr>
+          <p:cNvCxnSpPr>
+            <a:cxnSpLocks/>
+          </p:cNvCxnSpPr>
+          <p:nvPr/>
+        </p:nvCxnSpPr>
+        <p:spPr>
+          <a:xfrm flipH="1" flipV="1">
+            <a:off x="5498802" y="1022924"/>
+            <a:ext cx="266757" cy="158471"/>
+          </a:xfrm>
+          <a:prstGeom prst="line">
+            <a:avLst/>
+          </a:prstGeom>
+          <a:ln/>
+        </p:spPr>
+        <p:style>
+          <a:lnRef idx="2">
+            <a:schemeClr val="accent2"/>
+          </a:lnRef>
+          <a:fillRef idx="1">
+            <a:schemeClr val="lt1"/>
+          </a:fillRef>
+          <a:effectRef idx="0">
+            <a:schemeClr val="accent2"/>
+          </a:effectRef>
+          <a:fontRef idx="minor">
+            <a:schemeClr val="dk1"/>
+          </a:fontRef>
+        </p:style>
+      </p:cxnSp>
+      <p:cxnSp>
+        <p:nvCxnSpPr>
+          <p:cNvPr id="28" name="Connecteur droit 27">
+            <a:extLst>
+              <a:ext uri="{FF2B5EF4-FFF2-40B4-BE49-F238E27FC236}">
+                <a16:creationId xmlns:a16="http://schemas.microsoft.com/office/drawing/2014/main" id="{6A3B76C5-0975-997A-9BCC-4D33317C46B2}"/>
+              </a:ext>
+            </a:extLst>
+          </p:cNvPr>
+          <p:cNvCxnSpPr>
+            <a:cxnSpLocks/>
+          </p:cNvCxnSpPr>
+          <p:nvPr/>
+        </p:nvCxnSpPr>
+        <p:spPr>
+          <a:xfrm flipH="1">
+            <a:off x="4553266" y="1026093"/>
+            <a:ext cx="945536" cy="551420"/>
+          </a:xfrm>
+          <a:prstGeom prst="line">
+            <a:avLst/>
+          </a:prstGeom>
+          <a:ln/>
+        </p:spPr>
+        <p:style>
+          <a:lnRef idx="2">
+            <a:schemeClr val="accent2"/>
+          </a:lnRef>
+          <a:fillRef idx="1">
+            <a:schemeClr val="lt1"/>
+          </a:fillRef>
+          <a:effectRef idx="0">
+            <a:schemeClr val="accent2"/>
+          </a:effectRef>
+          <a:fontRef idx="minor">
+            <a:schemeClr val="dk1"/>
+          </a:fontRef>
+        </p:style>
+      </p:cxnSp>
+      <p:cxnSp>
+        <p:nvCxnSpPr>
+          <p:cNvPr id="63" name="Connecteur droit 62">
+            <a:extLst>
+              <a:ext uri="{FF2B5EF4-FFF2-40B4-BE49-F238E27FC236}">
+                <a16:creationId xmlns:a16="http://schemas.microsoft.com/office/drawing/2014/main" id="{7A35C953-2D48-F739-1B4A-12767E361B3B}"/>
+              </a:ext>
+            </a:extLst>
+          </p:cNvPr>
+          <p:cNvCxnSpPr>
+            <a:cxnSpLocks/>
+          </p:cNvCxnSpPr>
+          <p:nvPr/>
+        </p:nvCxnSpPr>
+        <p:spPr>
+          <a:xfrm flipH="1" flipV="1">
+            <a:off x="6070716" y="1348253"/>
+            <a:ext cx="1202587" cy="712477"/>
+          </a:xfrm>
+          <a:prstGeom prst="line">
+            <a:avLst/>
+          </a:prstGeom>
+          <a:ln/>
+        </p:spPr>
+        <p:style>
+          <a:lnRef idx="2">
+            <a:schemeClr val="accent2"/>
+          </a:lnRef>
+          <a:fillRef idx="1">
+            <a:schemeClr val="lt1"/>
+          </a:fillRef>
+          <a:effectRef idx="0">
+            <a:schemeClr val="accent2"/>
+          </a:effectRef>
+          <a:fontRef idx="minor">
+            <a:schemeClr val="dk1"/>
+          </a:fontRef>
+        </p:style>
+      </p:cxnSp>
+      <p:cxnSp>
+        <p:nvCxnSpPr>
+          <p:cNvPr id="64" name="Connecteur droit 63">
+            <a:extLst>
+              <a:ext uri="{FF2B5EF4-FFF2-40B4-BE49-F238E27FC236}">
+                <a16:creationId xmlns:a16="http://schemas.microsoft.com/office/drawing/2014/main" id="{994CBBD0-7812-1BD3-AD35-B82D8530EA8C}"/>
+              </a:ext>
+            </a:extLst>
+          </p:cNvPr>
+          <p:cNvCxnSpPr>
+            <a:cxnSpLocks/>
+          </p:cNvCxnSpPr>
+          <p:nvPr/>
+        </p:nvCxnSpPr>
+        <p:spPr>
+          <a:xfrm flipH="1">
+            <a:off x="6326641" y="2065640"/>
+            <a:ext cx="946662" cy="542745"/>
+          </a:xfrm>
+          <a:prstGeom prst="line">
+            <a:avLst/>
+          </a:prstGeom>
+          <a:ln/>
+        </p:spPr>
+        <p:style>
+          <a:lnRef idx="2">
+            <a:schemeClr val="accent2"/>
+          </a:lnRef>
+          <a:fillRef idx="1">
+            <a:schemeClr val="lt1"/>
+          </a:fillRef>
+          <a:effectRef idx="0">
+            <a:schemeClr val="accent2"/>
+          </a:effectRef>
+          <a:fontRef idx="minor">
+            <a:schemeClr val="dk1"/>
+          </a:fontRef>
+        </p:style>
+      </p:cxnSp>
+      <p:cxnSp>
+        <p:nvCxnSpPr>
+          <p:cNvPr id="65" name="Connecteur droit 64">
+            <a:extLst>
+              <a:ext uri="{FF2B5EF4-FFF2-40B4-BE49-F238E27FC236}">
+                <a16:creationId xmlns:a16="http://schemas.microsoft.com/office/drawing/2014/main" id="{F09A44CA-75F0-C28A-A728-2A633DE8D97F}"/>
+              </a:ext>
+            </a:extLst>
+          </p:cNvPr>
+          <p:cNvCxnSpPr>
+            <a:cxnSpLocks/>
+            <a:endCxn id="2" idx="2"/>
+          </p:cNvCxnSpPr>
+          <p:nvPr/>
+        </p:nvCxnSpPr>
+        <p:spPr>
+          <a:xfrm flipH="1">
+            <a:off x="5051350" y="1240527"/>
+            <a:ext cx="829338" cy="487675"/>
+          </a:xfrm>
+          <a:prstGeom prst="line">
+            <a:avLst/>
+          </a:prstGeom>
+          <a:ln>
+            <a:solidFill>
+              <a:schemeClr val="accent1"/>
+            </a:solidFill>
+          </a:ln>
+        </p:spPr>
+        <p:style>
+          <a:lnRef idx="2">
+            <a:schemeClr val="accent2"/>
+          </a:lnRef>
+          <a:fillRef idx="1">
+            <a:schemeClr val="lt1"/>
+          </a:fillRef>
+          <a:effectRef idx="0">
+            <a:schemeClr val="accent2"/>
+          </a:effectRef>
+          <a:fontRef idx="minor">
+            <a:schemeClr val="dk1"/>
+          </a:fontRef>
+        </p:style>
+      </p:cxnSp>
+      <p:sp>
+        <p:nvSpPr>
+          <p:cNvPr id="2" name="Cylindre 1">
+            <a:extLst>
+              <a:ext uri="{FF2B5EF4-FFF2-40B4-BE49-F238E27FC236}">
+                <a16:creationId xmlns:a16="http://schemas.microsoft.com/office/drawing/2014/main" id="{DFEED0C2-C158-C54A-7D2C-6ECF78671BD4}"/>
+              </a:ext>
+            </a:extLst>
+          </p:cNvPr>
+          <p:cNvSpPr/>
+          <p:nvPr/>
+        </p:nvSpPr>
+        <p:spPr>
+          <a:xfrm rot="7309303">
+            <a:off x="4886404" y="1603969"/>
+            <a:ext cx="216000" cy="432000"/>
+          </a:xfrm>
+          <a:prstGeom prst="can">
+            <a:avLst>
+              <a:gd name="adj" fmla="val 52625"/>
+            </a:avLst>
+          </a:prstGeom>
+          <a:ln>
+            <a:solidFill>
+              <a:schemeClr val="accent1"/>
+            </a:solidFill>
+          </a:ln>
+        </p:spPr>
+        <p:style>
+          <a:lnRef idx="2">
+            <a:schemeClr val="accent2"/>
+          </a:lnRef>
+          <a:fillRef idx="1">
+            <a:schemeClr val="lt1"/>
+          </a:fillRef>
+          <a:effectRef idx="0">
+            <a:schemeClr val="accent2"/>
+          </a:effectRef>
+          <a:fontRef idx="minor">
+            <a:schemeClr val="dk1"/>
+          </a:fontRef>
+        </p:style>
+        <p:txBody>
+          <a:bodyPr rtlCol="0" anchor="ctr"/>
+          <a:lstStyle/>
+          <a:p>
+            <a:pPr algn="ctr"/>
+            <a:endParaRPr lang="fr-FR"/>
+          </a:p>
+        </p:txBody>
+      </p:sp>
+      <p:cxnSp>
+        <p:nvCxnSpPr>
+          <p:cNvPr id="33" name="Connecteur droit 32">
+            <a:extLst>
+              <a:ext uri="{FF2B5EF4-FFF2-40B4-BE49-F238E27FC236}">
+                <a16:creationId xmlns:a16="http://schemas.microsoft.com/office/drawing/2014/main" id="{46E6E7B3-E80E-9420-36BE-240F2A7602C5}"/>
+              </a:ext>
+            </a:extLst>
+          </p:cNvPr>
+          <p:cNvCxnSpPr>
+            <a:cxnSpLocks/>
+          </p:cNvCxnSpPr>
+          <p:nvPr/>
+        </p:nvCxnSpPr>
+        <p:spPr>
+          <a:xfrm flipH="1" flipV="1">
+            <a:off x="5126598" y="1898864"/>
+            <a:ext cx="1202587" cy="712477"/>
+          </a:xfrm>
+          <a:prstGeom prst="line">
+            <a:avLst/>
+          </a:prstGeom>
+          <a:ln/>
+        </p:spPr>
+        <p:style>
+          <a:lnRef idx="2">
+            <a:schemeClr val="accent2"/>
+          </a:lnRef>
+          <a:fillRef idx="1">
+            <a:schemeClr val="lt1"/>
+          </a:fillRef>
+          <a:effectRef idx="0">
+            <a:schemeClr val="accent2"/>
+          </a:effectRef>
+          <a:fontRef idx="minor">
+            <a:schemeClr val="dk1"/>
+          </a:fontRef>
+        </p:style>
+      </p:cxnSp>
+      <p:sp>
+        <p:nvSpPr>
+          <p:cNvPr id="79" name="Cylindre 78">
+            <a:extLst>
+              <a:ext uri="{FF2B5EF4-FFF2-40B4-BE49-F238E27FC236}">
+                <a16:creationId xmlns:a16="http://schemas.microsoft.com/office/drawing/2014/main" id="{63E7EE16-49D9-A419-7B72-B7387D913B40}"/>
+              </a:ext>
+            </a:extLst>
+          </p:cNvPr>
+          <p:cNvSpPr/>
+          <p:nvPr/>
+        </p:nvSpPr>
+        <p:spPr>
+          <a:xfrm>
+            <a:off x="5272762" y="2171149"/>
+            <a:ext cx="216000" cy="432000"/>
+          </a:xfrm>
+          <a:prstGeom prst="can">
+            <a:avLst>
+              <a:gd name="adj" fmla="val 52625"/>
+            </a:avLst>
+          </a:prstGeom>
+          <a:solidFill>
+            <a:schemeClr val="bg1"/>
+          </a:solidFill>
+          <a:ln>
+            <a:solidFill>
+              <a:srgbClr val="00B050"/>
+            </a:solidFill>
+          </a:ln>
+        </p:spPr>
+        <p:style>
+          <a:lnRef idx="2">
+            <a:schemeClr val="accent2"/>
+          </a:lnRef>
+          <a:fillRef idx="1">
+            <a:schemeClr val="lt1"/>
+          </a:fillRef>
+          <a:effectRef idx="0">
+            <a:schemeClr val="accent2"/>
+          </a:effectRef>
+          <a:fontRef idx="minor">
+            <a:schemeClr val="dk1"/>
+          </a:fontRef>
+        </p:style>
+        <p:txBody>
+          <a:bodyPr rtlCol="0" anchor="ctr"/>
+          <a:lstStyle/>
+          <a:p>
+            <a:pPr algn="ctr"/>
+            <a:endParaRPr lang="fr-FR">
+              <a:solidFill>
+                <a:schemeClr val="dk1"/>
+              </a:solidFill>
+            </a:endParaRPr>
+          </a:p>
+        </p:txBody>
+      </p:sp>
+      <p:cxnSp>
+        <p:nvCxnSpPr>
+          <p:cNvPr id="92" name="Connecteur droit 91">
+            <a:extLst>
+              <a:ext uri="{FF2B5EF4-FFF2-40B4-BE49-F238E27FC236}">
+                <a16:creationId xmlns:a16="http://schemas.microsoft.com/office/drawing/2014/main" id="{66375B18-FBD2-510D-8233-34EF11863B6C}"/>
+              </a:ext>
+            </a:extLst>
+          </p:cNvPr>
+          <p:cNvCxnSpPr>
+            <a:cxnSpLocks/>
+            <a:stCxn id="79" idx="3"/>
+          </p:cNvCxnSpPr>
+          <p:nvPr/>
+        </p:nvCxnSpPr>
+        <p:spPr>
+          <a:xfrm>
+            <a:off x="5380762" y="2603149"/>
+            <a:ext cx="0" cy="177389"/>
+          </a:xfrm>
+          <a:prstGeom prst="line">
+            <a:avLst/>
+          </a:prstGeom>
+          <a:ln>
+            <a:solidFill>
+              <a:schemeClr val="accent1"/>
+            </a:solidFill>
+          </a:ln>
+        </p:spPr>
+        <p:style>
+          <a:lnRef idx="2">
+            <a:schemeClr val="accent2"/>
+          </a:lnRef>
+          <a:fillRef idx="1">
+            <a:schemeClr val="lt1"/>
+          </a:fillRef>
+          <a:effectRef idx="0">
+            <a:schemeClr val="accent2"/>
+          </a:effectRef>
+          <a:fontRef idx="minor">
+            <a:schemeClr val="dk1"/>
+          </a:fontRef>
+        </p:style>
+      </p:cxnSp>
+      <p:sp>
+        <p:nvSpPr>
+          <p:cNvPr id="105" name="Ellipse 104">
+            <a:extLst>
+              <a:ext uri="{FF2B5EF4-FFF2-40B4-BE49-F238E27FC236}">
+                <a16:creationId xmlns:a16="http://schemas.microsoft.com/office/drawing/2014/main" id="{881FA3C4-9EFA-D6C1-D9EA-ECC0C3056E8A}"/>
+              </a:ext>
+            </a:extLst>
+          </p:cNvPr>
+          <p:cNvSpPr/>
+          <p:nvPr/>
+        </p:nvSpPr>
+        <p:spPr>
+          <a:xfrm>
+            <a:off x="5272762" y="2139399"/>
+            <a:ext cx="216000" cy="107664"/>
+          </a:xfrm>
+          <a:prstGeom prst="ellipse">
+            <a:avLst/>
+          </a:prstGeom>
+          <a:ln>
+            <a:solidFill>
+              <a:schemeClr val="accent1"/>
+            </a:solidFill>
+          </a:ln>
+        </p:spPr>
+        <p:style>
+          <a:lnRef idx="2">
+            <a:schemeClr val="accent2"/>
+          </a:lnRef>
+          <a:fillRef idx="1">
+            <a:schemeClr val="lt1"/>
+          </a:fillRef>
+          <a:effectRef idx="0">
+            <a:schemeClr val="accent2"/>
+          </a:effectRef>
+          <a:fontRef idx="minor">
+            <a:schemeClr val="dk1"/>
+          </a:fontRef>
+        </p:style>
+        <p:txBody>
+          <a:bodyPr rtlCol="0" anchor="ctr"/>
+          <a:lstStyle/>
+          <a:p>
+            <a:pPr algn="ctr"/>
+            <a:endParaRPr lang="fr-FR">
+              <a:solidFill>
+                <a:schemeClr val="dk1"/>
+              </a:solidFill>
+            </a:endParaRPr>
+          </a:p>
+        </p:txBody>
+      </p:sp>
+      <p:cxnSp>
+        <p:nvCxnSpPr>
+          <p:cNvPr id="83" name="Connecteur droit 82">
+            <a:extLst>
+              <a:ext uri="{FF2B5EF4-FFF2-40B4-BE49-F238E27FC236}">
+                <a16:creationId xmlns:a16="http://schemas.microsoft.com/office/drawing/2014/main" id="{261BC65C-CE51-226A-15DB-75042189A516}"/>
+              </a:ext>
+            </a:extLst>
+          </p:cNvPr>
+          <p:cNvCxnSpPr>
+            <a:cxnSpLocks/>
+          </p:cNvCxnSpPr>
+          <p:nvPr/>
+        </p:nvCxnSpPr>
+        <p:spPr>
+          <a:xfrm>
+            <a:off x="5380762" y="1530350"/>
+            <a:ext cx="0" cy="675727"/>
+          </a:xfrm>
+          <a:prstGeom prst="line">
+            <a:avLst/>
+          </a:prstGeom>
+          <a:ln>
+            <a:solidFill>
+              <a:schemeClr val="accent1"/>
+            </a:solidFill>
+          </a:ln>
+        </p:spPr>
+        <p:style>
+          <a:lnRef idx="2">
+            <a:schemeClr val="accent2"/>
+          </a:lnRef>
+          <a:fillRef idx="1">
+            <a:schemeClr val="lt1"/>
+          </a:fillRef>
+          <a:effectRef idx="0">
+            <a:schemeClr val="accent2"/>
+          </a:effectRef>
+          <a:fontRef idx="minor">
+            <a:schemeClr val="dk1"/>
+          </a:fontRef>
+        </p:style>
+      </p:cxnSp>
+      <p:cxnSp>
+        <p:nvCxnSpPr>
+          <p:cNvPr id="56" name="Connecteur droit 55">
+            <a:extLst>
+              <a:ext uri="{FF2B5EF4-FFF2-40B4-BE49-F238E27FC236}">
+                <a16:creationId xmlns:a16="http://schemas.microsoft.com/office/drawing/2014/main" id="{446E5734-D453-21FA-A8F1-E66BE3DBFEE5}"/>
+              </a:ext>
+            </a:extLst>
+          </p:cNvPr>
+          <p:cNvCxnSpPr>
+            <a:cxnSpLocks/>
+          </p:cNvCxnSpPr>
+          <p:nvPr/>
+        </p:nvCxnSpPr>
+        <p:spPr>
+          <a:xfrm flipH="1">
+            <a:off x="4995173" y="2407471"/>
+            <a:ext cx="340884" cy="199774"/>
+          </a:xfrm>
+          <a:prstGeom prst="line">
+            <a:avLst/>
+          </a:prstGeom>
+          <a:solidFill>
+            <a:schemeClr val="bg1"/>
+          </a:solidFill>
+          <a:ln>
+            <a:solidFill>
+              <a:srgbClr val="00B050"/>
+            </a:solidFill>
+          </a:ln>
+        </p:spPr>
+        <p:style>
+          <a:lnRef idx="2">
+            <a:schemeClr val="accent2"/>
+          </a:lnRef>
+          <a:fillRef idx="1">
+            <a:schemeClr val="lt1"/>
+          </a:fillRef>
+          <a:effectRef idx="0">
+            <a:schemeClr val="accent2"/>
+          </a:effectRef>
+          <a:fontRef idx="minor">
+            <a:schemeClr val="dk1"/>
+          </a:fontRef>
+        </p:style>
+      </p:cxnSp>
+      <p:sp>
+        <p:nvSpPr>
+          <p:cNvPr id="26" name="Parallélogramme 25">
+            <a:extLst>
+              <a:ext uri="{FF2B5EF4-FFF2-40B4-BE49-F238E27FC236}">
+                <a16:creationId xmlns:a16="http://schemas.microsoft.com/office/drawing/2014/main" id="{D38BC9CB-E264-63AA-984B-34D4B128B2E8}"/>
+              </a:ext>
+            </a:extLst>
+          </p:cNvPr>
+          <p:cNvSpPr/>
+          <p:nvPr/>
+        </p:nvSpPr>
+        <p:spPr>
+          <a:xfrm rot="12600000" flipV="1">
+            <a:off x="4459588" y="2470751"/>
+            <a:ext cx="965674" cy="364196"/>
+          </a:xfrm>
+          <a:prstGeom prst="parallelogram">
+            <a:avLst>
+              <a:gd name="adj" fmla="val 56449"/>
+            </a:avLst>
+          </a:prstGeom>
+          <a:solidFill>
+            <a:schemeClr val="bg1"/>
+          </a:solidFill>
+          <a:ln>
+            <a:solidFill>
+              <a:srgbClr val="00B050"/>
+            </a:solidFill>
+          </a:ln>
+        </p:spPr>
+        <p:style>
+          <a:lnRef idx="2">
+            <a:schemeClr val="accent2"/>
+          </a:lnRef>
+          <a:fillRef idx="1">
+            <a:schemeClr val="lt1"/>
+          </a:fillRef>
+          <a:effectRef idx="0">
+            <a:schemeClr val="accent2"/>
+          </a:effectRef>
+          <a:fontRef idx="minor">
+            <a:schemeClr val="dk1"/>
+          </a:fontRef>
+        </p:style>
+        <p:txBody>
+          <a:bodyPr rtlCol="0" anchor="ctr"/>
+          <a:lstStyle/>
+          <a:p>
+            <a:pPr algn="ctr"/>
+            <a:endParaRPr lang="fr-FR"/>
+          </a:p>
+        </p:txBody>
+      </p:sp>
+      <p:cxnSp>
+        <p:nvCxnSpPr>
+          <p:cNvPr id="110" name="Connecteur droit avec flèche 109">
+            <a:extLst>
+              <a:ext uri="{FF2B5EF4-FFF2-40B4-BE49-F238E27FC236}">
+                <a16:creationId xmlns:a16="http://schemas.microsoft.com/office/drawing/2014/main" id="{9F9C0CCD-7D7C-A5BA-E32B-6A5D520992C8}"/>
+              </a:ext>
+            </a:extLst>
+          </p:cNvPr>
+          <p:cNvCxnSpPr>
+            <a:cxnSpLocks/>
+          </p:cNvCxnSpPr>
+          <p:nvPr/>
+        </p:nvCxnSpPr>
+        <p:spPr>
+          <a:xfrm flipV="1">
+            <a:off x="4612417" y="1872067"/>
+            <a:ext cx="8040" cy="413238"/>
+          </a:xfrm>
+          <a:prstGeom prst="straightConnector1">
+            <a:avLst/>
+          </a:prstGeom>
+          <a:ln>
+            <a:solidFill>
+              <a:srgbClr val="00B050"/>
+            </a:solidFill>
+            <a:tailEnd type="stealth" w="med" len="lg"/>
+          </a:ln>
+        </p:spPr>
+        <p:style>
+          <a:lnRef idx="2">
+            <a:schemeClr val="accent2"/>
+          </a:lnRef>
+          <a:fillRef idx="1">
+            <a:schemeClr val="lt1"/>
+          </a:fillRef>
+          <a:effectRef idx="0">
+            <a:schemeClr val="accent2"/>
+          </a:effectRef>
+          <a:fontRef idx="minor">
+            <a:schemeClr val="dk1"/>
+          </a:fontRef>
+        </p:style>
+      </p:cxnSp>
+      <mc:AlternateContent xmlns:mc="http://schemas.openxmlformats.org/markup-compatibility/2006">
+        <mc:Choice xmlns:a14="http://schemas.microsoft.com/office/drawing/2010/main" Requires="a14">
+          <p:sp>
+            <p:nvSpPr>
+              <p:cNvPr id="112" name="ZoneTexte 111">
+                <a:extLst>
+                  <a:ext uri="{FF2B5EF4-FFF2-40B4-BE49-F238E27FC236}">
+                    <a16:creationId xmlns:a16="http://schemas.microsoft.com/office/drawing/2014/main" id="{0EEBD0F4-028A-1B61-D07C-4746D9ABCCAE}"/>
+                  </a:ext>
+                </a:extLst>
+              </p:cNvPr>
+              <p:cNvSpPr txBox="1"/>
+              <p:nvPr/>
+            </p:nvSpPr>
+            <p:spPr>
+              <a:xfrm>
+                <a:off x="3611171" y="2839342"/>
+                <a:ext cx="626532" cy="307777"/>
+              </a:xfrm>
+              <a:prstGeom prst="rect">
+                <a:avLst/>
+              </a:prstGeom>
+              <a:noFill/>
+              <a:ln>
+                <a:solidFill>
+                  <a:schemeClr val="bg1">
+                    <a:lumMod val="95000"/>
+                  </a:schemeClr>
+                </a:solidFill>
+              </a:ln>
+            </p:spPr>
+            <p:style>
+              <a:lnRef idx="2">
+                <a:schemeClr val="accent2"/>
+              </a:lnRef>
+              <a:fillRef idx="1">
+                <a:schemeClr val="lt1"/>
+              </a:fillRef>
+              <a:effectRef idx="0">
+                <a:schemeClr val="accent2"/>
+              </a:effectRef>
+              <a:fontRef idx="minor">
+                <a:schemeClr val="dk1"/>
+              </a:fontRef>
+            </p:style>
+            <p:txBody>
+              <a:bodyPr wrap="square" rtlCol="0">
+                <a:spAutoFit/>
+              </a:bodyPr>
+              <a:lstStyle/>
+              <a:p>
+                <a:pPr/>
+                <a14:m>
+                  <m:oMathPara xmlns:m="http://schemas.openxmlformats.org/officeDocument/2006/math">
+                    <m:oMathParaPr>
+                      <m:jc m:val="centerGroup"/>
+                    </m:oMathParaPr>
+                    <m:oMath xmlns:m="http://schemas.openxmlformats.org/officeDocument/2006/math">
+                      <m:acc>
+                        <m:accPr>
+                          <m:chr m:val="⃗"/>
+                          <m:ctrlPr>
+                            <a:rPr lang="fr-FR" sz="1400" b="0" i="1" smtClean="0">
+                              <a:latin typeface="Cambria Math" panose="02040503050406030204" pitchFamily="18" charset="0"/>
+                            </a:rPr>
+                          </m:ctrlPr>
+                        </m:accPr>
+                        <m:e>
+                          <m:sSub>
+                            <m:sSubPr>
+                              <m:ctrlPr>
+                                <a:rPr lang="fr-FR" sz="1400" i="1">
+                                  <a:latin typeface="Cambria Math" panose="02040503050406030204" pitchFamily="18" charset="0"/>
+                                </a:rPr>
+                              </m:ctrlPr>
+                            </m:sSubPr>
+                            <m:e>
+                              <m:r>
+                                <a:rPr lang="fr-FR" sz="1400" b="0" i="1" smtClean="0">
+                                  <a:latin typeface="Cambria Math" panose="02040503050406030204" pitchFamily="18" charset="0"/>
+                                </a:rPr>
+                                <m:t>𝑦</m:t>
+                              </m:r>
+                            </m:e>
+                            <m:sub>
+                              <m:r>
+                                <a:rPr lang="fr-FR" sz="1400" i="1">
+                                  <a:latin typeface="Cambria Math" panose="02040503050406030204" pitchFamily="18" charset="0"/>
+                                </a:rPr>
+                                <m:t>0</m:t>
+                              </m:r>
+                            </m:sub>
+                          </m:sSub>
+                        </m:e>
+                      </m:acc>
+                    </m:oMath>
+                  </m:oMathPara>
+                </a14:m>
+                <a:endParaRPr lang="fr-FR" sz="1400" dirty="0"/>
+              </a:p>
+            </p:txBody>
+          </p:sp>
+        </mc:Choice>
+        <mc:Fallback>
+          <p:sp>
+            <p:nvSpPr>
+              <p:cNvPr id="112" name="ZoneTexte 111">
+                <a:extLst>
+                  <a:ext uri="{FF2B5EF4-FFF2-40B4-BE49-F238E27FC236}">
+                    <a16:creationId xmlns:a16="http://schemas.microsoft.com/office/drawing/2014/main" id="{0EEBD0F4-028A-1B61-D07C-4746D9ABCCAE}"/>
+                  </a:ext>
+                </a:extLst>
+              </p:cNvPr>
+              <p:cNvSpPr txBox="1">
+                <a:spLocks noRot="1" noChangeAspect="1" noMove="1" noResize="1" noEditPoints="1" noAdjustHandles="1" noChangeArrowheads="1" noChangeShapeType="1" noTextEdit="1"/>
+              </p:cNvSpPr>
+              <p:nvPr/>
+            </p:nvSpPr>
+            <p:spPr>
+              <a:xfrm>
+                <a:off x="3611171" y="2839342"/>
+                <a:ext cx="626532" cy="307777"/>
+              </a:xfrm>
+              <a:prstGeom prst="rect">
+                <a:avLst/>
+              </a:prstGeom>
+              <a:blipFill>
+                <a:blip r:embed="rId4"/>
+                <a:stretch>
+                  <a:fillRect/>
+                </a:stretch>
+              </a:blipFill>
+              <a:ln>
+                <a:solidFill>
+                  <a:schemeClr val="bg1">
+                    <a:lumMod val="95000"/>
+                  </a:schemeClr>
+                </a:solidFill>
+              </a:ln>
+            </p:spPr>
+            <p:txBody>
+              <a:bodyPr/>
+              <a:lstStyle/>
+              <a:p>
+                <a:r>
+                  <a:rPr lang="fr-FR">
+                    <a:noFill/>
+                  </a:rPr>
+                  <a:t> </a:t>
+                </a:r>
+              </a:p>
+            </p:txBody>
+          </p:sp>
+        </mc:Fallback>
+      </mc:AlternateContent>
+      <p:sp>
+        <p:nvSpPr>
+          <p:cNvPr id="70" name="Ellipse 69">
+            <a:extLst>
+              <a:ext uri="{FF2B5EF4-FFF2-40B4-BE49-F238E27FC236}">
+                <a16:creationId xmlns:a16="http://schemas.microsoft.com/office/drawing/2014/main" id="{F532A7E3-5F3B-A1B4-CFD6-986F05A7163C}"/>
+              </a:ext>
+            </a:extLst>
+          </p:cNvPr>
+          <p:cNvSpPr/>
+          <p:nvPr/>
+        </p:nvSpPr>
+        <p:spPr>
+          <a:xfrm>
+            <a:off x="4709510" y="2426030"/>
+            <a:ext cx="224593" cy="218355"/>
+          </a:xfrm>
+          <a:prstGeom prst="ellipse">
+            <a:avLst/>
+          </a:prstGeom>
+          <a:ln>
+            <a:solidFill>
+              <a:srgbClr val="00B050"/>
+            </a:solidFill>
+          </a:ln>
+        </p:spPr>
+        <p:style>
+          <a:lnRef idx="2">
+            <a:schemeClr val="accent2"/>
+          </a:lnRef>
+          <a:fillRef idx="1">
+            <a:schemeClr val="lt1"/>
+          </a:fillRef>
+          <a:effectRef idx="0">
+            <a:schemeClr val="accent2"/>
+          </a:effectRef>
+          <a:fontRef idx="minor">
+            <a:schemeClr val="dk1"/>
+          </a:fontRef>
+        </p:style>
+        <p:txBody>
+          <a:bodyPr rtlCol="0" anchor="ctr"/>
+          <a:lstStyle/>
+          <a:p>
+            <a:pPr algn="ctr"/>
+            <a:r>
+              <a:rPr lang="fr-FR" sz="1100" b="1" dirty="0">
+                <a:solidFill>
+                  <a:srgbClr val="00B050"/>
+                </a:solidFill>
+              </a:rPr>
+              <a:t>0</a:t>
+            </a:r>
+            <a:endParaRPr lang="fr-FR" b="1" dirty="0">
+              <a:solidFill>
+                <a:srgbClr val="00B050"/>
+              </a:solidFill>
+            </a:endParaRPr>
+          </a:p>
+        </p:txBody>
+      </p:sp>
+    </p:spTree>
+    <p:extLst>
+      <p:ext uri="{BB962C8B-B14F-4D97-AF65-F5344CB8AC3E}">
+        <p14:creationId xmlns:p14="http://schemas.microsoft.com/office/powerpoint/2010/main" val="2036634074"/>
+      </p:ext>
+    </p:extLst>
+  </p:cSld>
+  <p:clrMapOvr>
+    <a:masterClrMapping/>
+  </p:clrMapOvr>
+</p:sld>
+</file>
+
+<file path=ppt/slides/slide6.xml><?xml version="1.0" encoding="utf-8"?>
+<p:sld xmlns:a="http://schemas.openxmlformats.org/drawingml/2006/main" xmlns:r="http://schemas.openxmlformats.org/officeDocument/2006/relationships" xmlns:p="http://schemas.openxmlformats.org/presentationml/2006/main">
+  <p:cSld>
+    <p:spTree>
+      <p:nvGrpSpPr>
+        <p:cNvPr id="1" name="">
+          <a:extLst>
+            <a:ext uri="{FF2B5EF4-FFF2-40B4-BE49-F238E27FC236}">
+              <a16:creationId xmlns:a16="http://schemas.microsoft.com/office/drawing/2014/main" id="{47EBF502-5924-DA34-8951-53DF968C197E}"/>
+            </a:ext>
+          </a:extLst>
+        </p:cNvPr>
+        <p:cNvGrpSpPr/>
+        <p:nvPr/>
+      </p:nvGrpSpPr>
+      <p:grpSpPr>
+        <a:xfrm>
+          <a:off x="0" y="0"/>
+          <a:ext cx="0" cy="0"/>
+          <a:chOff x="0" y="0"/>
+          <a:chExt cx="0" cy="0"/>
+        </a:xfrm>
+      </p:grpSpPr>
+      <p:sp>
+        <p:nvSpPr>
+          <p:cNvPr id="108" name="Ellipse 107">
+            <a:extLst>
+              <a:ext uri="{FF2B5EF4-FFF2-40B4-BE49-F238E27FC236}">
+                <a16:creationId xmlns:a16="http://schemas.microsoft.com/office/drawing/2014/main" id="{E1166778-84A0-4FC0-8A9D-1C2D37B674C4}"/>
+              </a:ext>
+            </a:extLst>
+          </p:cNvPr>
+          <p:cNvSpPr/>
+          <p:nvPr/>
+        </p:nvSpPr>
+        <p:spPr>
+          <a:xfrm>
+            <a:off x="5272762" y="2522214"/>
+            <a:ext cx="216000" cy="107664"/>
+          </a:xfrm>
+          <a:prstGeom prst="ellipse">
+            <a:avLst/>
+          </a:prstGeom>
+          <a:ln>
+            <a:solidFill>
+              <a:schemeClr val="accent1"/>
+            </a:solidFill>
+          </a:ln>
+        </p:spPr>
+        <p:style>
+          <a:lnRef idx="2">
+            <a:schemeClr val="accent2"/>
+          </a:lnRef>
+          <a:fillRef idx="1">
+            <a:schemeClr val="lt1"/>
+          </a:fillRef>
+          <a:effectRef idx="0">
+            <a:schemeClr val="accent2"/>
+          </a:effectRef>
+          <a:fontRef idx="minor">
+            <a:schemeClr val="dk1"/>
+          </a:fontRef>
+        </p:style>
+        <p:txBody>
+          <a:bodyPr rtlCol="0" anchor="ctr"/>
+          <a:lstStyle/>
+          <a:p>
+            <a:pPr algn="ctr"/>
+            <a:endParaRPr lang="fr-FR">
+              <a:solidFill>
+                <a:schemeClr val="dk1"/>
+              </a:solidFill>
+            </a:endParaRPr>
+          </a:p>
+        </p:txBody>
+      </p:sp>
+      <p:sp>
+        <p:nvSpPr>
+          <p:cNvPr id="69" name="Ellipse 68">
+            <a:extLst>
+              <a:ext uri="{FF2B5EF4-FFF2-40B4-BE49-F238E27FC236}">
+                <a16:creationId xmlns:a16="http://schemas.microsoft.com/office/drawing/2014/main" id="{0DBCD6E4-811D-CE54-D6F6-D58B300A7511}"/>
+              </a:ext>
+            </a:extLst>
+          </p:cNvPr>
+          <p:cNvSpPr/>
+          <p:nvPr/>
+        </p:nvSpPr>
+        <p:spPr>
+          <a:xfrm>
+            <a:off x="6282418" y="1790613"/>
+            <a:ext cx="224593" cy="218355"/>
+          </a:xfrm>
+          <a:prstGeom prst="ellipse">
+            <a:avLst/>
+          </a:prstGeom>
+          <a:ln/>
+        </p:spPr>
+        <p:style>
+          <a:lnRef idx="2">
+            <a:schemeClr val="accent2"/>
+          </a:lnRef>
+          <a:fillRef idx="1">
+            <a:schemeClr val="lt1"/>
+          </a:fillRef>
+          <a:effectRef idx="0">
+            <a:schemeClr val="accent2"/>
+          </a:effectRef>
+          <a:fontRef idx="minor">
+            <a:schemeClr val="dk1"/>
+          </a:fontRef>
+        </p:style>
+        <p:txBody>
+          <a:bodyPr rtlCol="0" anchor="ctr"/>
+          <a:lstStyle/>
+          <a:p>
+            <a:pPr algn="ctr"/>
+            <a:r>
+              <a:rPr lang="fr-FR" sz="1100" b="1" dirty="0">
+                <a:solidFill>
+                  <a:schemeClr val="accent2"/>
+                </a:solidFill>
+              </a:rPr>
+              <a:t>2</a:t>
+            </a:r>
+            <a:endParaRPr lang="fr-FR" b="1" dirty="0">
+              <a:solidFill>
+                <a:schemeClr val="accent2"/>
+              </a:solidFill>
+            </a:endParaRPr>
+          </a:p>
+        </p:txBody>
+      </p:sp>
+      <p:sp>
+        <p:nvSpPr>
+          <p:cNvPr id="71" name="Ellipse 70">
+            <a:extLst>
+              <a:ext uri="{FF2B5EF4-FFF2-40B4-BE49-F238E27FC236}">
+                <a16:creationId xmlns:a16="http://schemas.microsoft.com/office/drawing/2014/main" id="{95082045-9822-6410-08F4-80A1AF3A8548}"/>
+              </a:ext>
+            </a:extLst>
+          </p:cNvPr>
+          <p:cNvSpPr/>
+          <p:nvPr/>
+        </p:nvSpPr>
+        <p:spPr>
+          <a:xfrm>
+            <a:off x="5131716" y="1760287"/>
+            <a:ext cx="224593" cy="218355"/>
+          </a:xfrm>
+          <a:prstGeom prst="ellipse">
+            <a:avLst/>
+          </a:prstGeom>
+          <a:ln>
+            <a:solidFill>
+              <a:schemeClr val="accent1"/>
+            </a:solidFill>
+          </a:ln>
+        </p:spPr>
+        <p:style>
+          <a:lnRef idx="2">
+            <a:schemeClr val="accent2"/>
+          </a:lnRef>
+          <a:fillRef idx="1">
+            <a:schemeClr val="lt1"/>
+          </a:fillRef>
+          <a:effectRef idx="0">
+            <a:schemeClr val="accent2"/>
+          </a:effectRef>
+          <a:fontRef idx="minor">
+            <a:schemeClr val="dk1"/>
+          </a:fontRef>
+        </p:style>
+        <p:txBody>
+          <a:bodyPr rtlCol="0" anchor="ctr"/>
+          <a:lstStyle/>
+          <a:p>
+            <a:pPr algn="ctr"/>
+            <a:r>
+              <a:rPr lang="fr-FR" sz="1100" b="1" dirty="0">
+                <a:solidFill>
+                  <a:schemeClr val="accent1"/>
+                </a:solidFill>
+              </a:rPr>
+              <a:t>1</a:t>
+            </a:r>
+            <a:endParaRPr lang="fr-FR" b="1" dirty="0">
+              <a:solidFill>
+                <a:schemeClr val="accent1"/>
+              </a:solidFill>
+            </a:endParaRPr>
+          </a:p>
+        </p:txBody>
+      </p:sp>
+      <p:cxnSp>
+        <p:nvCxnSpPr>
+          <p:cNvPr id="75" name="Connecteur droit avec flèche 74">
+            <a:extLst>
+              <a:ext uri="{FF2B5EF4-FFF2-40B4-BE49-F238E27FC236}">
+                <a16:creationId xmlns:a16="http://schemas.microsoft.com/office/drawing/2014/main" id="{41841D91-77D2-7033-7A36-FA13EE39BC30}"/>
+              </a:ext>
+            </a:extLst>
+          </p:cNvPr>
+          <p:cNvCxnSpPr>
+            <a:cxnSpLocks/>
+          </p:cNvCxnSpPr>
+          <p:nvPr/>
+        </p:nvCxnSpPr>
+        <p:spPr>
+          <a:xfrm>
+            <a:off x="5267665" y="3046941"/>
+            <a:ext cx="346068" cy="200356"/>
+          </a:xfrm>
+          <a:prstGeom prst="straightConnector1">
+            <a:avLst/>
+          </a:prstGeom>
+          <a:ln>
+            <a:solidFill>
+              <a:srgbClr val="00B050"/>
+            </a:solidFill>
+            <a:tailEnd type="stealth" w="med" len="lg"/>
+          </a:ln>
+        </p:spPr>
+        <p:style>
+          <a:lnRef idx="2">
+            <a:schemeClr val="accent2"/>
+          </a:lnRef>
+          <a:fillRef idx="1">
+            <a:schemeClr val="lt1"/>
+          </a:fillRef>
+          <a:effectRef idx="0">
+            <a:schemeClr val="accent2"/>
+          </a:effectRef>
+          <a:fontRef idx="minor">
+            <a:schemeClr val="dk1"/>
+          </a:fontRef>
+        </p:style>
+      </p:cxnSp>
+      <mc:AlternateContent xmlns:mc="http://schemas.openxmlformats.org/markup-compatibility/2006">
+        <mc:Choice xmlns:a14="http://schemas.microsoft.com/office/drawing/2010/main" Requires="a14">
+          <p:sp>
+            <p:nvSpPr>
+              <p:cNvPr id="80" name="ZoneTexte 79">
+                <a:extLst>
+                  <a:ext uri="{FF2B5EF4-FFF2-40B4-BE49-F238E27FC236}">
+                    <a16:creationId xmlns:a16="http://schemas.microsoft.com/office/drawing/2014/main" id="{94B41661-0050-B626-F21D-A65A9FCEA589}"/>
+                  </a:ext>
+                </a:extLst>
+              </p:cNvPr>
+              <p:cNvSpPr txBox="1"/>
+              <p:nvPr/>
+            </p:nvSpPr>
+            <p:spPr>
+              <a:xfrm>
+                <a:off x="4134524" y="1783442"/>
+                <a:ext cx="626532" cy="307777"/>
+              </a:xfrm>
+              <a:prstGeom prst="rect">
+                <a:avLst/>
+              </a:prstGeom>
+              <a:noFill/>
+              <a:ln>
+                <a:solidFill>
+                  <a:schemeClr val="bg1">
+                    <a:lumMod val="95000"/>
+                  </a:schemeClr>
+                </a:solidFill>
+              </a:ln>
+            </p:spPr>
+            <p:style>
+              <a:lnRef idx="2">
+                <a:schemeClr val="accent2"/>
+              </a:lnRef>
+              <a:fillRef idx="1">
+                <a:schemeClr val="lt1"/>
+              </a:fillRef>
+              <a:effectRef idx="0">
+                <a:schemeClr val="accent2"/>
+              </a:effectRef>
+              <a:fontRef idx="minor">
+                <a:schemeClr val="dk1"/>
+              </a:fontRef>
+            </p:style>
+            <p:txBody>
+              <a:bodyPr wrap="square" rtlCol="0">
+                <a:spAutoFit/>
+              </a:bodyPr>
+              <a:lstStyle/>
+              <a:p>
+                <a:pPr/>
+                <a14:m>
+                  <m:oMathPara xmlns:m="http://schemas.openxmlformats.org/officeDocument/2006/math">
+                    <m:oMathParaPr>
+                      <m:jc m:val="centerGroup"/>
+                    </m:oMathParaPr>
+                    <m:oMath xmlns:m="http://schemas.openxmlformats.org/officeDocument/2006/math">
+                      <m:acc>
+                        <m:accPr>
+                          <m:chr m:val="⃗"/>
+                          <m:ctrlPr>
+                            <a:rPr lang="fr-FR" sz="1400" b="0" i="1" smtClean="0">
+                              <a:latin typeface="Cambria Math" panose="02040503050406030204" pitchFamily="18" charset="0"/>
+                            </a:rPr>
+                          </m:ctrlPr>
+                        </m:accPr>
+                        <m:e>
+                          <m:sSub>
+                            <m:sSubPr>
+                              <m:ctrlPr>
+                                <a:rPr lang="fr-FR" sz="1400" i="1">
+                                  <a:latin typeface="Cambria Math" panose="02040503050406030204" pitchFamily="18" charset="0"/>
+                                </a:rPr>
+                              </m:ctrlPr>
+                            </m:sSubPr>
+                            <m:e>
+                              <m:r>
+                                <a:rPr lang="fr-FR" sz="1400" i="1">
+                                  <a:latin typeface="Cambria Math" panose="02040503050406030204" pitchFamily="18" charset="0"/>
+                                </a:rPr>
+                                <m:t>𝑥</m:t>
+                              </m:r>
+                            </m:e>
+                            <m:sub>
+                              <m:r>
+                                <a:rPr lang="fr-FR" sz="1400" i="1">
+                                  <a:latin typeface="Cambria Math" panose="02040503050406030204" pitchFamily="18" charset="0"/>
+                                </a:rPr>
+                                <m:t>0</m:t>
+                              </m:r>
+                            </m:sub>
+                          </m:sSub>
+                        </m:e>
+                      </m:acc>
+                    </m:oMath>
+                  </m:oMathPara>
+                </a14:m>
+                <a:endParaRPr lang="fr-FR" sz="1400" dirty="0"/>
+              </a:p>
+            </p:txBody>
+          </p:sp>
+        </mc:Choice>
+        <mc:Fallback>
+          <p:sp>
+            <p:nvSpPr>
+              <p:cNvPr id="80" name="ZoneTexte 79">
+                <a:extLst>
+                  <a:ext uri="{FF2B5EF4-FFF2-40B4-BE49-F238E27FC236}">
+                    <a16:creationId xmlns:a16="http://schemas.microsoft.com/office/drawing/2014/main" id="{94B41661-0050-B626-F21D-A65A9FCEA589}"/>
+                  </a:ext>
+                </a:extLst>
+              </p:cNvPr>
+              <p:cNvSpPr txBox="1">
+                <a:spLocks noRot="1" noChangeAspect="1" noMove="1" noResize="1" noEditPoints="1" noAdjustHandles="1" noChangeArrowheads="1" noChangeShapeType="1" noTextEdit="1"/>
+              </p:cNvSpPr>
+              <p:nvPr/>
+            </p:nvSpPr>
+            <p:spPr>
+              <a:xfrm>
+                <a:off x="4134524" y="1783442"/>
+                <a:ext cx="626532" cy="307777"/>
+              </a:xfrm>
+              <a:prstGeom prst="rect">
+                <a:avLst/>
+              </a:prstGeom>
+              <a:blipFill>
+                <a:blip r:embed="rId2"/>
+                <a:stretch>
+                  <a:fillRect/>
+                </a:stretch>
+              </a:blipFill>
+              <a:ln>
+                <a:solidFill>
+                  <a:schemeClr val="bg1">
+                    <a:lumMod val="95000"/>
+                  </a:schemeClr>
+                </a:solidFill>
+              </a:ln>
+            </p:spPr>
+            <p:txBody>
+              <a:bodyPr/>
+              <a:lstStyle/>
+              <a:p>
+                <a:r>
+                  <a:rPr lang="fr-FR">
+                    <a:noFill/>
+                  </a:rPr>
+                  <a:t> </a:t>
+                </a:r>
+              </a:p>
+            </p:txBody>
+          </p:sp>
+        </mc:Fallback>
+      </mc:AlternateContent>
+      <p:cxnSp>
+        <p:nvCxnSpPr>
+          <p:cNvPr id="82" name="Connecteur droit avec flèche 81">
+            <a:extLst>
+              <a:ext uri="{FF2B5EF4-FFF2-40B4-BE49-F238E27FC236}">
+                <a16:creationId xmlns:a16="http://schemas.microsoft.com/office/drawing/2014/main" id="{7FD6CBA8-617F-BDB9-59DF-1393611F226F}"/>
+              </a:ext>
+            </a:extLst>
+          </p:cNvPr>
+          <p:cNvCxnSpPr>
+            <a:cxnSpLocks/>
+          </p:cNvCxnSpPr>
+          <p:nvPr/>
+        </p:nvCxnSpPr>
+        <p:spPr>
+          <a:xfrm flipH="1">
+            <a:off x="4157679" y="2664368"/>
+            <a:ext cx="462621" cy="302849"/>
+          </a:xfrm>
+          <a:prstGeom prst="straightConnector1">
+            <a:avLst/>
+          </a:prstGeom>
+          <a:ln>
+            <a:solidFill>
+              <a:srgbClr val="00B050"/>
+            </a:solidFill>
+            <a:tailEnd type="stealth" w="med" len="lg"/>
+          </a:ln>
+        </p:spPr>
+        <p:style>
+          <a:lnRef idx="2">
+            <a:schemeClr val="accent2"/>
+          </a:lnRef>
+          <a:fillRef idx="1">
+            <a:schemeClr val="lt1"/>
+          </a:fillRef>
+          <a:effectRef idx="0">
+            <a:schemeClr val="accent2"/>
+          </a:effectRef>
+          <a:fontRef idx="minor">
+            <a:schemeClr val="dk1"/>
+          </a:fontRef>
+        </p:style>
+      </p:cxnSp>
+      <mc:AlternateContent xmlns:mc="http://schemas.openxmlformats.org/markup-compatibility/2006">
+        <mc:Choice xmlns:a14="http://schemas.microsoft.com/office/drawing/2010/main" Requires="a14">
+          <p:sp>
+            <p:nvSpPr>
+              <p:cNvPr id="85" name="ZoneTexte 84">
+                <a:extLst>
+                  <a:ext uri="{FF2B5EF4-FFF2-40B4-BE49-F238E27FC236}">
+                    <a16:creationId xmlns:a16="http://schemas.microsoft.com/office/drawing/2014/main" id="{3CC6A1CC-5B54-3852-25B7-C53FFC08702E}"/>
+                  </a:ext>
+                </a:extLst>
+              </p:cNvPr>
+              <p:cNvSpPr txBox="1"/>
+              <p:nvPr/>
+            </p:nvSpPr>
+            <p:spPr>
+              <a:xfrm>
+                <a:off x="5453107" y="3019482"/>
+                <a:ext cx="626532" cy="307777"/>
+              </a:xfrm>
+              <a:prstGeom prst="rect">
+                <a:avLst/>
+              </a:prstGeom>
+              <a:noFill/>
+              <a:ln>
+                <a:noFill/>
+              </a:ln>
+            </p:spPr>
+            <p:style>
+              <a:lnRef idx="2">
+                <a:schemeClr val="accent2"/>
+              </a:lnRef>
+              <a:fillRef idx="1">
+                <a:schemeClr val="lt1"/>
+              </a:fillRef>
+              <a:effectRef idx="0">
+                <a:schemeClr val="accent2"/>
+              </a:effectRef>
+              <a:fontRef idx="minor">
+                <a:schemeClr val="dk1"/>
+              </a:fontRef>
+            </p:style>
+            <p:txBody>
+              <a:bodyPr wrap="square" rtlCol="0">
+                <a:spAutoFit/>
+              </a:bodyPr>
+              <a:lstStyle/>
+              <a:p>
+                <a:pPr/>
+                <a14:m>
+                  <m:oMathPara xmlns:m="http://schemas.openxmlformats.org/officeDocument/2006/math">
+                    <m:oMathParaPr>
+                      <m:jc m:val="centerGroup"/>
+                    </m:oMathParaPr>
+                    <m:oMath xmlns:m="http://schemas.openxmlformats.org/officeDocument/2006/math">
+                      <m:acc>
+                        <m:accPr>
+                          <m:chr m:val="⃗"/>
+                          <m:ctrlPr>
+                            <a:rPr lang="fr-FR" sz="1400" b="0" i="1" smtClean="0">
+                              <a:latin typeface="Cambria Math" panose="02040503050406030204" pitchFamily="18" charset="0"/>
+                            </a:rPr>
+                          </m:ctrlPr>
+                        </m:accPr>
+                        <m:e>
+                          <m:sSub>
+                            <m:sSubPr>
+                              <m:ctrlPr>
+                                <a:rPr lang="fr-FR" sz="1400" i="1">
+                                  <a:latin typeface="Cambria Math" panose="02040503050406030204" pitchFamily="18" charset="0"/>
+                                </a:rPr>
+                              </m:ctrlPr>
+                            </m:sSubPr>
+                            <m:e>
+                              <m:r>
+                                <a:rPr lang="fr-FR" sz="1400" b="0" i="1" smtClean="0">
+                                  <a:latin typeface="Cambria Math" panose="02040503050406030204" pitchFamily="18" charset="0"/>
+                                </a:rPr>
+                                <m:t>𝑧</m:t>
+                              </m:r>
+                            </m:e>
+                            <m:sub>
+                              <m:r>
+                                <a:rPr lang="fr-FR" sz="1400" i="1">
+                                  <a:latin typeface="Cambria Math" panose="02040503050406030204" pitchFamily="18" charset="0"/>
+                                </a:rPr>
+                                <m:t>0</m:t>
+                              </m:r>
+                            </m:sub>
+                          </m:sSub>
+                        </m:e>
+                      </m:acc>
+                    </m:oMath>
+                  </m:oMathPara>
+                </a14:m>
+                <a:endParaRPr lang="fr-FR" sz="1400" dirty="0"/>
+              </a:p>
+            </p:txBody>
+          </p:sp>
+        </mc:Choice>
+        <mc:Fallback>
+          <p:sp>
+            <p:nvSpPr>
+              <p:cNvPr id="85" name="ZoneTexte 84">
+                <a:extLst>
+                  <a:ext uri="{FF2B5EF4-FFF2-40B4-BE49-F238E27FC236}">
+                    <a16:creationId xmlns:a16="http://schemas.microsoft.com/office/drawing/2014/main" id="{3CC6A1CC-5B54-3852-25B7-C53FFC08702E}"/>
+                  </a:ext>
+                </a:extLst>
+              </p:cNvPr>
+              <p:cNvSpPr txBox="1">
+                <a:spLocks noRot="1" noChangeAspect="1" noMove="1" noResize="1" noEditPoints="1" noAdjustHandles="1" noChangeArrowheads="1" noChangeShapeType="1" noTextEdit="1"/>
+              </p:cNvSpPr>
+              <p:nvPr/>
+            </p:nvSpPr>
+            <p:spPr>
+              <a:xfrm>
+                <a:off x="5453107" y="3019482"/>
+                <a:ext cx="626532" cy="307777"/>
+              </a:xfrm>
+              <a:prstGeom prst="rect">
+                <a:avLst/>
+              </a:prstGeom>
+              <a:blipFill>
+                <a:blip r:embed="rId3"/>
+                <a:stretch>
+                  <a:fillRect/>
+                </a:stretch>
+              </a:blipFill>
+              <a:ln>
+                <a:noFill/>
+              </a:ln>
+            </p:spPr>
+            <p:txBody>
+              <a:bodyPr/>
+              <a:lstStyle/>
+              <a:p>
+                <a:r>
+                  <a:rPr lang="fr-FR">
+                    <a:noFill/>
+                  </a:rPr>
+                  <a:t> </a:t>
+                </a:r>
+              </a:p>
+            </p:txBody>
+          </p:sp>
+        </mc:Fallback>
+      </mc:AlternateContent>
+      <p:cxnSp>
+        <p:nvCxnSpPr>
+          <p:cNvPr id="27" name="Connecteur droit 26">
+            <a:extLst>
+              <a:ext uri="{FF2B5EF4-FFF2-40B4-BE49-F238E27FC236}">
+                <a16:creationId xmlns:a16="http://schemas.microsoft.com/office/drawing/2014/main" id="{DFEBD139-1DBE-2087-C5BA-830B240E37D0}"/>
+              </a:ext>
+            </a:extLst>
+          </p:cNvPr>
+          <p:cNvCxnSpPr>
+            <a:cxnSpLocks/>
+          </p:cNvCxnSpPr>
+          <p:nvPr/>
+        </p:nvCxnSpPr>
+        <p:spPr>
+          <a:xfrm flipH="1" flipV="1">
+            <a:off x="4959974" y="1235027"/>
+            <a:ext cx="266757" cy="158471"/>
+          </a:xfrm>
+          <a:prstGeom prst="line">
+            <a:avLst/>
+          </a:prstGeom>
+          <a:ln/>
+        </p:spPr>
+        <p:style>
+          <a:lnRef idx="2">
+            <a:schemeClr val="accent2"/>
+          </a:lnRef>
+          <a:fillRef idx="1">
+            <a:schemeClr val="lt1"/>
+          </a:fillRef>
+          <a:effectRef idx="0">
+            <a:schemeClr val="accent2"/>
+          </a:effectRef>
+          <a:fontRef idx="minor">
+            <a:schemeClr val="dk1"/>
+          </a:fontRef>
+        </p:style>
+      </p:cxnSp>
+      <p:sp>
+        <p:nvSpPr>
+          <p:cNvPr id="79" name="Cylindre 78">
+            <a:extLst>
+              <a:ext uri="{FF2B5EF4-FFF2-40B4-BE49-F238E27FC236}">
+                <a16:creationId xmlns:a16="http://schemas.microsoft.com/office/drawing/2014/main" id="{68F63CB6-2749-650A-4BB1-0D8EB976270F}"/>
+              </a:ext>
+            </a:extLst>
+          </p:cNvPr>
+          <p:cNvSpPr/>
+          <p:nvPr/>
+        </p:nvSpPr>
+        <p:spPr>
+          <a:xfrm>
+            <a:off x="5272762" y="2171149"/>
+            <a:ext cx="216000" cy="432000"/>
+          </a:xfrm>
+          <a:prstGeom prst="can">
+            <a:avLst>
+              <a:gd name="adj" fmla="val 52625"/>
+            </a:avLst>
+          </a:prstGeom>
+          <a:solidFill>
+            <a:schemeClr val="bg1"/>
+          </a:solidFill>
+          <a:ln>
+            <a:solidFill>
+              <a:srgbClr val="00B050"/>
+            </a:solidFill>
+          </a:ln>
+        </p:spPr>
+        <p:style>
+          <a:lnRef idx="2">
+            <a:schemeClr val="accent2"/>
+          </a:lnRef>
+          <a:fillRef idx="1">
+            <a:schemeClr val="lt1"/>
+          </a:fillRef>
+          <a:effectRef idx="0">
+            <a:schemeClr val="accent2"/>
+          </a:effectRef>
+          <a:fontRef idx="minor">
+            <a:schemeClr val="dk1"/>
+          </a:fontRef>
+        </p:style>
+        <p:txBody>
+          <a:bodyPr rtlCol="0" anchor="ctr"/>
+          <a:lstStyle/>
+          <a:p>
+            <a:pPr algn="ctr"/>
+            <a:endParaRPr lang="fr-FR">
+              <a:solidFill>
+                <a:schemeClr val="dk1"/>
+              </a:solidFill>
+            </a:endParaRPr>
+          </a:p>
+        </p:txBody>
+      </p:sp>
+      <p:cxnSp>
+        <p:nvCxnSpPr>
+          <p:cNvPr id="92" name="Connecteur droit 91">
+            <a:extLst>
+              <a:ext uri="{FF2B5EF4-FFF2-40B4-BE49-F238E27FC236}">
+                <a16:creationId xmlns:a16="http://schemas.microsoft.com/office/drawing/2014/main" id="{06B9128C-BB0B-FA36-0F96-DD46EB630D05}"/>
+              </a:ext>
+            </a:extLst>
+          </p:cNvPr>
+          <p:cNvCxnSpPr>
+            <a:cxnSpLocks/>
+            <a:stCxn id="79" idx="3"/>
+          </p:cNvCxnSpPr>
+          <p:nvPr/>
+        </p:nvCxnSpPr>
+        <p:spPr>
+          <a:xfrm>
+            <a:off x="5380762" y="2603149"/>
+            <a:ext cx="0" cy="177389"/>
+          </a:xfrm>
+          <a:prstGeom prst="line">
+            <a:avLst/>
+          </a:prstGeom>
+          <a:ln>
+            <a:solidFill>
+              <a:schemeClr val="accent1"/>
+            </a:solidFill>
+          </a:ln>
+        </p:spPr>
+        <p:style>
+          <a:lnRef idx="2">
+            <a:schemeClr val="accent2"/>
+          </a:lnRef>
+          <a:fillRef idx="1">
+            <a:schemeClr val="lt1"/>
+          </a:fillRef>
+          <a:effectRef idx="0">
+            <a:schemeClr val="accent2"/>
+          </a:effectRef>
+          <a:fontRef idx="minor">
+            <a:schemeClr val="dk1"/>
+          </a:fontRef>
+        </p:style>
+      </p:cxnSp>
+      <p:sp>
+        <p:nvSpPr>
+          <p:cNvPr id="105" name="Ellipse 104">
+            <a:extLst>
+              <a:ext uri="{FF2B5EF4-FFF2-40B4-BE49-F238E27FC236}">
+                <a16:creationId xmlns:a16="http://schemas.microsoft.com/office/drawing/2014/main" id="{88D33155-869C-90DA-1AD0-3237BD75DF2B}"/>
+              </a:ext>
+            </a:extLst>
+          </p:cNvPr>
+          <p:cNvSpPr/>
+          <p:nvPr/>
+        </p:nvSpPr>
+        <p:spPr>
+          <a:xfrm>
+            <a:off x="5272762" y="2139399"/>
+            <a:ext cx="216000" cy="107664"/>
+          </a:xfrm>
+          <a:prstGeom prst="ellipse">
+            <a:avLst/>
+          </a:prstGeom>
+          <a:ln>
+            <a:solidFill>
+              <a:schemeClr val="accent1"/>
+            </a:solidFill>
+          </a:ln>
+        </p:spPr>
+        <p:style>
+          <a:lnRef idx="2">
+            <a:schemeClr val="accent2"/>
+          </a:lnRef>
+          <a:fillRef idx="1">
+            <a:schemeClr val="lt1"/>
+          </a:fillRef>
+          <a:effectRef idx="0">
+            <a:schemeClr val="accent2"/>
+          </a:effectRef>
+          <a:fontRef idx="minor">
+            <a:schemeClr val="dk1"/>
+          </a:fontRef>
+        </p:style>
+        <p:txBody>
+          <a:bodyPr rtlCol="0" anchor="ctr"/>
+          <a:lstStyle/>
+          <a:p>
+            <a:pPr algn="ctr"/>
+            <a:endParaRPr lang="fr-FR">
+              <a:solidFill>
+                <a:schemeClr val="dk1"/>
+              </a:solidFill>
+            </a:endParaRPr>
+          </a:p>
+        </p:txBody>
+      </p:sp>
+      <p:cxnSp>
+        <p:nvCxnSpPr>
+          <p:cNvPr id="83" name="Connecteur droit 82">
+            <a:extLst>
+              <a:ext uri="{FF2B5EF4-FFF2-40B4-BE49-F238E27FC236}">
+                <a16:creationId xmlns:a16="http://schemas.microsoft.com/office/drawing/2014/main" id="{3B1DFE10-AB3D-9168-EA51-4763E158792F}"/>
+              </a:ext>
+            </a:extLst>
+          </p:cNvPr>
+          <p:cNvCxnSpPr>
+            <a:cxnSpLocks/>
+          </p:cNvCxnSpPr>
+          <p:nvPr/>
+        </p:nvCxnSpPr>
+        <p:spPr>
+          <a:xfrm>
+            <a:off x="5380762" y="1614831"/>
+            <a:ext cx="0" cy="591246"/>
+          </a:xfrm>
+          <a:prstGeom prst="line">
+            <a:avLst/>
+          </a:prstGeom>
+          <a:ln>
+            <a:solidFill>
+              <a:schemeClr val="accent1"/>
+            </a:solidFill>
+          </a:ln>
+        </p:spPr>
+        <p:style>
+          <a:lnRef idx="2">
+            <a:schemeClr val="accent2"/>
+          </a:lnRef>
+          <a:fillRef idx="1">
+            <a:schemeClr val="lt1"/>
+          </a:fillRef>
+          <a:effectRef idx="0">
+            <a:schemeClr val="accent2"/>
+          </a:effectRef>
+          <a:fontRef idx="minor">
+            <a:schemeClr val="dk1"/>
+          </a:fontRef>
+        </p:style>
+      </p:cxnSp>
+      <p:cxnSp>
+        <p:nvCxnSpPr>
+          <p:cNvPr id="56" name="Connecteur droit 55">
+            <a:extLst>
+              <a:ext uri="{FF2B5EF4-FFF2-40B4-BE49-F238E27FC236}">
+                <a16:creationId xmlns:a16="http://schemas.microsoft.com/office/drawing/2014/main" id="{344ADCD3-A4BF-12AD-E6AF-03626F90E6A8}"/>
+              </a:ext>
+            </a:extLst>
+          </p:cNvPr>
+          <p:cNvCxnSpPr>
+            <a:cxnSpLocks/>
+          </p:cNvCxnSpPr>
+          <p:nvPr/>
+        </p:nvCxnSpPr>
+        <p:spPr>
+          <a:xfrm flipH="1">
+            <a:off x="4995173" y="2407471"/>
+            <a:ext cx="340884" cy="199774"/>
+          </a:xfrm>
+          <a:prstGeom prst="line">
+            <a:avLst/>
+          </a:prstGeom>
+          <a:solidFill>
+            <a:schemeClr val="bg1"/>
+          </a:solidFill>
+          <a:ln>
+            <a:solidFill>
+              <a:srgbClr val="00B050"/>
+            </a:solidFill>
+          </a:ln>
+        </p:spPr>
+        <p:style>
+          <a:lnRef idx="2">
+            <a:schemeClr val="accent2"/>
+          </a:lnRef>
+          <a:fillRef idx="1">
+            <a:schemeClr val="lt1"/>
+          </a:fillRef>
+          <a:effectRef idx="0">
+            <a:schemeClr val="accent2"/>
+          </a:effectRef>
+          <a:fontRef idx="minor">
+            <a:schemeClr val="dk1"/>
+          </a:fontRef>
+        </p:style>
+      </p:cxnSp>
+      <p:sp>
+        <p:nvSpPr>
+          <p:cNvPr id="26" name="Parallélogramme 25">
+            <a:extLst>
+              <a:ext uri="{FF2B5EF4-FFF2-40B4-BE49-F238E27FC236}">
+                <a16:creationId xmlns:a16="http://schemas.microsoft.com/office/drawing/2014/main" id="{65520EA5-FAD1-5ACC-F5C0-8F521E556C2E}"/>
+              </a:ext>
+            </a:extLst>
+          </p:cNvPr>
+          <p:cNvSpPr/>
+          <p:nvPr/>
+        </p:nvSpPr>
+        <p:spPr>
+          <a:xfrm rot="12600000" flipV="1">
+            <a:off x="4459588" y="2470751"/>
+            <a:ext cx="965674" cy="364196"/>
+          </a:xfrm>
+          <a:prstGeom prst="parallelogram">
+            <a:avLst>
+              <a:gd name="adj" fmla="val 56449"/>
+            </a:avLst>
+          </a:prstGeom>
+          <a:solidFill>
+            <a:schemeClr val="bg1"/>
+          </a:solidFill>
+          <a:ln>
+            <a:solidFill>
+              <a:srgbClr val="00B050"/>
+            </a:solidFill>
+          </a:ln>
+        </p:spPr>
+        <p:style>
+          <a:lnRef idx="2">
+            <a:schemeClr val="accent2"/>
+          </a:lnRef>
+          <a:fillRef idx="1">
+            <a:schemeClr val="lt1"/>
+          </a:fillRef>
+          <a:effectRef idx="0">
+            <a:schemeClr val="accent2"/>
+          </a:effectRef>
+          <a:fontRef idx="minor">
+            <a:schemeClr val="dk1"/>
+          </a:fontRef>
+        </p:style>
+        <p:txBody>
+          <a:bodyPr rtlCol="0" anchor="ctr"/>
+          <a:lstStyle/>
+          <a:p>
+            <a:pPr algn="ctr"/>
+            <a:endParaRPr lang="fr-FR"/>
+          </a:p>
+        </p:txBody>
+      </p:sp>
+      <p:cxnSp>
+        <p:nvCxnSpPr>
+          <p:cNvPr id="110" name="Connecteur droit avec flèche 109">
+            <a:extLst>
+              <a:ext uri="{FF2B5EF4-FFF2-40B4-BE49-F238E27FC236}">
+                <a16:creationId xmlns:a16="http://schemas.microsoft.com/office/drawing/2014/main" id="{6C4FBDBB-B503-F43B-66B2-510071DDAF5D}"/>
+              </a:ext>
+            </a:extLst>
+          </p:cNvPr>
+          <p:cNvCxnSpPr>
+            <a:cxnSpLocks/>
+          </p:cNvCxnSpPr>
+          <p:nvPr/>
+        </p:nvCxnSpPr>
+        <p:spPr>
+          <a:xfrm flipV="1">
+            <a:off x="4612417" y="1872067"/>
+            <a:ext cx="8040" cy="413238"/>
+          </a:xfrm>
+          <a:prstGeom prst="straightConnector1">
+            <a:avLst/>
+          </a:prstGeom>
+          <a:ln>
+            <a:solidFill>
+              <a:srgbClr val="00B050"/>
+            </a:solidFill>
+            <a:tailEnd type="stealth" w="med" len="lg"/>
+          </a:ln>
+        </p:spPr>
+        <p:style>
+          <a:lnRef idx="2">
+            <a:schemeClr val="accent2"/>
+          </a:lnRef>
+          <a:fillRef idx="1">
+            <a:schemeClr val="lt1"/>
+          </a:fillRef>
+          <a:effectRef idx="0">
+            <a:schemeClr val="accent2"/>
+          </a:effectRef>
+          <a:fontRef idx="minor">
+            <a:schemeClr val="dk1"/>
+          </a:fontRef>
+        </p:style>
+      </p:cxnSp>
+      <mc:AlternateContent xmlns:mc="http://schemas.openxmlformats.org/markup-compatibility/2006">
+        <mc:Choice xmlns:a14="http://schemas.microsoft.com/office/drawing/2010/main" Requires="a14">
+          <p:sp>
+            <p:nvSpPr>
+              <p:cNvPr id="112" name="ZoneTexte 111">
+                <a:extLst>
+                  <a:ext uri="{FF2B5EF4-FFF2-40B4-BE49-F238E27FC236}">
+                    <a16:creationId xmlns:a16="http://schemas.microsoft.com/office/drawing/2014/main" id="{D9C78160-1714-40A0-4A76-1A4A08182B01}"/>
+                  </a:ext>
+                </a:extLst>
+              </p:cNvPr>
+              <p:cNvSpPr txBox="1"/>
+              <p:nvPr/>
+            </p:nvSpPr>
+            <p:spPr>
+              <a:xfrm>
+                <a:off x="3611171" y="2839342"/>
+                <a:ext cx="626532" cy="307777"/>
+              </a:xfrm>
+              <a:prstGeom prst="rect">
+                <a:avLst/>
+              </a:prstGeom>
+              <a:noFill/>
+              <a:ln>
+                <a:solidFill>
+                  <a:schemeClr val="bg1">
+                    <a:lumMod val="95000"/>
+                  </a:schemeClr>
+                </a:solidFill>
+              </a:ln>
+            </p:spPr>
+            <p:style>
+              <a:lnRef idx="2">
+                <a:schemeClr val="accent2"/>
+              </a:lnRef>
+              <a:fillRef idx="1">
+                <a:schemeClr val="lt1"/>
+              </a:fillRef>
+              <a:effectRef idx="0">
+                <a:schemeClr val="accent2"/>
+              </a:effectRef>
+              <a:fontRef idx="minor">
+                <a:schemeClr val="dk1"/>
+              </a:fontRef>
+            </p:style>
+            <p:txBody>
+              <a:bodyPr wrap="square" rtlCol="0">
+                <a:spAutoFit/>
+              </a:bodyPr>
+              <a:lstStyle/>
+              <a:p>
+                <a:pPr/>
+                <a14:m>
+                  <m:oMathPara xmlns:m="http://schemas.openxmlformats.org/officeDocument/2006/math">
+                    <m:oMathParaPr>
+                      <m:jc m:val="centerGroup"/>
+                    </m:oMathParaPr>
+                    <m:oMath xmlns:m="http://schemas.openxmlformats.org/officeDocument/2006/math">
+                      <m:acc>
+                        <m:accPr>
+                          <m:chr m:val="⃗"/>
+                          <m:ctrlPr>
+                            <a:rPr lang="fr-FR" sz="1400" b="0" i="1" smtClean="0">
+                              <a:latin typeface="Cambria Math" panose="02040503050406030204" pitchFamily="18" charset="0"/>
+                            </a:rPr>
+                          </m:ctrlPr>
+                        </m:accPr>
+                        <m:e>
+                          <m:sSub>
+                            <m:sSubPr>
+                              <m:ctrlPr>
+                                <a:rPr lang="fr-FR" sz="1400" i="1">
+                                  <a:latin typeface="Cambria Math" panose="02040503050406030204" pitchFamily="18" charset="0"/>
+                                </a:rPr>
+                              </m:ctrlPr>
+                            </m:sSubPr>
+                            <m:e>
+                              <m:r>
+                                <a:rPr lang="fr-FR" sz="1400" b="0" i="1" smtClean="0">
+                                  <a:latin typeface="Cambria Math" panose="02040503050406030204" pitchFamily="18" charset="0"/>
+                                </a:rPr>
+                                <m:t>𝑦</m:t>
+                              </m:r>
+                            </m:e>
+                            <m:sub>
+                              <m:r>
+                                <a:rPr lang="fr-FR" sz="1400" i="1">
+                                  <a:latin typeface="Cambria Math" panose="02040503050406030204" pitchFamily="18" charset="0"/>
+                                </a:rPr>
+                                <m:t>0</m:t>
+                              </m:r>
+                            </m:sub>
+                          </m:sSub>
+                        </m:e>
+                      </m:acc>
+                    </m:oMath>
+                  </m:oMathPara>
+                </a14:m>
+                <a:endParaRPr lang="fr-FR" sz="1400" dirty="0"/>
+              </a:p>
+            </p:txBody>
+          </p:sp>
+        </mc:Choice>
+        <mc:Fallback>
+          <p:sp>
+            <p:nvSpPr>
+              <p:cNvPr id="112" name="ZoneTexte 111">
+                <a:extLst>
+                  <a:ext uri="{FF2B5EF4-FFF2-40B4-BE49-F238E27FC236}">
+                    <a16:creationId xmlns:a16="http://schemas.microsoft.com/office/drawing/2014/main" id="{D9C78160-1714-40A0-4A76-1A4A08182B01}"/>
+                  </a:ext>
+                </a:extLst>
+              </p:cNvPr>
+              <p:cNvSpPr txBox="1">
+                <a:spLocks noRot="1" noChangeAspect="1" noMove="1" noResize="1" noEditPoints="1" noAdjustHandles="1" noChangeArrowheads="1" noChangeShapeType="1" noTextEdit="1"/>
+              </p:cNvSpPr>
+              <p:nvPr/>
+            </p:nvSpPr>
+            <p:spPr>
+              <a:xfrm>
+                <a:off x="3611171" y="2839342"/>
+                <a:ext cx="626532" cy="307777"/>
+              </a:xfrm>
+              <a:prstGeom prst="rect">
+                <a:avLst/>
+              </a:prstGeom>
+              <a:blipFill>
+                <a:blip r:embed="rId4"/>
+                <a:stretch>
+                  <a:fillRect/>
+                </a:stretch>
+              </a:blipFill>
+              <a:ln>
+                <a:solidFill>
+                  <a:schemeClr val="bg1">
+                    <a:lumMod val="95000"/>
+                  </a:schemeClr>
+                </a:solidFill>
+              </a:ln>
+            </p:spPr>
+            <p:txBody>
+              <a:bodyPr/>
+              <a:lstStyle/>
+              <a:p>
+                <a:r>
+                  <a:rPr lang="fr-FR">
+                    <a:noFill/>
+                  </a:rPr>
+                  <a:t> </a:t>
+                </a:r>
+              </a:p>
+            </p:txBody>
+          </p:sp>
+        </mc:Fallback>
+      </mc:AlternateContent>
+      <p:sp>
+        <p:nvSpPr>
+          <p:cNvPr id="70" name="Ellipse 69">
+            <a:extLst>
+              <a:ext uri="{FF2B5EF4-FFF2-40B4-BE49-F238E27FC236}">
+                <a16:creationId xmlns:a16="http://schemas.microsoft.com/office/drawing/2014/main" id="{F769A083-03DA-E6CB-B162-E080F79DFD1D}"/>
+              </a:ext>
+            </a:extLst>
+          </p:cNvPr>
+          <p:cNvSpPr/>
+          <p:nvPr/>
+        </p:nvSpPr>
+        <p:spPr>
+          <a:xfrm>
+            <a:off x="4709510" y="2426030"/>
+            <a:ext cx="224593" cy="218355"/>
+          </a:xfrm>
+          <a:prstGeom prst="ellipse">
+            <a:avLst/>
+          </a:prstGeom>
+          <a:ln>
+            <a:solidFill>
+              <a:srgbClr val="00B050"/>
+            </a:solidFill>
+          </a:ln>
+        </p:spPr>
+        <p:style>
+          <a:lnRef idx="2">
+            <a:schemeClr val="accent2"/>
+          </a:lnRef>
+          <a:fillRef idx="1">
+            <a:schemeClr val="lt1"/>
+          </a:fillRef>
+          <a:effectRef idx="0">
+            <a:schemeClr val="accent2"/>
+          </a:effectRef>
+          <a:fontRef idx="minor">
+            <a:schemeClr val="dk1"/>
+          </a:fontRef>
+        </p:style>
+        <p:txBody>
+          <a:bodyPr rtlCol="0" anchor="ctr"/>
+          <a:lstStyle/>
+          <a:p>
+            <a:pPr algn="ctr"/>
+            <a:r>
+              <a:rPr lang="fr-FR" sz="1100" b="1" dirty="0">
+                <a:solidFill>
+                  <a:srgbClr val="00B050"/>
+                </a:solidFill>
+              </a:rPr>
+              <a:t>0</a:t>
+            </a:r>
+            <a:endParaRPr lang="fr-FR" b="1" dirty="0">
+              <a:solidFill>
+                <a:srgbClr val="00B050"/>
+              </a:solidFill>
+            </a:endParaRPr>
+          </a:p>
+        </p:txBody>
+      </p:sp>
+      <p:grpSp>
+        <p:nvGrpSpPr>
+          <p:cNvPr id="24" name="Groupe 23">
+            <a:extLst>
+              <a:ext uri="{FF2B5EF4-FFF2-40B4-BE49-F238E27FC236}">
+                <a16:creationId xmlns:a16="http://schemas.microsoft.com/office/drawing/2014/main" id="{A7BD3B00-5C21-2106-1B95-D7D0D2F1F2B9}"/>
+              </a:ext>
+            </a:extLst>
+          </p:cNvPr>
+          <p:cNvGrpSpPr/>
+          <p:nvPr/>
+        </p:nvGrpSpPr>
+        <p:grpSpPr>
+          <a:xfrm>
+            <a:off x="5203710" y="1306872"/>
+            <a:ext cx="354103" cy="349396"/>
+            <a:chOff x="6929785" y="963131"/>
+            <a:chExt cx="354103" cy="349396"/>
+          </a:xfrm>
+        </p:grpSpPr>
+        <p:grpSp>
+          <p:nvGrpSpPr>
+            <p:cNvPr id="12" name="Groupe 11">
+              <a:extLst>
+                <a:ext uri="{FF2B5EF4-FFF2-40B4-BE49-F238E27FC236}">
+                  <a16:creationId xmlns:a16="http://schemas.microsoft.com/office/drawing/2014/main" id="{D134E223-5FFA-0610-5868-D84AC1F06634}"/>
+                </a:ext>
+              </a:extLst>
+            </p:cNvPr>
+            <p:cNvGrpSpPr/>
+            <p:nvPr/>
+          </p:nvGrpSpPr>
+          <p:grpSpPr>
+            <a:xfrm>
+              <a:off x="7166942" y="1099338"/>
+              <a:ext cx="116946" cy="213189"/>
+              <a:chOff x="7166942" y="1099338"/>
+              <a:chExt cx="116946" cy="213189"/>
+            </a:xfrm>
+          </p:grpSpPr>
+          <p:cxnSp>
+            <p:nvCxnSpPr>
+              <p:cNvPr id="3" name="Connecteur droit 2">
+                <a:extLst>
+                  <a:ext uri="{FF2B5EF4-FFF2-40B4-BE49-F238E27FC236}">
+                    <a16:creationId xmlns:a16="http://schemas.microsoft.com/office/drawing/2014/main" id="{EC879929-A07E-5D88-B480-83952B50DA0B}"/>
+                  </a:ext>
+                </a:extLst>
+              </p:cNvPr>
+              <p:cNvCxnSpPr>
+                <a:cxnSpLocks/>
+              </p:cNvCxnSpPr>
+              <p:nvPr/>
+            </p:nvCxnSpPr>
+            <p:spPr>
+              <a:xfrm flipH="1">
+                <a:off x="7280712" y="1099338"/>
+                <a:ext cx="0" cy="144000"/>
+              </a:xfrm>
+              <a:prstGeom prst="line">
+                <a:avLst/>
+              </a:prstGeom>
+              <a:ln>
+                <a:solidFill>
+                  <a:schemeClr val="accent1"/>
+                </a:solidFill>
+              </a:ln>
+            </p:spPr>
+            <p:style>
+              <a:lnRef idx="2">
+                <a:schemeClr val="accent2"/>
+              </a:lnRef>
+              <a:fillRef idx="1">
+                <a:schemeClr val="lt1"/>
+              </a:fillRef>
+              <a:effectRef idx="0">
+                <a:schemeClr val="accent2"/>
+              </a:effectRef>
+              <a:fontRef idx="minor">
+                <a:schemeClr val="dk1"/>
+              </a:fontRef>
+            </p:style>
+          </p:cxnSp>
+          <p:cxnSp>
+            <p:nvCxnSpPr>
+              <p:cNvPr id="6" name="Connecteur droit 5">
+                <a:extLst>
+                  <a:ext uri="{FF2B5EF4-FFF2-40B4-BE49-F238E27FC236}">
+                    <a16:creationId xmlns:a16="http://schemas.microsoft.com/office/drawing/2014/main" id="{78813696-DFDA-A290-4E5C-E982F428CCB5}"/>
+                  </a:ext>
+                </a:extLst>
+              </p:cNvPr>
+              <p:cNvCxnSpPr>
+                <a:cxnSpLocks/>
+              </p:cNvCxnSpPr>
+              <p:nvPr/>
+            </p:nvCxnSpPr>
+            <p:spPr>
+              <a:xfrm flipH="1">
+                <a:off x="7169588" y="1168527"/>
+                <a:ext cx="0" cy="144000"/>
+              </a:xfrm>
+              <a:prstGeom prst="line">
+                <a:avLst/>
+              </a:prstGeom>
+              <a:ln>
+                <a:solidFill>
+                  <a:schemeClr val="accent1"/>
+                </a:solidFill>
+              </a:ln>
+            </p:spPr>
+            <p:style>
+              <a:lnRef idx="2">
+                <a:schemeClr val="accent2"/>
+              </a:lnRef>
+              <a:fillRef idx="1">
+                <a:schemeClr val="lt1"/>
+              </a:fillRef>
+              <a:effectRef idx="0">
+                <a:schemeClr val="accent2"/>
+              </a:effectRef>
+              <a:fontRef idx="minor">
+                <a:schemeClr val="dk1"/>
+              </a:fontRef>
+            </p:style>
+          </p:cxnSp>
+          <p:cxnSp>
+            <p:nvCxnSpPr>
+              <p:cNvPr id="10" name="Connecteur droit 9">
+                <a:extLst>
+                  <a:ext uri="{FF2B5EF4-FFF2-40B4-BE49-F238E27FC236}">
+                    <a16:creationId xmlns:a16="http://schemas.microsoft.com/office/drawing/2014/main" id="{D92B6939-DD77-B9BD-F49E-489196E43B2C}"/>
+                  </a:ext>
+                </a:extLst>
+              </p:cNvPr>
+              <p:cNvCxnSpPr>
+                <a:cxnSpLocks/>
+              </p:cNvCxnSpPr>
+              <p:nvPr/>
+            </p:nvCxnSpPr>
+            <p:spPr>
+              <a:xfrm flipH="1">
+                <a:off x="7169588" y="1099700"/>
+                <a:ext cx="114300" cy="72000"/>
+              </a:xfrm>
+              <a:prstGeom prst="line">
+                <a:avLst/>
+              </a:prstGeom>
+              <a:ln>
+                <a:solidFill>
+                  <a:schemeClr val="accent1"/>
+                </a:solidFill>
+              </a:ln>
+            </p:spPr>
+            <p:style>
+              <a:lnRef idx="2">
+                <a:schemeClr val="accent2"/>
+              </a:lnRef>
+              <a:fillRef idx="1">
+                <a:schemeClr val="lt1"/>
+              </a:fillRef>
+              <a:effectRef idx="0">
+                <a:schemeClr val="accent2"/>
+              </a:effectRef>
+              <a:fontRef idx="minor">
+                <a:schemeClr val="dk1"/>
+              </a:fontRef>
+            </p:style>
+          </p:cxnSp>
+          <p:cxnSp>
+            <p:nvCxnSpPr>
+              <p:cNvPr id="11" name="Connecteur droit 10">
+                <a:extLst>
+                  <a:ext uri="{FF2B5EF4-FFF2-40B4-BE49-F238E27FC236}">
+                    <a16:creationId xmlns:a16="http://schemas.microsoft.com/office/drawing/2014/main" id="{23D50F1E-43D3-2FB6-4627-5223C48CAA77}"/>
+                  </a:ext>
+                </a:extLst>
+              </p:cNvPr>
+              <p:cNvCxnSpPr>
+                <a:cxnSpLocks/>
+              </p:cNvCxnSpPr>
+              <p:nvPr/>
+            </p:nvCxnSpPr>
+            <p:spPr>
+              <a:xfrm flipH="1">
+                <a:off x="7166942" y="1235090"/>
+                <a:ext cx="114300" cy="72000"/>
+              </a:xfrm>
+              <a:prstGeom prst="line">
+                <a:avLst/>
+              </a:prstGeom>
+              <a:ln>
+                <a:solidFill>
+                  <a:schemeClr val="accent1"/>
+                </a:solidFill>
+              </a:ln>
+            </p:spPr>
+            <p:style>
+              <a:lnRef idx="2">
+                <a:schemeClr val="accent2"/>
+              </a:lnRef>
+              <a:fillRef idx="1">
+                <a:schemeClr val="lt1"/>
+              </a:fillRef>
+              <a:effectRef idx="0">
+                <a:schemeClr val="accent2"/>
+              </a:effectRef>
+              <a:fontRef idx="minor">
+                <a:schemeClr val="dk1"/>
+              </a:fontRef>
+            </p:style>
+          </p:cxnSp>
+        </p:grpSp>
+        <p:grpSp>
+          <p:nvGrpSpPr>
+            <p:cNvPr id="13" name="Groupe 12">
+              <a:extLst>
+                <a:ext uri="{FF2B5EF4-FFF2-40B4-BE49-F238E27FC236}">
+                  <a16:creationId xmlns:a16="http://schemas.microsoft.com/office/drawing/2014/main" id="{E7F03017-8797-C16E-80BF-DBC4957A1176}"/>
+                </a:ext>
+              </a:extLst>
+            </p:cNvPr>
+            <p:cNvGrpSpPr/>
+            <p:nvPr/>
+          </p:nvGrpSpPr>
+          <p:grpSpPr>
+            <a:xfrm>
+              <a:off x="6932960" y="963131"/>
+              <a:ext cx="114300" cy="212827"/>
+              <a:chOff x="7169588" y="1099700"/>
+              <a:chExt cx="114300" cy="212827"/>
+            </a:xfrm>
+          </p:grpSpPr>
+          <p:cxnSp>
+            <p:nvCxnSpPr>
+              <p:cNvPr id="15" name="Connecteur droit 14">
+                <a:extLst>
+                  <a:ext uri="{FF2B5EF4-FFF2-40B4-BE49-F238E27FC236}">
+                    <a16:creationId xmlns:a16="http://schemas.microsoft.com/office/drawing/2014/main" id="{6B960BDB-9DC0-770E-900B-A4937F62C7E5}"/>
+                  </a:ext>
+                </a:extLst>
+              </p:cNvPr>
+              <p:cNvCxnSpPr>
+                <a:cxnSpLocks/>
+              </p:cNvCxnSpPr>
+              <p:nvPr/>
+            </p:nvCxnSpPr>
+            <p:spPr>
+              <a:xfrm flipH="1">
+                <a:off x="7169588" y="1168527"/>
+                <a:ext cx="0" cy="144000"/>
+              </a:xfrm>
+              <a:prstGeom prst="line">
+                <a:avLst/>
+              </a:prstGeom>
+              <a:ln>
+                <a:solidFill>
+                  <a:schemeClr val="accent1"/>
+                </a:solidFill>
+              </a:ln>
+            </p:spPr>
+            <p:style>
+              <a:lnRef idx="2">
+                <a:schemeClr val="accent2"/>
+              </a:lnRef>
+              <a:fillRef idx="1">
+                <a:schemeClr val="lt1"/>
+              </a:fillRef>
+              <a:effectRef idx="0">
+                <a:schemeClr val="accent2"/>
+              </a:effectRef>
+              <a:fontRef idx="minor">
+                <a:schemeClr val="dk1"/>
+              </a:fontRef>
+            </p:style>
+          </p:cxnSp>
+          <p:cxnSp>
+            <p:nvCxnSpPr>
+              <p:cNvPr id="16" name="Connecteur droit 15">
+                <a:extLst>
+                  <a:ext uri="{FF2B5EF4-FFF2-40B4-BE49-F238E27FC236}">
+                    <a16:creationId xmlns:a16="http://schemas.microsoft.com/office/drawing/2014/main" id="{8410EABE-092B-EF8C-9B25-158CF892AF9E}"/>
+                  </a:ext>
+                </a:extLst>
+              </p:cNvPr>
+              <p:cNvCxnSpPr>
+                <a:cxnSpLocks/>
+              </p:cNvCxnSpPr>
+              <p:nvPr/>
+            </p:nvCxnSpPr>
+            <p:spPr>
+              <a:xfrm flipH="1">
+                <a:off x="7169588" y="1099700"/>
+                <a:ext cx="114300" cy="72000"/>
+              </a:xfrm>
+              <a:prstGeom prst="line">
+                <a:avLst/>
+              </a:prstGeom>
+              <a:ln>
+                <a:solidFill>
+                  <a:schemeClr val="accent1"/>
+                </a:solidFill>
+              </a:ln>
+            </p:spPr>
+            <p:style>
+              <a:lnRef idx="2">
+                <a:schemeClr val="accent2"/>
+              </a:lnRef>
+              <a:fillRef idx="1">
+                <a:schemeClr val="lt1"/>
+              </a:fillRef>
+              <a:effectRef idx="0">
+                <a:schemeClr val="accent2"/>
+              </a:effectRef>
+              <a:fontRef idx="minor">
+                <a:schemeClr val="dk1"/>
+              </a:fontRef>
+            </p:style>
+          </p:cxnSp>
+        </p:grpSp>
+        <p:cxnSp>
+          <p:nvCxnSpPr>
+            <p:cNvPr id="18" name="Connecteur droit 17">
+              <a:extLst>
+                <a:ext uri="{FF2B5EF4-FFF2-40B4-BE49-F238E27FC236}">
+                  <a16:creationId xmlns:a16="http://schemas.microsoft.com/office/drawing/2014/main" id="{B0351BFF-358C-AC61-D899-DC6729237C59}"/>
+                </a:ext>
+              </a:extLst>
+            </p:cNvPr>
+            <p:cNvCxnSpPr>
+              <a:cxnSpLocks/>
+            </p:cNvCxnSpPr>
+            <p:nvPr/>
+          </p:nvCxnSpPr>
+          <p:spPr>
+            <a:xfrm flipH="1" flipV="1">
+              <a:off x="6929785" y="1172164"/>
+              <a:ext cx="236628" cy="129639"/>
+            </a:xfrm>
+            <a:prstGeom prst="line">
+              <a:avLst/>
+            </a:prstGeom>
+            <a:ln>
+              <a:solidFill>
+                <a:schemeClr val="accent1"/>
+              </a:solidFill>
+            </a:ln>
+          </p:spPr>
+          <p:style>
+            <a:lnRef idx="2">
+              <a:schemeClr val="accent2"/>
+            </a:lnRef>
+            <a:fillRef idx="1">
+              <a:schemeClr val="lt1"/>
+            </a:fillRef>
+            <a:effectRef idx="0">
+              <a:schemeClr val="accent2"/>
+            </a:effectRef>
+            <a:fontRef idx="minor">
+              <a:schemeClr val="dk1"/>
+            </a:fontRef>
+          </p:style>
+        </p:cxnSp>
+        <p:cxnSp>
+          <p:nvCxnSpPr>
+            <p:cNvPr id="22" name="Connecteur droit 21">
+              <a:extLst>
+                <a:ext uri="{FF2B5EF4-FFF2-40B4-BE49-F238E27FC236}">
+                  <a16:creationId xmlns:a16="http://schemas.microsoft.com/office/drawing/2014/main" id="{8ED49DE2-68D9-7FF9-72F0-32F7C2DB2B55}"/>
+                </a:ext>
+              </a:extLst>
+            </p:cNvPr>
+            <p:cNvCxnSpPr>
+              <a:cxnSpLocks/>
+            </p:cNvCxnSpPr>
+            <p:nvPr/>
+          </p:nvCxnSpPr>
+          <p:spPr>
+            <a:xfrm flipH="1" flipV="1">
+              <a:off x="6932431" y="1039663"/>
+              <a:ext cx="236628" cy="129639"/>
+            </a:xfrm>
+            <a:prstGeom prst="line">
+              <a:avLst/>
+            </a:prstGeom>
+            <a:ln>
+              <a:solidFill>
+                <a:schemeClr val="accent1"/>
+              </a:solidFill>
+            </a:ln>
+          </p:spPr>
+          <p:style>
+            <a:lnRef idx="2">
+              <a:schemeClr val="accent2"/>
+            </a:lnRef>
+            <a:fillRef idx="1">
+              <a:schemeClr val="lt1"/>
+            </a:fillRef>
+            <a:effectRef idx="0">
+              <a:schemeClr val="accent2"/>
+            </a:effectRef>
+            <a:fontRef idx="minor">
+              <a:schemeClr val="dk1"/>
+            </a:fontRef>
+          </p:style>
+        </p:cxnSp>
+        <p:cxnSp>
+          <p:nvCxnSpPr>
+            <p:cNvPr id="23" name="Connecteur droit 22">
+              <a:extLst>
+                <a:ext uri="{FF2B5EF4-FFF2-40B4-BE49-F238E27FC236}">
+                  <a16:creationId xmlns:a16="http://schemas.microsoft.com/office/drawing/2014/main" id="{DF7A9B3B-D657-94A3-CDB7-B59004849B19}"/>
+                </a:ext>
+              </a:extLst>
+            </p:cNvPr>
+            <p:cNvCxnSpPr>
+              <a:cxnSpLocks/>
+            </p:cNvCxnSpPr>
+            <p:nvPr/>
+          </p:nvCxnSpPr>
+          <p:spPr>
+            <a:xfrm flipH="1" flipV="1">
+              <a:off x="7043554" y="966743"/>
+              <a:ext cx="236628" cy="129639"/>
+            </a:xfrm>
+            <a:prstGeom prst="line">
+              <a:avLst/>
+            </a:prstGeom>
+            <a:ln>
+              <a:solidFill>
+                <a:schemeClr val="accent1"/>
+              </a:solidFill>
+            </a:ln>
+          </p:spPr>
+          <p:style>
+            <a:lnRef idx="2">
+              <a:schemeClr val="accent2"/>
+            </a:lnRef>
+            <a:fillRef idx="1">
+              <a:schemeClr val="lt1"/>
+            </a:fillRef>
+            <a:effectRef idx="0">
+              <a:schemeClr val="accent2"/>
+            </a:effectRef>
+            <a:fontRef idx="minor">
+              <a:schemeClr val="dk1"/>
+            </a:fontRef>
+          </p:style>
+        </p:cxnSp>
+      </p:grpSp>
+      <p:cxnSp>
+        <p:nvCxnSpPr>
+          <p:cNvPr id="29" name="Connecteur droit 28">
+            <a:extLst>
+              <a:ext uri="{FF2B5EF4-FFF2-40B4-BE49-F238E27FC236}">
+                <a16:creationId xmlns:a16="http://schemas.microsoft.com/office/drawing/2014/main" id="{EA5908E7-DC54-835B-EC23-F8DF016D58AE}"/>
+              </a:ext>
+            </a:extLst>
+          </p:cNvPr>
+          <p:cNvCxnSpPr>
+            <a:cxnSpLocks/>
+          </p:cNvCxnSpPr>
+          <p:nvPr/>
+        </p:nvCxnSpPr>
+        <p:spPr>
+          <a:xfrm flipH="1" flipV="1">
+            <a:off x="5442984" y="1512268"/>
+            <a:ext cx="112183" cy="72000"/>
+          </a:xfrm>
+          <a:prstGeom prst="line">
+            <a:avLst/>
+          </a:prstGeom>
+          <a:ln>
+            <a:solidFill>
+              <a:schemeClr val="accent1"/>
+            </a:solidFill>
+          </a:ln>
+        </p:spPr>
+        <p:style>
+          <a:lnRef idx="2">
+            <a:schemeClr val="accent2"/>
+          </a:lnRef>
+          <a:fillRef idx="1">
+            <a:schemeClr val="lt1"/>
+          </a:fillRef>
+          <a:effectRef idx="0">
+            <a:schemeClr val="accent2"/>
+          </a:effectRef>
+          <a:fontRef idx="minor">
+            <a:schemeClr val="dk1"/>
+          </a:fontRef>
+        </p:style>
+      </p:cxnSp>
+      <p:cxnSp>
+        <p:nvCxnSpPr>
+          <p:cNvPr id="32" name="Connecteur droit 31">
+            <a:extLst>
+              <a:ext uri="{FF2B5EF4-FFF2-40B4-BE49-F238E27FC236}">
+                <a16:creationId xmlns:a16="http://schemas.microsoft.com/office/drawing/2014/main" id="{E5093E35-F3FD-EF48-213E-0E0DBC224E0E}"/>
+              </a:ext>
+            </a:extLst>
+          </p:cNvPr>
+          <p:cNvCxnSpPr>
+            <a:cxnSpLocks/>
+          </p:cNvCxnSpPr>
+          <p:nvPr/>
+        </p:nvCxnSpPr>
+        <p:spPr>
+          <a:xfrm flipV="1">
+            <a:off x="5451624" y="1455472"/>
+            <a:ext cx="102483" cy="189593"/>
+          </a:xfrm>
+          <a:prstGeom prst="line">
+            <a:avLst/>
+          </a:prstGeom>
+          <a:ln>
+            <a:solidFill>
+              <a:schemeClr val="accent1"/>
+            </a:solidFill>
+          </a:ln>
+        </p:spPr>
+        <p:style>
+          <a:lnRef idx="2">
+            <a:schemeClr val="accent2"/>
+          </a:lnRef>
+          <a:fillRef idx="1">
+            <a:schemeClr val="lt1"/>
+          </a:fillRef>
+          <a:effectRef idx="0">
+            <a:schemeClr val="accent2"/>
+          </a:effectRef>
+          <a:fontRef idx="minor">
+            <a:schemeClr val="dk1"/>
+          </a:fontRef>
+        </p:style>
+      </p:cxnSp>
+      <p:cxnSp>
+        <p:nvCxnSpPr>
+          <p:cNvPr id="63" name="Connecteur droit 62">
+            <a:extLst>
+              <a:ext uri="{FF2B5EF4-FFF2-40B4-BE49-F238E27FC236}">
+                <a16:creationId xmlns:a16="http://schemas.microsoft.com/office/drawing/2014/main" id="{C35A261B-A943-E294-A644-7C5E21A407AB}"/>
+              </a:ext>
+            </a:extLst>
+          </p:cNvPr>
+          <p:cNvCxnSpPr>
+            <a:cxnSpLocks/>
+          </p:cNvCxnSpPr>
+          <p:nvPr/>
+        </p:nvCxnSpPr>
+        <p:spPr>
+          <a:xfrm flipH="1" flipV="1">
+            <a:off x="5496872" y="1548806"/>
+            <a:ext cx="1202587" cy="712477"/>
+          </a:xfrm>
+          <a:prstGeom prst="line">
+            <a:avLst/>
+          </a:prstGeom>
+          <a:ln/>
+        </p:spPr>
+        <p:style>
+          <a:lnRef idx="2">
+            <a:schemeClr val="accent2"/>
+          </a:lnRef>
+          <a:fillRef idx="1">
+            <a:schemeClr val="lt1"/>
+          </a:fillRef>
+          <a:effectRef idx="0">
+            <a:schemeClr val="accent2"/>
+          </a:effectRef>
+          <a:fontRef idx="minor">
+            <a:schemeClr val="dk1"/>
+          </a:fontRef>
+        </p:style>
+      </p:cxnSp>
+    </p:spTree>
+    <p:extLst>
+      <p:ext uri="{BB962C8B-B14F-4D97-AF65-F5344CB8AC3E}">
+        <p14:creationId xmlns:p14="http://schemas.microsoft.com/office/powerpoint/2010/main" val="3831784660"/>
+      </p:ext>
+    </p:extLst>
+  </p:cSld>
+  <p:clrMapOvr>
+    <a:masterClrMapping/>
+  </p:clrMapOvr>
+</p:sld>
+</file>
+
+<file path=ppt/slides/slide7.xml><?xml version="1.0" encoding="utf-8"?>
 <p:sld xmlns:a="http://schemas.openxmlformats.org/drawingml/2006/main" xmlns:r="http://schemas.openxmlformats.org/officeDocument/2006/relationships" xmlns:p="http://schemas.openxmlformats.org/presentationml/2006/main">
   <p:cSld>
     <p:spTree>
@@ -10376,7 +13682,7 @@
 </p:sld>
 </file>
 
-<file path=ppt/slides/slide6.xml><?xml version="1.0" encoding="utf-8"?>
+<file path=ppt/slides/slide8.xml><?xml version="1.0" encoding="utf-8"?>
 <p:sld xmlns:a="http://schemas.openxmlformats.org/drawingml/2006/main" xmlns:r="http://schemas.openxmlformats.org/officeDocument/2006/relationships" xmlns:p="http://schemas.openxmlformats.org/presentationml/2006/main">
   <p:cSld>
     <p:spTree>
@@ -12291,7 +15597,7 @@
 </p:sld>
 </file>
 
-<file path=ppt/slides/slide7.xml><?xml version="1.0" encoding="utf-8"?>
+<file path=ppt/slides/slide9.xml><?xml version="1.0" encoding="utf-8"?>
 <p:sld xmlns:a="http://schemas.openxmlformats.org/drawingml/2006/main" xmlns:r="http://schemas.openxmlformats.org/officeDocument/2006/relationships" xmlns:p="http://schemas.openxmlformats.org/presentationml/2006/main">
   <p:cSld>
     <p:spTree>
@@ -12605,8 +15911,8 @@
           </p:sp>
         </mc:Fallback>
       </mc:AlternateContent>
-      <mc:AlternateContent xmlns:mc="http://schemas.openxmlformats.org/markup-compatibility/2006">
-        <mc:Choice xmlns:a14="http://schemas.microsoft.com/office/drawing/2010/main" Requires="a14">
+      <mc:AlternateContent xmlns:mc="http://schemas.openxmlformats.org/markup-compatibility/2006" xmlns:a14="http://schemas.microsoft.com/office/drawing/2010/main">
+        <mc:Choice Requires="a14">
           <p:sp>
             <p:nvSpPr>
               <p:cNvPr id="12" name="ZoneTexte 11">
@@ -12674,7 +15980,7 @@
             </p:txBody>
           </p:sp>
         </mc:Choice>
-        <mc:Fallback>
+        <mc:Fallback xmlns="">
           <p:sp>
             <p:nvSpPr>
               <p:cNvPr id="12" name="ZoneTexte 11">
@@ -12930,8 +16236,8 @@
           </a:fontRef>
         </p:style>
       </p:cxnSp>
-      <mc:AlternateContent xmlns:mc="http://schemas.openxmlformats.org/markup-compatibility/2006">
-        <mc:Choice xmlns:a14="http://schemas.microsoft.com/office/drawing/2010/main" Requires="a14">
+      <mc:AlternateContent xmlns:mc="http://schemas.openxmlformats.org/markup-compatibility/2006" xmlns:a14="http://schemas.microsoft.com/office/drawing/2010/main">
+        <mc:Choice Requires="a14">
           <p:sp>
             <p:nvSpPr>
               <p:cNvPr id="43" name="ZoneTexte 42">
@@ -13000,7 +16306,7 @@
             </p:txBody>
           </p:sp>
         </mc:Choice>
-        <mc:Fallback>
+        <mc:Fallback xmlns="">
           <p:sp>
             <p:nvSpPr>
               <p:cNvPr id="43" name="ZoneTexte 42">
@@ -13045,8 +16351,8 @@
           </p:sp>
         </mc:Fallback>
       </mc:AlternateContent>
-      <mc:AlternateContent xmlns:mc="http://schemas.openxmlformats.org/markup-compatibility/2006">
-        <mc:Choice xmlns:a14="http://schemas.microsoft.com/office/drawing/2010/main" Requires="a14">
+      <mc:AlternateContent xmlns:mc="http://schemas.openxmlformats.org/markup-compatibility/2006" xmlns:a14="http://schemas.microsoft.com/office/drawing/2010/main">
+        <mc:Choice Requires="a14">
           <p:sp>
             <p:nvSpPr>
               <p:cNvPr id="44" name="ZoneTexte 43">
@@ -13209,7 +16515,7 @@
             </p:txBody>
           </p:sp>
         </mc:Choice>
-        <mc:Fallback>
+        <mc:Fallback xmlns="">
           <p:sp>
             <p:nvSpPr>
               <p:cNvPr id="44" name="ZoneTexte 43">
@@ -13303,8 +16609,8 @@
           </a:fontRef>
         </p:style>
       </p:cxnSp>
-      <mc:AlternateContent xmlns:mc="http://schemas.openxmlformats.org/markup-compatibility/2006">
-        <mc:Choice xmlns:a14="http://schemas.microsoft.com/office/drawing/2010/main" Requires="a14">
+      <mc:AlternateContent xmlns:mc="http://schemas.openxmlformats.org/markup-compatibility/2006" xmlns:a14="http://schemas.microsoft.com/office/drawing/2010/main">
+        <mc:Choice Requires="a14">
           <p:sp>
             <p:nvSpPr>
               <p:cNvPr id="49" name="ZoneTexte 48">
@@ -13379,7 +16685,7 @@
             </p:txBody>
           </p:sp>
         </mc:Choice>
-        <mc:Fallback>
+        <mc:Fallback xmlns="">
           <p:sp>
             <p:nvSpPr>
               <p:cNvPr id="49" name="ZoneTexte 48">
@@ -13424,8 +16730,8 @@
           </p:sp>
         </mc:Fallback>
       </mc:AlternateContent>
-      <mc:AlternateContent xmlns:mc="http://schemas.openxmlformats.org/markup-compatibility/2006">
-        <mc:Choice xmlns:a14="http://schemas.microsoft.com/office/drawing/2010/main" Requires="a14">
+      <mc:AlternateContent xmlns:mc="http://schemas.openxmlformats.org/markup-compatibility/2006" xmlns:a14="http://schemas.microsoft.com/office/drawing/2010/main">
+        <mc:Choice Requires="a14">
           <p:sp>
             <p:nvSpPr>
               <p:cNvPr id="50" name="ZoneTexte 49">
@@ -13500,7 +16806,7 @@
             </p:txBody>
           </p:sp>
         </mc:Choice>
-        <mc:Fallback>
+        <mc:Fallback xmlns="">
           <p:sp>
             <p:nvSpPr>
               <p:cNvPr id="50" name="ZoneTexte 49">
@@ -13545,8 +16851,8 @@
           </p:sp>
         </mc:Fallback>
       </mc:AlternateContent>
-      <mc:AlternateContent xmlns:mc="http://schemas.openxmlformats.org/markup-compatibility/2006">
-        <mc:Choice xmlns:a14="http://schemas.microsoft.com/office/drawing/2010/main" Requires="a14">
+      <mc:AlternateContent xmlns:mc="http://schemas.openxmlformats.org/markup-compatibility/2006" xmlns:a14="http://schemas.microsoft.com/office/drawing/2010/main">
+        <mc:Choice Requires="a14">
           <p:sp>
             <p:nvSpPr>
               <p:cNvPr id="51" name="ZoneTexte 50">
@@ -13615,7 +16921,7 @@
             </p:txBody>
           </p:sp>
         </mc:Choice>
-        <mc:Fallback>
+        <mc:Fallback xmlns="">
           <p:sp>
             <p:nvSpPr>
               <p:cNvPr id="51" name="ZoneTexte 50">
@@ -13660,8 +16966,8 @@
           </p:sp>
         </mc:Fallback>
       </mc:AlternateContent>
-      <mc:AlternateContent xmlns:mc="http://schemas.openxmlformats.org/markup-compatibility/2006">
-        <mc:Choice xmlns:a14="http://schemas.microsoft.com/office/drawing/2010/main" Requires="a14">
+      <mc:AlternateContent xmlns:mc="http://schemas.openxmlformats.org/markup-compatibility/2006" xmlns:a14="http://schemas.microsoft.com/office/drawing/2010/main">
+        <mc:Choice Requires="a14">
           <p:sp>
             <p:nvSpPr>
               <p:cNvPr id="52" name="ZoneTexte 51">
@@ -14035,7 +17341,7 @@
             </p:txBody>
           </p:sp>
         </mc:Choice>
-        <mc:Fallback>
+        <mc:Fallback xmlns="">
           <p:sp>
             <p:nvSpPr>
               <p:cNvPr id="52" name="ZoneTexte 51">

--- a/Figures [Enregistrement automatique].pptx
+++ b/Figures [Enregistrement automatique].pptx
@@ -7,13 +7,14 @@
   <p:sldIdLst>
     <p:sldId id="256" r:id="rId2"/>
     <p:sldId id="257" r:id="rId3"/>
-    <p:sldId id="258" r:id="rId4"/>
-    <p:sldId id="259" r:id="rId5"/>
-    <p:sldId id="263" r:id="rId6"/>
-    <p:sldId id="264" r:id="rId7"/>
-    <p:sldId id="260" r:id="rId8"/>
-    <p:sldId id="261" r:id="rId9"/>
-    <p:sldId id="262" r:id="rId10"/>
+    <p:sldId id="265" r:id="rId4"/>
+    <p:sldId id="258" r:id="rId5"/>
+    <p:sldId id="259" r:id="rId6"/>
+    <p:sldId id="263" r:id="rId7"/>
+    <p:sldId id="264" r:id="rId8"/>
+    <p:sldId id="260" r:id="rId9"/>
+    <p:sldId id="261" r:id="rId10"/>
+    <p:sldId id="262" r:id="rId11"/>
   </p:sldIdLst>
   <p:sldSz cx="12192000" cy="6858000"/>
   <p:notesSz cx="6858000" cy="9144000"/>
@@ -267,7 +268,7 @@
           <a:p>
             <a:fld id="{8650A246-1026-46AD-AFCC-0ACF25FECB60}" type="datetimeFigureOut">
               <a:rPr lang="fr-FR" smtClean="0"/>
-              <a:t>28/09/2025</a:t>
+              <a:t>13/11/2025</a:t>
             </a:fld>
             <a:endParaRPr lang="fr-FR"/>
           </a:p>
@@ -555,7 +556,7 @@
           <a:p>
             <a:fld id="{8650A246-1026-46AD-AFCC-0ACF25FECB60}" type="datetimeFigureOut">
               <a:rPr lang="fr-FR" smtClean="0"/>
-              <a:t>28/09/2025</a:t>
+              <a:t>13/11/2025</a:t>
             </a:fld>
             <a:endParaRPr lang="fr-FR"/>
           </a:p>
@@ -753,7 +754,7 @@
           <a:p>
             <a:fld id="{8650A246-1026-46AD-AFCC-0ACF25FECB60}" type="datetimeFigureOut">
               <a:rPr lang="fr-FR" smtClean="0"/>
-              <a:t>28/09/2025</a:t>
+              <a:t>13/11/2025</a:t>
             </a:fld>
             <a:endParaRPr lang="fr-FR"/>
           </a:p>
@@ -961,7 +962,7 @@
           <a:p>
             <a:fld id="{8650A246-1026-46AD-AFCC-0ACF25FECB60}" type="datetimeFigureOut">
               <a:rPr lang="fr-FR" smtClean="0"/>
-              <a:t>28/09/2025</a:t>
+              <a:t>13/11/2025</a:t>
             </a:fld>
             <a:endParaRPr lang="fr-FR"/>
           </a:p>
@@ -1159,7 +1160,7 @@
           <a:p>
             <a:fld id="{8650A246-1026-46AD-AFCC-0ACF25FECB60}" type="datetimeFigureOut">
               <a:rPr lang="fr-FR" smtClean="0"/>
-              <a:t>28/09/2025</a:t>
+              <a:t>13/11/2025</a:t>
             </a:fld>
             <a:endParaRPr lang="fr-FR"/>
           </a:p>
@@ -1434,7 +1435,7 @@
           <a:p>
             <a:fld id="{8650A246-1026-46AD-AFCC-0ACF25FECB60}" type="datetimeFigureOut">
               <a:rPr lang="fr-FR" smtClean="0"/>
-              <a:t>28/09/2025</a:t>
+              <a:t>13/11/2025</a:t>
             </a:fld>
             <a:endParaRPr lang="fr-FR"/>
           </a:p>
@@ -1699,7 +1700,7 @@
           <a:p>
             <a:fld id="{8650A246-1026-46AD-AFCC-0ACF25FECB60}" type="datetimeFigureOut">
               <a:rPr lang="fr-FR" smtClean="0"/>
-              <a:t>28/09/2025</a:t>
+              <a:t>13/11/2025</a:t>
             </a:fld>
             <a:endParaRPr lang="fr-FR"/>
           </a:p>
@@ -2111,7 +2112,7 @@
           <a:p>
             <a:fld id="{8650A246-1026-46AD-AFCC-0ACF25FECB60}" type="datetimeFigureOut">
               <a:rPr lang="fr-FR" smtClean="0"/>
-              <a:t>28/09/2025</a:t>
+              <a:t>13/11/2025</a:t>
             </a:fld>
             <a:endParaRPr lang="fr-FR"/>
           </a:p>
@@ -2252,7 +2253,7 @@
           <a:p>
             <a:fld id="{8650A246-1026-46AD-AFCC-0ACF25FECB60}" type="datetimeFigureOut">
               <a:rPr lang="fr-FR" smtClean="0"/>
-              <a:t>28/09/2025</a:t>
+              <a:t>13/11/2025</a:t>
             </a:fld>
             <a:endParaRPr lang="fr-FR"/>
           </a:p>
@@ -2466,7 +2467,7 @@
           <a:p>
             <a:fld id="{8650A246-1026-46AD-AFCC-0ACF25FECB60}" type="datetimeFigureOut">
               <a:rPr lang="fr-FR" smtClean="0"/>
-              <a:t>28/09/2025</a:t>
+              <a:t>13/11/2025</a:t>
             </a:fld>
             <a:endParaRPr lang="fr-FR"/>
           </a:p>
@@ -2579,7 +2580,7 @@
           <a:p>
             <a:fld id="{8650A246-1026-46AD-AFCC-0ACF25FECB60}" type="datetimeFigureOut">
               <a:rPr lang="fr-FR" smtClean="0"/>
-              <a:t>28/09/2025</a:t>
+              <a:t>13/11/2025</a:t>
             </a:fld>
             <a:endParaRPr lang="fr-FR"/>
           </a:p>
@@ -2890,7 +2891,7 @@
           <a:p>
             <a:fld id="{8650A246-1026-46AD-AFCC-0ACF25FECB60}" type="datetimeFigureOut">
               <a:rPr lang="fr-FR" smtClean="0"/>
-              <a:t>28/09/2025</a:t>
+              <a:t>13/11/2025</a:t>
             </a:fld>
             <a:endParaRPr lang="fr-FR"/>
           </a:p>
@@ -3131,7 +3132,7 @@
           <a:p>
             <a:fld id="{8650A246-1026-46AD-AFCC-0ACF25FECB60}" type="datetimeFigureOut">
               <a:rPr lang="fr-FR" smtClean="0"/>
-              <a:t>28/09/2025</a:t>
+              <a:t>13/11/2025</a:t>
             </a:fld>
             <a:endParaRPr lang="fr-FR"/>
           </a:p>
@@ -3603,6 +3604,1869 @@
     <p:extLst>
       <p:ext uri="{BB962C8B-B14F-4D97-AF65-F5344CB8AC3E}">
         <p14:creationId xmlns:p14="http://schemas.microsoft.com/office/powerpoint/2010/main" val="616429894"/>
+      </p:ext>
+    </p:extLst>
+  </p:cSld>
+  <p:clrMapOvr>
+    <a:masterClrMapping/>
+  </p:clrMapOvr>
+</p:sld>
+</file>
+
+<file path=ppt/slides/slide10.xml><?xml version="1.0" encoding="utf-8"?>
+<p:sld xmlns:a="http://schemas.openxmlformats.org/drawingml/2006/main" xmlns:r="http://schemas.openxmlformats.org/officeDocument/2006/relationships" xmlns:p="http://schemas.openxmlformats.org/presentationml/2006/main">
+  <p:cSld>
+    <p:spTree>
+      <p:nvGrpSpPr>
+        <p:cNvPr id="1" name=""/>
+        <p:cNvGrpSpPr/>
+        <p:nvPr/>
+      </p:nvGrpSpPr>
+      <p:grpSpPr>
+        <a:xfrm>
+          <a:off x="0" y="0"/>
+          <a:ext cx="0" cy="0"/>
+          <a:chOff x="0" y="0"/>
+          <a:chExt cx="0" cy="0"/>
+        </a:xfrm>
+      </p:grpSpPr>
+      <p:sp>
+        <p:nvSpPr>
+          <p:cNvPr id="55" name="Triangle rectangle 54">
+            <a:extLst>
+              <a:ext uri="{FF2B5EF4-FFF2-40B4-BE49-F238E27FC236}">
+                <a16:creationId xmlns:a16="http://schemas.microsoft.com/office/drawing/2014/main" id="{FFD5E54C-DDA3-8521-8934-427E87C4C3C5}"/>
+              </a:ext>
+            </a:extLst>
+          </p:cNvPr>
+          <p:cNvSpPr/>
+          <p:nvPr/>
+        </p:nvSpPr>
+        <p:spPr>
+          <a:xfrm flipH="1">
+            <a:off x="2164926" y="2552835"/>
+            <a:ext cx="245531" cy="77496"/>
+          </a:xfrm>
+          <a:prstGeom prst="rtTriangle">
+            <a:avLst/>
+          </a:prstGeom>
+          <a:solidFill>
+            <a:schemeClr val="accent2">
+              <a:lumMod val="20000"/>
+              <a:lumOff val="80000"/>
+            </a:schemeClr>
+          </a:solidFill>
+          <a:ln>
+            <a:noFill/>
+          </a:ln>
+        </p:spPr>
+        <p:style>
+          <a:lnRef idx="2">
+            <a:schemeClr val="accent1">
+              <a:shade val="15000"/>
+            </a:schemeClr>
+          </a:lnRef>
+          <a:fillRef idx="1">
+            <a:schemeClr val="accent1"/>
+          </a:fillRef>
+          <a:effectRef idx="0">
+            <a:schemeClr val="accent1"/>
+          </a:effectRef>
+          <a:fontRef idx="minor">
+            <a:schemeClr val="lt1"/>
+          </a:fontRef>
+        </p:style>
+        <p:txBody>
+          <a:bodyPr rtlCol="0" anchor="ctr"/>
+          <a:lstStyle/>
+          <a:p>
+            <a:pPr algn="ctr"/>
+            <a:endParaRPr lang="fr-FR"/>
+          </a:p>
+        </p:txBody>
+      </p:sp>
+      <p:sp>
+        <p:nvSpPr>
+          <p:cNvPr id="54" name="Rectangle : avec coin arrondi et coin rogné en haut 53">
+            <a:extLst>
+              <a:ext uri="{FF2B5EF4-FFF2-40B4-BE49-F238E27FC236}">
+                <a16:creationId xmlns:a16="http://schemas.microsoft.com/office/drawing/2014/main" id="{8ACF5D38-E701-85DC-54CC-6CABE6CECED7}"/>
+              </a:ext>
+            </a:extLst>
+          </p:cNvPr>
+          <p:cNvSpPr/>
+          <p:nvPr/>
+        </p:nvSpPr>
+        <p:spPr>
+          <a:xfrm rot="16200000">
+            <a:off x="1876670" y="2899871"/>
+            <a:ext cx="812727" cy="245529"/>
+          </a:xfrm>
+          <a:prstGeom prst="snipRoundRect">
+            <a:avLst>
+              <a:gd name="adj1" fmla="val 0"/>
+              <a:gd name="adj2" fmla="val 2192"/>
+            </a:avLst>
+          </a:prstGeom>
+          <a:solidFill>
+            <a:schemeClr val="accent2">
+              <a:lumMod val="20000"/>
+              <a:lumOff val="80000"/>
+            </a:schemeClr>
+          </a:solidFill>
+          <a:ln>
+            <a:noFill/>
+          </a:ln>
+        </p:spPr>
+        <p:style>
+          <a:lnRef idx="2">
+            <a:schemeClr val="accent1">
+              <a:shade val="15000"/>
+            </a:schemeClr>
+          </a:lnRef>
+          <a:fillRef idx="1">
+            <a:schemeClr val="accent1"/>
+          </a:fillRef>
+          <a:effectRef idx="0">
+            <a:schemeClr val="accent1"/>
+          </a:effectRef>
+          <a:fontRef idx="minor">
+            <a:schemeClr val="lt1"/>
+          </a:fontRef>
+        </p:style>
+        <p:txBody>
+          <a:bodyPr rtlCol="0" anchor="ctr"/>
+          <a:lstStyle/>
+          <a:p>
+            <a:pPr algn="ctr"/>
+            <a:endParaRPr lang="fr-FR"/>
+          </a:p>
+        </p:txBody>
+      </p:sp>
+      <p:cxnSp>
+        <p:nvCxnSpPr>
+          <p:cNvPr id="3" name="Connecteur droit avec flèche 2">
+            <a:extLst>
+              <a:ext uri="{FF2B5EF4-FFF2-40B4-BE49-F238E27FC236}">
+                <a16:creationId xmlns:a16="http://schemas.microsoft.com/office/drawing/2014/main" id="{18CA7C2B-DFAA-3B5B-DD49-EF287D62D77F}"/>
+              </a:ext>
+            </a:extLst>
+          </p:cNvPr>
+          <p:cNvCxnSpPr>
+            <a:cxnSpLocks/>
+          </p:cNvCxnSpPr>
+          <p:nvPr/>
+        </p:nvCxnSpPr>
+        <p:spPr>
+          <a:xfrm flipV="1">
+            <a:off x="1046480" y="1989000"/>
+            <a:ext cx="0" cy="1440000"/>
+          </a:xfrm>
+          <a:prstGeom prst="straightConnector1">
+            <a:avLst/>
+          </a:prstGeom>
+          <a:ln>
+            <a:solidFill>
+              <a:srgbClr val="002060"/>
+            </a:solidFill>
+            <a:tailEnd type="stealth" w="med" len="lg"/>
+          </a:ln>
+        </p:spPr>
+        <p:style>
+          <a:lnRef idx="1">
+            <a:schemeClr val="accent1"/>
+          </a:lnRef>
+          <a:fillRef idx="0">
+            <a:schemeClr val="accent1"/>
+          </a:fillRef>
+          <a:effectRef idx="0">
+            <a:schemeClr val="accent1"/>
+          </a:effectRef>
+          <a:fontRef idx="minor">
+            <a:schemeClr val="tx1"/>
+          </a:fontRef>
+        </p:style>
+      </p:cxnSp>
+      <p:cxnSp>
+        <p:nvCxnSpPr>
+          <p:cNvPr id="5" name="Connecteur droit avec flèche 4">
+            <a:extLst>
+              <a:ext uri="{FF2B5EF4-FFF2-40B4-BE49-F238E27FC236}">
+                <a16:creationId xmlns:a16="http://schemas.microsoft.com/office/drawing/2014/main" id="{10FB8054-D472-375B-E9B6-9C21F23DBCF2}"/>
+              </a:ext>
+            </a:extLst>
+          </p:cNvPr>
+          <p:cNvCxnSpPr>
+            <a:cxnSpLocks/>
+          </p:cNvCxnSpPr>
+          <p:nvPr/>
+        </p:nvCxnSpPr>
+        <p:spPr>
+          <a:xfrm>
+            <a:off x="1046480" y="3429000"/>
+            <a:ext cx="2175691" cy="0"/>
+          </a:xfrm>
+          <a:prstGeom prst="straightConnector1">
+            <a:avLst/>
+          </a:prstGeom>
+          <a:ln>
+            <a:solidFill>
+              <a:srgbClr val="002060"/>
+            </a:solidFill>
+            <a:tailEnd type="stealth" w="med" len="lg"/>
+          </a:ln>
+        </p:spPr>
+        <p:style>
+          <a:lnRef idx="1">
+            <a:schemeClr val="accent1"/>
+          </a:lnRef>
+          <a:fillRef idx="0">
+            <a:schemeClr val="accent1"/>
+          </a:fillRef>
+          <a:effectRef idx="0">
+            <a:schemeClr val="accent1"/>
+          </a:effectRef>
+          <a:fontRef idx="minor">
+            <a:schemeClr val="tx1"/>
+          </a:fontRef>
+        </p:style>
+      </p:cxnSp>
+      <mc:AlternateContent xmlns:mc="http://schemas.openxmlformats.org/markup-compatibility/2006" xmlns:a14="http://schemas.microsoft.com/office/drawing/2010/main">
+        <mc:Choice Requires="a14">
+          <p:sp>
+            <p:nvSpPr>
+              <p:cNvPr id="11" name="ZoneTexte 10">
+                <a:extLst>
+                  <a:ext uri="{FF2B5EF4-FFF2-40B4-BE49-F238E27FC236}">
+                    <a16:creationId xmlns:a16="http://schemas.microsoft.com/office/drawing/2014/main" id="{4C9C68B8-7E8E-3324-A750-638C726B6CC8}"/>
+                  </a:ext>
+                </a:extLst>
+              </p:cNvPr>
+              <p:cNvSpPr txBox="1"/>
+              <p:nvPr/>
+            </p:nvSpPr>
+            <p:spPr>
+              <a:xfrm>
+                <a:off x="3067384" y="3152000"/>
+                <a:ext cx="149913" cy="276999"/>
+              </a:xfrm>
+              <a:prstGeom prst="rect">
+                <a:avLst/>
+              </a:prstGeom>
+              <a:noFill/>
+            </p:spPr>
+            <p:txBody>
+              <a:bodyPr wrap="none" lIns="0" tIns="0" rIns="0" bIns="0" rtlCol="0">
+                <a:spAutoFit/>
+              </a:bodyPr>
+              <a:lstStyle/>
+              <a:p>
+                <a:pPr/>
+                <a14:m>
+                  <m:oMathPara xmlns:m="http://schemas.openxmlformats.org/officeDocument/2006/math">
+                    <m:oMathParaPr>
+                      <m:jc m:val="centerGroup"/>
+                    </m:oMathParaPr>
+                    <m:oMath xmlns:m="http://schemas.openxmlformats.org/officeDocument/2006/math">
+                      <m:r>
+                        <a:rPr lang="fr-FR" b="0" i="1" smtClean="0">
+                          <a:latin typeface="Cambria Math" panose="02040503050406030204" pitchFamily="18" charset="0"/>
+                        </a:rPr>
+                        <m:t>𝑡</m:t>
+                      </m:r>
+                    </m:oMath>
+                  </m:oMathPara>
+                </a14:m>
+                <a:endParaRPr lang="fr-FR" dirty="0"/>
+              </a:p>
+            </p:txBody>
+          </p:sp>
+        </mc:Choice>
+        <mc:Fallback xmlns="">
+          <p:sp>
+            <p:nvSpPr>
+              <p:cNvPr id="11" name="ZoneTexte 10">
+                <a:extLst>
+                  <a:ext uri="{FF2B5EF4-FFF2-40B4-BE49-F238E27FC236}">
+                    <a16:creationId xmlns:a16="http://schemas.microsoft.com/office/drawing/2014/main" id="{4C9C68B8-7E8E-3324-A750-638C726B6CC8}"/>
+                  </a:ext>
+                </a:extLst>
+              </p:cNvPr>
+              <p:cNvSpPr txBox="1">
+                <a:spLocks noRot="1" noChangeAspect="1" noMove="1" noResize="1" noEditPoints="1" noAdjustHandles="1" noChangeArrowheads="1" noChangeShapeType="1" noTextEdit="1"/>
+              </p:cNvSpPr>
+              <p:nvPr/>
+            </p:nvSpPr>
+            <p:spPr>
+              <a:xfrm>
+                <a:off x="3067384" y="3152000"/>
+                <a:ext cx="149913" cy="276999"/>
+              </a:xfrm>
+              <a:prstGeom prst="rect">
+                <a:avLst/>
+              </a:prstGeom>
+              <a:blipFill>
+                <a:blip r:embed="rId2"/>
+                <a:stretch>
+                  <a:fillRect l="-32000" r="-28000" b="-6667"/>
+                </a:stretch>
+              </a:blipFill>
+            </p:spPr>
+            <p:txBody>
+              <a:bodyPr/>
+              <a:lstStyle/>
+              <a:p>
+                <a:r>
+                  <a:rPr lang="fr-FR">
+                    <a:noFill/>
+                  </a:rPr>
+                  <a:t> </a:t>
+                </a:r>
+              </a:p>
+            </p:txBody>
+          </p:sp>
+        </mc:Fallback>
+      </mc:AlternateContent>
+      <mc:AlternateContent xmlns:mc="http://schemas.openxmlformats.org/markup-compatibility/2006" xmlns:a14="http://schemas.microsoft.com/office/drawing/2010/main">
+        <mc:Choice Requires="a14">
+          <p:sp>
+            <p:nvSpPr>
+              <p:cNvPr id="12" name="ZoneTexte 11">
+                <a:extLst>
+                  <a:ext uri="{FF2B5EF4-FFF2-40B4-BE49-F238E27FC236}">
+                    <a16:creationId xmlns:a16="http://schemas.microsoft.com/office/drawing/2014/main" id="{056307E9-BEB6-56E0-261F-21F31E6411CD}"/>
+                  </a:ext>
+                </a:extLst>
+              </p:cNvPr>
+              <p:cNvSpPr txBox="1"/>
+              <p:nvPr/>
+            </p:nvSpPr>
+            <p:spPr>
+              <a:xfrm>
+                <a:off x="626565" y="1989000"/>
+                <a:ext cx="365485" cy="215444"/>
+              </a:xfrm>
+              <a:prstGeom prst="rect">
+                <a:avLst/>
+              </a:prstGeom>
+              <a:noFill/>
+            </p:spPr>
+            <p:txBody>
+              <a:bodyPr wrap="none" lIns="0" tIns="0" rIns="0" bIns="0" rtlCol="0">
+                <a:spAutoFit/>
+              </a:bodyPr>
+              <a:lstStyle/>
+              <a:p>
+                <a:pPr/>
+                <a14:m>
+                  <m:oMathPara xmlns:m="http://schemas.openxmlformats.org/officeDocument/2006/math">
+                    <m:oMathParaPr>
+                      <m:jc m:val="centerGroup"/>
+                    </m:oMathParaPr>
+                    <m:oMath xmlns:m="http://schemas.openxmlformats.org/officeDocument/2006/math">
+                      <m:r>
+                        <a:rPr lang="fr-FR" sz="1400" b="0" i="1" smtClean="0">
+                          <a:latin typeface="Cambria Math" panose="02040503050406030204" pitchFamily="18" charset="0"/>
+                        </a:rPr>
+                        <m:t>𝑣</m:t>
+                      </m:r>
+                      <m:r>
+                        <a:rPr lang="fr-FR" sz="1400" b="0" i="1" smtClean="0">
+                          <a:latin typeface="Cambria Math" panose="02040503050406030204" pitchFamily="18" charset="0"/>
+                        </a:rPr>
+                        <m:t>(</m:t>
+                      </m:r>
+                      <m:r>
+                        <a:rPr lang="fr-FR" sz="1400" b="0" i="1" smtClean="0">
+                          <a:latin typeface="Cambria Math" panose="02040503050406030204" pitchFamily="18" charset="0"/>
+                        </a:rPr>
+                        <m:t>𝑡</m:t>
+                      </m:r>
+                      <m:r>
+                        <a:rPr lang="fr-FR" sz="1400" b="0" i="1" smtClean="0">
+                          <a:latin typeface="Cambria Math" panose="02040503050406030204" pitchFamily="18" charset="0"/>
+                        </a:rPr>
+                        <m:t>)</m:t>
+                      </m:r>
+                    </m:oMath>
+                  </m:oMathPara>
+                </a14:m>
+                <a:endParaRPr lang="fr-FR" sz="1400" dirty="0"/>
+              </a:p>
+            </p:txBody>
+          </p:sp>
+        </mc:Choice>
+        <mc:Fallback xmlns="">
+          <p:sp>
+            <p:nvSpPr>
+              <p:cNvPr id="12" name="ZoneTexte 11">
+                <a:extLst>
+                  <a:ext uri="{FF2B5EF4-FFF2-40B4-BE49-F238E27FC236}">
+                    <a16:creationId xmlns:a16="http://schemas.microsoft.com/office/drawing/2014/main" id="{056307E9-BEB6-56E0-261F-21F31E6411CD}"/>
+                  </a:ext>
+                </a:extLst>
+              </p:cNvPr>
+              <p:cNvSpPr txBox="1">
+                <a:spLocks noRot="1" noChangeAspect="1" noMove="1" noResize="1" noEditPoints="1" noAdjustHandles="1" noChangeArrowheads="1" noChangeShapeType="1" noTextEdit="1"/>
+              </p:cNvSpPr>
+              <p:nvPr/>
+            </p:nvSpPr>
+            <p:spPr>
+              <a:xfrm>
+                <a:off x="626565" y="1989000"/>
+                <a:ext cx="365485" cy="215444"/>
+              </a:xfrm>
+              <a:prstGeom prst="rect">
+                <a:avLst/>
+              </a:prstGeom>
+              <a:blipFill>
+                <a:blip r:embed="rId3"/>
+                <a:stretch>
+                  <a:fillRect l="-6667" r="-15000" b="-30556"/>
+                </a:stretch>
+              </a:blipFill>
+            </p:spPr>
+            <p:txBody>
+              <a:bodyPr/>
+              <a:lstStyle/>
+              <a:p>
+                <a:r>
+                  <a:rPr lang="fr-FR">
+                    <a:noFill/>
+                  </a:rPr>
+                  <a:t> </a:t>
+                </a:r>
+              </a:p>
+            </p:txBody>
+          </p:sp>
+        </mc:Fallback>
+      </mc:AlternateContent>
+      <p:cxnSp>
+        <p:nvCxnSpPr>
+          <p:cNvPr id="9" name="Connecteur droit 8">
+            <a:extLst>
+              <a:ext uri="{FF2B5EF4-FFF2-40B4-BE49-F238E27FC236}">
+                <a16:creationId xmlns:a16="http://schemas.microsoft.com/office/drawing/2014/main" id="{854D29DE-07AE-54C5-6A09-E9D689E08591}"/>
+              </a:ext>
+            </a:extLst>
+          </p:cNvPr>
+          <p:cNvCxnSpPr>
+            <a:cxnSpLocks/>
+            <a:stCxn id="36" idx="4"/>
+          </p:cNvCxnSpPr>
+          <p:nvPr/>
+        </p:nvCxnSpPr>
+        <p:spPr>
+          <a:xfrm flipH="1">
+            <a:off x="2839654" y="2427407"/>
+            <a:ext cx="0" cy="1001592"/>
+          </a:xfrm>
+          <a:prstGeom prst="line">
+            <a:avLst/>
+          </a:prstGeom>
+          <a:noFill/>
+          <a:ln>
+            <a:solidFill>
+              <a:schemeClr val="accent2">
+                <a:lumMod val="50000"/>
+              </a:schemeClr>
+            </a:solidFill>
+          </a:ln>
+        </p:spPr>
+        <p:style>
+          <a:lnRef idx="2">
+            <a:schemeClr val="accent1">
+              <a:shade val="15000"/>
+            </a:schemeClr>
+          </a:lnRef>
+          <a:fillRef idx="1">
+            <a:schemeClr val="accent1"/>
+          </a:fillRef>
+          <a:effectRef idx="0">
+            <a:schemeClr val="accent1"/>
+          </a:effectRef>
+          <a:fontRef idx="minor">
+            <a:schemeClr val="lt1"/>
+          </a:fontRef>
+        </p:style>
+      </p:cxnSp>
+      <p:sp>
+        <p:nvSpPr>
+          <p:cNvPr id="36" name="Forme libre : forme 35">
+            <a:extLst>
+              <a:ext uri="{FF2B5EF4-FFF2-40B4-BE49-F238E27FC236}">
+                <a16:creationId xmlns:a16="http://schemas.microsoft.com/office/drawing/2014/main" id="{EF89BA12-3F57-66FC-435A-9790022B0118}"/>
+              </a:ext>
+            </a:extLst>
+          </p:cNvPr>
+          <p:cNvSpPr/>
+          <p:nvPr/>
+        </p:nvSpPr>
+        <p:spPr>
+          <a:xfrm>
+            <a:off x="1046480" y="2382700"/>
+            <a:ext cx="1800000" cy="330200"/>
+          </a:xfrm>
+          <a:custGeom>
+            <a:avLst/>
+            <a:gdLst>
+              <a:gd name="connsiteX0" fmla="*/ 0 w 1744134"/>
+              <a:gd name="connsiteY0" fmla="*/ 636515 h 636515"/>
+              <a:gd name="connsiteX1" fmla="*/ 474134 w 1744134"/>
+              <a:gd name="connsiteY1" fmla="*/ 1515 h 636515"/>
+              <a:gd name="connsiteX2" fmla="*/ 1083734 w 1744134"/>
+              <a:gd name="connsiteY2" fmla="*/ 450248 h 636515"/>
+              <a:gd name="connsiteX3" fmla="*/ 1557867 w 1744134"/>
+              <a:gd name="connsiteY3" fmla="*/ 145448 h 636515"/>
+              <a:gd name="connsiteX4" fmla="*/ 1744134 w 1744134"/>
+              <a:gd name="connsiteY4" fmla="*/ 86181 h 636515"/>
+            </a:gdLst>
+            <a:ahLst/>
+            <a:cxnLst>
+              <a:cxn ang="0">
+                <a:pos x="connsiteX0" y="connsiteY0"/>
+              </a:cxn>
+              <a:cxn ang="0">
+                <a:pos x="connsiteX1" y="connsiteY1"/>
+              </a:cxn>
+              <a:cxn ang="0">
+                <a:pos x="connsiteX2" y="connsiteY2"/>
+              </a:cxn>
+              <a:cxn ang="0">
+                <a:pos x="connsiteX3" y="connsiteY3"/>
+              </a:cxn>
+              <a:cxn ang="0">
+                <a:pos x="connsiteX4" y="connsiteY4"/>
+              </a:cxn>
+            </a:cxnLst>
+            <a:rect l="l" t="t" r="r" b="b"/>
+            <a:pathLst>
+              <a:path w="1744134" h="636515">
+                <a:moveTo>
+                  <a:pt x="0" y="636515"/>
+                </a:moveTo>
+                <a:cubicBezTo>
+                  <a:pt x="146756" y="334537"/>
+                  <a:pt x="293512" y="32559"/>
+                  <a:pt x="474134" y="1515"/>
+                </a:cubicBezTo>
+                <a:cubicBezTo>
+                  <a:pt x="654756" y="-29529"/>
+                  <a:pt x="903112" y="426259"/>
+                  <a:pt x="1083734" y="450248"/>
+                </a:cubicBezTo>
+                <a:cubicBezTo>
+                  <a:pt x="1264356" y="474237"/>
+                  <a:pt x="1447800" y="206126"/>
+                  <a:pt x="1557867" y="145448"/>
+                </a:cubicBezTo>
+                <a:cubicBezTo>
+                  <a:pt x="1667934" y="84770"/>
+                  <a:pt x="1706034" y="85475"/>
+                  <a:pt x="1744134" y="86181"/>
+                </a:cubicBezTo>
+              </a:path>
+            </a:pathLst>
+          </a:custGeom>
+          <a:noFill/>
+          <a:ln>
+            <a:solidFill>
+              <a:schemeClr val="accent2">
+                <a:lumMod val="50000"/>
+              </a:schemeClr>
+            </a:solidFill>
+          </a:ln>
+        </p:spPr>
+        <p:style>
+          <a:lnRef idx="2">
+            <a:schemeClr val="accent1">
+              <a:shade val="15000"/>
+            </a:schemeClr>
+          </a:lnRef>
+          <a:fillRef idx="1">
+            <a:schemeClr val="accent1"/>
+          </a:fillRef>
+          <a:effectRef idx="0">
+            <a:schemeClr val="accent1"/>
+          </a:effectRef>
+          <a:fontRef idx="minor">
+            <a:schemeClr val="lt1"/>
+          </a:fontRef>
+        </p:style>
+        <p:txBody>
+          <a:bodyPr rtlCol="0" anchor="ctr"/>
+          <a:lstStyle/>
+          <a:p>
+            <a:pPr algn="ctr"/>
+            <a:endParaRPr lang="fr-FR"/>
+          </a:p>
+        </p:txBody>
+      </p:sp>
+      <p:cxnSp>
+        <p:nvCxnSpPr>
+          <p:cNvPr id="39" name="Connecteur droit 38">
+            <a:extLst>
+              <a:ext uri="{FF2B5EF4-FFF2-40B4-BE49-F238E27FC236}">
+                <a16:creationId xmlns:a16="http://schemas.microsoft.com/office/drawing/2014/main" id="{4A69997A-B4BB-3B9D-DB19-174F220F569A}"/>
+              </a:ext>
+            </a:extLst>
+          </p:cNvPr>
+          <p:cNvCxnSpPr>
+            <a:cxnSpLocks/>
+            <a:stCxn id="36" idx="2"/>
+          </p:cNvCxnSpPr>
+          <p:nvPr/>
+        </p:nvCxnSpPr>
+        <p:spPr>
+          <a:xfrm>
+            <a:off x="2164927" y="2616272"/>
+            <a:ext cx="0" cy="821195"/>
+          </a:xfrm>
+          <a:prstGeom prst="line">
+            <a:avLst/>
+          </a:prstGeom>
+          <a:noFill/>
+          <a:ln>
+            <a:solidFill>
+              <a:schemeClr val="accent2">
+                <a:lumMod val="50000"/>
+              </a:schemeClr>
+            </a:solidFill>
+            <a:headEnd type="oval"/>
+          </a:ln>
+        </p:spPr>
+        <p:style>
+          <a:lnRef idx="2">
+            <a:schemeClr val="accent1">
+              <a:shade val="15000"/>
+            </a:schemeClr>
+          </a:lnRef>
+          <a:fillRef idx="1">
+            <a:schemeClr val="accent1"/>
+          </a:fillRef>
+          <a:effectRef idx="0">
+            <a:schemeClr val="accent1"/>
+          </a:effectRef>
+          <a:fontRef idx="minor">
+            <a:schemeClr val="lt1"/>
+          </a:fontRef>
+        </p:style>
+      </p:cxnSp>
+      <mc:AlternateContent xmlns:mc="http://schemas.openxmlformats.org/markup-compatibility/2006" xmlns:a14="http://schemas.microsoft.com/office/drawing/2010/main">
+        <mc:Choice Requires="a14">
+          <p:sp>
+            <p:nvSpPr>
+              <p:cNvPr id="43" name="ZoneTexte 42">
+                <a:extLst>
+                  <a:ext uri="{FF2B5EF4-FFF2-40B4-BE49-F238E27FC236}">
+                    <a16:creationId xmlns:a16="http://schemas.microsoft.com/office/drawing/2014/main" id="{684AEDFB-01B1-6FBF-D4E9-4FDA71819579}"/>
+                  </a:ext>
+                </a:extLst>
+              </p:cNvPr>
+              <p:cNvSpPr txBox="1"/>
+              <p:nvPr/>
+            </p:nvSpPr>
+            <p:spPr>
+              <a:xfrm>
+                <a:off x="2077073" y="3437466"/>
+                <a:ext cx="166392" cy="215444"/>
+              </a:xfrm>
+              <a:prstGeom prst="rect">
+                <a:avLst/>
+              </a:prstGeom>
+              <a:noFill/>
+            </p:spPr>
+            <p:txBody>
+              <a:bodyPr wrap="none" lIns="0" tIns="0" rIns="0" bIns="0" rtlCol="0">
+                <a:spAutoFit/>
+              </a:bodyPr>
+              <a:lstStyle/>
+              <a:p>
+                <a:pPr/>
+                <a14:m>
+                  <m:oMathPara xmlns:m="http://schemas.openxmlformats.org/officeDocument/2006/math">
+                    <m:oMathParaPr>
+                      <m:jc m:val="centerGroup"/>
+                    </m:oMathParaPr>
+                    <m:oMath xmlns:m="http://schemas.openxmlformats.org/officeDocument/2006/math">
+                      <m:sSub>
+                        <m:sSubPr>
+                          <m:ctrlPr>
+                            <a:rPr lang="fr-FR" sz="1400" b="0" i="1" smtClean="0">
+                              <a:latin typeface="Cambria Math" panose="02040503050406030204" pitchFamily="18" charset="0"/>
+                            </a:rPr>
+                          </m:ctrlPr>
+                        </m:sSubPr>
+                        <m:e>
+                          <m:r>
+                            <a:rPr lang="fr-FR" sz="1400" b="0" i="1" smtClean="0">
+                              <a:latin typeface="Cambria Math" panose="02040503050406030204" pitchFamily="18" charset="0"/>
+                            </a:rPr>
+                            <m:t>𝑡</m:t>
+                          </m:r>
+                        </m:e>
+                        <m:sub>
+                          <m:r>
+                            <a:rPr lang="fr-FR" sz="1400" b="0" i="1" smtClean="0">
+                              <a:latin typeface="Cambria Math" panose="02040503050406030204" pitchFamily="18" charset="0"/>
+                            </a:rPr>
+                            <m:t>𝑖</m:t>
+                          </m:r>
+                        </m:sub>
+                      </m:sSub>
+                    </m:oMath>
+                  </m:oMathPara>
+                </a14:m>
+                <a:endParaRPr lang="fr-FR" sz="1400" dirty="0"/>
+              </a:p>
+            </p:txBody>
+          </p:sp>
+        </mc:Choice>
+        <mc:Fallback xmlns="">
+          <p:sp>
+            <p:nvSpPr>
+              <p:cNvPr id="43" name="ZoneTexte 42">
+                <a:extLst>
+                  <a:ext uri="{FF2B5EF4-FFF2-40B4-BE49-F238E27FC236}">
+                    <a16:creationId xmlns:a16="http://schemas.microsoft.com/office/drawing/2014/main" id="{684AEDFB-01B1-6FBF-D4E9-4FDA71819579}"/>
+                  </a:ext>
+                </a:extLst>
+              </p:cNvPr>
+              <p:cNvSpPr txBox="1">
+                <a:spLocks noRot="1" noChangeAspect="1" noMove="1" noResize="1" noEditPoints="1" noAdjustHandles="1" noChangeArrowheads="1" noChangeShapeType="1" noTextEdit="1"/>
+              </p:cNvSpPr>
+              <p:nvPr/>
+            </p:nvSpPr>
+            <p:spPr>
+              <a:xfrm>
+                <a:off x="2077073" y="3437466"/>
+                <a:ext cx="166392" cy="215444"/>
+              </a:xfrm>
+              <a:prstGeom prst="rect">
+                <a:avLst/>
+              </a:prstGeom>
+              <a:blipFill>
+                <a:blip r:embed="rId4"/>
+                <a:stretch>
+                  <a:fillRect l="-25926" r="-3704" b="-14286"/>
+                </a:stretch>
+              </a:blipFill>
+            </p:spPr>
+            <p:txBody>
+              <a:bodyPr/>
+              <a:lstStyle/>
+              <a:p>
+                <a:r>
+                  <a:rPr lang="fr-FR">
+                    <a:noFill/>
+                  </a:rPr>
+                  <a:t> </a:t>
+                </a:r>
+              </a:p>
+            </p:txBody>
+          </p:sp>
+        </mc:Fallback>
+      </mc:AlternateContent>
+      <mc:AlternateContent xmlns:mc="http://schemas.openxmlformats.org/markup-compatibility/2006" xmlns:a14="http://schemas.microsoft.com/office/drawing/2010/main">
+        <mc:Choice Requires="a14">
+          <p:sp>
+            <p:nvSpPr>
+              <p:cNvPr id="44" name="ZoneTexte 43">
+                <a:extLst>
+                  <a:ext uri="{FF2B5EF4-FFF2-40B4-BE49-F238E27FC236}">
+                    <a16:creationId xmlns:a16="http://schemas.microsoft.com/office/drawing/2014/main" id="{594B3595-E03C-3700-8DE2-33B9C8A8992E}"/>
+                  </a:ext>
+                </a:extLst>
+              </p:cNvPr>
+              <p:cNvSpPr txBox="1"/>
+              <p:nvPr/>
+            </p:nvSpPr>
+            <p:spPr>
+              <a:xfrm>
+                <a:off x="1102131" y="2678974"/>
+                <a:ext cx="957634" cy="554319"/>
+              </a:xfrm>
+              <a:prstGeom prst="rect">
+                <a:avLst/>
+              </a:prstGeom>
+              <a:noFill/>
+            </p:spPr>
+            <p:txBody>
+              <a:bodyPr wrap="none" lIns="0" tIns="0" rIns="0" bIns="0" rtlCol="0">
+                <a:spAutoFit/>
+              </a:bodyPr>
+              <a:lstStyle/>
+              <a:p>
+                <a:pPr/>
+                <a14:m>
+                  <m:oMathPara xmlns:m="http://schemas.openxmlformats.org/officeDocument/2006/math">
+                    <m:oMathParaPr>
+                      <m:jc m:val="centerGroup"/>
+                    </m:oMathParaPr>
+                    <m:oMath xmlns:m="http://schemas.openxmlformats.org/officeDocument/2006/math">
+                      <m:sSub>
+                        <m:sSubPr>
+                          <m:ctrlPr>
+                            <a:rPr lang="fr-FR" sz="1200" b="0" i="1" smtClean="0">
+                              <a:latin typeface="Cambria Math" panose="02040503050406030204" pitchFamily="18" charset="0"/>
+                            </a:rPr>
+                          </m:ctrlPr>
+                        </m:sSubPr>
+                        <m:e>
+                          <m:r>
+                            <a:rPr lang="fr-FR" sz="1200" b="0" i="1" smtClean="0">
+                              <a:latin typeface="Cambria Math" panose="02040503050406030204" pitchFamily="18" charset="0"/>
+                            </a:rPr>
+                            <m:t>𝑥</m:t>
+                          </m:r>
+                        </m:e>
+                        <m:sub>
+                          <m:r>
+                            <a:rPr lang="fr-FR" sz="1200" b="0" i="1" smtClean="0">
+                              <a:latin typeface="Cambria Math" panose="02040503050406030204" pitchFamily="18" charset="0"/>
+                            </a:rPr>
+                            <m:t>𝑖</m:t>
+                          </m:r>
+                        </m:sub>
+                      </m:sSub>
+                      <m:r>
+                        <a:rPr lang="fr-FR" sz="1200" b="0" i="1" smtClean="0">
+                          <a:latin typeface="Cambria Math" panose="02040503050406030204" pitchFamily="18" charset="0"/>
+                        </a:rPr>
+                        <m:t>=</m:t>
+                      </m:r>
+                      <m:nary>
+                        <m:naryPr>
+                          <m:limLoc m:val="undOvr"/>
+                          <m:ctrlPr>
+                            <a:rPr lang="fr-FR" sz="1200" i="1" smtClean="0">
+                              <a:latin typeface="Cambria Math" panose="02040503050406030204" pitchFamily="18" charset="0"/>
+                            </a:rPr>
+                          </m:ctrlPr>
+                        </m:naryPr>
+                        <m:sub>
+                          <m:r>
+                            <m:rPr>
+                              <m:brk m:alnAt="24"/>
+                            </m:rPr>
+                            <a:rPr lang="fr-FR" sz="1200" b="0" i="1" smtClean="0">
+                              <a:latin typeface="Cambria Math" panose="02040503050406030204" pitchFamily="18" charset="0"/>
+                            </a:rPr>
+                            <m:t>0</m:t>
+                          </m:r>
+                        </m:sub>
+                        <m:sup>
+                          <m:sSub>
+                            <m:sSubPr>
+                              <m:ctrlPr>
+                                <a:rPr lang="fr-FR" sz="1200" b="0" i="1" smtClean="0">
+                                  <a:latin typeface="Cambria Math" panose="02040503050406030204" pitchFamily="18" charset="0"/>
+                                </a:rPr>
+                              </m:ctrlPr>
+                            </m:sSubPr>
+                            <m:e>
+                              <m:r>
+                                <a:rPr lang="fr-FR" sz="1200" b="0" i="1" smtClean="0">
+                                  <a:latin typeface="Cambria Math" panose="02040503050406030204" pitchFamily="18" charset="0"/>
+                                </a:rPr>
+                                <m:t>𝑡</m:t>
+                              </m:r>
+                            </m:e>
+                            <m:sub>
+                              <m:r>
+                                <a:rPr lang="fr-FR" sz="1200" b="0" i="1" smtClean="0">
+                                  <a:latin typeface="Cambria Math" panose="02040503050406030204" pitchFamily="18" charset="0"/>
+                                </a:rPr>
+                                <m:t>𝑖</m:t>
+                              </m:r>
+                            </m:sub>
+                          </m:sSub>
+                        </m:sup>
+                        <m:e>
+                          <m:r>
+                            <a:rPr lang="fr-FR" sz="1200" b="0" i="1" smtClean="0">
+                              <a:latin typeface="Cambria Math" panose="02040503050406030204" pitchFamily="18" charset="0"/>
+                            </a:rPr>
+                            <m:t>𝑣</m:t>
+                          </m:r>
+                          <m:d>
+                            <m:dPr>
+                              <m:ctrlPr>
+                                <a:rPr lang="fr-FR" sz="1200" b="0" i="1" smtClean="0">
+                                  <a:latin typeface="Cambria Math" panose="02040503050406030204" pitchFamily="18" charset="0"/>
+                                </a:rPr>
+                              </m:ctrlPr>
+                            </m:dPr>
+                            <m:e>
+                              <m:r>
+                                <a:rPr lang="fr-FR" sz="1200" b="0" i="1" smtClean="0">
+                                  <a:latin typeface="Cambria Math" panose="02040503050406030204" pitchFamily="18" charset="0"/>
+                                </a:rPr>
+                                <m:t>𝑡</m:t>
+                              </m:r>
+                            </m:e>
+                          </m:d>
+                          <m:r>
+                            <m:rPr>
+                              <m:sty m:val="p"/>
+                            </m:rPr>
+                            <a:rPr lang="fr-FR" sz="1200" b="0" i="0" smtClean="0">
+                              <a:latin typeface="Cambria Math" panose="02040503050406030204" pitchFamily="18" charset="0"/>
+                            </a:rPr>
+                            <m:t>d</m:t>
+                          </m:r>
+                          <m:r>
+                            <a:rPr lang="fr-FR" sz="1200" b="0" i="1" smtClean="0">
+                              <a:latin typeface="Cambria Math" panose="02040503050406030204" pitchFamily="18" charset="0"/>
+                            </a:rPr>
+                            <m:t>𝑡</m:t>
+                          </m:r>
+                        </m:e>
+                      </m:nary>
+                    </m:oMath>
+                  </m:oMathPara>
+                </a14:m>
+                <a:endParaRPr lang="fr-FR" sz="1200" dirty="0"/>
+              </a:p>
+            </p:txBody>
+          </p:sp>
+        </mc:Choice>
+        <mc:Fallback xmlns="">
+          <p:sp>
+            <p:nvSpPr>
+              <p:cNvPr id="44" name="ZoneTexte 43">
+                <a:extLst>
+                  <a:ext uri="{FF2B5EF4-FFF2-40B4-BE49-F238E27FC236}">
+                    <a16:creationId xmlns:a16="http://schemas.microsoft.com/office/drawing/2014/main" id="{594B3595-E03C-3700-8DE2-33B9C8A8992E}"/>
+                  </a:ext>
+                </a:extLst>
+              </p:cNvPr>
+              <p:cNvSpPr txBox="1">
+                <a:spLocks noRot="1" noChangeAspect="1" noMove="1" noResize="1" noEditPoints="1" noAdjustHandles="1" noChangeArrowheads="1" noChangeShapeType="1" noTextEdit="1"/>
+              </p:cNvSpPr>
+              <p:nvPr/>
+            </p:nvSpPr>
+            <p:spPr>
+              <a:xfrm>
+                <a:off x="1102131" y="2678974"/>
+                <a:ext cx="957634" cy="554319"/>
+              </a:xfrm>
+              <a:prstGeom prst="rect">
+                <a:avLst/>
+              </a:prstGeom>
+              <a:blipFill>
+                <a:blip r:embed="rId5"/>
+                <a:stretch>
+                  <a:fillRect/>
+                </a:stretch>
+              </a:blipFill>
+            </p:spPr>
+            <p:txBody>
+              <a:bodyPr/>
+              <a:lstStyle/>
+              <a:p>
+                <a:r>
+                  <a:rPr lang="fr-FR">
+                    <a:noFill/>
+                  </a:rPr>
+                  <a:t> </a:t>
+                </a:r>
+              </a:p>
+            </p:txBody>
+          </p:sp>
+        </mc:Fallback>
+      </mc:AlternateContent>
+      <p:cxnSp>
+        <p:nvCxnSpPr>
+          <p:cNvPr id="45" name="Connecteur droit 44">
+            <a:extLst>
+              <a:ext uri="{FF2B5EF4-FFF2-40B4-BE49-F238E27FC236}">
+                <a16:creationId xmlns:a16="http://schemas.microsoft.com/office/drawing/2014/main" id="{38648722-E4E7-761D-FE10-FB469EEA76E1}"/>
+              </a:ext>
+            </a:extLst>
+          </p:cNvPr>
+          <p:cNvCxnSpPr>
+            <a:cxnSpLocks/>
+          </p:cNvCxnSpPr>
+          <p:nvPr/>
+        </p:nvCxnSpPr>
+        <p:spPr>
+          <a:xfrm>
+            <a:off x="2410461" y="2556267"/>
+            <a:ext cx="0" cy="881199"/>
+          </a:xfrm>
+          <a:prstGeom prst="line">
+            <a:avLst/>
+          </a:prstGeom>
+          <a:noFill/>
+          <a:ln>
+            <a:solidFill>
+              <a:schemeClr val="accent2">
+                <a:lumMod val="50000"/>
+              </a:schemeClr>
+            </a:solidFill>
+            <a:headEnd type="oval"/>
+          </a:ln>
+        </p:spPr>
+        <p:style>
+          <a:lnRef idx="2">
+            <a:schemeClr val="accent1">
+              <a:shade val="15000"/>
+            </a:schemeClr>
+          </a:lnRef>
+          <a:fillRef idx="1">
+            <a:schemeClr val="accent1"/>
+          </a:fillRef>
+          <a:effectRef idx="0">
+            <a:schemeClr val="accent1"/>
+          </a:effectRef>
+          <a:fontRef idx="minor">
+            <a:schemeClr val="lt1"/>
+          </a:fontRef>
+        </p:style>
+      </p:cxnSp>
+      <mc:AlternateContent xmlns:mc="http://schemas.openxmlformats.org/markup-compatibility/2006" xmlns:a14="http://schemas.microsoft.com/office/drawing/2010/main">
+        <mc:Choice Requires="a14">
+          <p:sp>
+            <p:nvSpPr>
+              <p:cNvPr id="49" name="ZoneTexte 48">
+                <a:extLst>
+                  <a:ext uri="{FF2B5EF4-FFF2-40B4-BE49-F238E27FC236}">
+                    <a16:creationId xmlns:a16="http://schemas.microsoft.com/office/drawing/2014/main" id="{A321FB9D-99FD-0066-73F2-D63B9B301AA1}"/>
+                  </a:ext>
+                </a:extLst>
+              </p:cNvPr>
+              <p:cNvSpPr txBox="1"/>
+              <p:nvPr/>
+            </p:nvSpPr>
+            <p:spPr>
+              <a:xfrm>
+                <a:off x="2310334" y="3434096"/>
+                <a:ext cx="336311" cy="215444"/>
+              </a:xfrm>
+              <a:prstGeom prst="rect">
+                <a:avLst/>
+              </a:prstGeom>
+              <a:noFill/>
+            </p:spPr>
+            <p:txBody>
+              <a:bodyPr wrap="none" lIns="0" tIns="0" rIns="0" bIns="0" rtlCol="0">
+                <a:spAutoFit/>
+              </a:bodyPr>
+              <a:lstStyle/>
+              <a:p>
+                <a:pPr/>
+                <a14:m>
+                  <m:oMathPara xmlns:m="http://schemas.openxmlformats.org/officeDocument/2006/math">
+                    <m:oMathParaPr>
+                      <m:jc m:val="centerGroup"/>
+                    </m:oMathParaPr>
+                    <m:oMath xmlns:m="http://schemas.openxmlformats.org/officeDocument/2006/math">
+                      <m:sSub>
+                        <m:sSubPr>
+                          <m:ctrlPr>
+                            <a:rPr lang="fr-FR" sz="1400" b="0" i="1" smtClean="0">
+                              <a:latin typeface="Cambria Math" panose="02040503050406030204" pitchFamily="18" charset="0"/>
+                            </a:rPr>
+                          </m:ctrlPr>
+                        </m:sSubPr>
+                        <m:e>
+                          <m:r>
+                            <a:rPr lang="fr-FR" sz="1400" b="0" i="1" smtClean="0">
+                              <a:latin typeface="Cambria Math" panose="02040503050406030204" pitchFamily="18" charset="0"/>
+                            </a:rPr>
+                            <m:t>𝑡</m:t>
+                          </m:r>
+                        </m:e>
+                        <m:sub>
+                          <m:r>
+                            <a:rPr lang="fr-FR" sz="1400" b="0" i="1" smtClean="0">
+                              <a:latin typeface="Cambria Math" panose="02040503050406030204" pitchFamily="18" charset="0"/>
+                            </a:rPr>
+                            <m:t>𝑖</m:t>
+                          </m:r>
+                          <m:r>
+                            <a:rPr lang="fr-FR" sz="1400" b="0" i="1" smtClean="0">
+                              <a:latin typeface="Cambria Math" panose="02040503050406030204" pitchFamily="18" charset="0"/>
+                            </a:rPr>
+                            <m:t>+1</m:t>
+                          </m:r>
+                        </m:sub>
+                      </m:sSub>
+                    </m:oMath>
+                  </m:oMathPara>
+                </a14:m>
+                <a:endParaRPr lang="fr-FR" sz="1400" dirty="0"/>
+              </a:p>
+            </p:txBody>
+          </p:sp>
+        </mc:Choice>
+        <mc:Fallback xmlns="">
+          <p:sp>
+            <p:nvSpPr>
+              <p:cNvPr id="49" name="ZoneTexte 48">
+                <a:extLst>
+                  <a:ext uri="{FF2B5EF4-FFF2-40B4-BE49-F238E27FC236}">
+                    <a16:creationId xmlns:a16="http://schemas.microsoft.com/office/drawing/2014/main" id="{A321FB9D-99FD-0066-73F2-D63B9B301AA1}"/>
+                  </a:ext>
+                </a:extLst>
+              </p:cNvPr>
+              <p:cNvSpPr txBox="1">
+                <a:spLocks noRot="1" noChangeAspect="1" noMove="1" noResize="1" noEditPoints="1" noAdjustHandles="1" noChangeArrowheads="1" noChangeShapeType="1" noTextEdit="1"/>
+              </p:cNvSpPr>
+              <p:nvPr/>
+            </p:nvSpPr>
+            <p:spPr>
+              <a:xfrm>
+                <a:off x="2310334" y="3434096"/>
+                <a:ext cx="336311" cy="215444"/>
+              </a:xfrm>
+              <a:prstGeom prst="rect">
+                <a:avLst/>
+              </a:prstGeom>
+              <a:blipFill>
+                <a:blip r:embed="rId6"/>
+                <a:stretch>
+                  <a:fillRect l="-12727" r="-3636" b="-13889"/>
+                </a:stretch>
+              </a:blipFill>
+            </p:spPr>
+            <p:txBody>
+              <a:bodyPr/>
+              <a:lstStyle/>
+              <a:p>
+                <a:r>
+                  <a:rPr lang="fr-FR">
+                    <a:noFill/>
+                  </a:rPr>
+                  <a:t> </a:t>
+                </a:r>
+              </a:p>
+            </p:txBody>
+          </p:sp>
+        </mc:Fallback>
+      </mc:AlternateContent>
+      <mc:AlternateContent xmlns:mc="http://schemas.openxmlformats.org/markup-compatibility/2006" xmlns:a14="http://schemas.microsoft.com/office/drawing/2010/main">
+        <mc:Choice Requires="a14">
+          <p:sp>
+            <p:nvSpPr>
+              <p:cNvPr id="50" name="ZoneTexte 49">
+                <a:extLst>
+                  <a:ext uri="{FF2B5EF4-FFF2-40B4-BE49-F238E27FC236}">
+                    <a16:creationId xmlns:a16="http://schemas.microsoft.com/office/drawing/2014/main" id="{541CD644-1E76-4539-0503-49942037516E}"/>
+                  </a:ext>
+                </a:extLst>
+              </p:cNvPr>
+              <p:cNvSpPr txBox="1"/>
+              <p:nvPr/>
+            </p:nvSpPr>
+            <p:spPr>
+              <a:xfrm>
+                <a:off x="2267677" y="2230589"/>
+                <a:ext cx="364459" cy="215444"/>
+              </a:xfrm>
+              <a:prstGeom prst="rect">
+                <a:avLst/>
+              </a:prstGeom>
+              <a:noFill/>
+            </p:spPr>
+            <p:txBody>
+              <a:bodyPr wrap="none" lIns="0" tIns="0" rIns="0" bIns="0" rtlCol="0">
+                <a:spAutoFit/>
+              </a:bodyPr>
+              <a:lstStyle/>
+              <a:p>
+                <a:pPr/>
+                <a14:m>
+                  <m:oMathPara xmlns:m="http://schemas.openxmlformats.org/officeDocument/2006/math">
+                    <m:oMathParaPr>
+                      <m:jc m:val="centerGroup"/>
+                    </m:oMathParaPr>
+                    <m:oMath xmlns:m="http://schemas.openxmlformats.org/officeDocument/2006/math">
+                      <m:sSub>
+                        <m:sSubPr>
+                          <m:ctrlPr>
+                            <a:rPr lang="fr-FR" sz="1400" b="0" i="1" smtClean="0">
+                              <a:latin typeface="Cambria Math" panose="02040503050406030204" pitchFamily="18" charset="0"/>
+                            </a:rPr>
+                          </m:ctrlPr>
+                        </m:sSubPr>
+                        <m:e>
+                          <m:r>
+                            <a:rPr lang="fr-FR" sz="1400" b="0" i="1" smtClean="0">
+                              <a:latin typeface="Cambria Math" panose="02040503050406030204" pitchFamily="18" charset="0"/>
+                            </a:rPr>
+                            <m:t>𝑣</m:t>
+                          </m:r>
+                        </m:e>
+                        <m:sub>
+                          <m:r>
+                            <a:rPr lang="fr-FR" sz="1400" b="0" i="1" smtClean="0">
+                              <a:latin typeface="Cambria Math" panose="02040503050406030204" pitchFamily="18" charset="0"/>
+                            </a:rPr>
+                            <m:t>𝑖</m:t>
+                          </m:r>
+                          <m:r>
+                            <a:rPr lang="fr-FR" sz="1400" b="0" i="1" smtClean="0">
+                              <a:latin typeface="Cambria Math" panose="02040503050406030204" pitchFamily="18" charset="0"/>
+                            </a:rPr>
+                            <m:t>+1</m:t>
+                          </m:r>
+                        </m:sub>
+                      </m:sSub>
+                    </m:oMath>
+                  </m:oMathPara>
+                </a14:m>
+                <a:endParaRPr lang="fr-FR" sz="1400" dirty="0"/>
+              </a:p>
+            </p:txBody>
+          </p:sp>
+        </mc:Choice>
+        <mc:Fallback xmlns="">
+          <p:sp>
+            <p:nvSpPr>
+              <p:cNvPr id="50" name="ZoneTexte 49">
+                <a:extLst>
+                  <a:ext uri="{FF2B5EF4-FFF2-40B4-BE49-F238E27FC236}">
+                    <a16:creationId xmlns:a16="http://schemas.microsoft.com/office/drawing/2014/main" id="{541CD644-1E76-4539-0503-49942037516E}"/>
+                  </a:ext>
+                </a:extLst>
+              </p:cNvPr>
+              <p:cNvSpPr txBox="1">
+                <a:spLocks noRot="1" noChangeAspect="1" noMove="1" noResize="1" noEditPoints="1" noAdjustHandles="1" noChangeArrowheads="1" noChangeShapeType="1" noTextEdit="1"/>
+              </p:cNvSpPr>
+              <p:nvPr/>
+            </p:nvSpPr>
+            <p:spPr>
+              <a:xfrm>
+                <a:off x="2267677" y="2230589"/>
+                <a:ext cx="364459" cy="215444"/>
+              </a:xfrm>
+              <a:prstGeom prst="rect">
+                <a:avLst/>
+              </a:prstGeom>
+              <a:blipFill>
+                <a:blip r:embed="rId7"/>
+                <a:stretch>
+                  <a:fillRect l="-8333" r="-3333" b="-14286"/>
+                </a:stretch>
+              </a:blipFill>
+            </p:spPr>
+            <p:txBody>
+              <a:bodyPr/>
+              <a:lstStyle/>
+              <a:p>
+                <a:r>
+                  <a:rPr lang="fr-FR">
+                    <a:noFill/>
+                  </a:rPr>
+                  <a:t> </a:t>
+                </a:r>
+              </a:p>
+            </p:txBody>
+          </p:sp>
+        </mc:Fallback>
+      </mc:AlternateContent>
+      <mc:AlternateContent xmlns:mc="http://schemas.openxmlformats.org/markup-compatibility/2006" xmlns:a14="http://schemas.microsoft.com/office/drawing/2010/main">
+        <mc:Choice Requires="a14">
+          <p:sp>
+            <p:nvSpPr>
+              <p:cNvPr id="51" name="ZoneTexte 50">
+                <a:extLst>
+                  <a:ext uri="{FF2B5EF4-FFF2-40B4-BE49-F238E27FC236}">
+                    <a16:creationId xmlns:a16="http://schemas.microsoft.com/office/drawing/2014/main" id="{408182C4-13A6-E951-B35B-8261278FF6C0}"/>
+                  </a:ext>
+                </a:extLst>
+              </p:cNvPr>
+              <p:cNvSpPr txBox="1"/>
+              <p:nvPr/>
+            </p:nvSpPr>
+            <p:spPr>
+              <a:xfrm>
+                <a:off x="1937189" y="2293921"/>
+                <a:ext cx="194540" cy="215444"/>
+              </a:xfrm>
+              <a:prstGeom prst="rect">
+                <a:avLst/>
+              </a:prstGeom>
+              <a:noFill/>
+            </p:spPr>
+            <p:txBody>
+              <a:bodyPr wrap="none" lIns="0" tIns="0" rIns="0" bIns="0" rtlCol="0">
+                <a:spAutoFit/>
+              </a:bodyPr>
+              <a:lstStyle/>
+              <a:p>
+                <a:pPr/>
+                <a14:m>
+                  <m:oMathPara xmlns:m="http://schemas.openxmlformats.org/officeDocument/2006/math">
+                    <m:oMathParaPr>
+                      <m:jc m:val="centerGroup"/>
+                    </m:oMathParaPr>
+                    <m:oMath xmlns:m="http://schemas.openxmlformats.org/officeDocument/2006/math">
+                      <m:sSub>
+                        <m:sSubPr>
+                          <m:ctrlPr>
+                            <a:rPr lang="fr-FR" sz="1400" b="0" i="1" smtClean="0">
+                              <a:latin typeface="Cambria Math" panose="02040503050406030204" pitchFamily="18" charset="0"/>
+                            </a:rPr>
+                          </m:ctrlPr>
+                        </m:sSubPr>
+                        <m:e>
+                          <m:r>
+                            <a:rPr lang="fr-FR" sz="1400" b="0" i="1" smtClean="0">
+                              <a:latin typeface="Cambria Math" panose="02040503050406030204" pitchFamily="18" charset="0"/>
+                            </a:rPr>
+                            <m:t>𝑣</m:t>
+                          </m:r>
+                        </m:e>
+                        <m:sub>
+                          <m:r>
+                            <a:rPr lang="fr-FR" sz="1400" b="0" i="1" smtClean="0">
+                              <a:latin typeface="Cambria Math" panose="02040503050406030204" pitchFamily="18" charset="0"/>
+                            </a:rPr>
+                            <m:t>𝑖</m:t>
+                          </m:r>
+                        </m:sub>
+                      </m:sSub>
+                    </m:oMath>
+                  </m:oMathPara>
+                </a14:m>
+                <a:endParaRPr lang="fr-FR" sz="1400" dirty="0"/>
+              </a:p>
+            </p:txBody>
+          </p:sp>
+        </mc:Choice>
+        <mc:Fallback xmlns="">
+          <p:sp>
+            <p:nvSpPr>
+              <p:cNvPr id="51" name="ZoneTexte 50">
+                <a:extLst>
+                  <a:ext uri="{FF2B5EF4-FFF2-40B4-BE49-F238E27FC236}">
+                    <a16:creationId xmlns:a16="http://schemas.microsoft.com/office/drawing/2014/main" id="{408182C4-13A6-E951-B35B-8261278FF6C0}"/>
+                  </a:ext>
+                </a:extLst>
+              </p:cNvPr>
+              <p:cNvSpPr txBox="1">
+                <a:spLocks noRot="1" noChangeAspect="1" noMove="1" noResize="1" noEditPoints="1" noAdjustHandles="1" noChangeArrowheads="1" noChangeShapeType="1" noTextEdit="1"/>
+              </p:cNvSpPr>
+              <p:nvPr/>
+            </p:nvSpPr>
+            <p:spPr>
+              <a:xfrm>
+                <a:off x="1937189" y="2293921"/>
+                <a:ext cx="194540" cy="215444"/>
+              </a:xfrm>
+              <a:prstGeom prst="rect">
+                <a:avLst/>
+              </a:prstGeom>
+              <a:blipFill>
+                <a:blip r:embed="rId8"/>
+                <a:stretch>
+                  <a:fillRect l="-15625" r="-3125" b="-13889"/>
+                </a:stretch>
+              </a:blipFill>
+            </p:spPr>
+            <p:txBody>
+              <a:bodyPr/>
+              <a:lstStyle/>
+              <a:p>
+                <a:r>
+                  <a:rPr lang="fr-FR">
+                    <a:noFill/>
+                  </a:rPr>
+                  <a:t> </a:t>
+                </a:r>
+              </a:p>
+            </p:txBody>
+          </p:sp>
+        </mc:Fallback>
+      </mc:AlternateContent>
+      <mc:AlternateContent xmlns:mc="http://schemas.openxmlformats.org/markup-compatibility/2006" xmlns:a14="http://schemas.microsoft.com/office/drawing/2010/main">
+        <mc:Choice Requires="a14">
+          <p:sp>
+            <p:nvSpPr>
+              <p:cNvPr id="52" name="ZoneTexte 51">
+                <a:extLst>
+                  <a:ext uri="{FF2B5EF4-FFF2-40B4-BE49-F238E27FC236}">
+                    <a16:creationId xmlns:a16="http://schemas.microsoft.com/office/drawing/2014/main" id="{8765A5CD-ED12-2FFE-F9D2-6EBDC4AFA3E8}"/>
+                  </a:ext>
+                </a:extLst>
+              </p:cNvPr>
+              <p:cNvSpPr txBox="1"/>
+              <p:nvPr/>
+            </p:nvSpPr>
+            <p:spPr>
+              <a:xfrm>
+                <a:off x="4420226" y="4542036"/>
+                <a:ext cx="3561295" cy="673711"/>
+              </a:xfrm>
+              <a:prstGeom prst="rect">
+                <a:avLst/>
+              </a:prstGeom>
+              <a:noFill/>
+            </p:spPr>
+            <p:txBody>
+              <a:bodyPr wrap="none" lIns="0" tIns="0" rIns="0" bIns="0" rtlCol="0">
+                <a:spAutoFit/>
+              </a:bodyPr>
+              <a:lstStyle/>
+              <a:p>
+                <a:pPr/>
+                <a14:m>
+                  <m:oMathPara xmlns:m="http://schemas.openxmlformats.org/officeDocument/2006/math">
+                    <m:oMathParaPr>
+                      <m:jc m:val="centerGroup"/>
+                    </m:oMathParaPr>
+                    <m:oMath xmlns:m="http://schemas.openxmlformats.org/officeDocument/2006/math">
+                      <m:nary>
+                        <m:naryPr>
+                          <m:limLoc m:val="undOvr"/>
+                          <m:ctrlPr>
+                            <a:rPr lang="fr-FR" sz="1400" i="1" smtClean="0">
+                              <a:latin typeface="Cambria Math" panose="02040503050406030204" pitchFamily="18" charset="0"/>
+                            </a:rPr>
+                          </m:ctrlPr>
+                        </m:naryPr>
+                        <m:sub>
+                          <m:sSub>
+                            <m:sSubPr>
+                              <m:ctrlPr>
+                                <a:rPr lang="fr-FR" sz="1400" b="0" i="1" smtClean="0">
+                                  <a:latin typeface="Cambria Math" panose="02040503050406030204" pitchFamily="18" charset="0"/>
+                                </a:rPr>
+                              </m:ctrlPr>
+                            </m:sSubPr>
+                            <m:e>
+                              <m:r>
+                                <m:rPr>
+                                  <m:brk m:alnAt="24"/>
+                                </m:rPr>
+                                <a:rPr lang="fr-FR" sz="1400" b="0" i="1" smtClean="0">
+                                  <a:latin typeface="Cambria Math" panose="02040503050406030204" pitchFamily="18" charset="0"/>
+                                </a:rPr>
+                                <m:t>𝑡</m:t>
+                              </m:r>
+                            </m:e>
+                            <m:sub>
+                              <m:r>
+                                <a:rPr lang="fr-FR" sz="1400" b="0" i="1" smtClean="0">
+                                  <a:latin typeface="Cambria Math" panose="02040503050406030204" pitchFamily="18" charset="0"/>
+                                </a:rPr>
+                                <m:t>𝑘</m:t>
+                              </m:r>
+                            </m:sub>
+                          </m:sSub>
+                        </m:sub>
+                        <m:sup>
+                          <m:sSub>
+                            <m:sSubPr>
+                              <m:ctrlPr>
+                                <a:rPr lang="fr-FR" sz="1400" b="0" i="1" smtClean="0">
+                                  <a:latin typeface="Cambria Math" panose="02040503050406030204" pitchFamily="18" charset="0"/>
+                                </a:rPr>
+                              </m:ctrlPr>
+                            </m:sSubPr>
+                            <m:e>
+                              <m:r>
+                                <a:rPr lang="fr-FR" sz="1400" b="0" i="1" smtClean="0">
+                                  <a:latin typeface="Cambria Math" panose="02040503050406030204" pitchFamily="18" charset="0"/>
+                                </a:rPr>
+                                <m:t>𝑡</m:t>
+                              </m:r>
+                            </m:e>
+                            <m:sub>
+                              <m:r>
+                                <a:rPr lang="fr-FR" sz="1400" b="0" i="1" smtClean="0">
+                                  <a:latin typeface="Cambria Math" panose="02040503050406030204" pitchFamily="18" charset="0"/>
+                                </a:rPr>
+                                <m:t>𝑘</m:t>
+                              </m:r>
+                              <m:r>
+                                <a:rPr lang="fr-FR" sz="1400" b="0" i="1" smtClean="0">
+                                  <a:latin typeface="Cambria Math" panose="02040503050406030204" pitchFamily="18" charset="0"/>
+                                </a:rPr>
+                                <m:t>+1</m:t>
+                              </m:r>
+                            </m:sub>
+                          </m:sSub>
+                        </m:sup>
+                        <m:e>
+                          <m:r>
+                            <a:rPr lang="fr-FR" sz="1400" b="0" i="1" smtClean="0">
+                              <a:latin typeface="Cambria Math" panose="02040503050406030204" pitchFamily="18" charset="0"/>
+                            </a:rPr>
+                            <m:t>𝑓</m:t>
+                          </m:r>
+                          <m:d>
+                            <m:dPr>
+                              <m:ctrlPr>
+                                <a:rPr lang="fr-FR" sz="1400" b="0" i="1" smtClean="0">
+                                  <a:latin typeface="Cambria Math" panose="02040503050406030204" pitchFamily="18" charset="0"/>
+                                </a:rPr>
+                              </m:ctrlPr>
+                            </m:dPr>
+                            <m:e>
+                              <m:r>
+                                <a:rPr lang="fr-FR" sz="1400" b="0" i="1" smtClean="0">
+                                  <a:latin typeface="Cambria Math" panose="02040503050406030204" pitchFamily="18" charset="0"/>
+                                </a:rPr>
+                                <m:t>𝑡</m:t>
+                              </m:r>
+                            </m:e>
+                          </m:d>
+                          <m:r>
+                            <m:rPr>
+                              <m:sty m:val="p"/>
+                            </m:rPr>
+                            <a:rPr lang="fr-FR" sz="1400" b="0" i="0" smtClean="0">
+                              <a:latin typeface="Cambria Math" panose="02040503050406030204" pitchFamily="18" charset="0"/>
+                            </a:rPr>
+                            <m:t>d</m:t>
+                          </m:r>
+                          <m:r>
+                            <a:rPr lang="fr-FR" sz="1400" b="0" i="1" smtClean="0">
+                              <a:latin typeface="Cambria Math" panose="02040503050406030204" pitchFamily="18" charset="0"/>
+                            </a:rPr>
+                            <m:t>𝑡</m:t>
+                          </m:r>
+                        </m:e>
+                      </m:nary>
+                      <m:r>
+                        <a:rPr lang="fr-FR" sz="1400" b="0" i="1" smtClean="0">
+                          <a:latin typeface="Cambria Math" panose="02040503050406030204" pitchFamily="18" charset="0"/>
+                        </a:rPr>
+                        <m:t>≃</m:t>
+                      </m:r>
+                      <m:f>
+                        <m:fPr>
+                          <m:ctrlPr>
+                            <a:rPr lang="fr-FR" sz="1400" b="0" i="1" smtClean="0">
+                              <a:latin typeface="Cambria Math" panose="02040503050406030204" pitchFamily="18" charset="0"/>
+                            </a:rPr>
+                          </m:ctrlPr>
+                        </m:fPr>
+                        <m:num>
+                          <m:r>
+                            <a:rPr lang="fr-FR" sz="1400" b="0" i="1" smtClean="0">
+                              <a:latin typeface="Cambria Math" panose="02040503050406030204" pitchFamily="18" charset="0"/>
+                            </a:rPr>
+                            <m:t>1</m:t>
+                          </m:r>
+                        </m:num>
+                        <m:den>
+                          <m:r>
+                            <a:rPr lang="fr-FR" sz="1400" b="0" i="1" smtClean="0">
+                              <a:latin typeface="Cambria Math" panose="02040503050406030204" pitchFamily="18" charset="0"/>
+                            </a:rPr>
+                            <m:t>2</m:t>
+                          </m:r>
+                        </m:den>
+                      </m:f>
+                      <m:d>
+                        <m:dPr>
+                          <m:ctrlPr>
+                            <a:rPr lang="fr-FR" sz="1400" b="0" i="1" smtClean="0">
+                              <a:latin typeface="Cambria Math" panose="02040503050406030204" pitchFamily="18" charset="0"/>
+                            </a:rPr>
+                          </m:ctrlPr>
+                        </m:dPr>
+                        <m:e>
+                          <m:r>
+                            <a:rPr lang="fr-FR" sz="1400" b="0" i="1" smtClean="0">
+                              <a:latin typeface="Cambria Math" panose="02040503050406030204" pitchFamily="18" charset="0"/>
+                            </a:rPr>
+                            <m:t>𝑓</m:t>
+                          </m:r>
+                          <m:d>
+                            <m:dPr>
+                              <m:ctrlPr>
+                                <a:rPr lang="fr-FR" sz="1400" b="0" i="1" smtClean="0">
+                                  <a:latin typeface="Cambria Math" panose="02040503050406030204" pitchFamily="18" charset="0"/>
+                                </a:rPr>
+                              </m:ctrlPr>
+                            </m:dPr>
+                            <m:e>
+                              <m:sSub>
+                                <m:sSubPr>
+                                  <m:ctrlPr>
+                                    <a:rPr lang="fr-FR" sz="1400" b="0" i="1" smtClean="0">
+                                      <a:latin typeface="Cambria Math" panose="02040503050406030204" pitchFamily="18" charset="0"/>
+                                    </a:rPr>
+                                  </m:ctrlPr>
+                                </m:sSubPr>
+                                <m:e>
+                                  <m:r>
+                                    <a:rPr lang="fr-FR" sz="1400" b="0" i="1" smtClean="0">
+                                      <a:latin typeface="Cambria Math" panose="02040503050406030204" pitchFamily="18" charset="0"/>
+                                    </a:rPr>
+                                    <m:t>𝑡</m:t>
+                                  </m:r>
+                                </m:e>
+                                <m:sub>
+                                  <m:r>
+                                    <a:rPr lang="fr-FR" sz="1400" i="1">
+                                      <a:latin typeface="Cambria Math" panose="02040503050406030204" pitchFamily="18" charset="0"/>
+                                    </a:rPr>
+                                    <m:t>𝑘</m:t>
+                                  </m:r>
+                                </m:sub>
+                              </m:sSub>
+                            </m:e>
+                          </m:d>
+                          <m:r>
+                            <a:rPr lang="fr-FR" sz="1400" i="1">
+                              <a:latin typeface="Cambria Math" panose="02040503050406030204" pitchFamily="18" charset="0"/>
+                            </a:rPr>
+                            <m:t>+</m:t>
+                          </m:r>
+                          <m:r>
+                            <a:rPr lang="fr-FR" sz="1400" i="1">
+                              <a:latin typeface="Cambria Math" panose="02040503050406030204" pitchFamily="18" charset="0"/>
+                            </a:rPr>
+                            <m:t>𝑓</m:t>
+                          </m:r>
+                          <m:d>
+                            <m:dPr>
+                              <m:ctrlPr>
+                                <a:rPr lang="fr-FR" sz="1400" i="1">
+                                  <a:latin typeface="Cambria Math" panose="02040503050406030204" pitchFamily="18" charset="0"/>
+                                </a:rPr>
+                              </m:ctrlPr>
+                            </m:dPr>
+                            <m:e>
+                              <m:sSub>
+                                <m:sSubPr>
+                                  <m:ctrlPr>
+                                    <a:rPr lang="fr-FR" sz="1400" i="1">
+                                      <a:latin typeface="Cambria Math" panose="02040503050406030204" pitchFamily="18" charset="0"/>
+                                    </a:rPr>
+                                  </m:ctrlPr>
+                                </m:sSubPr>
+                                <m:e>
+                                  <m:r>
+                                    <a:rPr lang="fr-FR" sz="1400" i="1">
+                                      <a:latin typeface="Cambria Math" panose="02040503050406030204" pitchFamily="18" charset="0"/>
+                                    </a:rPr>
+                                    <m:t>𝑡</m:t>
+                                  </m:r>
+                                </m:e>
+                                <m:sub>
+                                  <m:r>
+                                    <a:rPr lang="fr-FR" sz="1400" i="1">
+                                      <a:latin typeface="Cambria Math" panose="02040503050406030204" pitchFamily="18" charset="0"/>
+                                    </a:rPr>
+                                    <m:t>𝑘</m:t>
+                                  </m:r>
+                                  <m:r>
+                                    <a:rPr lang="fr-FR" sz="1400" i="1">
+                                      <a:latin typeface="Cambria Math" panose="02040503050406030204" pitchFamily="18" charset="0"/>
+                                    </a:rPr>
+                                    <m:t>+1</m:t>
+                                  </m:r>
+                                </m:sub>
+                              </m:sSub>
+                            </m:e>
+                          </m:d>
+                        </m:e>
+                      </m:d>
+                      <m:r>
+                        <a:rPr lang="fr-FR" sz="1400" b="0" i="1" smtClean="0">
+                          <a:latin typeface="Cambria Math" panose="02040503050406030204" pitchFamily="18" charset="0"/>
+                        </a:rPr>
+                        <m:t>⋅</m:t>
+                      </m:r>
+                      <m:d>
+                        <m:dPr>
+                          <m:ctrlPr>
+                            <a:rPr lang="fr-FR" sz="1400" i="1">
+                              <a:latin typeface="Cambria Math" panose="02040503050406030204" pitchFamily="18" charset="0"/>
+                            </a:rPr>
+                          </m:ctrlPr>
+                        </m:dPr>
+                        <m:e>
+                          <m:sSub>
+                            <m:sSubPr>
+                              <m:ctrlPr>
+                                <a:rPr lang="fr-FR" sz="1400" i="1">
+                                  <a:latin typeface="Cambria Math" panose="02040503050406030204" pitchFamily="18" charset="0"/>
+                                </a:rPr>
+                              </m:ctrlPr>
+                            </m:sSubPr>
+                            <m:e>
+                              <m:r>
+                                <a:rPr lang="fr-FR" sz="1400" i="1">
+                                  <a:latin typeface="Cambria Math" panose="02040503050406030204" pitchFamily="18" charset="0"/>
+                                </a:rPr>
+                                <m:t>𝑡</m:t>
+                              </m:r>
+                            </m:e>
+                            <m:sub>
+                              <m:r>
+                                <a:rPr lang="fr-FR" sz="1400" i="1">
+                                  <a:latin typeface="Cambria Math" panose="02040503050406030204" pitchFamily="18" charset="0"/>
+                                </a:rPr>
+                                <m:t>𝑘</m:t>
+                              </m:r>
+                              <m:r>
+                                <a:rPr lang="fr-FR" sz="1400" i="1">
+                                  <a:latin typeface="Cambria Math" panose="02040503050406030204" pitchFamily="18" charset="0"/>
+                                </a:rPr>
+                                <m:t>+1</m:t>
+                              </m:r>
+                            </m:sub>
+                          </m:sSub>
+                          <m:r>
+                            <a:rPr lang="fr-FR" sz="1400" b="0" i="1" smtClean="0">
+                              <a:latin typeface="Cambria Math" panose="02040503050406030204" pitchFamily="18" charset="0"/>
+                            </a:rPr>
+                            <m:t>−</m:t>
+                          </m:r>
+                          <m:sSub>
+                            <m:sSubPr>
+                              <m:ctrlPr>
+                                <a:rPr lang="fr-FR" sz="1400" i="1">
+                                  <a:latin typeface="Cambria Math" panose="02040503050406030204" pitchFamily="18" charset="0"/>
+                                </a:rPr>
+                              </m:ctrlPr>
+                            </m:sSubPr>
+                            <m:e>
+                              <m:r>
+                                <a:rPr lang="fr-FR" sz="1400" i="1">
+                                  <a:latin typeface="Cambria Math" panose="02040503050406030204" pitchFamily="18" charset="0"/>
+                                </a:rPr>
+                                <m:t>𝑡</m:t>
+                              </m:r>
+                            </m:e>
+                            <m:sub>
+                              <m:r>
+                                <a:rPr lang="fr-FR" sz="1400" i="1">
+                                  <a:latin typeface="Cambria Math" panose="02040503050406030204" pitchFamily="18" charset="0"/>
+                                </a:rPr>
+                                <m:t>𝑘</m:t>
+                              </m:r>
+                            </m:sub>
+                          </m:sSub>
+                        </m:e>
+                      </m:d>
+                    </m:oMath>
+                  </m:oMathPara>
+                </a14:m>
+                <a:endParaRPr lang="fr-FR" sz="1400" dirty="0"/>
+              </a:p>
+            </p:txBody>
+          </p:sp>
+        </mc:Choice>
+        <mc:Fallback xmlns="">
+          <p:sp>
+            <p:nvSpPr>
+              <p:cNvPr id="52" name="ZoneTexte 51">
+                <a:extLst>
+                  <a:ext uri="{FF2B5EF4-FFF2-40B4-BE49-F238E27FC236}">
+                    <a16:creationId xmlns:a16="http://schemas.microsoft.com/office/drawing/2014/main" id="{8765A5CD-ED12-2FFE-F9D2-6EBDC4AFA3E8}"/>
+                  </a:ext>
+                </a:extLst>
+              </p:cNvPr>
+              <p:cNvSpPr txBox="1">
+                <a:spLocks noRot="1" noChangeAspect="1" noMove="1" noResize="1" noEditPoints="1" noAdjustHandles="1" noChangeArrowheads="1" noChangeShapeType="1" noTextEdit="1"/>
+              </p:cNvSpPr>
+              <p:nvPr/>
+            </p:nvSpPr>
+            <p:spPr>
+              <a:xfrm>
+                <a:off x="4420226" y="4542036"/>
+                <a:ext cx="3561295" cy="673711"/>
+              </a:xfrm>
+              <a:prstGeom prst="rect">
+                <a:avLst/>
+              </a:prstGeom>
+              <a:blipFill>
+                <a:blip r:embed="rId9"/>
+                <a:stretch>
+                  <a:fillRect/>
+                </a:stretch>
+              </a:blipFill>
+            </p:spPr>
+            <p:txBody>
+              <a:bodyPr/>
+              <a:lstStyle/>
+              <a:p>
+                <a:r>
+                  <a:rPr lang="fr-FR">
+                    <a:noFill/>
+                  </a:rPr>
+                  <a:t> </a:t>
+                </a:r>
+              </a:p>
+            </p:txBody>
+          </p:sp>
+        </mc:Fallback>
+      </mc:AlternateContent>
+      <p:sp>
+        <p:nvSpPr>
+          <p:cNvPr id="53" name="Trapèze 52">
+            <a:extLst>
+              <a:ext uri="{FF2B5EF4-FFF2-40B4-BE49-F238E27FC236}">
+                <a16:creationId xmlns:a16="http://schemas.microsoft.com/office/drawing/2014/main" id="{F09634BB-9CBA-FB01-D468-B7D092645A28}"/>
+              </a:ext>
+            </a:extLst>
+          </p:cNvPr>
+          <p:cNvSpPr/>
+          <p:nvPr/>
+        </p:nvSpPr>
+        <p:spPr>
+          <a:xfrm>
+            <a:off x="5572273" y="2282421"/>
+            <a:ext cx="1968863" cy="973667"/>
+          </a:xfrm>
+          <a:prstGeom prst="trapezoid">
+            <a:avLst>
+              <a:gd name="adj" fmla="val 26044"/>
+            </a:avLst>
+          </a:prstGeom>
+          <a:solidFill>
+            <a:schemeClr val="accent2">
+              <a:lumMod val="20000"/>
+              <a:lumOff val="80000"/>
+            </a:schemeClr>
+          </a:solidFill>
+          <a:ln>
+            <a:solidFill>
+              <a:schemeClr val="accent2">
+                <a:lumMod val="50000"/>
+              </a:schemeClr>
+            </a:solidFill>
+          </a:ln>
+        </p:spPr>
+        <p:style>
+          <a:lnRef idx="2">
+            <a:schemeClr val="accent1">
+              <a:shade val="15000"/>
+            </a:schemeClr>
+          </a:lnRef>
+          <a:fillRef idx="1">
+            <a:schemeClr val="accent1"/>
+          </a:fillRef>
+          <a:effectRef idx="0">
+            <a:schemeClr val="accent1"/>
+          </a:effectRef>
+          <a:fontRef idx="minor">
+            <a:schemeClr val="lt1"/>
+          </a:fontRef>
+        </p:style>
+        <p:txBody>
+          <a:bodyPr rtlCol="0" anchor="ctr"/>
+          <a:lstStyle/>
+          <a:p>
+            <a:pPr algn="ctr"/>
+            <a:endParaRPr lang="fr-FR" dirty="0"/>
+          </a:p>
+        </p:txBody>
+      </p:sp>
+    </p:spTree>
+    <p:extLst>
+      <p:ext uri="{BB962C8B-B14F-4D97-AF65-F5344CB8AC3E}">
+        <p14:creationId xmlns:p14="http://schemas.microsoft.com/office/powerpoint/2010/main" val="3936428797"/>
       </p:ext>
     </p:extLst>
   </p:cSld>
@@ -5071,6 +6935,4780 @@
 </file>
 
 <file path=ppt/slides/slide3.xml><?xml version="1.0" encoding="utf-8"?>
+<p:sld xmlns:a="http://schemas.openxmlformats.org/drawingml/2006/main" xmlns:r="http://schemas.openxmlformats.org/officeDocument/2006/relationships" xmlns:p="http://schemas.openxmlformats.org/presentationml/2006/main">
+  <p:cSld>
+    <p:spTree>
+      <p:nvGrpSpPr>
+        <p:cNvPr id="1" name="">
+          <a:extLst>
+            <a:ext uri="{FF2B5EF4-FFF2-40B4-BE49-F238E27FC236}">
+              <a16:creationId xmlns:a16="http://schemas.microsoft.com/office/drawing/2014/main" id="{AB5A25F3-509F-C4B1-6BAE-48BDDD839ACE}"/>
+            </a:ext>
+          </a:extLst>
+        </p:cNvPr>
+        <p:cNvGrpSpPr/>
+        <p:nvPr/>
+      </p:nvGrpSpPr>
+      <p:grpSpPr>
+        <a:xfrm>
+          <a:off x="0" y="0"/>
+          <a:ext cx="0" cy="0"/>
+          <a:chOff x="0" y="0"/>
+          <a:chExt cx="0" cy="0"/>
+        </a:xfrm>
+      </p:grpSpPr>
+      <p:cxnSp>
+        <p:nvCxnSpPr>
+          <p:cNvPr id="56" name="Connecteur droit 55">
+            <a:extLst>
+              <a:ext uri="{FF2B5EF4-FFF2-40B4-BE49-F238E27FC236}">
+                <a16:creationId xmlns:a16="http://schemas.microsoft.com/office/drawing/2014/main" id="{FD4A5153-AB27-DA17-FE85-16B8E18AB71E}"/>
+              </a:ext>
+            </a:extLst>
+          </p:cNvPr>
+          <p:cNvCxnSpPr>
+            <a:cxnSpLocks/>
+          </p:cNvCxnSpPr>
+          <p:nvPr/>
+        </p:nvCxnSpPr>
+        <p:spPr>
+          <a:xfrm>
+            <a:off x="7289800" y="368300"/>
+            <a:ext cx="0" cy="543881"/>
+          </a:xfrm>
+          <a:prstGeom prst="line">
+            <a:avLst/>
+          </a:prstGeom>
+          <a:noFill/>
+          <a:ln w="28575">
+            <a:solidFill>
+              <a:srgbClr val="0070C0"/>
+            </a:solidFill>
+            <a:headEnd type="stealth" w="med" len="lg"/>
+            <a:tailEnd type="none"/>
+          </a:ln>
+        </p:spPr>
+        <p:style>
+          <a:lnRef idx="2">
+            <a:schemeClr val="accent1">
+              <a:shade val="50000"/>
+            </a:schemeClr>
+          </a:lnRef>
+          <a:fillRef idx="1">
+            <a:schemeClr val="accent1"/>
+          </a:fillRef>
+          <a:effectRef idx="0">
+            <a:schemeClr val="accent1"/>
+          </a:effectRef>
+          <a:fontRef idx="minor">
+            <a:schemeClr val="lt1"/>
+          </a:fontRef>
+        </p:style>
+      </p:cxnSp>
+      <p:cxnSp>
+        <p:nvCxnSpPr>
+          <p:cNvPr id="35" name="Connecteur droit 34">
+            <a:extLst>
+              <a:ext uri="{FF2B5EF4-FFF2-40B4-BE49-F238E27FC236}">
+                <a16:creationId xmlns:a16="http://schemas.microsoft.com/office/drawing/2014/main" id="{1AA5A1D8-4B9E-0768-805C-3854AFC1A4B8}"/>
+              </a:ext>
+            </a:extLst>
+          </p:cNvPr>
+          <p:cNvCxnSpPr>
+            <a:cxnSpLocks/>
+          </p:cNvCxnSpPr>
+          <p:nvPr/>
+        </p:nvCxnSpPr>
+        <p:spPr>
+          <a:xfrm flipH="1">
+            <a:off x="7274257" y="479869"/>
+            <a:ext cx="788749" cy="443431"/>
+          </a:xfrm>
+          <a:prstGeom prst="line">
+            <a:avLst/>
+          </a:prstGeom>
+          <a:noFill/>
+          <a:ln w="28575">
+            <a:solidFill>
+              <a:srgbClr val="002060"/>
+            </a:solidFill>
+            <a:headEnd type="stealth" w="med" len="lg"/>
+            <a:tailEnd type="none"/>
+          </a:ln>
+        </p:spPr>
+        <p:style>
+          <a:lnRef idx="2">
+            <a:schemeClr val="accent1">
+              <a:shade val="50000"/>
+            </a:schemeClr>
+          </a:lnRef>
+          <a:fillRef idx="1">
+            <a:schemeClr val="accent1"/>
+          </a:fillRef>
+          <a:effectRef idx="0">
+            <a:schemeClr val="accent1"/>
+          </a:effectRef>
+          <a:fontRef idx="minor">
+            <a:schemeClr val="lt1"/>
+          </a:fontRef>
+        </p:style>
+      </p:cxnSp>
+      <p:sp>
+        <p:nvSpPr>
+          <p:cNvPr id="12" name="Cylindre 11">
+            <a:extLst>
+              <a:ext uri="{FF2B5EF4-FFF2-40B4-BE49-F238E27FC236}">
+                <a16:creationId xmlns:a16="http://schemas.microsoft.com/office/drawing/2014/main" id="{72956250-9F5C-8EC9-34E6-681BF8AF4D89}"/>
+              </a:ext>
+            </a:extLst>
+          </p:cNvPr>
+          <p:cNvSpPr/>
+          <p:nvPr/>
+        </p:nvSpPr>
+        <p:spPr>
+          <a:xfrm>
+            <a:off x="4789298" y="2481439"/>
+            <a:ext cx="216000" cy="432000"/>
+          </a:xfrm>
+          <a:prstGeom prst="can">
+            <a:avLst>
+              <a:gd name="adj" fmla="val 52625"/>
+            </a:avLst>
+          </a:prstGeom>
+          <a:noFill/>
+          <a:ln w="28575">
+            <a:solidFill>
+              <a:srgbClr val="C00000"/>
+            </a:solidFill>
+          </a:ln>
+        </p:spPr>
+        <p:style>
+          <a:lnRef idx="2">
+            <a:schemeClr val="accent1">
+              <a:shade val="50000"/>
+            </a:schemeClr>
+          </a:lnRef>
+          <a:fillRef idx="1">
+            <a:schemeClr val="accent1"/>
+          </a:fillRef>
+          <a:effectRef idx="0">
+            <a:schemeClr val="accent1"/>
+          </a:effectRef>
+          <a:fontRef idx="minor">
+            <a:schemeClr val="lt1"/>
+          </a:fontRef>
+        </p:style>
+        <p:txBody>
+          <a:bodyPr rtlCol="0" anchor="ctr"/>
+          <a:lstStyle/>
+          <a:p>
+            <a:pPr algn="ctr"/>
+            <a:endParaRPr lang="fr-FR"/>
+          </a:p>
+        </p:txBody>
+      </p:sp>
+      <p:cxnSp>
+        <p:nvCxnSpPr>
+          <p:cNvPr id="17" name="Connecteur droit 16">
+            <a:extLst>
+              <a:ext uri="{FF2B5EF4-FFF2-40B4-BE49-F238E27FC236}">
+                <a16:creationId xmlns:a16="http://schemas.microsoft.com/office/drawing/2014/main" id="{044C6972-0354-8506-B865-77AD6DCFAC3D}"/>
+              </a:ext>
+            </a:extLst>
+          </p:cNvPr>
+          <p:cNvCxnSpPr>
+            <a:cxnSpLocks/>
+          </p:cNvCxnSpPr>
+          <p:nvPr/>
+        </p:nvCxnSpPr>
+        <p:spPr>
+          <a:xfrm flipV="1">
+            <a:off x="5009531" y="2100910"/>
+            <a:ext cx="1001801" cy="596529"/>
+          </a:xfrm>
+          <a:prstGeom prst="line">
+            <a:avLst/>
+          </a:prstGeom>
+          <a:noFill/>
+          <a:ln w="28575">
+            <a:solidFill>
+              <a:srgbClr val="C00000"/>
+            </a:solidFill>
+          </a:ln>
+        </p:spPr>
+        <p:style>
+          <a:lnRef idx="2">
+            <a:schemeClr val="accent1">
+              <a:shade val="50000"/>
+            </a:schemeClr>
+          </a:lnRef>
+          <a:fillRef idx="1">
+            <a:schemeClr val="accent1"/>
+          </a:fillRef>
+          <a:effectRef idx="0">
+            <a:schemeClr val="accent1"/>
+          </a:effectRef>
+          <a:fontRef idx="minor">
+            <a:schemeClr val="lt1"/>
+          </a:fontRef>
+        </p:style>
+      </p:cxnSp>
+      <p:cxnSp>
+        <p:nvCxnSpPr>
+          <p:cNvPr id="21" name="Connecteur droit 20">
+            <a:extLst>
+              <a:ext uri="{FF2B5EF4-FFF2-40B4-BE49-F238E27FC236}">
+                <a16:creationId xmlns:a16="http://schemas.microsoft.com/office/drawing/2014/main" id="{4AA82D37-918D-F84A-AAD0-07D2CD3B45ED}"/>
+              </a:ext>
+            </a:extLst>
+          </p:cNvPr>
+          <p:cNvCxnSpPr>
+            <a:cxnSpLocks/>
+            <a:stCxn id="12" idx="3"/>
+          </p:cNvCxnSpPr>
+          <p:nvPr/>
+        </p:nvCxnSpPr>
+        <p:spPr>
+          <a:xfrm>
+            <a:off x="4897298" y="2913439"/>
+            <a:ext cx="0" cy="172661"/>
+          </a:xfrm>
+          <a:prstGeom prst="line">
+            <a:avLst/>
+          </a:prstGeom>
+          <a:noFill/>
+          <a:ln w="28575">
+            <a:solidFill>
+              <a:srgbClr val="0070C0"/>
+            </a:solidFill>
+          </a:ln>
+        </p:spPr>
+        <p:style>
+          <a:lnRef idx="2">
+            <a:schemeClr val="accent1">
+              <a:shade val="50000"/>
+            </a:schemeClr>
+          </a:lnRef>
+          <a:fillRef idx="1">
+            <a:schemeClr val="accent1"/>
+          </a:fillRef>
+          <a:effectRef idx="0">
+            <a:schemeClr val="accent1"/>
+          </a:effectRef>
+          <a:fontRef idx="minor">
+            <a:schemeClr val="lt1"/>
+          </a:fontRef>
+        </p:style>
+      </p:cxnSp>
+      <p:cxnSp>
+        <p:nvCxnSpPr>
+          <p:cNvPr id="28" name="Connecteur droit 27">
+            <a:extLst>
+              <a:ext uri="{FF2B5EF4-FFF2-40B4-BE49-F238E27FC236}">
+                <a16:creationId xmlns:a16="http://schemas.microsoft.com/office/drawing/2014/main" id="{707B00A7-9AE1-6006-8CAF-604AF5F8C8B0}"/>
+              </a:ext>
+            </a:extLst>
+          </p:cNvPr>
+          <p:cNvCxnSpPr>
+            <a:cxnSpLocks/>
+          </p:cNvCxnSpPr>
+          <p:nvPr/>
+        </p:nvCxnSpPr>
+        <p:spPr>
+          <a:xfrm flipV="1">
+            <a:off x="6171996" y="1410929"/>
+            <a:ext cx="1029523" cy="578792"/>
+          </a:xfrm>
+          <a:prstGeom prst="line">
+            <a:avLst/>
+          </a:prstGeom>
+          <a:noFill/>
+          <a:ln w="28575">
+            <a:solidFill>
+              <a:srgbClr val="C00000"/>
+            </a:solidFill>
+          </a:ln>
+        </p:spPr>
+        <p:style>
+          <a:lnRef idx="2">
+            <a:schemeClr val="accent1">
+              <a:shade val="50000"/>
+            </a:schemeClr>
+          </a:lnRef>
+          <a:fillRef idx="1">
+            <a:schemeClr val="accent1"/>
+          </a:fillRef>
+          <a:effectRef idx="0">
+            <a:schemeClr val="accent1"/>
+          </a:effectRef>
+          <a:fontRef idx="minor">
+            <a:schemeClr val="lt1"/>
+          </a:fontRef>
+        </p:style>
+      </p:cxnSp>
+      <p:cxnSp>
+        <p:nvCxnSpPr>
+          <p:cNvPr id="34" name="Connecteur droit 33">
+            <a:extLst>
+              <a:ext uri="{FF2B5EF4-FFF2-40B4-BE49-F238E27FC236}">
+                <a16:creationId xmlns:a16="http://schemas.microsoft.com/office/drawing/2014/main" id="{993C3675-8467-B364-153F-E2F8E1FE8192}"/>
+              </a:ext>
+            </a:extLst>
+          </p:cNvPr>
+          <p:cNvCxnSpPr>
+            <a:cxnSpLocks/>
+          </p:cNvCxnSpPr>
+          <p:nvPr/>
+        </p:nvCxnSpPr>
+        <p:spPr>
+          <a:xfrm>
+            <a:off x="4897298" y="2197100"/>
+            <a:ext cx="0" cy="347839"/>
+          </a:xfrm>
+          <a:prstGeom prst="line">
+            <a:avLst/>
+          </a:prstGeom>
+          <a:noFill/>
+          <a:ln w="28575">
+            <a:solidFill>
+              <a:srgbClr val="0070C0"/>
+            </a:solidFill>
+          </a:ln>
+        </p:spPr>
+        <p:style>
+          <a:lnRef idx="2">
+            <a:schemeClr val="accent1">
+              <a:shade val="50000"/>
+            </a:schemeClr>
+          </a:lnRef>
+          <a:fillRef idx="1">
+            <a:schemeClr val="accent1"/>
+          </a:fillRef>
+          <a:effectRef idx="0">
+            <a:schemeClr val="accent1"/>
+          </a:effectRef>
+          <a:fontRef idx="minor">
+            <a:schemeClr val="lt1"/>
+          </a:fontRef>
+        </p:style>
+      </p:cxnSp>
+      <p:sp>
+        <p:nvSpPr>
+          <p:cNvPr id="36" name="Cylindre 35">
+            <a:extLst>
+              <a:ext uri="{FF2B5EF4-FFF2-40B4-BE49-F238E27FC236}">
+                <a16:creationId xmlns:a16="http://schemas.microsoft.com/office/drawing/2014/main" id="{9B11E301-8D3B-3AB5-582C-D87603AACDB7}"/>
+              </a:ext>
+            </a:extLst>
+          </p:cNvPr>
+          <p:cNvSpPr/>
+          <p:nvPr/>
+        </p:nvSpPr>
+        <p:spPr>
+          <a:xfrm>
+            <a:off x="7177667" y="1173339"/>
+            <a:ext cx="216000" cy="432000"/>
+          </a:xfrm>
+          <a:prstGeom prst="can">
+            <a:avLst>
+              <a:gd name="adj" fmla="val 52625"/>
+            </a:avLst>
+          </a:prstGeom>
+          <a:noFill/>
+          <a:ln w="28575">
+            <a:solidFill>
+              <a:srgbClr val="C00000"/>
+            </a:solidFill>
+          </a:ln>
+        </p:spPr>
+        <p:style>
+          <a:lnRef idx="2">
+            <a:schemeClr val="accent1">
+              <a:shade val="50000"/>
+            </a:schemeClr>
+          </a:lnRef>
+          <a:fillRef idx="1">
+            <a:schemeClr val="accent1"/>
+          </a:fillRef>
+          <a:effectRef idx="0">
+            <a:schemeClr val="accent1"/>
+          </a:effectRef>
+          <a:fontRef idx="minor">
+            <a:schemeClr val="lt1"/>
+          </a:fontRef>
+        </p:style>
+        <p:txBody>
+          <a:bodyPr rtlCol="0" anchor="ctr"/>
+          <a:lstStyle/>
+          <a:p>
+            <a:pPr algn="ctr"/>
+            <a:endParaRPr lang="fr-FR"/>
+          </a:p>
+        </p:txBody>
+      </p:sp>
+      <p:cxnSp>
+        <p:nvCxnSpPr>
+          <p:cNvPr id="37" name="Connecteur droit 36">
+            <a:extLst>
+              <a:ext uri="{FF2B5EF4-FFF2-40B4-BE49-F238E27FC236}">
+                <a16:creationId xmlns:a16="http://schemas.microsoft.com/office/drawing/2014/main" id="{DCF2DA82-07BD-6B02-33A0-4E5C4DC8C668}"/>
+              </a:ext>
+            </a:extLst>
+          </p:cNvPr>
+          <p:cNvCxnSpPr>
+            <a:cxnSpLocks/>
+            <a:stCxn id="36" idx="3"/>
+          </p:cNvCxnSpPr>
+          <p:nvPr/>
+        </p:nvCxnSpPr>
+        <p:spPr>
+          <a:xfrm>
+            <a:off x="7285667" y="1605339"/>
+            <a:ext cx="0" cy="172661"/>
+          </a:xfrm>
+          <a:prstGeom prst="line">
+            <a:avLst/>
+          </a:prstGeom>
+          <a:noFill/>
+          <a:ln w="28575">
+            <a:solidFill>
+              <a:srgbClr val="0070C0"/>
+            </a:solidFill>
+          </a:ln>
+        </p:spPr>
+        <p:style>
+          <a:lnRef idx="2">
+            <a:schemeClr val="accent1">
+              <a:shade val="50000"/>
+            </a:schemeClr>
+          </a:lnRef>
+          <a:fillRef idx="1">
+            <a:schemeClr val="accent1"/>
+          </a:fillRef>
+          <a:effectRef idx="0">
+            <a:schemeClr val="accent1"/>
+          </a:effectRef>
+          <a:fontRef idx="minor">
+            <a:schemeClr val="lt1"/>
+          </a:fontRef>
+        </p:style>
+      </p:cxnSp>
+      <p:cxnSp>
+        <p:nvCxnSpPr>
+          <p:cNvPr id="38" name="Connecteur droit 37">
+            <a:extLst>
+              <a:ext uri="{FF2B5EF4-FFF2-40B4-BE49-F238E27FC236}">
+                <a16:creationId xmlns:a16="http://schemas.microsoft.com/office/drawing/2014/main" id="{4CEFEE78-E72B-D713-FD3B-D371A80DF9C4}"/>
+              </a:ext>
+            </a:extLst>
+          </p:cNvPr>
+          <p:cNvCxnSpPr>
+            <a:cxnSpLocks/>
+          </p:cNvCxnSpPr>
+          <p:nvPr/>
+        </p:nvCxnSpPr>
+        <p:spPr>
+          <a:xfrm>
+            <a:off x="7285667" y="889000"/>
+            <a:ext cx="0" cy="347839"/>
+          </a:xfrm>
+          <a:prstGeom prst="line">
+            <a:avLst/>
+          </a:prstGeom>
+          <a:noFill/>
+          <a:ln w="28575">
+            <a:solidFill>
+              <a:srgbClr val="0070C0"/>
+            </a:solidFill>
+          </a:ln>
+        </p:spPr>
+        <p:style>
+          <a:lnRef idx="2">
+            <a:schemeClr val="accent1">
+              <a:shade val="50000"/>
+            </a:schemeClr>
+          </a:lnRef>
+          <a:fillRef idx="1">
+            <a:schemeClr val="accent1"/>
+          </a:fillRef>
+          <a:effectRef idx="0">
+            <a:schemeClr val="accent1"/>
+          </a:effectRef>
+          <a:fontRef idx="minor">
+            <a:schemeClr val="lt1"/>
+          </a:fontRef>
+        </p:style>
+      </p:cxnSp>
+      <p:sp>
+        <p:nvSpPr>
+          <p:cNvPr id="40" name="Forme libre : forme 39">
+            <a:extLst>
+              <a:ext uri="{FF2B5EF4-FFF2-40B4-BE49-F238E27FC236}">
+                <a16:creationId xmlns:a16="http://schemas.microsoft.com/office/drawing/2014/main" id="{26BEE697-ABD4-76FA-5246-7AB57442143F}"/>
+              </a:ext>
+            </a:extLst>
+          </p:cNvPr>
+          <p:cNvSpPr/>
+          <p:nvPr/>
+        </p:nvSpPr>
+        <p:spPr>
+          <a:xfrm rot="336999">
+            <a:off x="4111323" y="2046673"/>
+            <a:ext cx="1628118" cy="245262"/>
+          </a:xfrm>
+          <a:custGeom>
+            <a:avLst/>
+            <a:gdLst>
+              <a:gd name="connsiteX0" fmla="*/ 1713372 w 1713372"/>
+              <a:gd name="connsiteY0" fmla="*/ 0 h 368310"/>
+              <a:gd name="connsiteX1" fmla="*/ 722772 w 1713372"/>
+              <a:gd name="connsiteY1" fmla="*/ 368300 h 368310"/>
+              <a:gd name="connsiteX2" fmla="*/ 5222 w 1713372"/>
+              <a:gd name="connsiteY2" fmla="*/ 12700 h 368310"/>
+              <a:gd name="connsiteX3" fmla="*/ 1091072 w 1713372"/>
+              <a:gd name="connsiteY3" fmla="*/ 228600 h 368310"/>
+              <a:gd name="connsiteX0" fmla="*/ 1128395 w 1128395"/>
+              <a:gd name="connsiteY0" fmla="*/ 363008 h 457392"/>
+              <a:gd name="connsiteX1" fmla="*/ 721995 w 1128395"/>
+              <a:gd name="connsiteY1" fmla="*/ 356658 h 457392"/>
+              <a:gd name="connsiteX2" fmla="*/ 4445 w 1128395"/>
+              <a:gd name="connsiteY2" fmla="*/ 1058 h 457392"/>
+              <a:gd name="connsiteX3" fmla="*/ 1090295 w 1128395"/>
+              <a:gd name="connsiteY3" fmla="*/ 216958 h 457392"/>
+              <a:gd name="connsiteX0" fmla="*/ 1125223 w 2320622"/>
+              <a:gd name="connsiteY0" fmla="*/ 729521 h 755391"/>
+              <a:gd name="connsiteX1" fmla="*/ 2306323 w 2320622"/>
+              <a:gd name="connsiteY1" fmla="*/ 5621 h 755391"/>
+              <a:gd name="connsiteX2" fmla="*/ 1273 w 2320622"/>
+              <a:gd name="connsiteY2" fmla="*/ 367571 h 755391"/>
+              <a:gd name="connsiteX3" fmla="*/ 1087123 w 2320622"/>
+              <a:gd name="connsiteY3" fmla="*/ 583471 h 755391"/>
+              <a:gd name="connsiteX0" fmla="*/ 1125040 w 2315966"/>
+              <a:gd name="connsiteY0" fmla="*/ 833591 h 850091"/>
+              <a:gd name="connsiteX1" fmla="*/ 2306140 w 2315966"/>
+              <a:gd name="connsiteY1" fmla="*/ 109691 h 850091"/>
+              <a:gd name="connsiteX2" fmla="*/ 1090 w 2315966"/>
+              <a:gd name="connsiteY2" fmla="*/ 471641 h 850091"/>
+              <a:gd name="connsiteX3" fmla="*/ 1086940 w 2315966"/>
+              <a:gd name="connsiteY3" fmla="*/ 687541 h 850091"/>
+              <a:gd name="connsiteX0" fmla="*/ 1125040 w 2315966"/>
+              <a:gd name="connsiteY0" fmla="*/ 833591 h 850091"/>
+              <a:gd name="connsiteX1" fmla="*/ 2306140 w 2315966"/>
+              <a:gd name="connsiteY1" fmla="*/ 109691 h 850091"/>
+              <a:gd name="connsiteX2" fmla="*/ 1090 w 2315966"/>
+              <a:gd name="connsiteY2" fmla="*/ 471641 h 850091"/>
+              <a:gd name="connsiteX3" fmla="*/ 1086940 w 2315966"/>
+              <a:gd name="connsiteY3" fmla="*/ 687541 h 850091"/>
+              <a:gd name="connsiteX0" fmla="*/ 1264858 w 2463664"/>
+              <a:gd name="connsiteY0" fmla="*/ 723930 h 748460"/>
+              <a:gd name="connsiteX1" fmla="*/ 2445958 w 2463664"/>
+              <a:gd name="connsiteY1" fmla="*/ 30 h 748460"/>
+              <a:gd name="connsiteX2" fmla="*/ 1208 w 2463664"/>
+              <a:gd name="connsiteY2" fmla="*/ 692180 h 748460"/>
+              <a:gd name="connsiteX3" fmla="*/ 1226758 w 2463664"/>
+              <a:gd name="connsiteY3" fmla="*/ 577880 h 748460"/>
+              <a:gd name="connsiteX0" fmla="*/ 1214082 w 2411615"/>
+              <a:gd name="connsiteY0" fmla="*/ 728686 h 1217983"/>
+              <a:gd name="connsiteX1" fmla="*/ 2395182 w 2411615"/>
+              <a:gd name="connsiteY1" fmla="*/ 4786 h 1217983"/>
+              <a:gd name="connsiteX2" fmla="*/ 1232 w 2411615"/>
+              <a:gd name="connsiteY2" fmla="*/ 1217636 h 1217983"/>
+              <a:gd name="connsiteX3" fmla="*/ 1175982 w 2411615"/>
+              <a:gd name="connsiteY3" fmla="*/ 582636 h 1217983"/>
+              <a:gd name="connsiteX0" fmla="*/ 1212850 w 2410383"/>
+              <a:gd name="connsiteY0" fmla="*/ 728686 h 1259527"/>
+              <a:gd name="connsiteX1" fmla="*/ 2393950 w 2410383"/>
+              <a:gd name="connsiteY1" fmla="*/ 4786 h 1259527"/>
+              <a:gd name="connsiteX2" fmla="*/ 0 w 2410383"/>
+              <a:gd name="connsiteY2" fmla="*/ 1217636 h 1259527"/>
+              <a:gd name="connsiteX3" fmla="*/ 1174750 w 2410383"/>
+              <a:gd name="connsiteY3" fmla="*/ 582636 h 1259527"/>
+              <a:gd name="connsiteX0" fmla="*/ 1212850 w 2419691"/>
+              <a:gd name="connsiteY0" fmla="*/ 774951 h 1296766"/>
+              <a:gd name="connsiteX1" fmla="*/ 2393950 w 2419691"/>
+              <a:gd name="connsiteY1" fmla="*/ 51051 h 1296766"/>
+              <a:gd name="connsiteX2" fmla="*/ 0 w 2419691"/>
+              <a:gd name="connsiteY2" fmla="*/ 1263901 h 1296766"/>
+              <a:gd name="connsiteX3" fmla="*/ 1174750 w 2419691"/>
+              <a:gd name="connsiteY3" fmla="*/ 628901 h 1296766"/>
+              <a:gd name="connsiteX0" fmla="*/ 1257575 w 2464416"/>
+              <a:gd name="connsiteY0" fmla="*/ 768967 h 1361009"/>
+              <a:gd name="connsiteX1" fmla="*/ 2438675 w 2464416"/>
+              <a:gd name="connsiteY1" fmla="*/ 45067 h 1361009"/>
+              <a:gd name="connsiteX2" fmla="*/ 44725 w 2464416"/>
+              <a:gd name="connsiteY2" fmla="*/ 1257917 h 1361009"/>
+              <a:gd name="connsiteX3" fmla="*/ 1219475 w 2464416"/>
+              <a:gd name="connsiteY3" fmla="*/ 622917 h 1361009"/>
+              <a:gd name="connsiteX0" fmla="*/ 1215327 w 2422168"/>
+              <a:gd name="connsiteY0" fmla="*/ 768398 h 1369446"/>
+              <a:gd name="connsiteX1" fmla="*/ 2396427 w 2422168"/>
+              <a:gd name="connsiteY1" fmla="*/ 44498 h 1369446"/>
+              <a:gd name="connsiteX2" fmla="*/ 2477 w 2422168"/>
+              <a:gd name="connsiteY2" fmla="*/ 1257348 h 1369446"/>
+              <a:gd name="connsiteX3" fmla="*/ 1177227 w 2422168"/>
+              <a:gd name="connsiteY3" fmla="*/ 622348 h 1369446"/>
+              <a:gd name="connsiteX0" fmla="*/ 1202578 w 2399799"/>
+              <a:gd name="connsiteY0" fmla="*/ 1148279 h 1177192"/>
+              <a:gd name="connsiteX1" fmla="*/ 2383678 w 2399799"/>
+              <a:gd name="connsiteY1" fmla="*/ 424379 h 1177192"/>
+              <a:gd name="connsiteX2" fmla="*/ 2428 w 2399799"/>
+              <a:gd name="connsiteY2" fmla="*/ 144979 h 1177192"/>
+              <a:gd name="connsiteX3" fmla="*/ 1164478 w 2399799"/>
+              <a:gd name="connsiteY3" fmla="*/ 1002229 h 1177192"/>
+              <a:gd name="connsiteX0" fmla="*/ 1202378 w 2383505"/>
+              <a:gd name="connsiteY0" fmla="*/ 1148279 h 1188730"/>
+              <a:gd name="connsiteX1" fmla="*/ 2383478 w 2383505"/>
+              <a:gd name="connsiteY1" fmla="*/ 424379 h 1188730"/>
+              <a:gd name="connsiteX2" fmla="*/ 2228 w 2383505"/>
+              <a:gd name="connsiteY2" fmla="*/ 144979 h 1188730"/>
+              <a:gd name="connsiteX3" fmla="*/ 1164278 w 2383505"/>
+              <a:gd name="connsiteY3" fmla="*/ 1002229 h 1188730"/>
+              <a:gd name="connsiteX0" fmla="*/ 1226562 w 2414042"/>
+              <a:gd name="connsiteY0" fmla="*/ 1218647 h 1247430"/>
+              <a:gd name="connsiteX1" fmla="*/ 2414012 w 2414042"/>
+              <a:gd name="connsiteY1" fmla="*/ 234397 h 1247430"/>
+              <a:gd name="connsiteX2" fmla="*/ 26412 w 2414042"/>
+              <a:gd name="connsiteY2" fmla="*/ 215347 h 1247430"/>
+              <a:gd name="connsiteX3" fmla="*/ 1188462 w 2414042"/>
+              <a:gd name="connsiteY3" fmla="*/ 1072597 h 1247430"/>
+              <a:gd name="connsiteX0" fmla="*/ 1224397 w 2411877"/>
+              <a:gd name="connsiteY0" fmla="*/ 1182661 h 1211444"/>
+              <a:gd name="connsiteX1" fmla="*/ 2411847 w 2411877"/>
+              <a:gd name="connsiteY1" fmla="*/ 198411 h 1211444"/>
+              <a:gd name="connsiteX2" fmla="*/ 24247 w 2411877"/>
+              <a:gd name="connsiteY2" fmla="*/ 179361 h 1211444"/>
+              <a:gd name="connsiteX3" fmla="*/ 1224397 w 2411877"/>
+              <a:gd name="connsiteY3" fmla="*/ 211111 h 1211444"/>
+              <a:gd name="connsiteX0" fmla="*/ 1243447 w 2428551"/>
+              <a:gd name="connsiteY0" fmla="*/ 25583 h 106259"/>
+              <a:gd name="connsiteX1" fmla="*/ 2411847 w 2428551"/>
+              <a:gd name="connsiteY1" fmla="*/ 19233 h 106259"/>
+              <a:gd name="connsiteX2" fmla="*/ 24247 w 2428551"/>
+              <a:gd name="connsiteY2" fmla="*/ 183 h 106259"/>
+              <a:gd name="connsiteX3" fmla="*/ 1224397 w 2428551"/>
+              <a:gd name="connsiteY3" fmla="*/ 31933 h 106259"/>
+              <a:gd name="connsiteX0" fmla="*/ 1243447 w 2440774"/>
+              <a:gd name="connsiteY0" fmla="*/ 142292 h 200114"/>
+              <a:gd name="connsiteX1" fmla="*/ 2411847 w 2440774"/>
+              <a:gd name="connsiteY1" fmla="*/ 135942 h 200114"/>
+              <a:gd name="connsiteX2" fmla="*/ 24247 w 2440774"/>
+              <a:gd name="connsiteY2" fmla="*/ 116892 h 200114"/>
+              <a:gd name="connsiteX3" fmla="*/ 1224397 w 2440774"/>
+              <a:gd name="connsiteY3" fmla="*/ 148642 h 200114"/>
+              <a:gd name="connsiteX0" fmla="*/ 1243447 w 2432201"/>
+              <a:gd name="connsiteY0" fmla="*/ 205719 h 291131"/>
+              <a:gd name="connsiteX1" fmla="*/ 2411847 w 2432201"/>
+              <a:gd name="connsiteY1" fmla="*/ 199369 h 291131"/>
+              <a:gd name="connsiteX2" fmla="*/ 24247 w 2432201"/>
+              <a:gd name="connsiteY2" fmla="*/ 180319 h 291131"/>
+              <a:gd name="connsiteX3" fmla="*/ 1224397 w 2432201"/>
+              <a:gd name="connsiteY3" fmla="*/ 212069 h 291131"/>
+              <a:gd name="connsiteX0" fmla="*/ 1222382 w 2411136"/>
+              <a:gd name="connsiteY0" fmla="*/ 205719 h 414072"/>
+              <a:gd name="connsiteX1" fmla="*/ 2390782 w 2411136"/>
+              <a:gd name="connsiteY1" fmla="*/ 199369 h 414072"/>
+              <a:gd name="connsiteX2" fmla="*/ 3182 w 2411136"/>
+              <a:gd name="connsiteY2" fmla="*/ 180319 h 414072"/>
+              <a:gd name="connsiteX3" fmla="*/ 1203332 w 2411136"/>
+              <a:gd name="connsiteY3" fmla="*/ 212069 h 414072"/>
+              <a:gd name="connsiteX0" fmla="*/ 1219201 w 2407955"/>
+              <a:gd name="connsiteY0" fmla="*/ 205719 h 435944"/>
+              <a:gd name="connsiteX1" fmla="*/ 2387601 w 2407955"/>
+              <a:gd name="connsiteY1" fmla="*/ 199369 h 435944"/>
+              <a:gd name="connsiteX2" fmla="*/ 1 w 2407955"/>
+              <a:gd name="connsiteY2" fmla="*/ 180319 h 435944"/>
+              <a:gd name="connsiteX3" fmla="*/ 1200151 w 2407955"/>
+              <a:gd name="connsiteY3" fmla="*/ 212069 h 435944"/>
+              <a:gd name="connsiteX0" fmla="*/ 1219201 w 2387713"/>
+              <a:gd name="connsiteY0" fmla="*/ 300255 h 530480"/>
+              <a:gd name="connsiteX1" fmla="*/ 2387601 w 2387713"/>
+              <a:gd name="connsiteY1" fmla="*/ 293905 h 530480"/>
+              <a:gd name="connsiteX2" fmla="*/ 1 w 2387713"/>
+              <a:gd name="connsiteY2" fmla="*/ 274855 h 530480"/>
+              <a:gd name="connsiteX3" fmla="*/ 1200151 w 2387713"/>
+              <a:gd name="connsiteY3" fmla="*/ 306605 h 530480"/>
+              <a:gd name="connsiteX0" fmla="*/ 1219201 w 2387713"/>
+              <a:gd name="connsiteY0" fmla="*/ 300255 h 519793"/>
+              <a:gd name="connsiteX1" fmla="*/ 2387601 w 2387713"/>
+              <a:gd name="connsiteY1" fmla="*/ 293905 h 519793"/>
+              <a:gd name="connsiteX2" fmla="*/ 1 w 2387713"/>
+              <a:gd name="connsiteY2" fmla="*/ 274855 h 519793"/>
+              <a:gd name="connsiteX3" fmla="*/ 1200151 w 2387713"/>
+              <a:gd name="connsiteY3" fmla="*/ 306605 h 519793"/>
+              <a:gd name="connsiteX0" fmla="*/ 1219246 w 2387758"/>
+              <a:gd name="connsiteY0" fmla="*/ 300255 h 467398"/>
+              <a:gd name="connsiteX1" fmla="*/ 2387646 w 2387758"/>
+              <a:gd name="connsiteY1" fmla="*/ 293905 h 467398"/>
+              <a:gd name="connsiteX2" fmla="*/ 46 w 2387758"/>
+              <a:gd name="connsiteY2" fmla="*/ 274855 h 467398"/>
+              <a:gd name="connsiteX3" fmla="*/ 1200196 w 2387758"/>
+              <a:gd name="connsiteY3" fmla="*/ 306605 h 467398"/>
+              <a:gd name="connsiteX0" fmla="*/ 1219246 w 2390051"/>
+              <a:gd name="connsiteY0" fmla="*/ 249789 h 416932"/>
+              <a:gd name="connsiteX1" fmla="*/ 2387646 w 2390051"/>
+              <a:gd name="connsiteY1" fmla="*/ 243439 h 416932"/>
+              <a:gd name="connsiteX2" fmla="*/ 46 w 2390051"/>
+              <a:gd name="connsiteY2" fmla="*/ 224389 h 416932"/>
+              <a:gd name="connsiteX3" fmla="*/ 1200196 w 2390051"/>
+              <a:gd name="connsiteY3" fmla="*/ 256139 h 416932"/>
+              <a:gd name="connsiteX0" fmla="*/ 1251010 w 2421815"/>
+              <a:gd name="connsiteY0" fmla="*/ 249789 h 386974"/>
+              <a:gd name="connsiteX1" fmla="*/ 2419410 w 2421815"/>
+              <a:gd name="connsiteY1" fmla="*/ 243439 h 386974"/>
+              <a:gd name="connsiteX2" fmla="*/ 31810 w 2421815"/>
+              <a:gd name="connsiteY2" fmla="*/ 224389 h 386974"/>
+              <a:gd name="connsiteX3" fmla="*/ 1111310 w 2421815"/>
+              <a:gd name="connsiteY3" fmla="*/ 306939 h 386974"/>
+              <a:gd name="connsiteX0" fmla="*/ 1220272 w 2391077"/>
+              <a:gd name="connsiteY0" fmla="*/ 249789 h 409575"/>
+              <a:gd name="connsiteX1" fmla="*/ 2388672 w 2391077"/>
+              <a:gd name="connsiteY1" fmla="*/ 243439 h 409575"/>
+              <a:gd name="connsiteX2" fmla="*/ 1072 w 2391077"/>
+              <a:gd name="connsiteY2" fmla="*/ 224389 h 409575"/>
+              <a:gd name="connsiteX3" fmla="*/ 1080572 w 2391077"/>
+              <a:gd name="connsiteY3" fmla="*/ 306939 h 409575"/>
+              <a:gd name="connsiteX0" fmla="*/ 1220272 w 2391215"/>
+              <a:gd name="connsiteY0" fmla="*/ 200430 h 360216"/>
+              <a:gd name="connsiteX1" fmla="*/ 2388672 w 2391215"/>
+              <a:gd name="connsiteY1" fmla="*/ 194080 h 360216"/>
+              <a:gd name="connsiteX2" fmla="*/ 1072 w 2391215"/>
+              <a:gd name="connsiteY2" fmla="*/ 175030 h 360216"/>
+              <a:gd name="connsiteX3" fmla="*/ 1080572 w 2391215"/>
+              <a:gd name="connsiteY3" fmla="*/ 257580 h 360216"/>
+            </a:gdLst>
+            <a:ahLst/>
+            <a:cxnLst>
+              <a:cxn ang="0">
+                <a:pos x="connsiteX0" y="connsiteY0"/>
+              </a:cxn>
+              <a:cxn ang="0">
+                <a:pos x="connsiteX1" y="connsiteY1"/>
+              </a:cxn>
+              <a:cxn ang="0">
+                <a:pos x="connsiteX2" y="connsiteY2"/>
+              </a:cxn>
+              <a:cxn ang="0">
+                <a:pos x="connsiteX3" y="connsiteY3"/>
+              </a:cxn>
+            </a:cxnLst>
+            <a:rect l="l" t="t" r="r" b="b"/>
+            <a:pathLst>
+              <a:path w="2391215" h="360216">
+                <a:moveTo>
+                  <a:pt x="1220272" y="200430"/>
+                </a:moveTo>
+                <a:cubicBezTo>
+                  <a:pt x="1718218" y="27921"/>
+                  <a:pt x="2439472" y="-144587"/>
+                  <a:pt x="2388672" y="194080"/>
+                </a:cubicBezTo>
+                <a:cubicBezTo>
+                  <a:pt x="2337872" y="532747"/>
+                  <a:pt x="34938" y="-114953"/>
+                  <a:pt x="1072" y="175030"/>
+                </a:cubicBezTo>
+                <a:cubicBezTo>
+                  <a:pt x="-32794" y="465013"/>
+                  <a:pt x="745080" y="350713"/>
+                  <a:pt x="1080572" y="257580"/>
+                </a:cubicBezTo>
+              </a:path>
+            </a:pathLst>
+          </a:custGeom>
+          <a:noFill/>
+          <a:ln w="28575">
+            <a:solidFill>
+              <a:srgbClr val="0070C0"/>
+            </a:solidFill>
+          </a:ln>
+        </p:spPr>
+        <p:style>
+          <a:lnRef idx="2">
+            <a:schemeClr val="accent1">
+              <a:shade val="50000"/>
+            </a:schemeClr>
+          </a:lnRef>
+          <a:fillRef idx="1">
+            <a:schemeClr val="accent1"/>
+          </a:fillRef>
+          <a:effectRef idx="0">
+            <a:schemeClr val="accent1"/>
+          </a:effectRef>
+          <a:fontRef idx="minor">
+            <a:schemeClr val="lt1"/>
+          </a:fontRef>
+        </p:style>
+        <p:txBody>
+          <a:bodyPr rtlCol="0" anchor="ctr"/>
+          <a:lstStyle/>
+          <a:p>
+            <a:pPr algn="ctr"/>
+            <a:endParaRPr lang="fr-FR"/>
+          </a:p>
+        </p:txBody>
+      </p:sp>
+      <p:sp>
+        <p:nvSpPr>
+          <p:cNvPr id="41" name="Forme libre : forme 40">
+            <a:extLst>
+              <a:ext uri="{FF2B5EF4-FFF2-40B4-BE49-F238E27FC236}">
+                <a16:creationId xmlns:a16="http://schemas.microsoft.com/office/drawing/2014/main" id="{117EB3CE-2854-5432-9C77-3947213D15DC}"/>
+              </a:ext>
+            </a:extLst>
+          </p:cNvPr>
+          <p:cNvSpPr/>
+          <p:nvPr/>
+        </p:nvSpPr>
+        <p:spPr>
+          <a:xfrm rot="336999">
+            <a:off x="6471608" y="768135"/>
+            <a:ext cx="1628118" cy="245262"/>
+          </a:xfrm>
+          <a:custGeom>
+            <a:avLst/>
+            <a:gdLst>
+              <a:gd name="connsiteX0" fmla="*/ 1713372 w 1713372"/>
+              <a:gd name="connsiteY0" fmla="*/ 0 h 368310"/>
+              <a:gd name="connsiteX1" fmla="*/ 722772 w 1713372"/>
+              <a:gd name="connsiteY1" fmla="*/ 368300 h 368310"/>
+              <a:gd name="connsiteX2" fmla="*/ 5222 w 1713372"/>
+              <a:gd name="connsiteY2" fmla="*/ 12700 h 368310"/>
+              <a:gd name="connsiteX3" fmla="*/ 1091072 w 1713372"/>
+              <a:gd name="connsiteY3" fmla="*/ 228600 h 368310"/>
+              <a:gd name="connsiteX0" fmla="*/ 1128395 w 1128395"/>
+              <a:gd name="connsiteY0" fmla="*/ 363008 h 457392"/>
+              <a:gd name="connsiteX1" fmla="*/ 721995 w 1128395"/>
+              <a:gd name="connsiteY1" fmla="*/ 356658 h 457392"/>
+              <a:gd name="connsiteX2" fmla="*/ 4445 w 1128395"/>
+              <a:gd name="connsiteY2" fmla="*/ 1058 h 457392"/>
+              <a:gd name="connsiteX3" fmla="*/ 1090295 w 1128395"/>
+              <a:gd name="connsiteY3" fmla="*/ 216958 h 457392"/>
+              <a:gd name="connsiteX0" fmla="*/ 1125223 w 2320622"/>
+              <a:gd name="connsiteY0" fmla="*/ 729521 h 755391"/>
+              <a:gd name="connsiteX1" fmla="*/ 2306323 w 2320622"/>
+              <a:gd name="connsiteY1" fmla="*/ 5621 h 755391"/>
+              <a:gd name="connsiteX2" fmla="*/ 1273 w 2320622"/>
+              <a:gd name="connsiteY2" fmla="*/ 367571 h 755391"/>
+              <a:gd name="connsiteX3" fmla="*/ 1087123 w 2320622"/>
+              <a:gd name="connsiteY3" fmla="*/ 583471 h 755391"/>
+              <a:gd name="connsiteX0" fmla="*/ 1125040 w 2315966"/>
+              <a:gd name="connsiteY0" fmla="*/ 833591 h 850091"/>
+              <a:gd name="connsiteX1" fmla="*/ 2306140 w 2315966"/>
+              <a:gd name="connsiteY1" fmla="*/ 109691 h 850091"/>
+              <a:gd name="connsiteX2" fmla="*/ 1090 w 2315966"/>
+              <a:gd name="connsiteY2" fmla="*/ 471641 h 850091"/>
+              <a:gd name="connsiteX3" fmla="*/ 1086940 w 2315966"/>
+              <a:gd name="connsiteY3" fmla="*/ 687541 h 850091"/>
+              <a:gd name="connsiteX0" fmla="*/ 1125040 w 2315966"/>
+              <a:gd name="connsiteY0" fmla="*/ 833591 h 850091"/>
+              <a:gd name="connsiteX1" fmla="*/ 2306140 w 2315966"/>
+              <a:gd name="connsiteY1" fmla="*/ 109691 h 850091"/>
+              <a:gd name="connsiteX2" fmla="*/ 1090 w 2315966"/>
+              <a:gd name="connsiteY2" fmla="*/ 471641 h 850091"/>
+              <a:gd name="connsiteX3" fmla="*/ 1086940 w 2315966"/>
+              <a:gd name="connsiteY3" fmla="*/ 687541 h 850091"/>
+              <a:gd name="connsiteX0" fmla="*/ 1264858 w 2463664"/>
+              <a:gd name="connsiteY0" fmla="*/ 723930 h 748460"/>
+              <a:gd name="connsiteX1" fmla="*/ 2445958 w 2463664"/>
+              <a:gd name="connsiteY1" fmla="*/ 30 h 748460"/>
+              <a:gd name="connsiteX2" fmla="*/ 1208 w 2463664"/>
+              <a:gd name="connsiteY2" fmla="*/ 692180 h 748460"/>
+              <a:gd name="connsiteX3" fmla="*/ 1226758 w 2463664"/>
+              <a:gd name="connsiteY3" fmla="*/ 577880 h 748460"/>
+              <a:gd name="connsiteX0" fmla="*/ 1214082 w 2411615"/>
+              <a:gd name="connsiteY0" fmla="*/ 728686 h 1217983"/>
+              <a:gd name="connsiteX1" fmla="*/ 2395182 w 2411615"/>
+              <a:gd name="connsiteY1" fmla="*/ 4786 h 1217983"/>
+              <a:gd name="connsiteX2" fmla="*/ 1232 w 2411615"/>
+              <a:gd name="connsiteY2" fmla="*/ 1217636 h 1217983"/>
+              <a:gd name="connsiteX3" fmla="*/ 1175982 w 2411615"/>
+              <a:gd name="connsiteY3" fmla="*/ 582636 h 1217983"/>
+              <a:gd name="connsiteX0" fmla="*/ 1212850 w 2410383"/>
+              <a:gd name="connsiteY0" fmla="*/ 728686 h 1259527"/>
+              <a:gd name="connsiteX1" fmla="*/ 2393950 w 2410383"/>
+              <a:gd name="connsiteY1" fmla="*/ 4786 h 1259527"/>
+              <a:gd name="connsiteX2" fmla="*/ 0 w 2410383"/>
+              <a:gd name="connsiteY2" fmla="*/ 1217636 h 1259527"/>
+              <a:gd name="connsiteX3" fmla="*/ 1174750 w 2410383"/>
+              <a:gd name="connsiteY3" fmla="*/ 582636 h 1259527"/>
+              <a:gd name="connsiteX0" fmla="*/ 1212850 w 2419691"/>
+              <a:gd name="connsiteY0" fmla="*/ 774951 h 1296766"/>
+              <a:gd name="connsiteX1" fmla="*/ 2393950 w 2419691"/>
+              <a:gd name="connsiteY1" fmla="*/ 51051 h 1296766"/>
+              <a:gd name="connsiteX2" fmla="*/ 0 w 2419691"/>
+              <a:gd name="connsiteY2" fmla="*/ 1263901 h 1296766"/>
+              <a:gd name="connsiteX3" fmla="*/ 1174750 w 2419691"/>
+              <a:gd name="connsiteY3" fmla="*/ 628901 h 1296766"/>
+              <a:gd name="connsiteX0" fmla="*/ 1257575 w 2464416"/>
+              <a:gd name="connsiteY0" fmla="*/ 768967 h 1361009"/>
+              <a:gd name="connsiteX1" fmla="*/ 2438675 w 2464416"/>
+              <a:gd name="connsiteY1" fmla="*/ 45067 h 1361009"/>
+              <a:gd name="connsiteX2" fmla="*/ 44725 w 2464416"/>
+              <a:gd name="connsiteY2" fmla="*/ 1257917 h 1361009"/>
+              <a:gd name="connsiteX3" fmla="*/ 1219475 w 2464416"/>
+              <a:gd name="connsiteY3" fmla="*/ 622917 h 1361009"/>
+              <a:gd name="connsiteX0" fmla="*/ 1215327 w 2422168"/>
+              <a:gd name="connsiteY0" fmla="*/ 768398 h 1369446"/>
+              <a:gd name="connsiteX1" fmla="*/ 2396427 w 2422168"/>
+              <a:gd name="connsiteY1" fmla="*/ 44498 h 1369446"/>
+              <a:gd name="connsiteX2" fmla="*/ 2477 w 2422168"/>
+              <a:gd name="connsiteY2" fmla="*/ 1257348 h 1369446"/>
+              <a:gd name="connsiteX3" fmla="*/ 1177227 w 2422168"/>
+              <a:gd name="connsiteY3" fmla="*/ 622348 h 1369446"/>
+              <a:gd name="connsiteX0" fmla="*/ 1202578 w 2399799"/>
+              <a:gd name="connsiteY0" fmla="*/ 1148279 h 1177192"/>
+              <a:gd name="connsiteX1" fmla="*/ 2383678 w 2399799"/>
+              <a:gd name="connsiteY1" fmla="*/ 424379 h 1177192"/>
+              <a:gd name="connsiteX2" fmla="*/ 2428 w 2399799"/>
+              <a:gd name="connsiteY2" fmla="*/ 144979 h 1177192"/>
+              <a:gd name="connsiteX3" fmla="*/ 1164478 w 2399799"/>
+              <a:gd name="connsiteY3" fmla="*/ 1002229 h 1177192"/>
+              <a:gd name="connsiteX0" fmla="*/ 1202378 w 2383505"/>
+              <a:gd name="connsiteY0" fmla="*/ 1148279 h 1188730"/>
+              <a:gd name="connsiteX1" fmla="*/ 2383478 w 2383505"/>
+              <a:gd name="connsiteY1" fmla="*/ 424379 h 1188730"/>
+              <a:gd name="connsiteX2" fmla="*/ 2228 w 2383505"/>
+              <a:gd name="connsiteY2" fmla="*/ 144979 h 1188730"/>
+              <a:gd name="connsiteX3" fmla="*/ 1164278 w 2383505"/>
+              <a:gd name="connsiteY3" fmla="*/ 1002229 h 1188730"/>
+              <a:gd name="connsiteX0" fmla="*/ 1226562 w 2414042"/>
+              <a:gd name="connsiteY0" fmla="*/ 1218647 h 1247430"/>
+              <a:gd name="connsiteX1" fmla="*/ 2414012 w 2414042"/>
+              <a:gd name="connsiteY1" fmla="*/ 234397 h 1247430"/>
+              <a:gd name="connsiteX2" fmla="*/ 26412 w 2414042"/>
+              <a:gd name="connsiteY2" fmla="*/ 215347 h 1247430"/>
+              <a:gd name="connsiteX3" fmla="*/ 1188462 w 2414042"/>
+              <a:gd name="connsiteY3" fmla="*/ 1072597 h 1247430"/>
+              <a:gd name="connsiteX0" fmla="*/ 1224397 w 2411877"/>
+              <a:gd name="connsiteY0" fmla="*/ 1182661 h 1211444"/>
+              <a:gd name="connsiteX1" fmla="*/ 2411847 w 2411877"/>
+              <a:gd name="connsiteY1" fmla="*/ 198411 h 1211444"/>
+              <a:gd name="connsiteX2" fmla="*/ 24247 w 2411877"/>
+              <a:gd name="connsiteY2" fmla="*/ 179361 h 1211444"/>
+              <a:gd name="connsiteX3" fmla="*/ 1224397 w 2411877"/>
+              <a:gd name="connsiteY3" fmla="*/ 211111 h 1211444"/>
+              <a:gd name="connsiteX0" fmla="*/ 1243447 w 2428551"/>
+              <a:gd name="connsiteY0" fmla="*/ 25583 h 106259"/>
+              <a:gd name="connsiteX1" fmla="*/ 2411847 w 2428551"/>
+              <a:gd name="connsiteY1" fmla="*/ 19233 h 106259"/>
+              <a:gd name="connsiteX2" fmla="*/ 24247 w 2428551"/>
+              <a:gd name="connsiteY2" fmla="*/ 183 h 106259"/>
+              <a:gd name="connsiteX3" fmla="*/ 1224397 w 2428551"/>
+              <a:gd name="connsiteY3" fmla="*/ 31933 h 106259"/>
+              <a:gd name="connsiteX0" fmla="*/ 1243447 w 2440774"/>
+              <a:gd name="connsiteY0" fmla="*/ 142292 h 200114"/>
+              <a:gd name="connsiteX1" fmla="*/ 2411847 w 2440774"/>
+              <a:gd name="connsiteY1" fmla="*/ 135942 h 200114"/>
+              <a:gd name="connsiteX2" fmla="*/ 24247 w 2440774"/>
+              <a:gd name="connsiteY2" fmla="*/ 116892 h 200114"/>
+              <a:gd name="connsiteX3" fmla="*/ 1224397 w 2440774"/>
+              <a:gd name="connsiteY3" fmla="*/ 148642 h 200114"/>
+              <a:gd name="connsiteX0" fmla="*/ 1243447 w 2432201"/>
+              <a:gd name="connsiteY0" fmla="*/ 205719 h 291131"/>
+              <a:gd name="connsiteX1" fmla="*/ 2411847 w 2432201"/>
+              <a:gd name="connsiteY1" fmla="*/ 199369 h 291131"/>
+              <a:gd name="connsiteX2" fmla="*/ 24247 w 2432201"/>
+              <a:gd name="connsiteY2" fmla="*/ 180319 h 291131"/>
+              <a:gd name="connsiteX3" fmla="*/ 1224397 w 2432201"/>
+              <a:gd name="connsiteY3" fmla="*/ 212069 h 291131"/>
+              <a:gd name="connsiteX0" fmla="*/ 1222382 w 2411136"/>
+              <a:gd name="connsiteY0" fmla="*/ 205719 h 414072"/>
+              <a:gd name="connsiteX1" fmla="*/ 2390782 w 2411136"/>
+              <a:gd name="connsiteY1" fmla="*/ 199369 h 414072"/>
+              <a:gd name="connsiteX2" fmla="*/ 3182 w 2411136"/>
+              <a:gd name="connsiteY2" fmla="*/ 180319 h 414072"/>
+              <a:gd name="connsiteX3" fmla="*/ 1203332 w 2411136"/>
+              <a:gd name="connsiteY3" fmla="*/ 212069 h 414072"/>
+              <a:gd name="connsiteX0" fmla="*/ 1219201 w 2407955"/>
+              <a:gd name="connsiteY0" fmla="*/ 205719 h 435944"/>
+              <a:gd name="connsiteX1" fmla="*/ 2387601 w 2407955"/>
+              <a:gd name="connsiteY1" fmla="*/ 199369 h 435944"/>
+              <a:gd name="connsiteX2" fmla="*/ 1 w 2407955"/>
+              <a:gd name="connsiteY2" fmla="*/ 180319 h 435944"/>
+              <a:gd name="connsiteX3" fmla="*/ 1200151 w 2407955"/>
+              <a:gd name="connsiteY3" fmla="*/ 212069 h 435944"/>
+              <a:gd name="connsiteX0" fmla="*/ 1219201 w 2387713"/>
+              <a:gd name="connsiteY0" fmla="*/ 300255 h 530480"/>
+              <a:gd name="connsiteX1" fmla="*/ 2387601 w 2387713"/>
+              <a:gd name="connsiteY1" fmla="*/ 293905 h 530480"/>
+              <a:gd name="connsiteX2" fmla="*/ 1 w 2387713"/>
+              <a:gd name="connsiteY2" fmla="*/ 274855 h 530480"/>
+              <a:gd name="connsiteX3" fmla="*/ 1200151 w 2387713"/>
+              <a:gd name="connsiteY3" fmla="*/ 306605 h 530480"/>
+              <a:gd name="connsiteX0" fmla="*/ 1219201 w 2387713"/>
+              <a:gd name="connsiteY0" fmla="*/ 300255 h 519793"/>
+              <a:gd name="connsiteX1" fmla="*/ 2387601 w 2387713"/>
+              <a:gd name="connsiteY1" fmla="*/ 293905 h 519793"/>
+              <a:gd name="connsiteX2" fmla="*/ 1 w 2387713"/>
+              <a:gd name="connsiteY2" fmla="*/ 274855 h 519793"/>
+              <a:gd name="connsiteX3" fmla="*/ 1200151 w 2387713"/>
+              <a:gd name="connsiteY3" fmla="*/ 306605 h 519793"/>
+              <a:gd name="connsiteX0" fmla="*/ 1219246 w 2387758"/>
+              <a:gd name="connsiteY0" fmla="*/ 300255 h 467398"/>
+              <a:gd name="connsiteX1" fmla="*/ 2387646 w 2387758"/>
+              <a:gd name="connsiteY1" fmla="*/ 293905 h 467398"/>
+              <a:gd name="connsiteX2" fmla="*/ 46 w 2387758"/>
+              <a:gd name="connsiteY2" fmla="*/ 274855 h 467398"/>
+              <a:gd name="connsiteX3" fmla="*/ 1200196 w 2387758"/>
+              <a:gd name="connsiteY3" fmla="*/ 306605 h 467398"/>
+              <a:gd name="connsiteX0" fmla="*/ 1219246 w 2390051"/>
+              <a:gd name="connsiteY0" fmla="*/ 249789 h 416932"/>
+              <a:gd name="connsiteX1" fmla="*/ 2387646 w 2390051"/>
+              <a:gd name="connsiteY1" fmla="*/ 243439 h 416932"/>
+              <a:gd name="connsiteX2" fmla="*/ 46 w 2390051"/>
+              <a:gd name="connsiteY2" fmla="*/ 224389 h 416932"/>
+              <a:gd name="connsiteX3" fmla="*/ 1200196 w 2390051"/>
+              <a:gd name="connsiteY3" fmla="*/ 256139 h 416932"/>
+              <a:gd name="connsiteX0" fmla="*/ 1251010 w 2421815"/>
+              <a:gd name="connsiteY0" fmla="*/ 249789 h 386974"/>
+              <a:gd name="connsiteX1" fmla="*/ 2419410 w 2421815"/>
+              <a:gd name="connsiteY1" fmla="*/ 243439 h 386974"/>
+              <a:gd name="connsiteX2" fmla="*/ 31810 w 2421815"/>
+              <a:gd name="connsiteY2" fmla="*/ 224389 h 386974"/>
+              <a:gd name="connsiteX3" fmla="*/ 1111310 w 2421815"/>
+              <a:gd name="connsiteY3" fmla="*/ 306939 h 386974"/>
+              <a:gd name="connsiteX0" fmla="*/ 1220272 w 2391077"/>
+              <a:gd name="connsiteY0" fmla="*/ 249789 h 409575"/>
+              <a:gd name="connsiteX1" fmla="*/ 2388672 w 2391077"/>
+              <a:gd name="connsiteY1" fmla="*/ 243439 h 409575"/>
+              <a:gd name="connsiteX2" fmla="*/ 1072 w 2391077"/>
+              <a:gd name="connsiteY2" fmla="*/ 224389 h 409575"/>
+              <a:gd name="connsiteX3" fmla="*/ 1080572 w 2391077"/>
+              <a:gd name="connsiteY3" fmla="*/ 306939 h 409575"/>
+              <a:gd name="connsiteX0" fmla="*/ 1220272 w 2391215"/>
+              <a:gd name="connsiteY0" fmla="*/ 200430 h 360216"/>
+              <a:gd name="connsiteX1" fmla="*/ 2388672 w 2391215"/>
+              <a:gd name="connsiteY1" fmla="*/ 194080 h 360216"/>
+              <a:gd name="connsiteX2" fmla="*/ 1072 w 2391215"/>
+              <a:gd name="connsiteY2" fmla="*/ 175030 h 360216"/>
+              <a:gd name="connsiteX3" fmla="*/ 1080572 w 2391215"/>
+              <a:gd name="connsiteY3" fmla="*/ 257580 h 360216"/>
+            </a:gdLst>
+            <a:ahLst/>
+            <a:cxnLst>
+              <a:cxn ang="0">
+                <a:pos x="connsiteX0" y="connsiteY0"/>
+              </a:cxn>
+              <a:cxn ang="0">
+                <a:pos x="connsiteX1" y="connsiteY1"/>
+              </a:cxn>
+              <a:cxn ang="0">
+                <a:pos x="connsiteX2" y="connsiteY2"/>
+              </a:cxn>
+              <a:cxn ang="0">
+                <a:pos x="connsiteX3" y="connsiteY3"/>
+              </a:cxn>
+            </a:cxnLst>
+            <a:rect l="l" t="t" r="r" b="b"/>
+            <a:pathLst>
+              <a:path w="2391215" h="360216">
+                <a:moveTo>
+                  <a:pt x="1220272" y="200430"/>
+                </a:moveTo>
+                <a:cubicBezTo>
+                  <a:pt x="1718218" y="27921"/>
+                  <a:pt x="2439472" y="-144587"/>
+                  <a:pt x="2388672" y="194080"/>
+                </a:cubicBezTo>
+                <a:cubicBezTo>
+                  <a:pt x="2337872" y="532747"/>
+                  <a:pt x="34938" y="-114953"/>
+                  <a:pt x="1072" y="175030"/>
+                </a:cubicBezTo>
+                <a:cubicBezTo>
+                  <a:pt x="-32794" y="465013"/>
+                  <a:pt x="745080" y="350713"/>
+                  <a:pt x="1080572" y="257580"/>
+                </a:cubicBezTo>
+              </a:path>
+            </a:pathLst>
+          </a:custGeom>
+          <a:noFill/>
+          <a:ln w="28575">
+            <a:solidFill>
+              <a:srgbClr val="0070C0"/>
+            </a:solidFill>
+          </a:ln>
+        </p:spPr>
+        <p:style>
+          <a:lnRef idx="2">
+            <a:schemeClr val="accent1">
+              <a:shade val="50000"/>
+            </a:schemeClr>
+          </a:lnRef>
+          <a:fillRef idx="1">
+            <a:schemeClr val="accent1"/>
+          </a:fillRef>
+          <a:effectRef idx="0">
+            <a:schemeClr val="accent1"/>
+          </a:effectRef>
+          <a:fontRef idx="minor">
+            <a:schemeClr val="lt1"/>
+          </a:fontRef>
+        </p:style>
+        <p:txBody>
+          <a:bodyPr rtlCol="0" anchor="ctr"/>
+          <a:lstStyle/>
+          <a:p>
+            <a:pPr algn="ctr"/>
+            <a:endParaRPr lang="fr-FR"/>
+          </a:p>
+        </p:txBody>
+      </p:sp>
+      <p:sp>
+        <p:nvSpPr>
+          <p:cNvPr id="58" name="Parallélogramme 57">
+            <a:extLst>
+              <a:ext uri="{FF2B5EF4-FFF2-40B4-BE49-F238E27FC236}">
+                <a16:creationId xmlns:a16="http://schemas.microsoft.com/office/drawing/2014/main" id="{F7AC0F2B-A781-ABE4-A26F-9DEEA8BB67A9}"/>
+              </a:ext>
+            </a:extLst>
+          </p:cNvPr>
+          <p:cNvSpPr/>
+          <p:nvPr/>
+        </p:nvSpPr>
+        <p:spPr>
+          <a:xfrm rot="16200000" flipV="1">
+            <a:off x="5528112" y="1735076"/>
+            <a:ext cx="311550" cy="197740"/>
+          </a:xfrm>
+          <a:prstGeom prst="parallelogram">
+            <a:avLst>
+              <a:gd name="adj" fmla="val 65507"/>
+            </a:avLst>
+          </a:prstGeom>
+          <a:noFill/>
+          <a:ln w="28575">
+            <a:solidFill>
+              <a:srgbClr val="002060"/>
+            </a:solidFill>
+          </a:ln>
+        </p:spPr>
+        <p:style>
+          <a:lnRef idx="2">
+            <a:schemeClr val="accent1">
+              <a:shade val="50000"/>
+            </a:schemeClr>
+          </a:lnRef>
+          <a:fillRef idx="1">
+            <a:schemeClr val="accent1"/>
+          </a:fillRef>
+          <a:effectRef idx="0">
+            <a:schemeClr val="accent1"/>
+          </a:effectRef>
+          <a:fontRef idx="minor">
+            <a:schemeClr val="lt1"/>
+          </a:fontRef>
+        </p:style>
+        <p:txBody>
+          <a:bodyPr rtlCol="0" anchor="ctr"/>
+          <a:lstStyle/>
+          <a:p>
+            <a:pPr algn="ctr"/>
+            <a:endParaRPr lang="fr-FR"/>
+          </a:p>
+        </p:txBody>
+      </p:sp>
+      <p:grpSp>
+        <p:nvGrpSpPr>
+          <p:cNvPr id="3" name="Groupe 2">
+            <a:extLst>
+              <a:ext uri="{FF2B5EF4-FFF2-40B4-BE49-F238E27FC236}">
+                <a16:creationId xmlns:a16="http://schemas.microsoft.com/office/drawing/2014/main" id="{53DBB6EB-6FBA-21CE-2410-51A8A7F22528}"/>
+              </a:ext>
+            </a:extLst>
+          </p:cNvPr>
+          <p:cNvGrpSpPr/>
+          <p:nvPr/>
+        </p:nvGrpSpPr>
+        <p:grpSpPr>
+          <a:xfrm>
+            <a:off x="5676900" y="1818819"/>
+            <a:ext cx="899790" cy="533789"/>
+            <a:chOff x="5676900" y="1818819"/>
+            <a:chExt cx="899790" cy="533789"/>
+          </a:xfrm>
+        </p:grpSpPr>
+        <p:sp>
+          <p:nvSpPr>
+            <p:cNvPr id="14" name="Cylindre 13">
+              <a:extLst>
+                <a:ext uri="{FF2B5EF4-FFF2-40B4-BE49-F238E27FC236}">
+                  <a16:creationId xmlns:a16="http://schemas.microsoft.com/office/drawing/2014/main" id="{9302680A-1DF6-9069-0633-07900E63DBF6}"/>
+                </a:ext>
+              </a:extLst>
+            </p:cNvPr>
+            <p:cNvSpPr/>
+            <p:nvPr/>
+          </p:nvSpPr>
+          <p:spPr>
+            <a:xfrm rot="7309303">
+              <a:off x="5988000" y="1846438"/>
+              <a:ext cx="216000" cy="432000"/>
+            </a:xfrm>
+            <a:prstGeom prst="can">
+              <a:avLst>
+                <a:gd name="adj" fmla="val 52625"/>
+              </a:avLst>
+            </a:prstGeom>
+            <a:noFill/>
+            <a:ln w="28575">
+              <a:solidFill>
+                <a:srgbClr val="C00000"/>
+              </a:solidFill>
+            </a:ln>
+          </p:spPr>
+          <p:style>
+            <a:lnRef idx="2">
+              <a:schemeClr val="accent1">
+                <a:shade val="50000"/>
+              </a:schemeClr>
+            </a:lnRef>
+            <a:fillRef idx="1">
+              <a:schemeClr val="accent1"/>
+            </a:fillRef>
+            <a:effectRef idx="0">
+              <a:schemeClr val="accent1"/>
+            </a:effectRef>
+            <a:fontRef idx="minor">
+              <a:schemeClr val="lt1"/>
+            </a:fontRef>
+          </p:style>
+          <p:txBody>
+            <a:bodyPr rtlCol="0" anchor="ctr"/>
+            <a:lstStyle/>
+            <a:p>
+              <a:pPr algn="ctr"/>
+              <a:endParaRPr lang="fr-FR"/>
+            </a:p>
+          </p:txBody>
+        </p:sp>
+        <p:grpSp>
+          <p:nvGrpSpPr>
+            <p:cNvPr id="2" name="Groupe 1">
+              <a:extLst>
+                <a:ext uri="{FF2B5EF4-FFF2-40B4-BE49-F238E27FC236}">
+                  <a16:creationId xmlns:a16="http://schemas.microsoft.com/office/drawing/2014/main" id="{3BB8745B-5157-FD85-9060-D8D5E94544CA}"/>
+                </a:ext>
+              </a:extLst>
+            </p:cNvPr>
+            <p:cNvGrpSpPr/>
+            <p:nvPr/>
+          </p:nvGrpSpPr>
+          <p:grpSpPr>
+            <a:xfrm>
+              <a:off x="5676900" y="1818819"/>
+              <a:ext cx="899790" cy="533789"/>
+              <a:chOff x="5676900" y="1818819"/>
+              <a:chExt cx="899790" cy="533789"/>
+            </a:xfrm>
+          </p:grpSpPr>
+          <p:cxnSp>
+            <p:nvCxnSpPr>
+              <p:cNvPr id="42" name="Connecteur droit 41">
+                <a:extLst>
+                  <a:ext uri="{FF2B5EF4-FFF2-40B4-BE49-F238E27FC236}">
+                    <a16:creationId xmlns:a16="http://schemas.microsoft.com/office/drawing/2014/main" id="{4B42134C-CDFD-DE4F-6599-CF50C5F78B05}"/>
+                  </a:ext>
+                </a:extLst>
+              </p:cNvPr>
+              <p:cNvCxnSpPr>
+                <a:cxnSpLocks/>
+              </p:cNvCxnSpPr>
+              <p:nvPr/>
+            </p:nvCxnSpPr>
+            <p:spPr>
+              <a:xfrm flipH="1" flipV="1">
+                <a:off x="6226413" y="2148948"/>
+                <a:ext cx="350277" cy="203660"/>
+              </a:xfrm>
+              <a:prstGeom prst="line">
+                <a:avLst/>
+              </a:prstGeom>
+              <a:noFill/>
+              <a:ln w="28575">
+                <a:solidFill>
+                  <a:srgbClr val="002060"/>
+                </a:solidFill>
+              </a:ln>
+            </p:spPr>
+            <p:style>
+              <a:lnRef idx="2">
+                <a:schemeClr val="accent1">
+                  <a:shade val="50000"/>
+                </a:schemeClr>
+              </a:lnRef>
+              <a:fillRef idx="1">
+                <a:schemeClr val="accent1"/>
+              </a:fillRef>
+              <a:effectRef idx="0">
+                <a:schemeClr val="accent1"/>
+              </a:effectRef>
+              <a:fontRef idx="minor">
+                <a:schemeClr val="lt1"/>
+              </a:fontRef>
+            </p:style>
+          </p:cxnSp>
+          <p:cxnSp>
+            <p:nvCxnSpPr>
+              <p:cNvPr id="46" name="Connecteur droit 45">
+                <a:extLst>
+                  <a:ext uri="{FF2B5EF4-FFF2-40B4-BE49-F238E27FC236}">
+                    <a16:creationId xmlns:a16="http://schemas.microsoft.com/office/drawing/2014/main" id="{379676D6-0633-9DE8-FE0D-4B16544D4FEA}"/>
+                  </a:ext>
+                </a:extLst>
+              </p:cNvPr>
+              <p:cNvCxnSpPr>
+                <a:cxnSpLocks/>
+              </p:cNvCxnSpPr>
+              <p:nvPr/>
+            </p:nvCxnSpPr>
+            <p:spPr>
+              <a:xfrm flipH="1" flipV="1">
+                <a:off x="5676900" y="1818819"/>
+                <a:ext cx="224593" cy="130584"/>
+              </a:xfrm>
+              <a:prstGeom prst="line">
+                <a:avLst/>
+              </a:prstGeom>
+              <a:noFill/>
+              <a:ln w="28575">
+                <a:solidFill>
+                  <a:srgbClr val="002060"/>
+                </a:solidFill>
+              </a:ln>
+            </p:spPr>
+            <p:style>
+              <a:lnRef idx="2">
+                <a:schemeClr val="accent1">
+                  <a:shade val="50000"/>
+                </a:schemeClr>
+              </a:lnRef>
+              <a:fillRef idx="1">
+                <a:schemeClr val="accent1"/>
+              </a:fillRef>
+              <a:effectRef idx="0">
+                <a:schemeClr val="accent1"/>
+              </a:effectRef>
+              <a:fontRef idx="minor">
+                <a:schemeClr val="lt1"/>
+              </a:fontRef>
+            </p:style>
+          </p:cxnSp>
+          <p:cxnSp>
+            <p:nvCxnSpPr>
+              <p:cNvPr id="59" name="Connecteur droit 58">
+                <a:extLst>
+                  <a:ext uri="{FF2B5EF4-FFF2-40B4-BE49-F238E27FC236}">
+                    <a16:creationId xmlns:a16="http://schemas.microsoft.com/office/drawing/2014/main" id="{E40D6EA2-2535-4986-3C8B-97D597E27433}"/>
+                  </a:ext>
+                </a:extLst>
+              </p:cNvPr>
+              <p:cNvCxnSpPr>
+                <a:cxnSpLocks/>
+              </p:cNvCxnSpPr>
+              <p:nvPr/>
+            </p:nvCxnSpPr>
+            <p:spPr>
+              <a:xfrm flipH="1">
+                <a:off x="6194666" y="2075134"/>
+                <a:ext cx="127204" cy="188340"/>
+              </a:xfrm>
+              <a:prstGeom prst="line">
+                <a:avLst/>
+              </a:prstGeom>
+              <a:noFill/>
+              <a:ln w="28575">
+                <a:solidFill>
+                  <a:srgbClr val="002060"/>
+                </a:solidFill>
+              </a:ln>
+            </p:spPr>
+            <p:style>
+              <a:lnRef idx="2">
+                <a:schemeClr val="accent1">
+                  <a:shade val="50000"/>
+                </a:schemeClr>
+              </a:lnRef>
+              <a:fillRef idx="1">
+                <a:schemeClr val="accent1"/>
+              </a:fillRef>
+              <a:effectRef idx="0">
+                <a:schemeClr val="accent1"/>
+              </a:effectRef>
+              <a:fontRef idx="minor">
+                <a:schemeClr val="lt1"/>
+              </a:fontRef>
+            </p:style>
+          </p:cxnSp>
+          <p:cxnSp>
+            <p:nvCxnSpPr>
+              <p:cNvPr id="1024" name="Connecteur droit 1023">
+                <a:extLst>
+                  <a:ext uri="{FF2B5EF4-FFF2-40B4-BE49-F238E27FC236}">
+                    <a16:creationId xmlns:a16="http://schemas.microsoft.com/office/drawing/2014/main" id="{5CA1061C-8C22-0F24-14C5-8A1FA2AA0C3D}"/>
+                  </a:ext>
+                </a:extLst>
+              </p:cNvPr>
+              <p:cNvCxnSpPr>
+                <a:cxnSpLocks/>
+              </p:cNvCxnSpPr>
+              <p:nvPr/>
+            </p:nvCxnSpPr>
+            <p:spPr>
+              <a:xfrm flipH="1">
+                <a:off x="5827140" y="1856779"/>
+                <a:ext cx="127204" cy="188340"/>
+              </a:xfrm>
+              <a:prstGeom prst="line">
+                <a:avLst/>
+              </a:prstGeom>
+              <a:noFill/>
+              <a:ln w="28575">
+                <a:solidFill>
+                  <a:srgbClr val="002060"/>
+                </a:solidFill>
+              </a:ln>
+            </p:spPr>
+            <p:style>
+              <a:lnRef idx="2">
+                <a:schemeClr val="accent1">
+                  <a:shade val="50000"/>
+                </a:schemeClr>
+              </a:lnRef>
+              <a:fillRef idx="1">
+                <a:schemeClr val="accent1"/>
+              </a:fillRef>
+              <a:effectRef idx="0">
+                <a:schemeClr val="accent1"/>
+              </a:effectRef>
+              <a:fontRef idx="minor">
+                <a:schemeClr val="lt1"/>
+              </a:fontRef>
+            </p:style>
+          </p:cxnSp>
+        </p:grpSp>
+      </p:grpSp>
+      <p:cxnSp>
+        <p:nvCxnSpPr>
+          <p:cNvPr id="1028" name="Connecteur droit 1027">
+            <a:extLst>
+              <a:ext uri="{FF2B5EF4-FFF2-40B4-BE49-F238E27FC236}">
+                <a16:creationId xmlns:a16="http://schemas.microsoft.com/office/drawing/2014/main" id="{5FC0A729-8C6B-D9A8-67BC-21F060258D49}"/>
+              </a:ext>
+            </a:extLst>
+          </p:cNvPr>
+          <p:cNvCxnSpPr>
+            <a:cxnSpLocks/>
+          </p:cNvCxnSpPr>
+          <p:nvPr/>
+        </p:nvCxnSpPr>
+        <p:spPr>
+          <a:xfrm>
+            <a:off x="4812587" y="2444603"/>
+            <a:ext cx="180000" cy="0"/>
+          </a:xfrm>
+          <a:prstGeom prst="line">
+            <a:avLst/>
+          </a:prstGeom>
+          <a:noFill/>
+          <a:ln w="28575">
+            <a:solidFill>
+              <a:srgbClr val="0070C0"/>
+            </a:solidFill>
+          </a:ln>
+        </p:spPr>
+        <p:style>
+          <a:lnRef idx="2">
+            <a:schemeClr val="accent1">
+              <a:shade val="50000"/>
+            </a:schemeClr>
+          </a:lnRef>
+          <a:fillRef idx="1">
+            <a:schemeClr val="accent1"/>
+          </a:fillRef>
+          <a:effectRef idx="0">
+            <a:schemeClr val="accent1"/>
+          </a:effectRef>
+          <a:fontRef idx="minor">
+            <a:schemeClr val="lt1"/>
+          </a:fontRef>
+        </p:style>
+      </p:cxnSp>
+      <p:cxnSp>
+        <p:nvCxnSpPr>
+          <p:cNvPr id="1029" name="Connecteur droit 1028">
+            <a:extLst>
+              <a:ext uri="{FF2B5EF4-FFF2-40B4-BE49-F238E27FC236}">
+                <a16:creationId xmlns:a16="http://schemas.microsoft.com/office/drawing/2014/main" id="{6FE9F5A1-8024-313B-E7F7-8066DFEAEB88}"/>
+              </a:ext>
+            </a:extLst>
+          </p:cNvPr>
+          <p:cNvCxnSpPr>
+            <a:cxnSpLocks/>
+          </p:cNvCxnSpPr>
+          <p:nvPr/>
+        </p:nvCxnSpPr>
+        <p:spPr>
+          <a:xfrm>
+            <a:off x="4812587" y="2955778"/>
+            <a:ext cx="180000" cy="0"/>
+          </a:xfrm>
+          <a:prstGeom prst="line">
+            <a:avLst/>
+          </a:prstGeom>
+          <a:noFill/>
+          <a:ln w="28575">
+            <a:solidFill>
+              <a:srgbClr val="0070C0"/>
+            </a:solidFill>
+          </a:ln>
+        </p:spPr>
+        <p:style>
+          <a:lnRef idx="2">
+            <a:schemeClr val="accent1">
+              <a:shade val="50000"/>
+            </a:schemeClr>
+          </a:lnRef>
+          <a:fillRef idx="1">
+            <a:schemeClr val="accent1"/>
+          </a:fillRef>
+          <a:effectRef idx="0">
+            <a:schemeClr val="accent1"/>
+          </a:effectRef>
+          <a:fontRef idx="minor">
+            <a:schemeClr val="lt1"/>
+          </a:fontRef>
+        </p:style>
+      </p:cxnSp>
+      <p:cxnSp>
+        <p:nvCxnSpPr>
+          <p:cNvPr id="4" name="Connecteur droit 3">
+            <a:extLst>
+              <a:ext uri="{FF2B5EF4-FFF2-40B4-BE49-F238E27FC236}">
+                <a16:creationId xmlns:a16="http://schemas.microsoft.com/office/drawing/2014/main" id="{DCE11A56-2A0B-B4C1-B526-3AACDDA88CA4}"/>
+              </a:ext>
+            </a:extLst>
+          </p:cNvPr>
+          <p:cNvCxnSpPr>
+            <a:cxnSpLocks/>
+          </p:cNvCxnSpPr>
+          <p:nvPr/>
+        </p:nvCxnSpPr>
+        <p:spPr>
+          <a:xfrm flipH="1">
+            <a:off x="5791151" y="1336613"/>
+            <a:ext cx="788749" cy="443431"/>
+          </a:xfrm>
+          <a:prstGeom prst="line">
+            <a:avLst/>
+          </a:prstGeom>
+          <a:noFill/>
+          <a:ln w="28575">
+            <a:solidFill>
+              <a:srgbClr val="002060"/>
+            </a:solidFill>
+            <a:headEnd type="stealth" w="med" len="lg"/>
+            <a:tailEnd type="none"/>
+          </a:ln>
+        </p:spPr>
+        <p:style>
+          <a:lnRef idx="2">
+            <a:schemeClr val="accent1">
+              <a:shade val="50000"/>
+            </a:schemeClr>
+          </a:lnRef>
+          <a:fillRef idx="1">
+            <a:schemeClr val="accent1"/>
+          </a:fillRef>
+          <a:effectRef idx="0">
+            <a:schemeClr val="accent1"/>
+          </a:effectRef>
+          <a:fontRef idx="minor">
+            <a:schemeClr val="lt1"/>
+          </a:fontRef>
+        </p:style>
+      </p:cxnSp>
+      <p:cxnSp>
+        <p:nvCxnSpPr>
+          <p:cNvPr id="6" name="Connecteur droit 5">
+            <a:extLst>
+              <a:ext uri="{FF2B5EF4-FFF2-40B4-BE49-F238E27FC236}">
+                <a16:creationId xmlns:a16="http://schemas.microsoft.com/office/drawing/2014/main" id="{2F4AFDE4-6557-2A98-B8DF-0A347ED9924A}"/>
+              </a:ext>
+            </a:extLst>
+          </p:cNvPr>
+          <p:cNvCxnSpPr>
+            <a:cxnSpLocks/>
+          </p:cNvCxnSpPr>
+          <p:nvPr/>
+        </p:nvCxnSpPr>
+        <p:spPr>
+          <a:xfrm flipH="1" flipV="1">
+            <a:off x="6559434" y="2343832"/>
+            <a:ext cx="642085" cy="373325"/>
+          </a:xfrm>
+          <a:prstGeom prst="line">
+            <a:avLst/>
+          </a:prstGeom>
+          <a:noFill/>
+          <a:ln w="28575">
+            <a:solidFill>
+              <a:srgbClr val="002060"/>
+            </a:solidFill>
+            <a:headEnd type="stealth" w="med" len="lg"/>
+            <a:tailEnd type="none"/>
+          </a:ln>
+        </p:spPr>
+        <p:style>
+          <a:lnRef idx="2">
+            <a:schemeClr val="accent1">
+              <a:shade val="50000"/>
+            </a:schemeClr>
+          </a:lnRef>
+          <a:fillRef idx="1">
+            <a:schemeClr val="accent1"/>
+          </a:fillRef>
+          <a:effectRef idx="0">
+            <a:schemeClr val="accent1"/>
+          </a:effectRef>
+          <a:fontRef idx="minor">
+            <a:schemeClr val="lt1"/>
+          </a:fontRef>
+        </p:style>
+      </p:cxnSp>
+      <p:cxnSp>
+        <p:nvCxnSpPr>
+          <p:cNvPr id="7" name="Connecteur droit 6">
+            <a:extLst>
+              <a:ext uri="{FF2B5EF4-FFF2-40B4-BE49-F238E27FC236}">
+                <a16:creationId xmlns:a16="http://schemas.microsoft.com/office/drawing/2014/main" id="{4E2C999D-8CBE-B2BB-13E1-171C5B6C1AD1}"/>
+              </a:ext>
+            </a:extLst>
+          </p:cNvPr>
+          <p:cNvCxnSpPr>
+            <a:cxnSpLocks/>
+          </p:cNvCxnSpPr>
+          <p:nvPr/>
+        </p:nvCxnSpPr>
+        <p:spPr>
+          <a:xfrm flipH="1">
+            <a:off x="5668831" y="874856"/>
+            <a:ext cx="0" cy="873240"/>
+          </a:xfrm>
+          <a:prstGeom prst="line">
+            <a:avLst/>
+          </a:prstGeom>
+          <a:noFill/>
+          <a:ln w="28575">
+            <a:solidFill>
+              <a:srgbClr val="002060"/>
+            </a:solidFill>
+            <a:headEnd type="stealth" w="med" len="lg"/>
+            <a:tailEnd type="none"/>
+          </a:ln>
+        </p:spPr>
+        <p:style>
+          <a:lnRef idx="2">
+            <a:schemeClr val="accent1">
+              <a:shade val="50000"/>
+            </a:schemeClr>
+          </a:lnRef>
+          <a:fillRef idx="1">
+            <a:schemeClr val="accent1"/>
+          </a:fillRef>
+          <a:effectRef idx="0">
+            <a:schemeClr val="accent1"/>
+          </a:effectRef>
+          <a:fontRef idx="minor">
+            <a:schemeClr val="lt1"/>
+          </a:fontRef>
+        </p:style>
+      </p:cxnSp>
+      <mc:AlternateContent xmlns:mc="http://schemas.openxmlformats.org/markup-compatibility/2006">
+        <mc:Choice xmlns:a14="http://schemas.microsoft.com/office/drawing/2010/main" Requires="a14">
+          <p:sp>
+            <p:nvSpPr>
+              <p:cNvPr id="9" name="ZoneTexte 8">
+                <a:extLst>
+                  <a:ext uri="{FF2B5EF4-FFF2-40B4-BE49-F238E27FC236}">
+                    <a16:creationId xmlns:a16="http://schemas.microsoft.com/office/drawing/2014/main" id="{3D54BD67-C05E-08C1-ABFF-052E5482921F}"/>
+                  </a:ext>
+                </a:extLst>
+              </p:cNvPr>
+              <p:cNvSpPr txBox="1"/>
+              <p:nvPr/>
+            </p:nvSpPr>
+            <p:spPr>
+              <a:xfrm>
+                <a:off x="6936212" y="2347556"/>
+                <a:ext cx="458074" cy="189860"/>
+              </a:xfrm>
+              <a:prstGeom prst="rect">
+                <a:avLst/>
+              </a:prstGeom>
+              <a:noFill/>
+            </p:spPr>
+            <p:txBody>
+              <a:bodyPr wrap="none" lIns="0" tIns="0" rIns="0" bIns="0" rtlCol="0">
+                <a:spAutoFit/>
+              </a:bodyPr>
+              <a:lstStyle/>
+              <a:p>
+                <a14:m>
+                  <m:oMathPara xmlns:m="http://schemas.openxmlformats.org/officeDocument/2006/math">
+                    <m:oMathParaPr>
+                      <m:jc m:val="centerGroup"/>
+                    </m:oMathParaPr>
+                    <m:oMath xmlns:m="http://schemas.openxmlformats.org/officeDocument/2006/math">
+                      <m:acc>
+                        <m:accPr>
+                          <m:chr m:val="⃗"/>
+                          <m:ctrlPr>
+                            <a:rPr lang="fr-FR" sz="1100" i="1" smtClean="0">
+                              <a:latin typeface="Cambria Math" panose="02040503050406030204" pitchFamily="18" charset="0"/>
+                            </a:rPr>
+                          </m:ctrlPr>
+                        </m:accPr>
+                        <m:e>
+                          <m:r>
+                            <a:rPr lang="fr-FR" sz="1100" i="1">
+                              <a:latin typeface="Cambria Math" panose="02040503050406030204" pitchFamily="18" charset="0"/>
+                            </a:rPr>
+                            <m:t>𝑋</m:t>
+                          </m:r>
+                        </m:e>
+                      </m:acc>
+                      <m:r>
+                        <a:rPr lang="fr-FR" sz="1100" b="0" i="1" smtClean="0">
+                          <a:latin typeface="Cambria Math" panose="02040503050406030204" pitchFamily="18" charset="0"/>
+                        </a:rPr>
+                        <m:t>=</m:t>
+                      </m:r>
+                      <m:acc>
+                        <m:accPr>
+                          <m:chr m:val="⃗"/>
+                          <m:ctrlPr>
+                            <a:rPr lang="fr-FR" sz="1100" i="1">
+                              <a:latin typeface="Cambria Math" panose="02040503050406030204" pitchFamily="18" charset="0"/>
+                            </a:rPr>
+                          </m:ctrlPr>
+                        </m:accPr>
+                        <m:e>
+                          <m:sSub>
+                            <m:sSubPr>
+                              <m:ctrlPr>
+                                <a:rPr lang="fr-FR" sz="1100" b="0" i="1" smtClean="0">
+                                  <a:latin typeface="Cambria Math" panose="02040503050406030204" pitchFamily="18" charset="0"/>
+                                </a:rPr>
+                              </m:ctrlPr>
+                            </m:sSubPr>
+                            <m:e>
+                              <m:r>
+                                <a:rPr lang="fr-FR" sz="1100" i="1">
+                                  <a:latin typeface="Cambria Math" panose="02040503050406030204" pitchFamily="18" charset="0"/>
+                                </a:rPr>
+                                <m:t>𝑋</m:t>
+                              </m:r>
+                            </m:e>
+                            <m:sub>
+                              <m:r>
+                                <a:rPr lang="fr-FR" sz="1100" b="0" i="1" smtClean="0">
+                                  <a:latin typeface="Cambria Math" panose="02040503050406030204" pitchFamily="18" charset="0"/>
+                                </a:rPr>
+                                <m:t>1</m:t>
+                              </m:r>
+                            </m:sub>
+                          </m:sSub>
+                        </m:e>
+                      </m:acc>
+                    </m:oMath>
+                  </m:oMathPara>
+                </a14:m>
+                <a:endParaRPr lang="fr-FR" sz="1100" dirty="0"/>
+              </a:p>
+            </p:txBody>
+          </p:sp>
+        </mc:Choice>
+        <mc:Fallback>
+          <p:sp>
+            <p:nvSpPr>
+              <p:cNvPr id="9" name="ZoneTexte 8">
+                <a:extLst>
+                  <a:ext uri="{FF2B5EF4-FFF2-40B4-BE49-F238E27FC236}">
+                    <a16:creationId xmlns:a16="http://schemas.microsoft.com/office/drawing/2014/main" id="{3D54BD67-C05E-08C1-ABFF-052E5482921F}"/>
+                  </a:ext>
+                </a:extLst>
+              </p:cNvPr>
+              <p:cNvSpPr txBox="1">
+                <a:spLocks noRot="1" noChangeAspect="1" noMove="1" noResize="1" noEditPoints="1" noAdjustHandles="1" noChangeArrowheads="1" noChangeShapeType="1" noTextEdit="1"/>
+              </p:cNvSpPr>
+              <p:nvPr/>
+            </p:nvSpPr>
+            <p:spPr>
+              <a:xfrm>
+                <a:off x="6936212" y="2347556"/>
+                <a:ext cx="458074" cy="189860"/>
+              </a:xfrm>
+              <a:prstGeom prst="rect">
+                <a:avLst/>
+              </a:prstGeom>
+              <a:blipFill>
+                <a:blip r:embed="rId2"/>
+                <a:stretch>
+                  <a:fillRect l="-6667" r="-2667" b="-16129"/>
+                </a:stretch>
+              </a:blipFill>
+            </p:spPr>
+            <p:txBody>
+              <a:bodyPr/>
+              <a:lstStyle/>
+              <a:p>
+                <a:r>
+                  <a:rPr lang="fr-FR">
+                    <a:noFill/>
+                  </a:rPr>
+                  <a:t> </a:t>
+                </a:r>
+              </a:p>
+            </p:txBody>
+          </p:sp>
+        </mc:Fallback>
+      </mc:AlternateContent>
+      <mc:AlternateContent xmlns:mc="http://schemas.openxmlformats.org/markup-compatibility/2006">
+        <mc:Choice xmlns:a14="http://schemas.microsoft.com/office/drawing/2010/main" Requires="a14">
+          <p:sp>
+            <p:nvSpPr>
+              <p:cNvPr id="10" name="ZoneTexte 9">
+                <a:extLst>
+                  <a:ext uri="{FF2B5EF4-FFF2-40B4-BE49-F238E27FC236}">
+                    <a16:creationId xmlns:a16="http://schemas.microsoft.com/office/drawing/2014/main" id="{F3E74BD9-65A0-70E9-43D4-15732A2CEF1D}"/>
+                  </a:ext>
+                </a:extLst>
+              </p:cNvPr>
+              <p:cNvSpPr txBox="1"/>
+              <p:nvPr/>
+            </p:nvSpPr>
+            <p:spPr>
+              <a:xfrm>
+                <a:off x="5510431" y="867810"/>
+                <a:ext cx="118879" cy="189860"/>
+              </a:xfrm>
+              <a:prstGeom prst="rect">
+                <a:avLst/>
+              </a:prstGeom>
+              <a:noFill/>
+            </p:spPr>
+            <p:txBody>
+              <a:bodyPr wrap="none" lIns="0" tIns="0" rIns="0" bIns="0" rtlCol="0">
+                <a:spAutoFit/>
+              </a:bodyPr>
+              <a:lstStyle/>
+              <a:p>
+                <a14:m>
+                  <m:oMathPara xmlns:m="http://schemas.openxmlformats.org/officeDocument/2006/math">
+                    <m:oMathParaPr>
+                      <m:jc m:val="centerGroup"/>
+                    </m:oMathParaPr>
+                    <m:oMath xmlns:m="http://schemas.openxmlformats.org/officeDocument/2006/math">
+                      <m:acc>
+                        <m:accPr>
+                          <m:chr m:val="⃗"/>
+                          <m:ctrlPr>
+                            <a:rPr lang="fr-FR" sz="1100" i="1" smtClean="0">
+                              <a:latin typeface="Cambria Math" panose="02040503050406030204" pitchFamily="18" charset="0"/>
+                            </a:rPr>
+                          </m:ctrlPr>
+                        </m:accPr>
+                        <m:e>
+                          <m:r>
+                            <a:rPr lang="fr-FR" sz="1100" b="0" i="1" smtClean="0">
+                              <a:latin typeface="Cambria Math" panose="02040503050406030204" pitchFamily="18" charset="0"/>
+                            </a:rPr>
+                            <m:t>𝑍</m:t>
+                          </m:r>
+                        </m:e>
+                      </m:acc>
+                    </m:oMath>
+                  </m:oMathPara>
+                </a14:m>
+                <a:endParaRPr lang="fr-FR" sz="1100" dirty="0"/>
+              </a:p>
+            </p:txBody>
+          </p:sp>
+        </mc:Choice>
+        <mc:Fallback>
+          <p:sp>
+            <p:nvSpPr>
+              <p:cNvPr id="10" name="ZoneTexte 9">
+                <a:extLst>
+                  <a:ext uri="{FF2B5EF4-FFF2-40B4-BE49-F238E27FC236}">
+                    <a16:creationId xmlns:a16="http://schemas.microsoft.com/office/drawing/2014/main" id="{F3E74BD9-65A0-70E9-43D4-15732A2CEF1D}"/>
+                  </a:ext>
+                </a:extLst>
+              </p:cNvPr>
+              <p:cNvSpPr txBox="1">
+                <a:spLocks noRot="1" noChangeAspect="1" noMove="1" noResize="1" noEditPoints="1" noAdjustHandles="1" noChangeArrowheads="1" noChangeShapeType="1" noTextEdit="1"/>
+              </p:cNvSpPr>
+              <p:nvPr/>
+            </p:nvSpPr>
+            <p:spPr>
+              <a:xfrm>
+                <a:off x="5510431" y="867810"/>
+                <a:ext cx="118879" cy="189860"/>
+              </a:xfrm>
+              <a:prstGeom prst="rect">
+                <a:avLst/>
+              </a:prstGeom>
+              <a:blipFill>
+                <a:blip r:embed="rId3"/>
+                <a:stretch>
+                  <a:fillRect l="-26316" t="-28125" r="-94737" b="-3125"/>
+                </a:stretch>
+              </a:blipFill>
+            </p:spPr>
+            <p:txBody>
+              <a:bodyPr/>
+              <a:lstStyle/>
+              <a:p>
+                <a:r>
+                  <a:rPr lang="fr-FR">
+                    <a:noFill/>
+                  </a:rPr>
+                  <a:t> </a:t>
+                </a:r>
+              </a:p>
+            </p:txBody>
+          </p:sp>
+        </mc:Fallback>
+      </mc:AlternateContent>
+      <mc:AlternateContent xmlns:mc="http://schemas.openxmlformats.org/markup-compatibility/2006">
+        <mc:Choice xmlns:a14="http://schemas.microsoft.com/office/drawing/2010/main" Requires="a14">
+          <p:sp>
+            <p:nvSpPr>
+              <p:cNvPr id="11" name="ZoneTexte 10">
+                <a:extLst>
+                  <a:ext uri="{FF2B5EF4-FFF2-40B4-BE49-F238E27FC236}">
+                    <a16:creationId xmlns:a16="http://schemas.microsoft.com/office/drawing/2014/main" id="{35B4A870-7A94-1F94-896E-473C9BD35762}"/>
+                  </a:ext>
+                </a:extLst>
+              </p:cNvPr>
+              <p:cNvSpPr txBox="1"/>
+              <p:nvPr/>
+            </p:nvSpPr>
+            <p:spPr>
+              <a:xfrm>
+                <a:off x="6614091" y="1199479"/>
+                <a:ext cx="120481" cy="189860"/>
+              </a:xfrm>
+              <a:prstGeom prst="rect">
+                <a:avLst/>
+              </a:prstGeom>
+              <a:noFill/>
+            </p:spPr>
+            <p:txBody>
+              <a:bodyPr wrap="none" lIns="0" tIns="0" rIns="0" bIns="0" rtlCol="0">
+                <a:spAutoFit/>
+              </a:bodyPr>
+              <a:lstStyle/>
+              <a:p>
+                <a14:m>
+                  <m:oMathPara xmlns:m="http://schemas.openxmlformats.org/officeDocument/2006/math">
+                    <m:oMathParaPr>
+                      <m:jc m:val="centerGroup"/>
+                    </m:oMathParaPr>
+                    <m:oMath xmlns:m="http://schemas.openxmlformats.org/officeDocument/2006/math">
+                      <m:acc>
+                        <m:accPr>
+                          <m:chr m:val="⃗"/>
+                          <m:ctrlPr>
+                            <a:rPr lang="fr-FR" sz="1100" i="1" smtClean="0">
+                              <a:latin typeface="Cambria Math" panose="02040503050406030204" pitchFamily="18" charset="0"/>
+                            </a:rPr>
+                          </m:ctrlPr>
+                        </m:accPr>
+                        <m:e>
+                          <m:r>
+                            <a:rPr lang="fr-FR" sz="1100" b="0" i="1" smtClean="0">
+                              <a:latin typeface="Cambria Math" panose="02040503050406030204" pitchFamily="18" charset="0"/>
+                            </a:rPr>
+                            <m:t>𝑌</m:t>
+                          </m:r>
+                        </m:e>
+                      </m:acc>
+                    </m:oMath>
+                  </m:oMathPara>
+                </a14:m>
+                <a:endParaRPr lang="fr-FR" sz="1100" dirty="0"/>
+              </a:p>
+            </p:txBody>
+          </p:sp>
+        </mc:Choice>
+        <mc:Fallback>
+          <p:sp>
+            <p:nvSpPr>
+              <p:cNvPr id="11" name="ZoneTexte 10">
+                <a:extLst>
+                  <a:ext uri="{FF2B5EF4-FFF2-40B4-BE49-F238E27FC236}">
+                    <a16:creationId xmlns:a16="http://schemas.microsoft.com/office/drawing/2014/main" id="{35B4A870-7A94-1F94-896E-473C9BD35762}"/>
+                  </a:ext>
+                </a:extLst>
+              </p:cNvPr>
+              <p:cNvSpPr txBox="1">
+                <a:spLocks noRot="1" noChangeAspect="1" noMove="1" noResize="1" noEditPoints="1" noAdjustHandles="1" noChangeArrowheads="1" noChangeShapeType="1" noTextEdit="1"/>
+              </p:cNvSpPr>
+              <p:nvPr/>
+            </p:nvSpPr>
+            <p:spPr>
+              <a:xfrm>
+                <a:off x="6614091" y="1199479"/>
+                <a:ext cx="120481" cy="189860"/>
+              </a:xfrm>
+              <a:prstGeom prst="rect">
+                <a:avLst/>
+              </a:prstGeom>
+              <a:blipFill>
+                <a:blip r:embed="rId4"/>
+                <a:stretch>
+                  <a:fillRect l="-25000" r="-25000" b="-6452"/>
+                </a:stretch>
+              </a:blipFill>
+            </p:spPr>
+            <p:txBody>
+              <a:bodyPr/>
+              <a:lstStyle/>
+              <a:p>
+                <a:r>
+                  <a:rPr lang="fr-FR">
+                    <a:noFill/>
+                  </a:rPr>
+                  <a:t> </a:t>
+                </a:r>
+              </a:p>
+            </p:txBody>
+          </p:sp>
+        </mc:Fallback>
+      </mc:AlternateContent>
+      <p:cxnSp>
+        <p:nvCxnSpPr>
+          <p:cNvPr id="15" name="Connecteur droit 14">
+            <a:extLst>
+              <a:ext uri="{FF2B5EF4-FFF2-40B4-BE49-F238E27FC236}">
+                <a16:creationId xmlns:a16="http://schemas.microsoft.com/office/drawing/2014/main" id="{304244AB-DE36-9B9B-2F9C-ACC64CB61005}"/>
+              </a:ext>
+            </a:extLst>
+          </p:cNvPr>
+          <p:cNvCxnSpPr>
+            <a:cxnSpLocks/>
+          </p:cNvCxnSpPr>
+          <p:nvPr/>
+        </p:nvCxnSpPr>
+        <p:spPr>
+          <a:xfrm flipH="1">
+            <a:off x="7393667" y="1185822"/>
+            <a:ext cx="223471" cy="125634"/>
+          </a:xfrm>
+          <a:prstGeom prst="line">
+            <a:avLst/>
+          </a:prstGeom>
+          <a:noFill/>
+          <a:ln w="28575">
+            <a:solidFill>
+              <a:srgbClr val="C00000"/>
+            </a:solidFill>
+            <a:headEnd type="stealth" w="med" len="lg"/>
+            <a:tailEnd type="none"/>
+          </a:ln>
+        </p:spPr>
+        <p:style>
+          <a:lnRef idx="2">
+            <a:schemeClr val="accent1">
+              <a:shade val="50000"/>
+            </a:schemeClr>
+          </a:lnRef>
+          <a:fillRef idx="1">
+            <a:schemeClr val="accent1"/>
+          </a:fillRef>
+          <a:effectRef idx="0">
+            <a:schemeClr val="accent1"/>
+          </a:effectRef>
+          <a:fontRef idx="minor">
+            <a:schemeClr val="lt1"/>
+          </a:fontRef>
+        </p:style>
+      </p:cxnSp>
+      <mc:AlternateContent xmlns:mc="http://schemas.openxmlformats.org/markup-compatibility/2006">
+        <mc:Choice xmlns:a14="http://schemas.microsoft.com/office/drawing/2010/main" Requires="a14">
+          <p:sp>
+            <p:nvSpPr>
+              <p:cNvPr id="18" name="ZoneTexte 17">
+                <a:extLst>
+                  <a:ext uri="{FF2B5EF4-FFF2-40B4-BE49-F238E27FC236}">
+                    <a16:creationId xmlns:a16="http://schemas.microsoft.com/office/drawing/2014/main" id="{C766C996-DA3F-0C9B-4024-D5DB9C7AA694}"/>
+                  </a:ext>
+                </a:extLst>
+              </p:cNvPr>
+              <p:cNvSpPr txBox="1"/>
+              <p:nvPr/>
+            </p:nvSpPr>
+            <p:spPr>
+              <a:xfrm>
+                <a:off x="7512884" y="1294409"/>
+                <a:ext cx="155748" cy="189860"/>
+              </a:xfrm>
+              <a:prstGeom prst="rect">
+                <a:avLst/>
+              </a:prstGeom>
+              <a:noFill/>
+            </p:spPr>
+            <p:txBody>
+              <a:bodyPr wrap="none" lIns="0" tIns="0" rIns="0" bIns="0" rtlCol="0">
+                <a:spAutoFit/>
+              </a:bodyPr>
+              <a:lstStyle/>
+              <a:p>
+                <a14:m>
+                  <m:oMathPara xmlns:m="http://schemas.openxmlformats.org/officeDocument/2006/math">
+                    <m:oMathParaPr>
+                      <m:jc m:val="centerGroup"/>
+                    </m:oMathParaPr>
+                    <m:oMath xmlns:m="http://schemas.openxmlformats.org/officeDocument/2006/math">
+                      <m:acc>
+                        <m:accPr>
+                          <m:chr m:val="⃗"/>
+                          <m:ctrlPr>
+                            <a:rPr lang="fr-FR" sz="1100" i="1" smtClean="0">
+                              <a:latin typeface="Cambria Math" panose="02040503050406030204" pitchFamily="18" charset="0"/>
+                            </a:rPr>
+                          </m:ctrlPr>
+                        </m:accPr>
+                        <m:e>
+                          <m:sSub>
+                            <m:sSubPr>
+                              <m:ctrlPr>
+                                <a:rPr lang="fr-FR" sz="1100" b="0" i="1" smtClean="0">
+                                  <a:latin typeface="Cambria Math" panose="02040503050406030204" pitchFamily="18" charset="0"/>
+                                </a:rPr>
+                              </m:ctrlPr>
+                            </m:sSubPr>
+                            <m:e>
+                              <m:r>
+                                <a:rPr lang="fr-FR" sz="1100" b="0" i="1" smtClean="0">
+                                  <a:latin typeface="Cambria Math" panose="02040503050406030204" pitchFamily="18" charset="0"/>
+                                </a:rPr>
+                                <m:t>𝑌</m:t>
+                              </m:r>
+                            </m:e>
+                            <m:sub>
+                              <m:r>
+                                <a:rPr lang="fr-FR" sz="1100" b="0" i="1" smtClean="0">
+                                  <a:latin typeface="Cambria Math" panose="02040503050406030204" pitchFamily="18" charset="0"/>
+                                </a:rPr>
+                                <m:t>1</m:t>
+                              </m:r>
+                            </m:sub>
+                          </m:sSub>
+                        </m:e>
+                      </m:acc>
+                    </m:oMath>
+                  </m:oMathPara>
+                </a14:m>
+                <a:endParaRPr lang="fr-FR" sz="1100" dirty="0"/>
+              </a:p>
+            </p:txBody>
+          </p:sp>
+        </mc:Choice>
+        <mc:Fallback>
+          <p:sp>
+            <p:nvSpPr>
+              <p:cNvPr id="18" name="ZoneTexte 17">
+                <a:extLst>
+                  <a:ext uri="{FF2B5EF4-FFF2-40B4-BE49-F238E27FC236}">
+                    <a16:creationId xmlns:a16="http://schemas.microsoft.com/office/drawing/2014/main" id="{C766C996-DA3F-0C9B-4024-D5DB9C7AA694}"/>
+                  </a:ext>
+                </a:extLst>
+              </p:cNvPr>
+              <p:cNvSpPr txBox="1">
+                <a:spLocks noRot="1" noChangeAspect="1" noMove="1" noResize="1" noEditPoints="1" noAdjustHandles="1" noChangeArrowheads="1" noChangeShapeType="1" noTextEdit="1"/>
+              </p:cNvSpPr>
+              <p:nvPr/>
+            </p:nvSpPr>
+            <p:spPr>
+              <a:xfrm>
+                <a:off x="7512884" y="1294409"/>
+                <a:ext cx="155748" cy="189860"/>
+              </a:xfrm>
+              <a:prstGeom prst="rect">
+                <a:avLst/>
+              </a:prstGeom>
+              <a:blipFill>
+                <a:blip r:embed="rId5"/>
+                <a:stretch>
+                  <a:fillRect l="-19231" r="-7692" b="-16129"/>
+                </a:stretch>
+              </a:blipFill>
+            </p:spPr>
+            <p:txBody>
+              <a:bodyPr/>
+              <a:lstStyle/>
+              <a:p>
+                <a:r>
+                  <a:rPr lang="fr-FR">
+                    <a:noFill/>
+                  </a:rPr>
+                  <a:t> </a:t>
+                </a:r>
+              </a:p>
+            </p:txBody>
+          </p:sp>
+        </mc:Fallback>
+      </mc:AlternateContent>
+      <p:cxnSp>
+        <p:nvCxnSpPr>
+          <p:cNvPr id="19" name="Connecteur droit 18">
+            <a:extLst>
+              <a:ext uri="{FF2B5EF4-FFF2-40B4-BE49-F238E27FC236}">
+                <a16:creationId xmlns:a16="http://schemas.microsoft.com/office/drawing/2014/main" id="{729AE6F0-C6B7-F16C-01C7-DEF8A363A286}"/>
+              </a:ext>
+            </a:extLst>
+          </p:cNvPr>
+          <p:cNvCxnSpPr>
+            <a:cxnSpLocks/>
+          </p:cNvCxnSpPr>
+          <p:nvPr/>
+        </p:nvCxnSpPr>
+        <p:spPr>
+          <a:xfrm flipH="1" flipV="1">
+            <a:off x="8107820" y="960795"/>
+            <a:ext cx="689933" cy="37585"/>
+          </a:xfrm>
+          <a:prstGeom prst="line">
+            <a:avLst/>
+          </a:prstGeom>
+          <a:noFill/>
+          <a:ln w="28575">
+            <a:solidFill>
+              <a:srgbClr val="0070C0"/>
+            </a:solidFill>
+            <a:headEnd type="stealth" w="med" len="lg"/>
+            <a:tailEnd type="none"/>
+          </a:ln>
+        </p:spPr>
+        <p:style>
+          <a:lnRef idx="2">
+            <a:schemeClr val="accent1">
+              <a:shade val="50000"/>
+            </a:schemeClr>
+          </a:lnRef>
+          <a:fillRef idx="1">
+            <a:schemeClr val="accent1"/>
+          </a:fillRef>
+          <a:effectRef idx="0">
+            <a:schemeClr val="accent1"/>
+          </a:effectRef>
+          <a:fontRef idx="minor">
+            <a:schemeClr val="lt1"/>
+          </a:fontRef>
+        </p:style>
+      </p:cxnSp>
+      <mc:AlternateContent xmlns:mc="http://schemas.openxmlformats.org/markup-compatibility/2006">
+        <mc:Choice xmlns:a14="http://schemas.microsoft.com/office/drawing/2010/main" Requires="a14">
+          <p:sp>
+            <p:nvSpPr>
+              <p:cNvPr id="26" name="ZoneTexte 25">
+                <a:extLst>
+                  <a:ext uri="{FF2B5EF4-FFF2-40B4-BE49-F238E27FC236}">
+                    <a16:creationId xmlns:a16="http://schemas.microsoft.com/office/drawing/2014/main" id="{9775C662-2B9C-DD25-9EE6-EE5A9393A491}"/>
+                  </a:ext>
+                </a:extLst>
+              </p:cNvPr>
+              <p:cNvSpPr txBox="1"/>
+              <p:nvPr/>
+            </p:nvSpPr>
+            <p:spPr>
+              <a:xfrm>
+                <a:off x="7901890" y="1345713"/>
+                <a:ext cx="179087" cy="189860"/>
+              </a:xfrm>
+              <a:prstGeom prst="rect">
+                <a:avLst/>
+              </a:prstGeom>
+              <a:noFill/>
+            </p:spPr>
+            <p:txBody>
+              <a:bodyPr wrap="none" lIns="0" tIns="0" rIns="0" bIns="0" rtlCol="0">
+                <a:spAutoFit/>
+              </a:bodyPr>
+              <a:lstStyle/>
+              <a:p>
+                <a14:m>
+                  <m:oMathPara xmlns:m="http://schemas.openxmlformats.org/officeDocument/2006/math">
+                    <m:oMathParaPr>
+                      <m:jc m:val="centerGroup"/>
+                    </m:oMathParaPr>
+                    <m:oMath xmlns:m="http://schemas.openxmlformats.org/officeDocument/2006/math">
+                      <m:acc>
+                        <m:accPr>
+                          <m:chr m:val="⃗"/>
+                          <m:ctrlPr>
+                            <a:rPr lang="fr-FR" sz="1100" i="1">
+                              <a:latin typeface="Cambria Math" panose="02040503050406030204" pitchFamily="18" charset="0"/>
+                            </a:rPr>
+                          </m:ctrlPr>
+                        </m:accPr>
+                        <m:e>
+                          <m:sSub>
+                            <m:sSubPr>
+                              <m:ctrlPr>
+                                <a:rPr lang="fr-FR" sz="1100" b="0" i="1" smtClean="0">
+                                  <a:latin typeface="Cambria Math" panose="02040503050406030204" pitchFamily="18" charset="0"/>
+                                </a:rPr>
+                              </m:ctrlPr>
+                            </m:sSubPr>
+                            <m:e>
+                              <m:r>
+                                <a:rPr lang="fr-FR" sz="1100" i="1">
+                                  <a:latin typeface="Cambria Math" panose="02040503050406030204" pitchFamily="18" charset="0"/>
+                                </a:rPr>
+                                <m:t>𝑋</m:t>
+                              </m:r>
+                            </m:e>
+                            <m:sub>
+                              <m:r>
+                                <a:rPr lang="fr-FR" sz="1100" b="0" i="1" smtClean="0">
+                                  <a:latin typeface="Cambria Math" panose="02040503050406030204" pitchFamily="18" charset="0"/>
+                                </a:rPr>
+                                <m:t>1</m:t>
+                              </m:r>
+                            </m:sub>
+                          </m:sSub>
+                        </m:e>
+                      </m:acc>
+                    </m:oMath>
+                  </m:oMathPara>
+                </a14:m>
+                <a:endParaRPr lang="fr-FR" sz="1100" dirty="0"/>
+              </a:p>
+            </p:txBody>
+          </p:sp>
+        </mc:Choice>
+        <mc:Fallback>
+          <p:sp>
+            <p:nvSpPr>
+              <p:cNvPr id="26" name="ZoneTexte 25">
+                <a:extLst>
+                  <a:ext uri="{FF2B5EF4-FFF2-40B4-BE49-F238E27FC236}">
+                    <a16:creationId xmlns:a16="http://schemas.microsoft.com/office/drawing/2014/main" id="{9775C662-2B9C-DD25-9EE6-EE5A9393A491}"/>
+                  </a:ext>
+                </a:extLst>
+              </p:cNvPr>
+              <p:cNvSpPr txBox="1">
+                <a:spLocks noRot="1" noChangeAspect="1" noMove="1" noResize="1" noEditPoints="1" noAdjustHandles="1" noChangeArrowheads="1" noChangeShapeType="1" noTextEdit="1"/>
+              </p:cNvSpPr>
+              <p:nvPr/>
+            </p:nvSpPr>
+            <p:spPr>
+              <a:xfrm>
+                <a:off x="7901890" y="1345713"/>
+                <a:ext cx="179087" cy="189860"/>
+              </a:xfrm>
+              <a:prstGeom prst="rect">
+                <a:avLst/>
+              </a:prstGeom>
+              <a:blipFill>
+                <a:blip r:embed="rId6"/>
+                <a:stretch>
+                  <a:fillRect l="-16667" r="-6667" b="-16129"/>
+                </a:stretch>
+              </a:blipFill>
+            </p:spPr>
+            <p:txBody>
+              <a:bodyPr/>
+              <a:lstStyle/>
+              <a:p>
+                <a:r>
+                  <a:rPr lang="fr-FR">
+                    <a:noFill/>
+                  </a:rPr>
+                  <a:t> </a:t>
+                </a:r>
+              </a:p>
+            </p:txBody>
+          </p:sp>
+        </mc:Fallback>
+      </mc:AlternateContent>
+      <p:cxnSp>
+        <p:nvCxnSpPr>
+          <p:cNvPr id="29" name="Connecteur droit 28">
+            <a:extLst>
+              <a:ext uri="{FF2B5EF4-FFF2-40B4-BE49-F238E27FC236}">
+                <a16:creationId xmlns:a16="http://schemas.microsoft.com/office/drawing/2014/main" id="{B452CCB4-C6D5-BF15-6A34-F632FADAE9E6}"/>
+              </a:ext>
+            </a:extLst>
+          </p:cNvPr>
+          <p:cNvCxnSpPr>
+            <a:cxnSpLocks/>
+          </p:cNvCxnSpPr>
+          <p:nvPr/>
+        </p:nvCxnSpPr>
+        <p:spPr>
+          <a:xfrm flipH="1" flipV="1">
+            <a:off x="7285667" y="912181"/>
+            <a:ext cx="705767" cy="410351"/>
+          </a:xfrm>
+          <a:prstGeom prst="line">
+            <a:avLst/>
+          </a:prstGeom>
+          <a:noFill/>
+          <a:ln w="28575">
+            <a:solidFill>
+              <a:srgbClr val="002060"/>
+            </a:solidFill>
+            <a:headEnd type="stealth" w="med" len="lg"/>
+            <a:tailEnd type="none"/>
+          </a:ln>
+        </p:spPr>
+        <p:style>
+          <a:lnRef idx="2">
+            <a:schemeClr val="accent1">
+              <a:shade val="50000"/>
+            </a:schemeClr>
+          </a:lnRef>
+          <a:fillRef idx="1">
+            <a:schemeClr val="accent1"/>
+          </a:fillRef>
+          <a:effectRef idx="0">
+            <a:schemeClr val="accent1"/>
+          </a:effectRef>
+          <a:fontRef idx="minor">
+            <a:schemeClr val="lt1"/>
+          </a:fontRef>
+        </p:style>
+      </p:cxnSp>
+      <mc:AlternateContent xmlns:mc="http://schemas.openxmlformats.org/markup-compatibility/2006">
+        <mc:Choice xmlns:a14="http://schemas.microsoft.com/office/drawing/2010/main" Requires="a14">
+          <p:sp>
+            <p:nvSpPr>
+              <p:cNvPr id="32" name="ZoneTexte 31">
+                <a:extLst>
+                  <a:ext uri="{FF2B5EF4-FFF2-40B4-BE49-F238E27FC236}">
+                    <a16:creationId xmlns:a16="http://schemas.microsoft.com/office/drawing/2014/main" id="{940B40BB-571C-4B4D-EC47-052C91436050}"/>
+                  </a:ext>
+                </a:extLst>
+              </p:cNvPr>
+              <p:cNvSpPr txBox="1"/>
+              <p:nvPr/>
+            </p:nvSpPr>
+            <p:spPr>
+              <a:xfrm>
+                <a:off x="8838794" y="867810"/>
+                <a:ext cx="182358" cy="189860"/>
+              </a:xfrm>
+              <a:prstGeom prst="rect">
+                <a:avLst/>
+              </a:prstGeom>
+              <a:noFill/>
+            </p:spPr>
+            <p:txBody>
+              <a:bodyPr wrap="none" lIns="0" tIns="0" rIns="0" bIns="0" rtlCol="0">
+                <a:spAutoFit/>
+              </a:bodyPr>
+              <a:lstStyle/>
+              <a:p>
+                <a14:m>
+                  <m:oMathPara xmlns:m="http://schemas.openxmlformats.org/officeDocument/2006/math">
+                    <m:oMathParaPr>
+                      <m:jc m:val="centerGroup"/>
+                    </m:oMathParaPr>
+                    <m:oMath xmlns:m="http://schemas.openxmlformats.org/officeDocument/2006/math">
+                      <m:acc>
+                        <m:accPr>
+                          <m:chr m:val="⃗"/>
+                          <m:ctrlPr>
+                            <a:rPr lang="fr-FR" sz="1100" i="1" smtClean="0">
+                              <a:latin typeface="Cambria Math" panose="02040503050406030204" pitchFamily="18" charset="0"/>
+                            </a:rPr>
+                          </m:ctrlPr>
+                        </m:accPr>
+                        <m:e>
+                          <m:sSub>
+                            <m:sSubPr>
+                              <m:ctrlPr>
+                                <a:rPr lang="fr-FR" sz="1100" b="0" i="1" smtClean="0">
+                                  <a:latin typeface="Cambria Math" panose="02040503050406030204" pitchFamily="18" charset="0"/>
+                                </a:rPr>
+                              </m:ctrlPr>
+                            </m:sSubPr>
+                            <m:e>
+                              <m:r>
+                                <a:rPr lang="fr-FR" sz="1100" i="1">
+                                  <a:latin typeface="Cambria Math" panose="02040503050406030204" pitchFamily="18" charset="0"/>
+                                </a:rPr>
+                                <m:t>𝑋</m:t>
+                              </m:r>
+                            </m:e>
+                            <m:sub>
+                              <m:r>
+                                <a:rPr lang="fr-FR" sz="1100" b="0" i="1" smtClean="0">
+                                  <a:latin typeface="Cambria Math" panose="02040503050406030204" pitchFamily="18" charset="0"/>
+                                </a:rPr>
+                                <m:t>2</m:t>
+                              </m:r>
+                            </m:sub>
+                          </m:sSub>
+                        </m:e>
+                      </m:acc>
+                    </m:oMath>
+                  </m:oMathPara>
+                </a14:m>
+                <a:endParaRPr lang="fr-FR" sz="1100" dirty="0"/>
+              </a:p>
+            </p:txBody>
+          </p:sp>
+        </mc:Choice>
+        <mc:Fallback>
+          <p:sp>
+            <p:nvSpPr>
+              <p:cNvPr id="32" name="ZoneTexte 31">
+                <a:extLst>
+                  <a:ext uri="{FF2B5EF4-FFF2-40B4-BE49-F238E27FC236}">
+                    <a16:creationId xmlns:a16="http://schemas.microsoft.com/office/drawing/2014/main" id="{940B40BB-571C-4B4D-EC47-052C91436050}"/>
+                  </a:ext>
+                </a:extLst>
+              </p:cNvPr>
+              <p:cNvSpPr txBox="1">
+                <a:spLocks noRot="1" noChangeAspect="1" noMove="1" noResize="1" noEditPoints="1" noAdjustHandles="1" noChangeArrowheads="1" noChangeShapeType="1" noTextEdit="1"/>
+              </p:cNvSpPr>
+              <p:nvPr/>
+            </p:nvSpPr>
+            <p:spPr>
+              <a:xfrm>
+                <a:off x="8838794" y="867810"/>
+                <a:ext cx="182358" cy="189860"/>
+              </a:xfrm>
+              <a:prstGeom prst="rect">
+                <a:avLst/>
+              </a:prstGeom>
+              <a:blipFill>
+                <a:blip r:embed="rId7"/>
+                <a:stretch>
+                  <a:fillRect l="-16667" r="-10000" b="-12500"/>
+                </a:stretch>
+              </a:blipFill>
+            </p:spPr>
+            <p:txBody>
+              <a:bodyPr/>
+              <a:lstStyle/>
+              <a:p>
+                <a:r>
+                  <a:rPr lang="fr-FR">
+                    <a:noFill/>
+                  </a:rPr>
+                  <a:t> </a:t>
+                </a:r>
+              </a:p>
+            </p:txBody>
+          </p:sp>
+        </mc:Fallback>
+      </mc:AlternateContent>
+      <mc:AlternateContent xmlns:mc="http://schemas.openxmlformats.org/markup-compatibility/2006">
+        <mc:Choice xmlns:a14="http://schemas.microsoft.com/office/drawing/2010/main" Requires="a14">
+          <p:sp>
+            <p:nvSpPr>
+              <p:cNvPr id="39" name="ZoneTexte 38">
+                <a:extLst>
+                  <a:ext uri="{FF2B5EF4-FFF2-40B4-BE49-F238E27FC236}">
+                    <a16:creationId xmlns:a16="http://schemas.microsoft.com/office/drawing/2014/main" id="{9E0C24F9-03FC-2623-F20D-24E2E8BAB6DF}"/>
+                  </a:ext>
+                </a:extLst>
+              </p:cNvPr>
+              <p:cNvSpPr txBox="1"/>
+              <p:nvPr/>
+            </p:nvSpPr>
+            <p:spPr>
+              <a:xfrm>
+                <a:off x="4068007" y="1809366"/>
+                <a:ext cx="177806" cy="169277"/>
+              </a:xfrm>
+              <a:prstGeom prst="rect">
+                <a:avLst/>
+              </a:prstGeom>
+              <a:noFill/>
+            </p:spPr>
+            <p:txBody>
+              <a:bodyPr wrap="none" lIns="0" tIns="0" rIns="0" bIns="0" rtlCol="0">
+                <a:spAutoFit/>
+              </a:bodyPr>
+              <a:lstStyle/>
+              <a:p>
+                <a14:m>
+                  <m:oMathPara xmlns:m="http://schemas.openxmlformats.org/officeDocument/2006/math">
+                    <m:oMathParaPr>
+                      <m:jc m:val="centerGroup"/>
+                    </m:oMathParaPr>
+                    <m:oMath xmlns:m="http://schemas.openxmlformats.org/officeDocument/2006/math">
+                      <m:sSub>
+                        <m:sSubPr>
+                          <m:ctrlPr>
+                            <a:rPr lang="fr-FR" sz="1100" b="0" i="1" smtClean="0">
+                              <a:latin typeface="Cambria Math" panose="02040503050406030204" pitchFamily="18" charset="0"/>
+                            </a:rPr>
+                          </m:ctrlPr>
+                        </m:sSubPr>
+                        <m:e>
+                          <m:r>
+                            <a:rPr lang="fr-FR" sz="1100" b="0" i="1" smtClean="0">
+                              <a:latin typeface="Cambria Math" panose="02040503050406030204" pitchFamily="18" charset="0"/>
+                            </a:rPr>
+                            <m:t>𝐸</m:t>
+                          </m:r>
+                        </m:e>
+                        <m:sub>
+                          <m:r>
+                            <a:rPr lang="fr-FR" sz="1100" b="0" i="1" smtClean="0">
+                              <a:latin typeface="Cambria Math" panose="02040503050406030204" pitchFamily="18" charset="0"/>
+                            </a:rPr>
+                            <m:t>2</m:t>
+                          </m:r>
+                        </m:sub>
+                      </m:sSub>
+                    </m:oMath>
+                  </m:oMathPara>
+                </a14:m>
+                <a:endParaRPr lang="fr-FR" sz="1100" dirty="0"/>
+              </a:p>
+            </p:txBody>
+          </p:sp>
+        </mc:Choice>
+        <mc:Fallback>
+          <p:sp>
+            <p:nvSpPr>
+              <p:cNvPr id="39" name="ZoneTexte 38">
+                <a:extLst>
+                  <a:ext uri="{FF2B5EF4-FFF2-40B4-BE49-F238E27FC236}">
+                    <a16:creationId xmlns:a16="http://schemas.microsoft.com/office/drawing/2014/main" id="{9E0C24F9-03FC-2623-F20D-24E2E8BAB6DF}"/>
+                  </a:ext>
+                </a:extLst>
+              </p:cNvPr>
+              <p:cNvSpPr txBox="1">
+                <a:spLocks noRot="1" noChangeAspect="1" noMove="1" noResize="1" noEditPoints="1" noAdjustHandles="1" noChangeArrowheads="1" noChangeShapeType="1" noTextEdit="1"/>
+              </p:cNvSpPr>
+              <p:nvPr/>
+            </p:nvSpPr>
+            <p:spPr>
+              <a:xfrm>
+                <a:off x="4068007" y="1809366"/>
+                <a:ext cx="177806" cy="169277"/>
+              </a:xfrm>
+              <a:prstGeom prst="rect">
+                <a:avLst/>
+              </a:prstGeom>
+              <a:blipFill>
+                <a:blip r:embed="rId8"/>
+                <a:stretch>
+                  <a:fillRect l="-17241" r="-10345" b="-17857"/>
+                </a:stretch>
+              </a:blipFill>
+            </p:spPr>
+            <p:txBody>
+              <a:bodyPr/>
+              <a:lstStyle/>
+              <a:p>
+                <a:r>
+                  <a:rPr lang="fr-FR">
+                    <a:noFill/>
+                  </a:rPr>
+                  <a:t> </a:t>
+                </a:r>
+              </a:p>
+            </p:txBody>
+          </p:sp>
+        </mc:Fallback>
+      </mc:AlternateContent>
+      <mc:AlternateContent xmlns:mc="http://schemas.openxmlformats.org/markup-compatibility/2006">
+        <mc:Choice xmlns:a14="http://schemas.microsoft.com/office/drawing/2010/main" Requires="a14">
+          <p:sp>
+            <p:nvSpPr>
+              <p:cNvPr id="43" name="ZoneTexte 42">
+                <a:extLst>
+                  <a:ext uri="{FF2B5EF4-FFF2-40B4-BE49-F238E27FC236}">
+                    <a16:creationId xmlns:a16="http://schemas.microsoft.com/office/drawing/2014/main" id="{7469D4AE-A36D-9BAA-D675-69925B8FD45B}"/>
+                  </a:ext>
+                </a:extLst>
+              </p:cNvPr>
+              <p:cNvSpPr txBox="1"/>
+              <p:nvPr/>
+            </p:nvSpPr>
+            <p:spPr>
+              <a:xfrm>
+                <a:off x="6376013" y="487123"/>
+                <a:ext cx="177806" cy="169277"/>
+              </a:xfrm>
+              <a:prstGeom prst="rect">
+                <a:avLst/>
+              </a:prstGeom>
+              <a:noFill/>
+            </p:spPr>
+            <p:txBody>
+              <a:bodyPr wrap="none" lIns="0" tIns="0" rIns="0" bIns="0" rtlCol="0">
+                <a:spAutoFit/>
+              </a:bodyPr>
+              <a:lstStyle/>
+              <a:p>
+                <a14:m>
+                  <m:oMathPara xmlns:m="http://schemas.openxmlformats.org/officeDocument/2006/math">
+                    <m:oMathParaPr>
+                      <m:jc m:val="centerGroup"/>
+                    </m:oMathParaPr>
+                    <m:oMath xmlns:m="http://schemas.openxmlformats.org/officeDocument/2006/math">
+                      <m:sSub>
+                        <m:sSubPr>
+                          <m:ctrlPr>
+                            <a:rPr lang="fr-FR" sz="1100" b="0" i="1" smtClean="0">
+                              <a:latin typeface="Cambria Math" panose="02040503050406030204" pitchFamily="18" charset="0"/>
+                            </a:rPr>
+                          </m:ctrlPr>
+                        </m:sSubPr>
+                        <m:e>
+                          <m:r>
+                            <a:rPr lang="fr-FR" sz="1100" b="0" i="1" smtClean="0">
+                              <a:latin typeface="Cambria Math" panose="02040503050406030204" pitchFamily="18" charset="0"/>
+                            </a:rPr>
+                            <m:t>𝐸</m:t>
+                          </m:r>
+                        </m:e>
+                        <m:sub>
+                          <m:r>
+                            <a:rPr lang="fr-FR" sz="1100" b="0" i="1" smtClean="0">
+                              <a:latin typeface="Cambria Math" panose="02040503050406030204" pitchFamily="18" charset="0"/>
+                            </a:rPr>
+                            <m:t>4</m:t>
+                          </m:r>
+                        </m:sub>
+                      </m:sSub>
+                    </m:oMath>
+                  </m:oMathPara>
+                </a14:m>
+                <a:endParaRPr lang="fr-FR" sz="1100" dirty="0"/>
+              </a:p>
+            </p:txBody>
+          </p:sp>
+        </mc:Choice>
+        <mc:Fallback>
+          <p:sp>
+            <p:nvSpPr>
+              <p:cNvPr id="43" name="ZoneTexte 42">
+                <a:extLst>
+                  <a:ext uri="{FF2B5EF4-FFF2-40B4-BE49-F238E27FC236}">
+                    <a16:creationId xmlns:a16="http://schemas.microsoft.com/office/drawing/2014/main" id="{7469D4AE-A36D-9BAA-D675-69925B8FD45B}"/>
+                  </a:ext>
+                </a:extLst>
+              </p:cNvPr>
+              <p:cNvSpPr txBox="1">
+                <a:spLocks noRot="1" noChangeAspect="1" noMove="1" noResize="1" noEditPoints="1" noAdjustHandles="1" noChangeArrowheads="1" noChangeShapeType="1" noTextEdit="1"/>
+              </p:cNvSpPr>
+              <p:nvPr/>
+            </p:nvSpPr>
+            <p:spPr>
+              <a:xfrm>
+                <a:off x="6376013" y="487123"/>
+                <a:ext cx="177806" cy="169277"/>
+              </a:xfrm>
+              <a:prstGeom prst="rect">
+                <a:avLst/>
+              </a:prstGeom>
+              <a:blipFill>
+                <a:blip r:embed="rId9"/>
+                <a:stretch>
+                  <a:fillRect l="-17241" r="-10345" b="-17857"/>
+                </a:stretch>
+              </a:blipFill>
+            </p:spPr>
+            <p:txBody>
+              <a:bodyPr/>
+              <a:lstStyle/>
+              <a:p>
+                <a:r>
+                  <a:rPr lang="fr-FR">
+                    <a:noFill/>
+                  </a:rPr>
+                  <a:t> </a:t>
+                </a:r>
+              </a:p>
+            </p:txBody>
+          </p:sp>
+        </mc:Fallback>
+      </mc:AlternateContent>
+      <mc:AlternateContent xmlns:mc="http://schemas.openxmlformats.org/markup-compatibility/2006">
+        <mc:Choice xmlns:a14="http://schemas.microsoft.com/office/drawing/2010/main" Requires="a14">
+          <p:sp>
+            <p:nvSpPr>
+              <p:cNvPr id="44" name="ZoneTexte 43">
+                <a:extLst>
+                  <a:ext uri="{FF2B5EF4-FFF2-40B4-BE49-F238E27FC236}">
+                    <a16:creationId xmlns:a16="http://schemas.microsoft.com/office/drawing/2014/main" id="{7A40E6A1-77D1-4F3F-8E4F-FD4E70B389A0}"/>
+                  </a:ext>
+                </a:extLst>
+              </p:cNvPr>
+              <p:cNvSpPr txBox="1"/>
+              <p:nvPr/>
+            </p:nvSpPr>
+            <p:spPr>
+              <a:xfrm>
+                <a:off x="6377895" y="1974402"/>
+                <a:ext cx="178959" cy="169277"/>
+              </a:xfrm>
+              <a:prstGeom prst="rect">
+                <a:avLst/>
+              </a:prstGeom>
+              <a:noFill/>
+            </p:spPr>
+            <p:txBody>
+              <a:bodyPr wrap="none" lIns="0" tIns="0" rIns="0" bIns="0" rtlCol="0">
+                <a:spAutoFit/>
+              </a:bodyPr>
+              <a:lstStyle/>
+              <a:p>
+                <a14:m>
+                  <m:oMathPara xmlns:m="http://schemas.openxmlformats.org/officeDocument/2006/math">
+                    <m:oMathParaPr>
+                      <m:jc m:val="centerGroup"/>
+                    </m:oMathParaPr>
+                    <m:oMath xmlns:m="http://schemas.openxmlformats.org/officeDocument/2006/math">
+                      <m:sSub>
+                        <m:sSubPr>
+                          <m:ctrlPr>
+                            <a:rPr lang="fr-FR" sz="1100" b="1" i="1" smtClean="0">
+                              <a:solidFill>
+                                <a:srgbClr val="C00000"/>
+                              </a:solidFill>
+                              <a:latin typeface="Cambria Math" panose="02040503050406030204" pitchFamily="18" charset="0"/>
+                            </a:rPr>
+                          </m:ctrlPr>
+                        </m:sSubPr>
+                        <m:e>
+                          <m:r>
+                            <a:rPr lang="fr-FR" sz="1100" b="1" i="1" smtClean="0">
+                              <a:solidFill>
+                                <a:srgbClr val="C00000"/>
+                              </a:solidFill>
+                              <a:latin typeface="Cambria Math" panose="02040503050406030204" pitchFamily="18" charset="0"/>
+                            </a:rPr>
+                            <m:t>𝑺</m:t>
+                          </m:r>
+                        </m:e>
+                        <m:sub>
+                          <m:r>
+                            <a:rPr lang="fr-FR" sz="1100" b="1" i="1" smtClean="0">
+                              <a:solidFill>
+                                <a:srgbClr val="C00000"/>
+                              </a:solidFill>
+                              <a:latin typeface="Cambria Math" panose="02040503050406030204" pitchFamily="18" charset="0"/>
+                            </a:rPr>
+                            <m:t>𝟏</m:t>
+                          </m:r>
+                        </m:sub>
+                      </m:sSub>
+                    </m:oMath>
+                  </m:oMathPara>
+                </a14:m>
+                <a:endParaRPr lang="fr-FR" sz="1100" b="1" dirty="0">
+                  <a:solidFill>
+                    <a:srgbClr val="C00000"/>
+                  </a:solidFill>
+                </a:endParaRPr>
+              </a:p>
+            </p:txBody>
+          </p:sp>
+        </mc:Choice>
+        <mc:Fallback>
+          <p:sp>
+            <p:nvSpPr>
+              <p:cNvPr id="44" name="ZoneTexte 43">
+                <a:extLst>
+                  <a:ext uri="{FF2B5EF4-FFF2-40B4-BE49-F238E27FC236}">
+                    <a16:creationId xmlns:a16="http://schemas.microsoft.com/office/drawing/2014/main" id="{7A40E6A1-77D1-4F3F-8E4F-FD4E70B389A0}"/>
+                  </a:ext>
+                </a:extLst>
+              </p:cNvPr>
+              <p:cNvSpPr txBox="1">
+                <a:spLocks noRot="1" noChangeAspect="1" noMove="1" noResize="1" noEditPoints="1" noAdjustHandles="1" noChangeArrowheads="1" noChangeShapeType="1" noTextEdit="1"/>
+              </p:cNvSpPr>
+              <p:nvPr/>
+            </p:nvSpPr>
+            <p:spPr>
+              <a:xfrm>
+                <a:off x="6377895" y="1974402"/>
+                <a:ext cx="178959" cy="169277"/>
+              </a:xfrm>
+              <a:prstGeom prst="rect">
+                <a:avLst/>
+              </a:prstGeom>
+              <a:blipFill>
+                <a:blip r:embed="rId10"/>
+                <a:stretch>
+                  <a:fillRect l="-16667" r="-6667" b="-17857"/>
+                </a:stretch>
+              </a:blipFill>
+            </p:spPr>
+            <p:txBody>
+              <a:bodyPr/>
+              <a:lstStyle/>
+              <a:p>
+                <a:r>
+                  <a:rPr lang="fr-FR">
+                    <a:noFill/>
+                  </a:rPr>
+                  <a:t> </a:t>
+                </a:r>
+              </a:p>
+            </p:txBody>
+          </p:sp>
+        </mc:Fallback>
+      </mc:AlternateContent>
+      <mc:AlternateContent xmlns:mc="http://schemas.openxmlformats.org/markup-compatibility/2006">
+        <mc:Choice xmlns:a14="http://schemas.microsoft.com/office/drawing/2010/main" Requires="a14">
+          <p:sp>
+            <p:nvSpPr>
+              <p:cNvPr id="45" name="ZoneTexte 44">
+                <a:extLst>
+                  <a:ext uri="{FF2B5EF4-FFF2-40B4-BE49-F238E27FC236}">
+                    <a16:creationId xmlns:a16="http://schemas.microsoft.com/office/drawing/2014/main" id="{325A8200-4D2A-2FC1-9E74-95A34E30B62F}"/>
+                  </a:ext>
+                </a:extLst>
+              </p:cNvPr>
+              <p:cNvSpPr txBox="1"/>
+              <p:nvPr/>
+            </p:nvSpPr>
+            <p:spPr>
+              <a:xfrm>
+                <a:off x="5379928" y="1642602"/>
+                <a:ext cx="178959" cy="169277"/>
+              </a:xfrm>
+              <a:prstGeom prst="rect">
+                <a:avLst/>
+              </a:prstGeom>
+              <a:noFill/>
+            </p:spPr>
+            <p:txBody>
+              <a:bodyPr wrap="none" lIns="0" tIns="0" rIns="0" bIns="0" rtlCol="0">
+                <a:spAutoFit/>
+              </a:bodyPr>
+              <a:lstStyle/>
+              <a:p>
+                <a14:m>
+                  <m:oMathPara xmlns:m="http://schemas.openxmlformats.org/officeDocument/2006/math">
+                    <m:oMathParaPr>
+                      <m:jc m:val="centerGroup"/>
+                    </m:oMathParaPr>
+                    <m:oMath xmlns:m="http://schemas.openxmlformats.org/officeDocument/2006/math">
+                      <m:sSub>
+                        <m:sSubPr>
+                          <m:ctrlPr>
+                            <a:rPr lang="fr-FR" sz="1100" b="1" i="1" smtClean="0">
+                              <a:solidFill>
+                                <a:srgbClr val="002060"/>
+                              </a:solidFill>
+                              <a:latin typeface="Cambria Math" panose="02040503050406030204" pitchFamily="18" charset="0"/>
+                            </a:rPr>
+                          </m:ctrlPr>
+                        </m:sSubPr>
+                        <m:e>
+                          <m:r>
+                            <a:rPr lang="fr-FR" sz="1100" b="1" i="1" smtClean="0">
+                              <a:solidFill>
+                                <a:srgbClr val="002060"/>
+                              </a:solidFill>
+                              <a:latin typeface="Cambria Math" panose="02040503050406030204" pitchFamily="18" charset="0"/>
+                            </a:rPr>
+                            <m:t>𝑺</m:t>
+                          </m:r>
+                        </m:e>
+                        <m:sub>
+                          <m:r>
+                            <a:rPr lang="fr-FR" sz="1100" b="1" i="1" smtClean="0">
+                              <a:solidFill>
+                                <a:srgbClr val="002060"/>
+                              </a:solidFill>
+                              <a:latin typeface="Cambria Math" panose="02040503050406030204" pitchFamily="18" charset="0"/>
+                            </a:rPr>
+                            <m:t>𝟎</m:t>
+                          </m:r>
+                        </m:sub>
+                      </m:sSub>
+                    </m:oMath>
+                  </m:oMathPara>
+                </a14:m>
+                <a:endParaRPr lang="fr-FR" sz="1100" b="1" dirty="0">
+                  <a:solidFill>
+                    <a:srgbClr val="002060"/>
+                  </a:solidFill>
+                </a:endParaRPr>
+              </a:p>
+            </p:txBody>
+          </p:sp>
+        </mc:Choice>
+        <mc:Fallback>
+          <p:sp>
+            <p:nvSpPr>
+              <p:cNvPr id="45" name="ZoneTexte 44">
+                <a:extLst>
+                  <a:ext uri="{FF2B5EF4-FFF2-40B4-BE49-F238E27FC236}">
+                    <a16:creationId xmlns:a16="http://schemas.microsoft.com/office/drawing/2014/main" id="{325A8200-4D2A-2FC1-9E74-95A34E30B62F}"/>
+                  </a:ext>
+                </a:extLst>
+              </p:cNvPr>
+              <p:cNvSpPr txBox="1">
+                <a:spLocks noRot="1" noChangeAspect="1" noMove="1" noResize="1" noEditPoints="1" noAdjustHandles="1" noChangeArrowheads="1" noChangeShapeType="1" noTextEdit="1"/>
+              </p:cNvSpPr>
+              <p:nvPr/>
+            </p:nvSpPr>
+            <p:spPr>
+              <a:xfrm>
+                <a:off x="5379928" y="1642602"/>
+                <a:ext cx="178959" cy="169277"/>
+              </a:xfrm>
+              <a:prstGeom prst="rect">
+                <a:avLst/>
+              </a:prstGeom>
+              <a:blipFill>
+                <a:blip r:embed="rId11"/>
+                <a:stretch>
+                  <a:fillRect l="-17241" r="-10345" b="-17857"/>
+                </a:stretch>
+              </a:blipFill>
+            </p:spPr>
+            <p:txBody>
+              <a:bodyPr/>
+              <a:lstStyle/>
+              <a:p>
+                <a:r>
+                  <a:rPr lang="fr-FR">
+                    <a:noFill/>
+                  </a:rPr>
+                  <a:t> </a:t>
+                </a:r>
+              </a:p>
+            </p:txBody>
+          </p:sp>
+        </mc:Fallback>
+      </mc:AlternateContent>
+      <p:cxnSp>
+        <p:nvCxnSpPr>
+          <p:cNvPr id="50" name="Connecteur droit 49">
+            <a:extLst>
+              <a:ext uri="{FF2B5EF4-FFF2-40B4-BE49-F238E27FC236}">
+                <a16:creationId xmlns:a16="http://schemas.microsoft.com/office/drawing/2014/main" id="{503EAA80-CA64-01E2-2431-0D6F4219A60A}"/>
+              </a:ext>
+            </a:extLst>
+          </p:cNvPr>
+          <p:cNvCxnSpPr>
+            <a:cxnSpLocks/>
+          </p:cNvCxnSpPr>
+          <p:nvPr/>
+        </p:nvCxnSpPr>
+        <p:spPr>
+          <a:xfrm>
+            <a:off x="7195169" y="1642602"/>
+            <a:ext cx="180000" cy="0"/>
+          </a:xfrm>
+          <a:prstGeom prst="line">
+            <a:avLst/>
+          </a:prstGeom>
+          <a:noFill/>
+          <a:ln w="28575">
+            <a:solidFill>
+              <a:srgbClr val="0070C0"/>
+            </a:solidFill>
+          </a:ln>
+        </p:spPr>
+        <p:style>
+          <a:lnRef idx="2">
+            <a:schemeClr val="accent1">
+              <a:shade val="50000"/>
+            </a:schemeClr>
+          </a:lnRef>
+          <a:fillRef idx="1">
+            <a:schemeClr val="accent1"/>
+          </a:fillRef>
+          <a:effectRef idx="0">
+            <a:schemeClr val="accent1"/>
+          </a:effectRef>
+          <a:fontRef idx="minor">
+            <a:schemeClr val="lt1"/>
+          </a:fontRef>
+        </p:style>
+      </p:cxnSp>
+      <p:cxnSp>
+        <p:nvCxnSpPr>
+          <p:cNvPr id="51" name="Connecteur droit 50">
+            <a:extLst>
+              <a:ext uri="{FF2B5EF4-FFF2-40B4-BE49-F238E27FC236}">
+                <a16:creationId xmlns:a16="http://schemas.microsoft.com/office/drawing/2014/main" id="{AF16E748-42FB-4BFE-1ECD-7D69336880AC}"/>
+              </a:ext>
+            </a:extLst>
+          </p:cNvPr>
+          <p:cNvCxnSpPr>
+            <a:cxnSpLocks/>
+          </p:cNvCxnSpPr>
+          <p:nvPr/>
+        </p:nvCxnSpPr>
+        <p:spPr>
+          <a:xfrm>
+            <a:off x="7201519" y="1198592"/>
+            <a:ext cx="180000" cy="0"/>
+          </a:xfrm>
+          <a:prstGeom prst="line">
+            <a:avLst/>
+          </a:prstGeom>
+          <a:noFill/>
+          <a:ln w="28575">
+            <a:solidFill>
+              <a:srgbClr val="0070C0"/>
+            </a:solidFill>
+          </a:ln>
+        </p:spPr>
+        <p:style>
+          <a:lnRef idx="2">
+            <a:schemeClr val="accent1">
+              <a:shade val="50000"/>
+            </a:schemeClr>
+          </a:lnRef>
+          <a:fillRef idx="1">
+            <a:schemeClr val="accent1"/>
+          </a:fillRef>
+          <a:effectRef idx="0">
+            <a:schemeClr val="accent1"/>
+          </a:effectRef>
+          <a:fontRef idx="minor">
+            <a:schemeClr val="lt1"/>
+          </a:fontRef>
+        </p:style>
+      </p:cxnSp>
+      <mc:AlternateContent xmlns:mc="http://schemas.openxmlformats.org/markup-compatibility/2006">
+        <mc:Choice xmlns:a14="http://schemas.microsoft.com/office/drawing/2010/main" Requires="a14">
+          <p:sp>
+            <p:nvSpPr>
+              <p:cNvPr id="52" name="ZoneTexte 51">
+                <a:extLst>
+                  <a:ext uri="{FF2B5EF4-FFF2-40B4-BE49-F238E27FC236}">
+                    <a16:creationId xmlns:a16="http://schemas.microsoft.com/office/drawing/2014/main" id="{0F446B48-E260-6420-6BA6-4EB2FF481B41}"/>
+                  </a:ext>
+                </a:extLst>
+              </p:cNvPr>
+              <p:cNvSpPr txBox="1"/>
+              <p:nvPr/>
+            </p:nvSpPr>
+            <p:spPr>
+              <a:xfrm>
+                <a:off x="4536152" y="2629342"/>
+                <a:ext cx="181268" cy="169277"/>
+              </a:xfrm>
+              <a:prstGeom prst="rect">
+                <a:avLst/>
+              </a:prstGeom>
+              <a:noFill/>
+            </p:spPr>
+            <p:txBody>
+              <a:bodyPr wrap="none" lIns="0" tIns="0" rIns="0" bIns="0" rtlCol="0">
+                <a:spAutoFit/>
+              </a:bodyPr>
+              <a:lstStyle/>
+              <a:p>
+                <a14:m>
+                  <m:oMathPara xmlns:m="http://schemas.openxmlformats.org/officeDocument/2006/math">
+                    <m:oMathParaPr>
+                      <m:jc m:val="centerGroup"/>
+                    </m:oMathParaPr>
+                    <m:oMath xmlns:m="http://schemas.openxmlformats.org/officeDocument/2006/math">
+                      <m:sSub>
+                        <m:sSubPr>
+                          <m:ctrlPr>
+                            <a:rPr lang="fr-FR" sz="1100" i="1">
+                              <a:latin typeface="Cambria Math" panose="02040503050406030204" pitchFamily="18" charset="0"/>
+                            </a:rPr>
+                          </m:ctrlPr>
+                        </m:sSubPr>
+                        <m:e>
+                          <m:r>
+                            <a:rPr lang="fr-FR" sz="1100" i="1">
+                              <a:latin typeface="Cambria Math" panose="02040503050406030204" pitchFamily="18" charset="0"/>
+                            </a:rPr>
+                            <m:t>𝐺</m:t>
+                          </m:r>
+                        </m:e>
+                        <m:sub>
+                          <m:r>
+                            <a:rPr lang="fr-FR" sz="1100" i="1">
+                              <a:latin typeface="Cambria Math" panose="02040503050406030204" pitchFamily="18" charset="0"/>
+                            </a:rPr>
+                            <m:t>2</m:t>
+                          </m:r>
+                        </m:sub>
+                      </m:sSub>
+                    </m:oMath>
+                  </m:oMathPara>
+                </a14:m>
+                <a:endParaRPr lang="fr-FR" sz="1100" dirty="0"/>
+              </a:p>
+            </p:txBody>
+          </p:sp>
+        </mc:Choice>
+        <mc:Fallback>
+          <p:sp>
+            <p:nvSpPr>
+              <p:cNvPr id="52" name="ZoneTexte 51">
+                <a:extLst>
+                  <a:ext uri="{FF2B5EF4-FFF2-40B4-BE49-F238E27FC236}">
+                    <a16:creationId xmlns:a16="http://schemas.microsoft.com/office/drawing/2014/main" id="{0F446B48-E260-6420-6BA6-4EB2FF481B41}"/>
+                  </a:ext>
+                </a:extLst>
+              </p:cNvPr>
+              <p:cNvSpPr txBox="1">
+                <a:spLocks noRot="1" noChangeAspect="1" noMove="1" noResize="1" noEditPoints="1" noAdjustHandles="1" noChangeArrowheads="1" noChangeShapeType="1" noTextEdit="1"/>
+              </p:cNvSpPr>
+              <p:nvPr/>
+            </p:nvSpPr>
+            <p:spPr>
+              <a:xfrm>
+                <a:off x="4536152" y="2629342"/>
+                <a:ext cx="181268" cy="169277"/>
+              </a:xfrm>
+              <a:prstGeom prst="rect">
+                <a:avLst/>
+              </a:prstGeom>
+              <a:blipFill>
+                <a:blip r:embed="rId12"/>
+                <a:stretch>
+                  <a:fillRect l="-16667" r="-6667" b="-17857"/>
+                </a:stretch>
+              </a:blipFill>
+            </p:spPr>
+            <p:txBody>
+              <a:bodyPr/>
+              <a:lstStyle/>
+              <a:p>
+                <a:r>
+                  <a:rPr lang="fr-FR">
+                    <a:noFill/>
+                  </a:rPr>
+                  <a:t> </a:t>
+                </a:r>
+              </a:p>
+            </p:txBody>
+          </p:sp>
+        </mc:Fallback>
+      </mc:AlternateContent>
+      <mc:AlternateContent xmlns:mc="http://schemas.openxmlformats.org/markup-compatibility/2006">
+        <mc:Choice xmlns:a14="http://schemas.microsoft.com/office/drawing/2010/main" Requires="a14">
+          <p:sp>
+            <p:nvSpPr>
+              <p:cNvPr id="53" name="ZoneTexte 52">
+                <a:extLst>
+                  <a:ext uri="{FF2B5EF4-FFF2-40B4-BE49-F238E27FC236}">
+                    <a16:creationId xmlns:a16="http://schemas.microsoft.com/office/drawing/2014/main" id="{746172D4-03E4-8FE1-0D22-BE3C86874BEB}"/>
+                  </a:ext>
+                </a:extLst>
+              </p:cNvPr>
+              <p:cNvSpPr txBox="1"/>
+              <p:nvPr/>
+            </p:nvSpPr>
+            <p:spPr>
+              <a:xfrm>
+                <a:off x="4808746" y="1938778"/>
+                <a:ext cx="173894" cy="169277"/>
+              </a:xfrm>
+              <a:prstGeom prst="rect">
+                <a:avLst/>
+              </a:prstGeom>
+              <a:noFill/>
+            </p:spPr>
+            <p:txBody>
+              <a:bodyPr wrap="none" lIns="0" tIns="0" rIns="0" bIns="0" rtlCol="0">
+                <a:spAutoFit/>
+              </a:bodyPr>
+              <a:lstStyle/>
+              <a:p>
+                <a14:m>
+                  <m:oMathPara xmlns:m="http://schemas.openxmlformats.org/officeDocument/2006/math">
+                    <m:oMathParaPr>
+                      <m:jc m:val="centerGroup"/>
+                    </m:oMathParaPr>
+                    <m:oMath xmlns:m="http://schemas.openxmlformats.org/officeDocument/2006/math">
+                      <m:sSub>
+                        <m:sSubPr>
+                          <m:ctrlPr>
+                            <a:rPr lang="fr-FR" sz="1100" b="0" i="1" smtClean="0">
+                              <a:latin typeface="Cambria Math" panose="02040503050406030204" pitchFamily="18" charset="0"/>
+                            </a:rPr>
+                          </m:ctrlPr>
+                        </m:sSubPr>
+                        <m:e>
+                          <m:r>
+                            <a:rPr lang="fr-FR" sz="1100" b="0" i="1" smtClean="0">
+                              <a:latin typeface="Cambria Math" panose="02040503050406030204" pitchFamily="18" charset="0"/>
+                            </a:rPr>
+                            <m:t>𝐶</m:t>
+                          </m:r>
+                        </m:e>
+                        <m:sub>
+                          <m:r>
+                            <a:rPr lang="fr-FR" sz="1100" b="0" i="1" smtClean="0">
+                              <a:latin typeface="Cambria Math" panose="02040503050406030204" pitchFamily="18" charset="0"/>
+                            </a:rPr>
+                            <m:t>2</m:t>
+                          </m:r>
+                        </m:sub>
+                      </m:sSub>
+                    </m:oMath>
+                  </m:oMathPara>
+                </a14:m>
+                <a:endParaRPr lang="fr-FR" sz="1100" dirty="0"/>
+              </a:p>
+            </p:txBody>
+          </p:sp>
+        </mc:Choice>
+        <mc:Fallback>
+          <p:sp>
+            <p:nvSpPr>
+              <p:cNvPr id="53" name="ZoneTexte 52">
+                <a:extLst>
+                  <a:ext uri="{FF2B5EF4-FFF2-40B4-BE49-F238E27FC236}">
+                    <a16:creationId xmlns:a16="http://schemas.microsoft.com/office/drawing/2014/main" id="{746172D4-03E4-8FE1-0D22-BE3C86874BEB}"/>
+                  </a:ext>
+                </a:extLst>
+              </p:cNvPr>
+              <p:cNvSpPr txBox="1">
+                <a:spLocks noRot="1" noChangeAspect="1" noMove="1" noResize="1" noEditPoints="1" noAdjustHandles="1" noChangeArrowheads="1" noChangeShapeType="1" noTextEdit="1"/>
+              </p:cNvSpPr>
+              <p:nvPr/>
+            </p:nvSpPr>
+            <p:spPr>
+              <a:xfrm>
+                <a:off x="4808746" y="1938778"/>
+                <a:ext cx="173894" cy="169277"/>
+              </a:xfrm>
+              <a:prstGeom prst="rect">
+                <a:avLst/>
+              </a:prstGeom>
+              <a:blipFill>
+                <a:blip r:embed="rId13"/>
+                <a:stretch>
+                  <a:fillRect l="-17857" r="-14286" b="-17857"/>
+                </a:stretch>
+              </a:blipFill>
+            </p:spPr>
+            <p:txBody>
+              <a:bodyPr/>
+              <a:lstStyle/>
+              <a:p>
+                <a:r>
+                  <a:rPr lang="fr-FR">
+                    <a:noFill/>
+                  </a:rPr>
+                  <a:t> </a:t>
+                </a:r>
+              </a:p>
+            </p:txBody>
+          </p:sp>
+        </mc:Fallback>
+      </mc:AlternateContent>
+      <mc:AlternateContent xmlns:mc="http://schemas.openxmlformats.org/markup-compatibility/2006">
+        <mc:Choice xmlns:a14="http://schemas.microsoft.com/office/drawing/2010/main" Requires="a14">
+          <p:sp>
+            <p:nvSpPr>
+              <p:cNvPr id="54" name="ZoneTexte 53">
+                <a:extLst>
+                  <a:ext uri="{FF2B5EF4-FFF2-40B4-BE49-F238E27FC236}">
+                    <a16:creationId xmlns:a16="http://schemas.microsoft.com/office/drawing/2014/main" id="{5DF830D4-97BE-4EF1-36EC-416826F78712}"/>
+                  </a:ext>
+                </a:extLst>
+              </p:cNvPr>
+              <p:cNvSpPr txBox="1"/>
+              <p:nvPr/>
+            </p:nvSpPr>
+            <p:spPr>
+              <a:xfrm>
+                <a:off x="7093649" y="644258"/>
+                <a:ext cx="173894" cy="169277"/>
+              </a:xfrm>
+              <a:prstGeom prst="rect">
+                <a:avLst/>
+              </a:prstGeom>
+              <a:noFill/>
+            </p:spPr>
+            <p:txBody>
+              <a:bodyPr wrap="none" lIns="0" tIns="0" rIns="0" bIns="0" rtlCol="0">
+                <a:spAutoFit/>
+              </a:bodyPr>
+              <a:lstStyle/>
+              <a:p>
+                <a14:m>
+                  <m:oMathPara xmlns:m="http://schemas.openxmlformats.org/officeDocument/2006/math">
+                    <m:oMathParaPr>
+                      <m:jc m:val="centerGroup"/>
+                    </m:oMathParaPr>
+                    <m:oMath xmlns:m="http://schemas.openxmlformats.org/officeDocument/2006/math">
+                      <m:sSub>
+                        <m:sSubPr>
+                          <m:ctrlPr>
+                            <a:rPr lang="fr-FR" sz="1100" b="0" i="1" smtClean="0">
+                              <a:latin typeface="Cambria Math" panose="02040503050406030204" pitchFamily="18" charset="0"/>
+                            </a:rPr>
+                          </m:ctrlPr>
+                        </m:sSubPr>
+                        <m:e>
+                          <m:r>
+                            <a:rPr lang="fr-FR" sz="1100" b="0" i="1" smtClean="0">
+                              <a:latin typeface="Cambria Math" panose="02040503050406030204" pitchFamily="18" charset="0"/>
+                            </a:rPr>
+                            <m:t>𝐶</m:t>
+                          </m:r>
+                        </m:e>
+                        <m:sub>
+                          <m:r>
+                            <a:rPr lang="fr-FR" sz="1100" b="0" i="1" smtClean="0">
+                              <a:latin typeface="Cambria Math" panose="02040503050406030204" pitchFamily="18" charset="0"/>
+                            </a:rPr>
+                            <m:t>4</m:t>
+                          </m:r>
+                        </m:sub>
+                      </m:sSub>
+                    </m:oMath>
+                  </m:oMathPara>
+                </a14:m>
+                <a:endParaRPr lang="fr-FR" sz="1100" dirty="0"/>
+              </a:p>
+            </p:txBody>
+          </p:sp>
+        </mc:Choice>
+        <mc:Fallback>
+          <p:sp>
+            <p:nvSpPr>
+              <p:cNvPr id="54" name="ZoneTexte 53">
+                <a:extLst>
+                  <a:ext uri="{FF2B5EF4-FFF2-40B4-BE49-F238E27FC236}">
+                    <a16:creationId xmlns:a16="http://schemas.microsoft.com/office/drawing/2014/main" id="{5DF830D4-97BE-4EF1-36EC-416826F78712}"/>
+                  </a:ext>
+                </a:extLst>
+              </p:cNvPr>
+              <p:cNvSpPr txBox="1">
+                <a:spLocks noRot="1" noChangeAspect="1" noMove="1" noResize="1" noEditPoints="1" noAdjustHandles="1" noChangeArrowheads="1" noChangeShapeType="1" noTextEdit="1"/>
+              </p:cNvSpPr>
+              <p:nvPr/>
+            </p:nvSpPr>
+            <p:spPr>
+              <a:xfrm>
+                <a:off x="7093649" y="644258"/>
+                <a:ext cx="173894" cy="169277"/>
+              </a:xfrm>
+              <a:prstGeom prst="rect">
+                <a:avLst/>
+              </a:prstGeom>
+              <a:blipFill>
+                <a:blip r:embed="rId14"/>
+                <a:stretch>
+                  <a:fillRect l="-17857" r="-14286" b="-22222"/>
+                </a:stretch>
+              </a:blipFill>
+            </p:spPr>
+            <p:txBody>
+              <a:bodyPr/>
+              <a:lstStyle/>
+              <a:p>
+                <a:r>
+                  <a:rPr lang="fr-FR">
+                    <a:noFill/>
+                  </a:rPr>
+                  <a:t> </a:t>
+                </a:r>
+              </a:p>
+            </p:txBody>
+          </p:sp>
+        </mc:Fallback>
+      </mc:AlternateContent>
+      <mc:AlternateContent xmlns:mc="http://schemas.openxmlformats.org/markup-compatibility/2006">
+        <mc:Choice xmlns:a14="http://schemas.microsoft.com/office/drawing/2010/main" Requires="a14">
+          <p:sp>
+            <p:nvSpPr>
+              <p:cNvPr id="55" name="ZoneTexte 54">
+                <a:extLst>
+                  <a:ext uri="{FF2B5EF4-FFF2-40B4-BE49-F238E27FC236}">
+                    <a16:creationId xmlns:a16="http://schemas.microsoft.com/office/drawing/2014/main" id="{204BDFD3-66F4-03CF-F1D8-66DC65D3089D}"/>
+                  </a:ext>
+                </a:extLst>
+              </p:cNvPr>
+              <p:cNvSpPr txBox="1"/>
+              <p:nvPr/>
+            </p:nvSpPr>
+            <p:spPr>
+              <a:xfrm>
+                <a:off x="6932201" y="1256971"/>
+                <a:ext cx="177100" cy="169277"/>
+              </a:xfrm>
+              <a:prstGeom prst="rect">
+                <a:avLst/>
+              </a:prstGeom>
+              <a:noFill/>
+            </p:spPr>
+            <p:txBody>
+              <a:bodyPr wrap="none" lIns="0" tIns="0" rIns="0" bIns="0" rtlCol="0">
+                <a:spAutoFit/>
+              </a:bodyPr>
+              <a:lstStyle/>
+              <a:p>
+                <a14:m>
+                  <m:oMathPara xmlns:m="http://schemas.openxmlformats.org/officeDocument/2006/math">
+                    <m:oMathParaPr>
+                      <m:jc m:val="centerGroup"/>
+                    </m:oMathParaPr>
+                    <m:oMath xmlns:m="http://schemas.openxmlformats.org/officeDocument/2006/math">
+                      <m:sSub>
+                        <m:sSubPr>
+                          <m:ctrlPr>
+                            <a:rPr lang="fr-FR" sz="1100" b="0" i="1" smtClean="0">
+                              <a:latin typeface="Cambria Math" panose="02040503050406030204" pitchFamily="18" charset="0"/>
+                            </a:rPr>
+                          </m:ctrlPr>
+                        </m:sSubPr>
+                        <m:e>
+                          <m:r>
+                            <a:rPr lang="fr-FR" sz="1100" b="0" i="1" smtClean="0">
+                              <a:latin typeface="Cambria Math" panose="02040503050406030204" pitchFamily="18" charset="0"/>
+                            </a:rPr>
+                            <m:t>𝐺</m:t>
+                          </m:r>
+                        </m:e>
+                        <m:sub>
+                          <m:r>
+                            <a:rPr lang="fr-FR" sz="1100" b="0" i="1" smtClean="0">
+                              <a:latin typeface="Cambria Math" panose="02040503050406030204" pitchFamily="18" charset="0"/>
+                            </a:rPr>
+                            <m:t>4</m:t>
+                          </m:r>
+                        </m:sub>
+                      </m:sSub>
+                    </m:oMath>
+                  </m:oMathPara>
+                </a14:m>
+                <a:endParaRPr lang="fr-FR" sz="1100" dirty="0"/>
+              </a:p>
+            </p:txBody>
+          </p:sp>
+        </mc:Choice>
+        <mc:Fallback>
+          <p:sp>
+            <p:nvSpPr>
+              <p:cNvPr id="55" name="ZoneTexte 54">
+                <a:extLst>
+                  <a:ext uri="{FF2B5EF4-FFF2-40B4-BE49-F238E27FC236}">
+                    <a16:creationId xmlns:a16="http://schemas.microsoft.com/office/drawing/2014/main" id="{204BDFD3-66F4-03CF-F1D8-66DC65D3089D}"/>
+                  </a:ext>
+                </a:extLst>
+              </p:cNvPr>
+              <p:cNvSpPr txBox="1">
+                <a:spLocks noRot="1" noChangeAspect="1" noMove="1" noResize="1" noEditPoints="1" noAdjustHandles="1" noChangeArrowheads="1" noChangeShapeType="1" noTextEdit="1"/>
+              </p:cNvSpPr>
+              <p:nvPr/>
+            </p:nvSpPr>
+            <p:spPr>
+              <a:xfrm>
+                <a:off x="6932201" y="1256971"/>
+                <a:ext cx="177100" cy="169277"/>
+              </a:xfrm>
+              <a:prstGeom prst="rect">
+                <a:avLst/>
+              </a:prstGeom>
+              <a:blipFill>
+                <a:blip r:embed="rId15"/>
+                <a:stretch>
+                  <a:fillRect l="-17241" r="-10345" b="-17857"/>
+                </a:stretch>
+              </a:blipFill>
+            </p:spPr>
+            <p:txBody>
+              <a:bodyPr/>
+              <a:lstStyle/>
+              <a:p>
+                <a:r>
+                  <a:rPr lang="fr-FR">
+                    <a:noFill/>
+                  </a:rPr>
+                  <a:t> </a:t>
+                </a:r>
+              </a:p>
+            </p:txBody>
+          </p:sp>
+        </mc:Fallback>
+      </mc:AlternateContent>
+      <mc:AlternateContent xmlns:mc="http://schemas.openxmlformats.org/markup-compatibility/2006">
+        <mc:Choice xmlns:a14="http://schemas.microsoft.com/office/drawing/2010/main" Requires="a14">
+          <p:sp>
+            <p:nvSpPr>
+              <p:cNvPr id="60" name="ZoneTexte 59">
+                <a:extLst>
+                  <a:ext uri="{FF2B5EF4-FFF2-40B4-BE49-F238E27FC236}">
+                    <a16:creationId xmlns:a16="http://schemas.microsoft.com/office/drawing/2014/main" id="{D0531FAE-2C42-AC32-EA8E-62DF3B11F7F0}"/>
+                  </a:ext>
+                </a:extLst>
+              </p:cNvPr>
+              <p:cNvSpPr txBox="1"/>
+              <p:nvPr/>
+            </p:nvSpPr>
+            <p:spPr>
+              <a:xfrm>
+                <a:off x="7118227" y="181018"/>
+                <a:ext cx="173189" cy="189860"/>
+              </a:xfrm>
+              <a:prstGeom prst="rect">
+                <a:avLst/>
+              </a:prstGeom>
+              <a:noFill/>
+            </p:spPr>
+            <p:txBody>
+              <a:bodyPr wrap="none" lIns="0" tIns="0" rIns="0" bIns="0" rtlCol="0">
+                <a:spAutoFit/>
+              </a:bodyPr>
+              <a:lstStyle/>
+              <a:p>
+                <a14:m>
+                  <m:oMathPara xmlns:m="http://schemas.openxmlformats.org/officeDocument/2006/math">
+                    <m:oMathParaPr>
+                      <m:jc m:val="centerGroup"/>
+                    </m:oMathParaPr>
+                    <m:oMath xmlns:m="http://schemas.openxmlformats.org/officeDocument/2006/math">
+                      <m:acc>
+                        <m:accPr>
+                          <m:chr m:val="⃗"/>
+                          <m:ctrlPr>
+                            <a:rPr lang="fr-FR" sz="1100" i="1" smtClean="0">
+                              <a:latin typeface="Cambria Math" panose="02040503050406030204" pitchFamily="18" charset="0"/>
+                            </a:rPr>
+                          </m:ctrlPr>
+                        </m:accPr>
+                        <m:e>
+                          <m:sSub>
+                            <m:sSubPr>
+                              <m:ctrlPr>
+                                <a:rPr lang="fr-FR" sz="1100" b="0" i="1" smtClean="0">
+                                  <a:latin typeface="Cambria Math" panose="02040503050406030204" pitchFamily="18" charset="0"/>
+                                </a:rPr>
+                              </m:ctrlPr>
+                            </m:sSubPr>
+                            <m:e>
+                              <m:r>
+                                <a:rPr lang="fr-FR" sz="1100" b="0" i="1" smtClean="0">
+                                  <a:latin typeface="Cambria Math" panose="02040503050406030204" pitchFamily="18" charset="0"/>
+                                </a:rPr>
+                                <m:t>𝑍</m:t>
+                              </m:r>
+                            </m:e>
+                            <m:sub>
+                              <m:r>
+                                <a:rPr lang="fr-FR" sz="1100" b="0" i="1" smtClean="0">
+                                  <a:latin typeface="Cambria Math" panose="02040503050406030204" pitchFamily="18" charset="0"/>
+                                </a:rPr>
+                                <m:t>1</m:t>
+                              </m:r>
+                            </m:sub>
+                          </m:sSub>
+                        </m:e>
+                      </m:acc>
+                    </m:oMath>
+                  </m:oMathPara>
+                </a14:m>
+                <a:endParaRPr lang="fr-FR" sz="1100" dirty="0"/>
+              </a:p>
+            </p:txBody>
+          </p:sp>
+        </mc:Choice>
+        <mc:Fallback>
+          <p:sp>
+            <p:nvSpPr>
+              <p:cNvPr id="60" name="ZoneTexte 59">
+                <a:extLst>
+                  <a:ext uri="{FF2B5EF4-FFF2-40B4-BE49-F238E27FC236}">
+                    <a16:creationId xmlns:a16="http://schemas.microsoft.com/office/drawing/2014/main" id="{D0531FAE-2C42-AC32-EA8E-62DF3B11F7F0}"/>
+                  </a:ext>
+                </a:extLst>
+              </p:cNvPr>
+              <p:cNvSpPr txBox="1">
+                <a:spLocks noRot="1" noChangeAspect="1" noMove="1" noResize="1" noEditPoints="1" noAdjustHandles="1" noChangeArrowheads="1" noChangeShapeType="1" noTextEdit="1"/>
+              </p:cNvSpPr>
+              <p:nvPr/>
+            </p:nvSpPr>
+            <p:spPr>
+              <a:xfrm>
+                <a:off x="7118227" y="181018"/>
+                <a:ext cx="173189" cy="189860"/>
+              </a:xfrm>
+              <a:prstGeom prst="rect">
+                <a:avLst/>
+              </a:prstGeom>
+              <a:blipFill>
+                <a:blip r:embed="rId16"/>
+                <a:stretch>
+                  <a:fillRect l="-17857" r="-10714" b="-16129"/>
+                </a:stretch>
+              </a:blipFill>
+            </p:spPr>
+            <p:txBody>
+              <a:bodyPr/>
+              <a:lstStyle/>
+              <a:p>
+                <a:r>
+                  <a:rPr lang="fr-FR">
+                    <a:noFill/>
+                  </a:rPr>
+                  <a:t> </a:t>
+                </a:r>
+              </a:p>
+            </p:txBody>
+          </p:sp>
+        </mc:Fallback>
+      </mc:AlternateContent>
+      <p:grpSp>
+        <p:nvGrpSpPr>
+          <p:cNvPr id="1039" name="Groupe 1038">
+            <a:extLst>
+              <a:ext uri="{FF2B5EF4-FFF2-40B4-BE49-F238E27FC236}">
+                <a16:creationId xmlns:a16="http://schemas.microsoft.com/office/drawing/2014/main" id="{88876035-E0C3-1DAF-4526-B95A4B65F27A}"/>
+              </a:ext>
+            </a:extLst>
+          </p:cNvPr>
+          <p:cNvGrpSpPr/>
+          <p:nvPr/>
+        </p:nvGrpSpPr>
+        <p:grpSpPr>
+          <a:xfrm>
+            <a:off x="509150" y="4628303"/>
+            <a:ext cx="1497288" cy="1524235"/>
+            <a:chOff x="509150" y="4628303"/>
+            <a:chExt cx="1497288" cy="1524235"/>
+          </a:xfrm>
+        </p:grpSpPr>
+        <p:grpSp>
+          <p:nvGrpSpPr>
+            <p:cNvPr id="1032" name="Groupe 1031">
+              <a:extLst>
+                <a:ext uri="{FF2B5EF4-FFF2-40B4-BE49-F238E27FC236}">
+                  <a16:creationId xmlns:a16="http://schemas.microsoft.com/office/drawing/2014/main" id="{F49CD86B-FCAB-8675-A41A-89963F9C683D}"/>
+                </a:ext>
+              </a:extLst>
+            </p:cNvPr>
+            <p:cNvGrpSpPr/>
+            <p:nvPr/>
+          </p:nvGrpSpPr>
+          <p:grpSpPr>
+            <a:xfrm rot="20700000">
+              <a:off x="945585" y="4791440"/>
+              <a:ext cx="720000" cy="720000"/>
+              <a:chOff x="1053532" y="4870045"/>
+              <a:chExt cx="720000" cy="720000"/>
+            </a:xfrm>
+          </p:grpSpPr>
+          <p:cxnSp>
+            <p:nvCxnSpPr>
+              <p:cNvPr id="1033" name="Connecteur droit 1032">
+                <a:extLst>
+                  <a:ext uri="{FF2B5EF4-FFF2-40B4-BE49-F238E27FC236}">
+                    <a16:creationId xmlns:a16="http://schemas.microsoft.com/office/drawing/2014/main" id="{2EC6B454-1DF8-E4BF-18A5-DBF530108D36}"/>
+                  </a:ext>
+                </a:extLst>
+              </p:cNvPr>
+              <p:cNvCxnSpPr>
+                <a:cxnSpLocks/>
+              </p:cNvCxnSpPr>
+              <p:nvPr/>
+            </p:nvCxnSpPr>
+            <p:spPr>
+              <a:xfrm flipH="1">
+                <a:off x="1053532" y="5590045"/>
+                <a:ext cx="720000" cy="0"/>
+              </a:xfrm>
+              <a:prstGeom prst="line">
+                <a:avLst/>
+              </a:prstGeom>
+              <a:noFill/>
+              <a:ln w="19050">
+                <a:solidFill>
+                  <a:srgbClr val="0070C0"/>
+                </a:solidFill>
+                <a:headEnd type="stealth" w="med" len="lg"/>
+                <a:tailEnd type="none"/>
+              </a:ln>
+            </p:spPr>
+            <p:style>
+              <a:lnRef idx="2">
+                <a:schemeClr val="accent1">
+                  <a:shade val="50000"/>
+                </a:schemeClr>
+              </a:lnRef>
+              <a:fillRef idx="1">
+                <a:schemeClr val="accent1"/>
+              </a:fillRef>
+              <a:effectRef idx="0">
+                <a:schemeClr val="accent1"/>
+              </a:effectRef>
+              <a:fontRef idx="minor">
+                <a:schemeClr val="lt1"/>
+              </a:fontRef>
+            </p:style>
+          </p:cxnSp>
+          <p:cxnSp>
+            <p:nvCxnSpPr>
+              <p:cNvPr id="1034" name="Connecteur droit 1033">
+                <a:extLst>
+                  <a:ext uri="{FF2B5EF4-FFF2-40B4-BE49-F238E27FC236}">
+                    <a16:creationId xmlns:a16="http://schemas.microsoft.com/office/drawing/2014/main" id="{5B8CFC23-9C15-55A3-FCD2-236E943C6E58}"/>
+                  </a:ext>
+                </a:extLst>
+              </p:cNvPr>
+              <p:cNvCxnSpPr>
+                <a:cxnSpLocks/>
+              </p:cNvCxnSpPr>
+              <p:nvPr/>
+            </p:nvCxnSpPr>
+            <p:spPr>
+              <a:xfrm rot="16200000" flipH="1">
+                <a:off x="694593" y="5230045"/>
+                <a:ext cx="720000" cy="0"/>
+              </a:xfrm>
+              <a:prstGeom prst="line">
+                <a:avLst/>
+              </a:prstGeom>
+              <a:noFill/>
+              <a:ln w="19050">
+                <a:solidFill>
+                  <a:srgbClr val="0070C0"/>
+                </a:solidFill>
+                <a:headEnd type="stealth" w="med" len="lg"/>
+                <a:tailEnd type="none"/>
+              </a:ln>
+            </p:spPr>
+            <p:style>
+              <a:lnRef idx="2">
+                <a:schemeClr val="accent1">
+                  <a:shade val="50000"/>
+                </a:schemeClr>
+              </a:lnRef>
+              <a:fillRef idx="1">
+                <a:schemeClr val="accent1"/>
+              </a:fillRef>
+              <a:effectRef idx="0">
+                <a:schemeClr val="accent1"/>
+              </a:effectRef>
+              <a:fontRef idx="minor">
+                <a:schemeClr val="lt1"/>
+              </a:fontRef>
+            </p:style>
+          </p:cxnSp>
+        </p:grpSp>
+        <mc:AlternateContent xmlns:mc="http://schemas.openxmlformats.org/markup-compatibility/2006">
+          <mc:Choice xmlns:a14="http://schemas.microsoft.com/office/drawing/2010/main" Requires="a14">
+            <p:sp>
+              <p:nvSpPr>
+                <p:cNvPr id="63" name="ZoneTexte 62">
+                  <a:extLst>
+                    <a:ext uri="{FF2B5EF4-FFF2-40B4-BE49-F238E27FC236}">
+                      <a16:creationId xmlns:a16="http://schemas.microsoft.com/office/drawing/2014/main" id="{D1452FC6-B2ED-7F36-AD37-9CC1C84015CF}"/>
+                    </a:ext>
+                  </a:extLst>
+                </p:cNvPr>
+                <p:cNvSpPr txBox="1"/>
+                <p:nvPr/>
+              </p:nvSpPr>
+              <p:spPr>
+                <a:xfrm>
+                  <a:off x="1827351" y="5492998"/>
+                  <a:ext cx="179087" cy="189860"/>
+                </a:xfrm>
+                <a:prstGeom prst="rect">
+                  <a:avLst/>
+                </a:prstGeom>
+                <a:noFill/>
+              </p:spPr>
+              <p:txBody>
+                <a:bodyPr wrap="none" lIns="0" tIns="0" rIns="0" bIns="0" rtlCol="0">
+                  <a:spAutoFit/>
+                </a:bodyPr>
+                <a:lstStyle/>
+                <a:p>
+                  <a14:m>
+                    <m:oMathPara xmlns:m="http://schemas.openxmlformats.org/officeDocument/2006/math">
+                      <m:oMathParaPr>
+                        <m:jc m:val="centerGroup"/>
+                      </m:oMathParaPr>
+                      <m:oMath xmlns:m="http://schemas.openxmlformats.org/officeDocument/2006/math">
+                        <m:acc>
+                          <m:accPr>
+                            <m:chr m:val="⃗"/>
+                            <m:ctrlPr>
+                              <a:rPr lang="fr-FR" sz="1100" i="1">
+                                <a:latin typeface="Cambria Math" panose="02040503050406030204" pitchFamily="18" charset="0"/>
+                              </a:rPr>
+                            </m:ctrlPr>
+                          </m:accPr>
+                          <m:e>
+                            <m:sSub>
+                              <m:sSubPr>
+                                <m:ctrlPr>
+                                  <a:rPr lang="fr-FR" sz="1100" b="0" i="1" smtClean="0">
+                                    <a:latin typeface="Cambria Math" panose="02040503050406030204" pitchFamily="18" charset="0"/>
+                                  </a:rPr>
+                                </m:ctrlPr>
+                              </m:sSubPr>
+                              <m:e>
+                                <m:r>
+                                  <a:rPr lang="fr-FR" sz="1100" i="1">
+                                    <a:latin typeface="Cambria Math" panose="02040503050406030204" pitchFamily="18" charset="0"/>
+                                  </a:rPr>
+                                  <m:t>𝑋</m:t>
+                                </m:r>
+                              </m:e>
+                              <m:sub>
+                                <m:r>
+                                  <a:rPr lang="fr-FR" sz="1100" b="0" i="1" smtClean="0">
+                                    <a:latin typeface="Cambria Math" panose="02040503050406030204" pitchFamily="18" charset="0"/>
+                                  </a:rPr>
+                                  <m:t>1</m:t>
+                                </m:r>
+                              </m:sub>
+                            </m:sSub>
+                          </m:e>
+                        </m:acc>
+                      </m:oMath>
+                    </m:oMathPara>
+                  </a14:m>
+                  <a:endParaRPr lang="fr-FR" sz="1100" dirty="0"/>
+                </a:p>
+              </p:txBody>
+            </p:sp>
+          </mc:Choice>
+          <mc:Fallback>
+            <p:sp>
+              <p:nvSpPr>
+                <p:cNvPr id="63" name="ZoneTexte 62">
+                  <a:extLst>
+                    <a:ext uri="{FF2B5EF4-FFF2-40B4-BE49-F238E27FC236}">
+                      <a16:creationId xmlns:a16="http://schemas.microsoft.com/office/drawing/2014/main" id="{D1452FC6-B2ED-7F36-AD37-9CC1C84015CF}"/>
+                    </a:ext>
+                  </a:extLst>
+                </p:cNvPr>
+                <p:cNvSpPr txBox="1">
+                  <a:spLocks noRot="1" noChangeAspect="1" noMove="1" noResize="1" noEditPoints="1" noAdjustHandles="1" noChangeArrowheads="1" noChangeShapeType="1" noTextEdit="1"/>
+                </p:cNvSpPr>
+                <p:nvPr/>
+              </p:nvSpPr>
+              <p:spPr>
+                <a:xfrm>
+                  <a:off x="1827351" y="5492998"/>
+                  <a:ext cx="179087" cy="189860"/>
+                </a:xfrm>
+                <a:prstGeom prst="rect">
+                  <a:avLst/>
+                </a:prstGeom>
+                <a:blipFill>
+                  <a:blip r:embed="rId17"/>
+                  <a:stretch>
+                    <a:fillRect l="-17241" r="-10345" b="-16129"/>
+                  </a:stretch>
+                </a:blipFill>
+              </p:spPr>
+              <p:txBody>
+                <a:bodyPr/>
+                <a:lstStyle/>
+                <a:p>
+                  <a:r>
+                    <a:rPr lang="fr-FR">
+                      <a:noFill/>
+                    </a:rPr>
+                    <a:t> </a:t>
+                  </a:r>
+                </a:p>
+              </p:txBody>
+            </p:sp>
+          </mc:Fallback>
+        </mc:AlternateContent>
+        <p:grpSp>
+          <p:nvGrpSpPr>
+            <p:cNvPr id="1030" name="Groupe 1029">
+              <a:extLst>
+                <a:ext uri="{FF2B5EF4-FFF2-40B4-BE49-F238E27FC236}">
+                  <a16:creationId xmlns:a16="http://schemas.microsoft.com/office/drawing/2014/main" id="{3CC541CE-7A9F-64C3-7AD0-14BB92071420}"/>
+                </a:ext>
+              </a:extLst>
+            </p:cNvPr>
+            <p:cNvGrpSpPr/>
+            <p:nvPr/>
+          </p:nvGrpSpPr>
+          <p:grpSpPr>
+            <a:xfrm>
+              <a:off x="1053532" y="4870045"/>
+              <a:ext cx="720000" cy="720000"/>
+              <a:chOff x="1053532" y="4870045"/>
+              <a:chExt cx="720000" cy="720000"/>
+            </a:xfrm>
+          </p:grpSpPr>
+          <p:cxnSp>
+            <p:nvCxnSpPr>
+              <p:cNvPr id="61" name="Connecteur droit 60">
+                <a:extLst>
+                  <a:ext uri="{FF2B5EF4-FFF2-40B4-BE49-F238E27FC236}">
+                    <a16:creationId xmlns:a16="http://schemas.microsoft.com/office/drawing/2014/main" id="{3B8B131F-AAE5-A3F0-7755-A7A7383D6437}"/>
+                  </a:ext>
+                </a:extLst>
+              </p:cNvPr>
+              <p:cNvCxnSpPr>
+                <a:cxnSpLocks/>
+              </p:cNvCxnSpPr>
+              <p:nvPr/>
+            </p:nvCxnSpPr>
+            <p:spPr>
+              <a:xfrm flipH="1">
+                <a:off x="1053532" y="5590045"/>
+                <a:ext cx="720000" cy="0"/>
+              </a:xfrm>
+              <a:prstGeom prst="line">
+                <a:avLst/>
+              </a:prstGeom>
+              <a:noFill/>
+              <a:ln w="19050">
+                <a:solidFill>
+                  <a:srgbClr val="002060"/>
+                </a:solidFill>
+                <a:headEnd type="stealth" w="med" len="lg"/>
+                <a:tailEnd type="none"/>
+              </a:ln>
+            </p:spPr>
+            <p:style>
+              <a:lnRef idx="2">
+                <a:schemeClr val="accent1">
+                  <a:shade val="50000"/>
+                </a:schemeClr>
+              </a:lnRef>
+              <a:fillRef idx="1">
+                <a:schemeClr val="accent1"/>
+              </a:fillRef>
+              <a:effectRef idx="0">
+                <a:schemeClr val="accent1"/>
+              </a:effectRef>
+              <a:fontRef idx="minor">
+                <a:schemeClr val="lt1"/>
+              </a:fontRef>
+            </p:style>
+          </p:cxnSp>
+          <p:cxnSp>
+            <p:nvCxnSpPr>
+              <p:cNvPr id="1025" name="Connecteur droit 1024">
+                <a:extLst>
+                  <a:ext uri="{FF2B5EF4-FFF2-40B4-BE49-F238E27FC236}">
+                    <a16:creationId xmlns:a16="http://schemas.microsoft.com/office/drawing/2014/main" id="{DA2315CE-CDE0-CED3-2600-30555BE7D7FD}"/>
+                  </a:ext>
+                </a:extLst>
+              </p:cNvPr>
+              <p:cNvCxnSpPr>
+                <a:cxnSpLocks/>
+              </p:cNvCxnSpPr>
+              <p:nvPr/>
+            </p:nvCxnSpPr>
+            <p:spPr>
+              <a:xfrm rot="16200000" flipH="1">
+                <a:off x="694593" y="5230045"/>
+                <a:ext cx="720000" cy="0"/>
+              </a:xfrm>
+              <a:prstGeom prst="line">
+                <a:avLst/>
+              </a:prstGeom>
+              <a:noFill/>
+              <a:ln w="19050">
+                <a:solidFill>
+                  <a:srgbClr val="002060"/>
+                </a:solidFill>
+                <a:headEnd type="stealth" w="med" len="lg"/>
+                <a:tailEnd type="none"/>
+              </a:ln>
+            </p:spPr>
+            <p:style>
+              <a:lnRef idx="2">
+                <a:schemeClr val="accent1">
+                  <a:shade val="50000"/>
+                </a:schemeClr>
+              </a:lnRef>
+              <a:fillRef idx="1">
+                <a:schemeClr val="accent1"/>
+              </a:fillRef>
+              <a:effectRef idx="0">
+                <a:schemeClr val="accent1"/>
+              </a:effectRef>
+              <a:fontRef idx="minor">
+                <a:schemeClr val="lt1"/>
+              </a:fontRef>
+            </p:style>
+          </p:cxnSp>
+        </p:grpSp>
+        <p:sp>
+          <p:nvSpPr>
+            <p:cNvPr id="1026" name="Ellipse 1025">
+              <a:extLst>
+                <a:ext uri="{FF2B5EF4-FFF2-40B4-BE49-F238E27FC236}">
+                  <a16:creationId xmlns:a16="http://schemas.microsoft.com/office/drawing/2014/main" id="{9B7EF6BA-F5DB-B53B-605B-902FA234E650}"/>
+                </a:ext>
+              </a:extLst>
+            </p:cNvPr>
+            <p:cNvSpPr/>
+            <p:nvPr/>
+          </p:nvSpPr>
+          <p:spPr>
+            <a:xfrm>
+              <a:off x="1000774" y="5533928"/>
+              <a:ext cx="108000" cy="108000"/>
+            </a:xfrm>
+            <a:prstGeom prst="ellipse">
+              <a:avLst/>
+            </a:prstGeom>
+            <a:solidFill>
+              <a:schemeClr val="bg1"/>
+            </a:solidFill>
+          </p:spPr>
+          <p:style>
+            <a:lnRef idx="2">
+              <a:schemeClr val="accent1">
+                <a:shade val="15000"/>
+              </a:schemeClr>
+            </a:lnRef>
+            <a:fillRef idx="1">
+              <a:schemeClr val="accent1"/>
+            </a:fillRef>
+            <a:effectRef idx="0">
+              <a:schemeClr val="accent1"/>
+            </a:effectRef>
+            <a:fontRef idx="minor">
+              <a:schemeClr val="lt1"/>
+            </a:fontRef>
+          </p:style>
+          <p:txBody>
+            <a:bodyPr rtlCol="0" anchor="ctr"/>
+            <a:lstStyle/>
+            <a:p>
+              <a:pPr algn="ctr"/>
+              <a:endParaRPr lang="fr-FR"/>
+            </a:p>
+          </p:txBody>
+        </p:sp>
+        <p:sp>
+          <p:nvSpPr>
+            <p:cNvPr id="1027" name="Ellipse 1026">
+              <a:extLst>
+                <a:ext uri="{FF2B5EF4-FFF2-40B4-BE49-F238E27FC236}">
+                  <a16:creationId xmlns:a16="http://schemas.microsoft.com/office/drawing/2014/main" id="{FE685A69-31D5-9724-853A-F3C72051485C}"/>
+                </a:ext>
+              </a:extLst>
+            </p:cNvPr>
+            <p:cNvSpPr/>
+            <p:nvPr/>
+          </p:nvSpPr>
+          <p:spPr>
+            <a:xfrm>
+              <a:off x="1036774" y="5569928"/>
+              <a:ext cx="36000" cy="36000"/>
+            </a:xfrm>
+            <a:prstGeom prst="ellipse">
+              <a:avLst/>
+            </a:prstGeom>
+            <a:solidFill>
+              <a:srgbClr val="002060"/>
+            </a:solidFill>
+          </p:spPr>
+          <p:style>
+            <a:lnRef idx="2">
+              <a:schemeClr val="accent1">
+                <a:shade val="15000"/>
+              </a:schemeClr>
+            </a:lnRef>
+            <a:fillRef idx="1">
+              <a:schemeClr val="accent1"/>
+            </a:fillRef>
+            <a:effectRef idx="0">
+              <a:schemeClr val="accent1"/>
+            </a:effectRef>
+            <a:fontRef idx="minor">
+              <a:schemeClr val="lt1"/>
+            </a:fontRef>
+          </p:style>
+          <p:txBody>
+            <a:bodyPr rtlCol="0" anchor="ctr"/>
+            <a:lstStyle/>
+            <a:p>
+              <a:pPr algn="ctr"/>
+              <a:endParaRPr lang="fr-FR"/>
+            </a:p>
+          </p:txBody>
+        </p:sp>
+        <mc:AlternateContent xmlns:mc="http://schemas.openxmlformats.org/markup-compatibility/2006">
+          <mc:Choice xmlns:a14="http://schemas.microsoft.com/office/drawing/2010/main" Requires="a14">
+            <p:sp>
+              <p:nvSpPr>
+                <p:cNvPr id="1031" name="ZoneTexte 1030">
+                  <a:extLst>
+                    <a:ext uri="{FF2B5EF4-FFF2-40B4-BE49-F238E27FC236}">
+                      <a16:creationId xmlns:a16="http://schemas.microsoft.com/office/drawing/2014/main" id="{D482B216-6518-AB6E-8398-F3B17B7BDAE8}"/>
+                    </a:ext>
+                  </a:extLst>
+                </p:cNvPr>
+                <p:cNvSpPr txBox="1"/>
+                <p:nvPr/>
+              </p:nvSpPr>
+              <p:spPr>
+                <a:xfrm>
+                  <a:off x="963988" y="4628303"/>
+                  <a:ext cx="155747" cy="189860"/>
+                </a:xfrm>
+                <a:prstGeom prst="rect">
+                  <a:avLst/>
+                </a:prstGeom>
+                <a:noFill/>
+              </p:spPr>
+              <p:txBody>
+                <a:bodyPr wrap="none" lIns="0" tIns="0" rIns="0" bIns="0" rtlCol="0">
+                  <a:spAutoFit/>
+                </a:bodyPr>
+                <a:lstStyle/>
+                <a:p>
+                  <a14:m>
+                    <m:oMathPara xmlns:m="http://schemas.openxmlformats.org/officeDocument/2006/math">
+                      <m:oMathParaPr>
+                        <m:jc m:val="centerGroup"/>
+                      </m:oMathParaPr>
+                      <m:oMath xmlns:m="http://schemas.openxmlformats.org/officeDocument/2006/math">
+                        <m:acc>
+                          <m:accPr>
+                            <m:chr m:val="⃗"/>
+                            <m:ctrlPr>
+                              <a:rPr lang="fr-FR" sz="1100" i="1" smtClean="0">
+                                <a:latin typeface="Cambria Math" panose="02040503050406030204" pitchFamily="18" charset="0"/>
+                              </a:rPr>
+                            </m:ctrlPr>
+                          </m:accPr>
+                          <m:e>
+                            <m:sSub>
+                              <m:sSubPr>
+                                <m:ctrlPr>
+                                  <a:rPr lang="fr-FR" sz="1100" b="0" i="1" smtClean="0">
+                                    <a:latin typeface="Cambria Math" panose="02040503050406030204" pitchFamily="18" charset="0"/>
+                                  </a:rPr>
+                                </m:ctrlPr>
+                              </m:sSubPr>
+                              <m:e>
+                                <m:r>
+                                  <a:rPr lang="fr-FR" sz="1100" b="0" i="1" smtClean="0">
+                                    <a:latin typeface="Cambria Math" panose="02040503050406030204" pitchFamily="18" charset="0"/>
+                                  </a:rPr>
+                                  <m:t>𝑌</m:t>
+                                </m:r>
+                              </m:e>
+                              <m:sub>
+                                <m:r>
+                                  <a:rPr lang="fr-FR" sz="1100" b="0" i="1" smtClean="0">
+                                    <a:latin typeface="Cambria Math" panose="02040503050406030204" pitchFamily="18" charset="0"/>
+                                  </a:rPr>
+                                  <m:t>1</m:t>
+                                </m:r>
+                              </m:sub>
+                            </m:sSub>
+                          </m:e>
+                        </m:acc>
+                      </m:oMath>
+                    </m:oMathPara>
+                  </a14:m>
+                  <a:endParaRPr lang="fr-FR" sz="1100" dirty="0"/>
+                </a:p>
+              </p:txBody>
+            </p:sp>
+          </mc:Choice>
+          <mc:Fallback>
+            <p:sp>
+              <p:nvSpPr>
+                <p:cNvPr id="1031" name="ZoneTexte 1030">
+                  <a:extLst>
+                    <a:ext uri="{FF2B5EF4-FFF2-40B4-BE49-F238E27FC236}">
+                      <a16:creationId xmlns:a16="http://schemas.microsoft.com/office/drawing/2014/main" id="{D482B216-6518-AB6E-8398-F3B17B7BDAE8}"/>
+                    </a:ext>
+                  </a:extLst>
+                </p:cNvPr>
+                <p:cNvSpPr txBox="1">
+                  <a:spLocks noRot="1" noChangeAspect="1" noMove="1" noResize="1" noEditPoints="1" noAdjustHandles="1" noChangeArrowheads="1" noChangeShapeType="1" noTextEdit="1"/>
+                </p:cNvSpPr>
+                <p:nvPr/>
+              </p:nvSpPr>
+              <p:spPr>
+                <a:xfrm>
+                  <a:off x="963988" y="4628303"/>
+                  <a:ext cx="155747" cy="189860"/>
+                </a:xfrm>
+                <a:prstGeom prst="rect">
+                  <a:avLst/>
+                </a:prstGeom>
+                <a:blipFill>
+                  <a:blip r:embed="rId18"/>
+                  <a:stretch>
+                    <a:fillRect l="-19231" r="-7692" b="-16129"/>
+                  </a:stretch>
+                </a:blipFill>
+              </p:spPr>
+              <p:txBody>
+                <a:bodyPr/>
+                <a:lstStyle/>
+                <a:p>
+                  <a:r>
+                    <a:rPr lang="fr-FR">
+                      <a:noFill/>
+                    </a:rPr>
+                    <a:t> </a:t>
+                  </a:r>
+                </a:p>
+              </p:txBody>
+            </p:sp>
+          </mc:Fallback>
+        </mc:AlternateContent>
+        <mc:AlternateContent xmlns:mc="http://schemas.openxmlformats.org/markup-compatibility/2006">
+          <mc:Choice xmlns:a14="http://schemas.microsoft.com/office/drawing/2010/main" Requires="a14">
+            <p:sp>
+              <p:nvSpPr>
+                <p:cNvPr id="1035" name="ZoneTexte 1034">
+                  <a:extLst>
+                    <a:ext uri="{FF2B5EF4-FFF2-40B4-BE49-F238E27FC236}">
+                      <a16:creationId xmlns:a16="http://schemas.microsoft.com/office/drawing/2014/main" id="{B42333B2-44E4-8028-99D3-F01FDA51064C}"/>
+                    </a:ext>
+                  </a:extLst>
+                </p:cNvPr>
+                <p:cNvSpPr txBox="1"/>
+                <p:nvPr/>
+              </p:nvSpPr>
+              <p:spPr>
+                <a:xfrm>
+                  <a:off x="1746494" y="5293080"/>
+                  <a:ext cx="182358" cy="189860"/>
+                </a:xfrm>
+                <a:prstGeom prst="rect">
+                  <a:avLst/>
+                </a:prstGeom>
+                <a:noFill/>
+              </p:spPr>
+              <p:txBody>
+                <a:bodyPr wrap="none" lIns="0" tIns="0" rIns="0" bIns="0" rtlCol="0">
+                  <a:spAutoFit/>
+                </a:bodyPr>
+                <a:lstStyle/>
+                <a:p>
+                  <a14:m>
+                    <m:oMathPara xmlns:m="http://schemas.openxmlformats.org/officeDocument/2006/math">
+                      <m:oMathParaPr>
+                        <m:jc m:val="centerGroup"/>
+                      </m:oMathParaPr>
+                      <m:oMath xmlns:m="http://schemas.openxmlformats.org/officeDocument/2006/math">
+                        <m:acc>
+                          <m:accPr>
+                            <m:chr m:val="⃗"/>
+                            <m:ctrlPr>
+                              <a:rPr lang="fr-FR" sz="1100" i="1" smtClean="0">
+                                <a:latin typeface="Cambria Math" panose="02040503050406030204" pitchFamily="18" charset="0"/>
+                              </a:rPr>
+                            </m:ctrlPr>
+                          </m:accPr>
+                          <m:e>
+                            <m:sSub>
+                              <m:sSubPr>
+                                <m:ctrlPr>
+                                  <a:rPr lang="fr-FR" sz="1100" b="0" i="1" smtClean="0">
+                                    <a:latin typeface="Cambria Math" panose="02040503050406030204" pitchFamily="18" charset="0"/>
+                                  </a:rPr>
+                                </m:ctrlPr>
+                              </m:sSubPr>
+                              <m:e>
+                                <m:r>
+                                  <a:rPr lang="fr-FR" sz="1100" i="1">
+                                    <a:latin typeface="Cambria Math" panose="02040503050406030204" pitchFamily="18" charset="0"/>
+                                  </a:rPr>
+                                  <m:t>𝑋</m:t>
+                                </m:r>
+                              </m:e>
+                              <m:sub>
+                                <m:r>
+                                  <a:rPr lang="fr-FR" sz="1100" b="0" i="1" smtClean="0">
+                                    <a:latin typeface="Cambria Math" panose="02040503050406030204" pitchFamily="18" charset="0"/>
+                                  </a:rPr>
+                                  <m:t>2</m:t>
+                                </m:r>
+                              </m:sub>
+                            </m:sSub>
+                          </m:e>
+                        </m:acc>
+                      </m:oMath>
+                    </m:oMathPara>
+                  </a14:m>
+                  <a:endParaRPr lang="fr-FR" sz="1100" dirty="0"/>
+                </a:p>
+              </p:txBody>
+            </p:sp>
+          </mc:Choice>
+          <mc:Fallback>
+            <p:sp>
+              <p:nvSpPr>
+                <p:cNvPr id="1035" name="ZoneTexte 1034">
+                  <a:extLst>
+                    <a:ext uri="{FF2B5EF4-FFF2-40B4-BE49-F238E27FC236}">
+                      <a16:creationId xmlns:a16="http://schemas.microsoft.com/office/drawing/2014/main" id="{B42333B2-44E4-8028-99D3-F01FDA51064C}"/>
+                    </a:ext>
+                  </a:extLst>
+                </p:cNvPr>
+                <p:cNvSpPr txBox="1">
+                  <a:spLocks noRot="1" noChangeAspect="1" noMove="1" noResize="1" noEditPoints="1" noAdjustHandles="1" noChangeArrowheads="1" noChangeShapeType="1" noTextEdit="1"/>
+                </p:cNvSpPr>
+                <p:nvPr/>
+              </p:nvSpPr>
+              <p:spPr>
+                <a:xfrm>
+                  <a:off x="1746494" y="5293080"/>
+                  <a:ext cx="182358" cy="189860"/>
+                </a:xfrm>
+                <a:prstGeom prst="rect">
+                  <a:avLst/>
+                </a:prstGeom>
+                <a:blipFill>
+                  <a:blip r:embed="rId19"/>
+                  <a:stretch>
+                    <a:fillRect l="-16667" r="-10000" b="-16129"/>
+                  </a:stretch>
+                </a:blipFill>
+              </p:spPr>
+              <p:txBody>
+                <a:bodyPr/>
+                <a:lstStyle/>
+                <a:p>
+                  <a:r>
+                    <a:rPr lang="fr-FR">
+                      <a:noFill/>
+                    </a:rPr>
+                    <a:t> </a:t>
+                  </a:r>
+                </a:p>
+              </p:txBody>
+            </p:sp>
+          </mc:Fallback>
+        </mc:AlternateContent>
+        <mc:AlternateContent xmlns:mc="http://schemas.openxmlformats.org/markup-compatibility/2006">
+          <mc:Choice xmlns:a14="http://schemas.microsoft.com/office/drawing/2010/main" Requires="a14">
+            <p:sp>
+              <p:nvSpPr>
+                <p:cNvPr id="1036" name="ZoneTexte 1035">
+                  <a:extLst>
+                    <a:ext uri="{FF2B5EF4-FFF2-40B4-BE49-F238E27FC236}">
+                      <a16:creationId xmlns:a16="http://schemas.microsoft.com/office/drawing/2014/main" id="{A8BF872A-4E1C-3868-6BEA-2D6972967D57}"/>
+                    </a:ext>
+                  </a:extLst>
+                </p:cNvPr>
+                <p:cNvSpPr txBox="1"/>
+                <p:nvPr/>
+              </p:nvSpPr>
+              <p:spPr>
+                <a:xfrm>
+                  <a:off x="689181" y="4724367"/>
+                  <a:ext cx="159018" cy="189860"/>
+                </a:xfrm>
+                <a:prstGeom prst="rect">
+                  <a:avLst/>
+                </a:prstGeom>
+                <a:noFill/>
+              </p:spPr>
+              <p:txBody>
+                <a:bodyPr wrap="none" lIns="0" tIns="0" rIns="0" bIns="0" rtlCol="0">
+                  <a:spAutoFit/>
+                </a:bodyPr>
+                <a:lstStyle/>
+                <a:p>
+                  <a14:m>
+                    <m:oMathPara xmlns:m="http://schemas.openxmlformats.org/officeDocument/2006/math">
+                      <m:oMathParaPr>
+                        <m:jc m:val="centerGroup"/>
+                      </m:oMathParaPr>
+                      <m:oMath xmlns:m="http://schemas.openxmlformats.org/officeDocument/2006/math">
+                        <m:acc>
+                          <m:accPr>
+                            <m:chr m:val="⃗"/>
+                            <m:ctrlPr>
+                              <a:rPr lang="fr-FR" sz="1100" i="1" smtClean="0">
+                                <a:latin typeface="Cambria Math" panose="02040503050406030204" pitchFamily="18" charset="0"/>
+                              </a:rPr>
+                            </m:ctrlPr>
+                          </m:accPr>
+                          <m:e>
+                            <m:sSub>
+                              <m:sSubPr>
+                                <m:ctrlPr>
+                                  <a:rPr lang="fr-FR" sz="1100" b="0" i="1" smtClean="0">
+                                    <a:latin typeface="Cambria Math" panose="02040503050406030204" pitchFamily="18" charset="0"/>
+                                  </a:rPr>
+                                </m:ctrlPr>
+                              </m:sSubPr>
+                              <m:e>
+                                <m:r>
+                                  <a:rPr lang="fr-FR" sz="1100" b="0" i="1" smtClean="0">
+                                    <a:latin typeface="Cambria Math" panose="02040503050406030204" pitchFamily="18" charset="0"/>
+                                  </a:rPr>
+                                  <m:t>𝑌</m:t>
+                                </m:r>
+                              </m:e>
+                              <m:sub>
+                                <m:r>
+                                  <a:rPr lang="fr-FR" sz="1100" b="0" i="1" smtClean="0">
+                                    <a:latin typeface="Cambria Math" panose="02040503050406030204" pitchFamily="18" charset="0"/>
+                                  </a:rPr>
+                                  <m:t>2</m:t>
+                                </m:r>
+                              </m:sub>
+                            </m:sSub>
+                          </m:e>
+                        </m:acc>
+                      </m:oMath>
+                    </m:oMathPara>
+                  </a14:m>
+                  <a:endParaRPr lang="fr-FR" sz="1100" dirty="0"/>
+                </a:p>
+              </p:txBody>
+            </p:sp>
+          </mc:Choice>
+          <mc:Fallback>
+            <p:sp>
+              <p:nvSpPr>
+                <p:cNvPr id="1036" name="ZoneTexte 1035">
+                  <a:extLst>
+                    <a:ext uri="{FF2B5EF4-FFF2-40B4-BE49-F238E27FC236}">
+                      <a16:creationId xmlns:a16="http://schemas.microsoft.com/office/drawing/2014/main" id="{A8BF872A-4E1C-3868-6BEA-2D6972967D57}"/>
+                    </a:ext>
+                  </a:extLst>
+                </p:cNvPr>
+                <p:cNvSpPr txBox="1">
+                  <a:spLocks noRot="1" noChangeAspect="1" noMove="1" noResize="1" noEditPoints="1" noAdjustHandles="1" noChangeArrowheads="1" noChangeShapeType="1" noTextEdit="1"/>
+                </p:cNvSpPr>
+                <p:nvPr/>
+              </p:nvSpPr>
+              <p:spPr>
+                <a:xfrm>
+                  <a:off x="689181" y="4724367"/>
+                  <a:ext cx="159018" cy="189860"/>
+                </a:xfrm>
+                <a:prstGeom prst="rect">
+                  <a:avLst/>
+                </a:prstGeom>
+                <a:blipFill>
+                  <a:blip r:embed="rId20"/>
+                  <a:stretch>
+                    <a:fillRect l="-19231" r="-11538" b="-16129"/>
+                  </a:stretch>
+                </a:blipFill>
+              </p:spPr>
+              <p:txBody>
+                <a:bodyPr/>
+                <a:lstStyle/>
+                <a:p>
+                  <a:r>
+                    <a:rPr lang="fr-FR">
+                      <a:noFill/>
+                    </a:rPr>
+                    <a:t> </a:t>
+                  </a:r>
+                </a:p>
+              </p:txBody>
+            </p:sp>
+          </mc:Fallback>
+        </mc:AlternateContent>
+        <p:sp>
+          <p:nvSpPr>
+            <p:cNvPr id="1037" name="Arc 1036">
+              <a:extLst>
+                <a:ext uri="{FF2B5EF4-FFF2-40B4-BE49-F238E27FC236}">
+                  <a16:creationId xmlns:a16="http://schemas.microsoft.com/office/drawing/2014/main" id="{11A2BE10-B8C2-B79C-5874-138DC6A72A6D}"/>
+                </a:ext>
+              </a:extLst>
+            </p:cNvPr>
+            <p:cNvSpPr/>
+            <p:nvPr/>
+          </p:nvSpPr>
+          <p:spPr>
+            <a:xfrm>
+              <a:off x="509150" y="5042440"/>
+              <a:ext cx="1110098" cy="1110098"/>
+            </a:xfrm>
+            <a:prstGeom prst="arc">
+              <a:avLst>
+                <a:gd name="adj1" fmla="val 20633020"/>
+                <a:gd name="adj2" fmla="val 0"/>
+              </a:avLst>
+            </a:prstGeom>
+            <a:noFill/>
+            <a:ln w="12700">
+              <a:solidFill>
+                <a:srgbClr val="002060"/>
+              </a:solidFill>
+              <a:headEnd type="stealth" w="sm" len="med"/>
+              <a:tailEnd type="none"/>
+            </a:ln>
+          </p:spPr>
+          <p:style>
+            <a:lnRef idx="2">
+              <a:schemeClr val="accent1">
+                <a:shade val="50000"/>
+              </a:schemeClr>
+            </a:lnRef>
+            <a:fillRef idx="1">
+              <a:schemeClr val="accent1"/>
+            </a:fillRef>
+            <a:effectRef idx="0">
+              <a:schemeClr val="accent1"/>
+            </a:effectRef>
+            <a:fontRef idx="minor">
+              <a:schemeClr val="lt1"/>
+            </a:fontRef>
+          </p:style>
+          <p:txBody>
+            <a:bodyPr rtlCol="0" anchor="ctr"/>
+            <a:lstStyle/>
+            <a:p>
+              <a:pPr algn="ctr"/>
+              <a:endParaRPr lang="fr-FR"/>
+            </a:p>
+          </p:txBody>
+        </p:sp>
+        <mc:AlternateContent xmlns:mc="http://schemas.openxmlformats.org/markup-compatibility/2006">
+          <mc:Choice xmlns:a14="http://schemas.microsoft.com/office/drawing/2010/main" Requires="a14">
+            <p:sp>
+              <p:nvSpPr>
+                <p:cNvPr id="1038" name="ZoneTexte 1037">
+                  <a:extLst>
+                    <a:ext uri="{FF2B5EF4-FFF2-40B4-BE49-F238E27FC236}">
+                      <a16:creationId xmlns:a16="http://schemas.microsoft.com/office/drawing/2014/main" id="{BABEDA1C-E075-2F71-5686-2227A3EFBE7C}"/>
+                    </a:ext>
+                  </a:extLst>
+                </p:cNvPr>
+                <p:cNvSpPr txBox="1"/>
+                <p:nvPr/>
+              </p:nvSpPr>
+              <p:spPr>
+                <a:xfrm>
+                  <a:off x="1473149" y="5172614"/>
+                  <a:ext cx="173189" cy="169277"/>
+                </a:xfrm>
+                <a:prstGeom prst="rect">
+                  <a:avLst/>
+                </a:prstGeom>
+                <a:noFill/>
+              </p:spPr>
+              <p:txBody>
+                <a:bodyPr wrap="none" lIns="0" tIns="0" rIns="0" bIns="0" rtlCol="0">
+                  <a:spAutoFit/>
+                </a:bodyPr>
+                <a:lstStyle/>
+                <a:p>
+                  <a14:m>
+                    <m:oMathPara xmlns:m="http://schemas.openxmlformats.org/officeDocument/2006/math">
+                      <m:oMathParaPr>
+                        <m:jc m:val="centerGroup"/>
+                      </m:oMathParaPr>
+                      <m:oMath xmlns:m="http://schemas.openxmlformats.org/officeDocument/2006/math">
+                        <m:sSub>
+                          <m:sSubPr>
+                            <m:ctrlPr>
+                              <a:rPr lang="fr-FR" sz="1100" b="0" i="1" smtClean="0">
+                                <a:latin typeface="Cambria Math" panose="02040503050406030204" pitchFamily="18" charset="0"/>
+                              </a:rPr>
+                            </m:ctrlPr>
+                          </m:sSubPr>
+                          <m:e>
+                            <m:r>
+                              <a:rPr lang="fr-FR" sz="1100" b="0" i="1" smtClean="0">
+                                <a:latin typeface="Cambria Math" panose="02040503050406030204" pitchFamily="18" charset="0"/>
+                              </a:rPr>
+                              <m:t>𝛽</m:t>
+                            </m:r>
+                          </m:e>
+                          <m:sub>
+                            <m:r>
+                              <a:rPr lang="fr-FR" sz="1100" b="0" i="1" smtClean="0">
+                                <a:latin typeface="Cambria Math" panose="02040503050406030204" pitchFamily="18" charset="0"/>
+                              </a:rPr>
+                              <m:t>2</m:t>
+                            </m:r>
+                          </m:sub>
+                        </m:sSub>
+                      </m:oMath>
+                    </m:oMathPara>
+                  </a14:m>
+                  <a:endParaRPr lang="fr-FR" sz="1100" dirty="0"/>
+                </a:p>
+              </p:txBody>
+            </p:sp>
+          </mc:Choice>
+          <mc:Fallback>
+            <p:sp>
+              <p:nvSpPr>
+                <p:cNvPr id="1038" name="ZoneTexte 1037">
+                  <a:extLst>
+                    <a:ext uri="{FF2B5EF4-FFF2-40B4-BE49-F238E27FC236}">
+                      <a16:creationId xmlns:a16="http://schemas.microsoft.com/office/drawing/2014/main" id="{BABEDA1C-E075-2F71-5686-2227A3EFBE7C}"/>
+                    </a:ext>
+                  </a:extLst>
+                </p:cNvPr>
+                <p:cNvSpPr txBox="1">
+                  <a:spLocks noRot="1" noChangeAspect="1" noMove="1" noResize="1" noEditPoints="1" noAdjustHandles="1" noChangeArrowheads="1" noChangeShapeType="1" noTextEdit="1"/>
+                </p:cNvSpPr>
+                <p:nvPr/>
+              </p:nvSpPr>
+              <p:spPr>
+                <a:xfrm>
+                  <a:off x="1473149" y="5172614"/>
+                  <a:ext cx="173189" cy="169277"/>
+                </a:xfrm>
+                <a:prstGeom prst="rect">
+                  <a:avLst/>
+                </a:prstGeom>
+                <a:blipFill>
+                  <a:blip r:embed="rId21"/>
+                  <a:stretch>
+                    <a:fillRect l="-28571" r="-14286" b="-40741"/>
+                  </a:stretch>
+                </a:blipFill>
+              </p:spPr>
+              <p:txBody>
+                <a:bodyPr/>
+                <a:lstStyle/>
+                <a:p>
+                  <a:r>
+                    <a:rPr lang="fr-FR">
+                      <a:noFill/>
+                    </a:rPr>
+                    <a:t> </a:t>
+                  </a:r>
+                </a:p>
+              </p:txBody>
+            </p:sp>
+          </mc:Fallback>
+        </mc:AlternateContent>
+      </p:grpSp>
+    </p:spTree>
+    <p:extLst>
+      <p:ext uri="{BB962C8B-B14F-4D97-AF65-F5344CB8AC3E}">
+        <p14:creationId xmlns:p14="http://schemas.microsoft.com/office/powerpoint/2010/main" val="1033435429"/>
+      </p:ext>
+    </p:extLst>
+  </p:cSld>
+  <p:clrMapOvr>
+    <a:masterClrMapping/>
+  </p:clrMapOvr>
+</p:sld>
+</file>
+
+<file path=ppt/slides/slide4.xml><?xml version="1.0" encoding="utf-8"?>
 <p:sld xmlns:a="http://schemas.openxmlformats.org/drawingml/2006/main" xmlns:r="http://schemas.openxmlformats.org/officeDocument/2006/relationships" xmlns:p="http://schemas.openxmlformats.org/presentationml/2006/main">
   <p:cSld>
     <p:spTree>
@@ -6762,7 +13400,7 @@
 </p:sld>
 </file>
 
-<file path=ppt/slides/slide4.xml><?xml version="1.0" encoding="utf-8"?>
+<file path=ppt/slides/slide5.xml><?xml version="1.0" encoding="utf-8"?>
 <p:sld xmlns:a="http://schemas.openxmlformats.org/drawingml/2006/main" xmlns:r="http://schemas.openxmlformats.org/officeDocument/2006/relationships" xmlns:p="http://schemas.openxmlformats.org/presentationml/2006/main">
   <p:cSld>
     <p:spTree>
@@ -9394,7 +16032,7 @@
 </p:sld>
 </file>
 
-<file path=ppt/slides/slide5.xml><?xml version="1.0" encoding="utf-8"?>
+<file path=ppt/slides/slide6.xml><?xml version="1.0" encoding="utf-8"?>
 <p:sld xmlns:a="http://schemas.openxmlformats.org/drawingml/2006/main" xmlns:r="http://schemas.openxmlformats.org/officeDocument/2006/relationships" xmlns:p="http://schemas.openxmlformats.org/presentationml/2006/main">
   <p:cSld>
     <p:spTree>
@@ -9671,8 +16309,8 @@
           </a:fontRef>
         </p:style>
       </p:cxnSp>
-      <mc:AlternateContent xmlns:mc="http://schemas.openxmlformats.org/markup-compatibility/2006">
-        <mc:Choice xmlns:a14="http://schemas.microsoft.com/office/drawing/2010/main" Requires="a14">
+      <mc:AlternateContent xmlns:mc="http://schemas.openxmlformats.org/markup-compatibility/2006" xmlns:a14="http://schemas.microsoft.com/office/drawing/2010/main">
+        <mc:Choice Requires="a14">
           <p:sp>
             <p:nvSpPr>
               <p:cNvPr id="80" name="ZoneTexte 79">
@@ -9774,7 +16412,7 @@
             </p:txBody>
           </p:sp>
         </mc:Choice>
-        <mc:Fallback>
+        <mc:Fallback xmlns="">
           <p:sp>
             <p:nvSpPr>
               <p:cNvPr id="80" name="ZoneTexte 79">
@@ -9870,8 +16508,8 @@
           </a:fontRef>
         </p:style>
       </p:cxnSp>
-      <mc:AlternateContent xmlns:mc="http://schemas.openxmlformats.org/markup-compatibility/2006">
-        <mc:Choice xmlns:a14="http://schemas.microsoft.com/office/drawing/2010/main" Requires="a14">
+      <mc:AlternateContent xmlns:mc="http://schemas.openxmlformats.org/markup-compatibility/2006" xmlns:a14="http://schemas.microsoft.com/office/drawing/2010/main">
+        <mc:Choice Requires="a14">
           <p:sp>
             <p:nvSpPr>
               <p:cNvPr id="85" name="ZoneTexte 84">
@@ -9969,7 +16607,7 @@
             </p:txBody>
           </p:sp>
         </mc:Choice>
-        <mc:Fallback>
+        <mc:Fallback xmlns="">
           <p:sp>
             <p:nvSpPr>
               <p:cNvPr id="85" name="ZoneTexte 84">
@@ -10700,8 +17338,8 @@
           </a:fontRef>
         </p:style>
       </p:cxnSp>
-      <mc:AlternateContent xmlns:mc="http://schemas.openxmlformats.org/markup-compatibility/2006">
-        <mc:Choice xmlns:a14="http://schemas.microsoft.com/office/drawing/2010/main" Requires="a14">
+      <mc:AlternateContent xmlns:mc="http://schemas.openxmlformats.org/markup-compatibility/2006" xmlns:a14="http://schemas.microsoft.com/office/drawing/2010/main">
+        <mc:Choice Requires="a14">
           <p:sp>
             <p:nvSpPr>
               <p:cNvPr id="112" name="ZoneTexte 111">
@@ -10803,7 +17441,7 @@
             </p:txBody>
           </p:sp>
         </mc:Choice>
-        <mc:Fallback>
+        <mc:Fallback xmlns="">
           <p:sp>
             <p:nvSpPr>
               <p:cNvPr id="112" name="ZoneTexte 111">
@@ -10929,7 +17567,7 @@
 </p:sld>
 </file>
 
-<file path=ppt/slides/slide6.xml><?xml version="1.0" encoding="utf-8"?>
+<file path=ppt/slides/slide7.xml><?xml version="1.0" encoding="utf-8"?>
 <p:sld xmlns:a="http://schemas.openxmlformats.org/drawingml/2006/main" xmlns:r="http://schemas.openxmlformats.org/officeDocument/2006/relationships" xmlns:p="http://schemas.openxmlformats.org/presentationml/2006/main">
   <p:cSld>
     <p:spTree>
@@ -11167,8 +17805,8 @@
           </a:fontRef>
         </p:style>
       </p:cxnSp>
-      <mc:AlternateContent xmlns:mc="http://schemas.openxmlformats.org/markup-compatibility/2006">
-        <mc:Choice xmlns:a14="http://schemas.microsoft.com/office/drawing/2010/main" Requires="a14">
+      <mc:AlternateContent xmlns:mc="http://schemas.openxmlformats.org/markup-compatibility/2006" xmlns:a14="http://schemas.microsoft.com/office/drawing/2010/main">
+        <mc:Choice Requires="a14">
           <p:sp>
             <p:nvSpPr>
               <p:cNvPr id="80" name="ZoneTexte 79">
@@ -11270,7 +17908,7 @@
             </p:txBody>
           </p:sp>
         </mc:Choice>
-        <mc:Fallback>
+        <mc:Fallback xmlns="">
           <p:sp>
             <p:nvSpPr>
               <p:cNvPr id="80" name="ZoneTexte 79">
@@ -11366,8 +18004,8 @@
           </a:fontRef>
         </p:style>
       </p:cxnSp>
-      <mc:AlternateContent xmlns:mc="http://schemas.openxmlformats.org/markup-compatibility/2006">
-        <mc:Choice xmlns:a14="http://schemas.microsoft.com/office/drawing/2010/main" Requires="a14">
+      <mc:AlternateContent xmlns:mc="http://schemas.openxmlformats.org/markup-compatibility/2006" xmlns:a14="http://schemas.microsoft.com/office/drawing/2010/main">
+        <mc:Choice Requires="a14">
           <p:sp>
             <p:nvSpPr>
               <p:cNvPr id="85" name="ZoneTexte 84">
@@ -11465,7 +18103,7 @@
             </p:txBody>
           </p:sp>
         </mc:Choice>
-        <mc:Fallback>
+        <mc:Fallback xmlns="">
           <p:sp>
             <p:nvSpPr>
               <p:cNvPr id="85" name="ZoneTexte 84">
@@ -11894,8 +18532,8 @@
           </a:fontRef>
         </p:style>
       </p:cxnSp>
-      <mc:AlternateContent xmlns:mc="http://schemas.openxmlformats.org/markup-compatibility/2006">
-        <mc:Choice xmlns:a14="http://schemas.microsoft.com/office/drawing/2010/main" Requires="a14">
+      <mc:AlternateContent xmlns:mc="http://schemas.openxmlformats.org/markup-compatibility/2006" xmlns:a14="http://schemas.microsoft.com/office/drawing/2010/main">
+        <mc:Choice Requires="a14">
           <p:sp>
             <p:nvSpPr>
               <p:cNvPr id="112" name="ZoneTexte 111">
@@ -11997,7 +18635,7 @@
             </p:txBody>
           </p:sp>
         </mc:Choice>
-        <mc:Fallback>
+        <mc:Fallback xmlns="">
           <p:sp>
             <p:nvSpPr>
               <p:cNvPr id="112" name="ZoneTexte 111">
@@ -12698,7 +19336,7 @@
 </p:sld>
 </file>
 
-<file path=ppt/slides/slide7.xml><?xml version="1.0" encoding="utf-8"?>
+<file path=ppt/slides/slide8.xml><?xml version="1.0" encoding="utf-8"?>
 <p:sld xmlns:a="http://schemas.openxmlformats.org/drawingml/2006/main" xmlns:r="http://schemas.openxmlformats.org/officeDocument/2006/relationships" xmlns:p="http://schemas.openxmlformats.org/presentationml/2006/main">
   <p:cSld>
     <p:spTree>
@@ -13682,7 +20320,7 @@
 </p:sld>
 </file>
 
-<file path=ppt/slides/slide8.xml><?xml version="1.0" encoding="utf-8"?>
+<file path=ppt/slides/slide9.xml><?xml version="1.0" encoding="utf-8"?>
 <p:sld xmlns:a="http://schemas.openxmlformats.org/drawingml/2006/main" xmlns:r="http://schemas.openxmlformats.org/officeDocument/2006/relationships" xmlns:p="http://schemas.openxmlformats.org/presentationml/2006/main">
   <p:cSld>
     <p:spTree>
@@ -15597,1869 +22235,6 @@
 </p:sld>
 </file>
 
-<file path=ppt/slides/slide9.xml><?xml version="1.0" encoding="utf-8"?>
-<p:sld xmlns:a="http://schemas.openxmlformats.org/drawingml/2006/main" xmlns:r="http://schemas.openxmlformats.org/officeDocument/2006/relationships" xmlns:p="http://schemas.openxmlformats.org/presentationml/2006/main">
-  <p:cSld>
-    <p:spTree>
-      <p:nvGrpSpPr>
-        <p:cNvPr id="1" name=""/>
-        <p:cNvGrpSpPr/>
-        <p:nvPr/>
-      </p:nvGrpSpPr>
-      <p:grpSpPr>
-        <a:xfrm>
-          <a:off x="0" y="0"/>
-          <a:ext cx="0" cy="0"/>
-          <a:chOff x="0" y="0"/>
-          <a:chExt cx="0" cy="0"/>
-        </a:xfrm>
-      </p:grpSpPr>
-      <p:sp>
-        <p:nvSpPr>
-          <p:cNvPr id="55" name="Triangle rectangle 54">
-            <a:extLst>
-              <a:ext uri="{FF2B5EF4-FFF2-40B4-BE49-F238E27FC236}">
-                <a16:creationId xmlns:a16="http://schemas.microsoft.com/office/drawing/2014/main" id="{FFD5E54C-DDA3-8521-8934-427E87C4C3C5}"/>
-              </a:ext>
-            </a:extLst>
-          </p:cNvPr>
-          <p:cNvSpPr/>
-          <p:nvPr/>
-        </p:nvSpPr>
-        <p:spPr>
-          <a:xfrm flipH="1">
-            <a:off x="2164926" y="2552835"/>
-            <a:ext cx="245531" cy="77496"/>
-          </a:xfrm>
-          <a:prstGeom prst="rtTriangle">
-            <a:avLst/>
-          </a:prstGeom>
-          <a:solidFill>
-            <a:schemeClr val="accent2">
-              <a:lumMod val="20000"/>
-              <a:lumOff val="80000"/>
-            </a:schemeClr>
-          </a:solidFill>
-          <a:ln>
-            <a:noFill/>
-          </a:ln>
-        </p:spPr>
-        <p:style>
-          <a:lnRef idx="2">
-            <a:schemeClr val="accent1">
-              <a:shade val="15000"/>
-            </a:schemeClr>
-          </a:lnRef>
-          <a:fillRef idx="1">
-            <a:schemeClr val="accent1"/>
-          </a:fillRef>
-          <a:effectRef idx="0">
-            <a:schemeClr val="accent1"/>
-          </a:effectRef>
-          <a:fontRef idx="minor">
-            <a:schemeClr val="lt1"/>
-          </a:fontRef>
-        </p:style>
-        <p:txBody>
-          <a:bodyPr rtlCol="0" anchor="ctr"/>
-          <a:lstStyle/>
-          <a:p>
-            <a:pPr algn="ctr"/>
-            <a:endParaRPr lang="fr-FR"/>
-          </a:p>
-        </p:txBody>
-      </p:sp>
-      <p:sp>
-        <p:nvSpPr>
-          <p:cNvPr id="54" name="Rectangle : avec coin arrondi et coin rogné en haut 53">
-            <a:extLst>
-              <a:ext uri="{FF2B5EF4-FFF2-40B4-BE49-F238E27FC236}">
-                <a16:creationId xmlns:a16="http://schemas.microsoft.com/office/drawing/2014/main" id="{8ACF5D38-E701-85DC-54CC-6CABE6CECED7}"/>
-              </a:ext>
-            </a:extLst>
-          </p:cNvPr>
-          <p:cNvSpPr/>
-          <p:nvPr/>
-        </p:nvSpPr>
-        <p:spPr>
-          <a:xfrm rot="16200000">
-            <a:off x="1876670" y="2899871"/>
-            <a:ext cx="812727" cy="245529"/>
-          </a:xfrm>
-          <a:prstGeom prst="snipRoundRect">
-            <a:avLst>
-              <a:gd name="adj1" fmla="val 0"/>
-              <a:gd name="adj2" fmla="val 2192"/>
-            </a:avLst>
-          </a:prstGeom>
-          <a:solidFill>
-            <a:schemeClr val="accent2">
-              <a:lumMod val="20000"/>
-              <a:lumOff val="80000"/>
-            </a:schemeClr>
-          </a:solidFill>
-          <a:ln>
-            <a:noFill/>
-          </a:ln>
-        </p:spPr>
-        <p:style>
-          <a:lnRef idx="2">
-            <a:schemeClr val="accent1">
-              <a:shade val="15000"/>
-            </a:schemeClr>
-          </a:lnRef>
-          <a:fillRef idx="1">
-            <a:schemeClr val="accent1"/>
-          </a:fillRef>
-          <a:effectRef idx="0">
-            <a:schemeClr val="accent1"/>
-          </a:effectRef>
-          <a:fontRef idx="minor">
-            <a:schemeClr val="lt1"/>
-          </a:fontRef>
-        </p:style>
-        <p:txBody>
-          <a:bodyPr rtlCol="0" anchor="ctr"/>
-          <a:lstStyle/>
-          <a:p>
-            <a:pPr algn="ctr"/>
-            <a:endParaRPr lang="fr-FR"/>
-          </a:p>
-        </p:txBody>
-      </p:sp>
-      <p:cxnSp>
-        <p:nvCxnSpPr>
-          <p:cNvPr id="3" name="Connecteur droit avec flèche 2">
-            <a:extLst>
-              <a:ext uri="{FF2B5EF4-FFF2-40B4-BE49-F238E27FC236}">
-                <a16:creationId xmlns:a16="http://schemas.microsoft.com/office/drawing/2014/main" id="{18CA7C2B-DFAA-3B5B-DD49-EF287D62D77F}"/>
-              </a:ext>
-            </a:extLst>
-          </p:cNvPr>
-          <p:cNvCxnSpPr>
-            <a:cxnSpLocks/>
-          </p:cNvCxnSpPr>
-          <p:nvPr/>
-        </p:nvCxnSpPr>
-        <p:spPr>
-          <a:xfrm flipV="1">
-            <a:off x="1046480" y="1989000"/>
-            <a:ext cx="0" cy="1440000"/>
-          </a:xfrm>
-          <a:prstGeom prst="straightConnector1">
-            <a:avLst/>
-          </a:prstGeom>
-          <a:ln>
-            <a:solidFill>
-              <a:srgbClr val="002060"/>
-            </a:solidFill>
-            <a:tailEnd type="stealth" w="med" len="lg"/>
-          </a:ln>
-        </p:spPr>
-        <p:style>
-          <a:lnRef idx="1">
-            <a:schemeClr val="accent1"/>
-          </a:lnRef>
-          <a:fillRef idx="0">
-            <a:schemeClr val="accent1"/>
-          </a:fillRef>
-          <a:effectRef idx="0">
-            <a:schemeClr val="accent1"/>
-          </a:effectRef>
-          <a:fontRef idx="minor">
-            <a:schemeClr val="tx1"/>
-          </a:fontRef>
-        </p:style>
-      </p:cxnSp>
-      <p:cxnSp>
-        <p:nvCxnSpPr>
-          <p:cNvPr id="5" name="Connecteur droit avec flèche 4">
-            <a:extLst>
-              <a:ext uri="{FF2B5EF4-FFF2-40B4-BE49-F238E27FC236}">
-                <a16:creationId xmlns:a16="http://schemas.microsoft.com/office/drawing/2014/main" id="{10FB8054-D472-375B-E9B6-9C21F23DBCF2}"/>
-              </a:ext>
-            </a:extLst>
-          </p:cNvPr>
-          <p:cNvCxnSpPr>
-            <a:cxnSpLocks/>
-          </p:cNvCxnSpPr>
-          <p:nvPr/>
-        </p:nvCxnSpPr>
-        <p:spPr>
-          <a:xfrm>
-            <a:off x="1046480" y="3429000"/>
-            <a:ext cx="2175691" cy="0"/>
-          </a:xfrm>
-          <a:prstGeom prst="straightConnector1">
-            <a:avLst/>
-          </a:prstGeom>
-          <a:ln>
-            <a:solidFill>
-              <a:srgbClr val="002060"/>
-            </a:solidFill>
-            <a:tailEnd type="stealth" w="med" len="lg"/>
-          </a:ln>
-        </p:spPr>
-        <p:style>
-          <a:lnRef idx="1">
-            <a:schemeClr val="accent1"/>
-          </a:lnRef>
-          <a:fillRef idx="0">
-            <a:schemeClr val="accent1"/>
-          </a:fillRef>
-          <a:effectRef idx="0">
-            <a:schemeClr val="accent1"/>
-          </a:effectRef>
-          <a:fontRef idx="minor">
-            <a:schemeClr val="tx1"/>
-          </a:fontRef>
-        </p:style>
-      </p:cxnSp>
-      <mc:AlternateContent xmlns:mc="http://schemas.openxmlformats.org/markup-compatibility/2006" xmlns:a14="http://schemas.microsoft.com/office/drawing/2010/main">
-        <mc:Choice Requires="a14">
-          <p:sp>
-            <p:nvSpPr>
-              <p:cNvPr id="11" name="ZoneTexte 10">
-                <a:extLst>
-                  <a:ext uri="{FF2B5EF4-FFF2-40B4-BE49-F238E27FC236}">
-                    <a16:creationId xmlns:a16="http://schemas.microsoft.com/office/drawing/2014/main" id="{4C9C68B8-7E8E-3324-A750-638C726B6CC8}"/>
-                  </a:ext>
-                </a:extLst>
-              </p:cNvPr>
-              <p:cNvSpPr txBox="1"/>
-              <p:nvPr/>
-            </p:nvSpPr>
-            <p:spPr>
-              <a:xfrm>
-                <a:off x="3067384" y="3152000"/>
-                <a:ext cx="149913" cy="276999"/>
-              </a:xfrm>
-              <a:prstGeom prst="rect">
-                <a:avLst/>
-              </a:prstGeom>
-              <a:noFill/>
-            </p:spPr>
-            <p:txBody>
-              <a:bodyPr wrap="none" lIns="0" tIns="0" rIns="0" bIns="0" rtlCol="0">
-                <a:spAutoFit/>
-              </a:bodyPr>
-              <a:lstStyle/>
-              <a:p>
-                <a:pPr/>
-                <a14:m>
-                  <m:oMathPara xmlns:m="http://schemas.openxmlformats.org/officeDocument/2006/math">
-                    <m:oMathParaPr>
-                      <m:jc m:val="centerGroup"/>
-                    </m:oMathParaPr>
-                    <m:oMath xmlns:m="http://schemas.openxmlformats.org/officeDocument/2006/math">
-                      <m:r>
-                        <a:rPr lang="fr-FR" b="0" i="1" smtClean="0">
-                          <a:latin typeface="Cambria Math" panose="02040503050406030204" pitchFamily="18" charset="0"/>
-                        </a:rPr>
-                        <m:t>𝑡</m:t>
-                      </m:r>
-                    </m:oMath>
-                  </m:oMathPara>
-                </a14:m>
-                <a:endParaRPr lang="fr-FR" dirty="0"/>
-              </a:p>
-            </p:txBody>
-          </p:sp>
-        </mc:Choice>
-        <mc:Fallback xmlns="">
-          <p:sp>
-            <p:nvSpPr>
-              <p:cNvPr id="11" name="ZoneTexte 10">
-                <a:extLst>
-                  <a:ext uri="{FF2B5EF4-FFF2-40B4-BE49-F238E27FC236}">
-                    <a16:creationId xmlns:a16="http://schemas.microsoft.com/office/drawing/2014/main" id="{4C9C68B8-7E8E-3324-A750-638C726B6CC8}"/>
-                  </a:ext>
-                </a:extLst>
-              </p:cNvPr>
-              <p:cNvSpPr txBox="1">
-                <a:spLocks noRot="1" noChangeAspect="1" noMove="1" noResize="1" noEditPoints="1" noAdjustHandles="1" noChangeArrowheads="1" noChangeShapeType="1" noTextEdit="1"/>
-              </p:cNvSpPr>
-              <p:nvPr/>
-            </p:nvSpPr>
-            <p:spPr>
-              <a:xfrm>
-                <a:off x="3067384" y="3152000"/>
-                <a:ext cx="149913" cy="276999"/>
-              </a:xfrm>
-              <a:prstGeom prst="rect">
-                <a:avLst/>
-              </a:prstGeom>
-              <a:blipFill>
-                <a:blip r:embed="rId2"/>
-                <a:stretch>
-                  <a:fillRect l="-32000" r="-28000" b="-6667"/>
-                </a:stretch>
-              </a:blipFill>
-            </p:spPr>
-            <p:txBody>
-              <a:bodyPr/>
-              <a:lstStyle/>
-              <a:p>
-                <a:r>
-                  <a:rPr lang="fr-FR">
-                    <a:noFill/>
-                  </a:rPr>
-                  <a:t> </a:t>
-                </a:r>
-              </a:p>
-            </p:txBody>
-          </p:sp>
-        </mc:Fallback>
-      </mc:AlternateContent>
-      <mc:AlternateContent xmlns:mc="http://schemas.openxmlformats.org/markup-compatibility/2006" xmlns:a14="http://schemas.microsoft.com/office/drawing/2010/main">
-        <mc:Choice Requires="a14">
-          <p:sp>
-            <p:nvSpPr>
-              <p:cNvPr id="12" name="ZoneTexte 11">
-                <a:extLst>
-                  <a:ext uri="{FF2B5EF4-FFF2-40B4-BE49-F238E27FC236}">
-                    <a16:creationId xmlns:a16="http://schemas.microsoft.com/office/drawing/2014/main" id="{056307E9-BEB6-56E0-261F-21F31E6411CD}"/>
-                  </a:ext>
-                </a:extLst>
-              </p:cNvPr>
-              <p:cNvSpPr txBox="1"/>
-              <p:nvPr/>
-            </p:nvSpPr>
-            <p:spPr>
-              <a:xfrm>
-                <a:off x="626565" y="1989000"/>
-                <a:ext cx="365485" cy="215444"/>
-              </a:xfrm>
-              <a:prstGeom prst="rect">
-                <a:avLst/>
-              </a:prstGeom>
-              <a:noFill/>
-            </p:spPr>
-            <p:txBody>
-              <a:bodyPr wrap="none" lIns="0" tIns="0" rIns="0" bIns="0" rtlCol="0">
-                <a:spAutoFit/>
-              </a:bodyPr>
-              <a:lstStyle/>
-              <a:p>
-                <a:pPr/>
-                <a14:m>
-                  <m:oMathPara xmlns:m="http://schemas.openxmlformats.org/officeDocument/2006/math">
-                    <m:oMathParaPr>
-                      <m:jc m:val="centerGroup"/>
-                    </m:oMathParaPr>
-                    <m:oMath xmlns:m="http://schemas.openxmlformats.org/officeDocument/2006/math">
-                      <m:r>
-                        <a:rPr lang="fr-FR" sz="1400" b="0" i="1" smtClean="0">
-                          <a:latin typeface="Cambria Math" panose="02040503050406030204" pitchFamily="18" charset="0"/>
-                        </a:rPr>
-                        <m:t>𝑣</m:t>
-                      </m:r>
-                      <m:r>
-                        <a:rPr lang="fr-FR" sz="1400" b="0" i="1" smtClean="0">
-                          <a:latin typeface="Cambria Math" panose="02040503050406030204" pitchFamily="18" charset="0"/>
-                        </a:rPr>
-                        <m:t>(</m:t>
-                      </m:r>
-                      <m:r>
-                        <a:rPr lang="fr-FR" sz="1400" b="0" i="1" smtClean="0">
-                          <a:latin typeface="Cambria Math" panose="02040503050406030204" pitchFamily="18" charset="0"/>
-                        </a:rPr>
-                        <m:t>𝑡</m:t>
-                      </m:r>
-                      <m:r>
-                        <a:rPr lang="fr-FR" sz="1400" b="0" i="1" smtClean="0">
-                          <a:latin typeface="Cambria Math" panose="02040503050406030204" pitchFamily="18" charset="0"/>
-                        </a:rPr>
-                        <m:t>)</m:t>
-                      </m:r>
-                    </m:oMath>
-                  </m:oMathPara>
-                </a14:m>
-                <a:endParaRPr lang="fr-FR" sz="1400" dirty="0"/>
-              </a:p>
-            </p:txBody>
-          </p:sp>
-        </mc:Choice>
-        <mc:Fallback xmlns="">
-          <p:sp>
-            <p:nvSpPr>
-              <p:cNvPr id="12" name="ZoneTexte 11">
-                <a:extLst>
-                  <a:ext uri="{FF2B5EF4-FFF2-40B4-BE49-F238E27FC236}">
-                    <a16:creationId xmlns:a16="http://schemas.microsoft.com/office/drawing/2014/main" id="{056307E9-BEB6-56E0-261F-21F31E6411CD}"/>
-                  </a:ext>
-                </a:extLst>
-              </p:cNvPr>
-              <p:cNvSpPr txBox="1">
-                <a:spLocks noRot="1" noChangeAspect="1" noMove="1" noResize="1" noEditPoints="1" noAdjustHandles="1" noChangeArrowheads="1" noChangeShapeType="1" noTextEdit="1"/>
-              </p:cNvSpPr>
-              <p:nvPr/>
-            </p:nvSpPr>
-            <p:spPr>
-              <a:xfrm>
-                <a:off x="626565" y="1989000"/>
-                <a:ext cx="365485" cy="215444"/>
-              </a:xfrm>
-              <a:prstGeom prst="rect">
-                <a:avLst/>
-              </a:prstGeom>
-              <a:blipFill>
-                <a:blip r:embed="rId3"/>
-                <a:stretch>
-                  <a:fillRect l="-6667" r="-15000" b="-30556"/>
-                </a:stretch>
-              </a:blipFill>
-            </p:spPr>
-            <p:txBody>
-              <a:bodyPr/>
-              <a:lstStyle/>
-              <a:p>
-                <a:r>
-                  <a:rPr lang="fr-FR">
-                    <a:noFill/>
-                  </a:rPr>
-                  <a:t> </a:t>
-                </a:r>
-              </a:p>
-            </p:txBody>
-          </p:sp>
-        </mc:Fallback>
-      </mc:AlternateContent>
-      <p:cxnSp>
-        <p:nvCxnSpPr>
-          <p:cNvPr id="9" name="Connecteur droit 8">
-            <a:extLst>
-              <a:ext uri="{FF2B5EF4-FFF2-40B4-BE49-F238E27FC236}">
-                <a16:creationId xmlns:a16="http://schemas.microsoft.com/office/drawing/2014/main" id="{854D29DE-07AE-54C5-6A09-E9D689E08591}"/>
-              </a:ext>
-            </a:extLst>
-          </p:cNvPr>
-          <p:cNvCxnSpPr>
-            <a:cxnSpLocks/>
-            <a:stCxn id="36" idx="4"/>
-          </p:cNvCxnSpPr>
-          <p:nvPr/>
-        </p:nvCxnSpPr>
-        <p:spPr>
-          <a:xfrm flipH="1">
-            <a:off x="2839654" y="2427407"/>
-            <a:ext cx="0" cy="1001592"/>
-          </a:xfrm>
-          <a:prstGeom prst="line">
-            <a:avLst/>
-          </a:prstGeom>
-          <a:noFill/>
-          <a:ln>
-            <a:solidFill>
-              <a:schemeClr val="accent2">
-                <a:lumMod val="50000"/>
-              </a:schemeClr>
-            </a:solidFill>
-          </a:ln>
-        </p:spPr>
-        <p:style>
-          <a:lnRef idx="2">
-            <a:schemeClr val="accent1">
-              <a:shade val="15000"/>
-            </a:schemeClr>
-          </a:lnRef>
-          <a:fillRef idx="1">
-            <a:schemeClr val="accent1"/>
-          </a:fillRef>
-          <a:effectRef idx="0">
-            <a:schemeClr val="accent1"/>
-          </a:effectRef>
-          <a:fontRef idx="minor">
-            <a:schemeClr val="lt1"/>
-          </a:fontRef>
-        </p:style>
-      </p:cxnSp>
-      <p:sp>
-        <p:nvSpPr>
-          <p:cNvPr id="36" name="Forme libre : forme 35">
-            <a:extLst>
-              <a:ext uri="{FF2B5EF4-FFF2-40B4-BE49-F238E27FC236}">
-                <a16:creationId xmlns:a16="http://schemas.microsoft.com/office/drawing/2014/main" id="{EF89BA12-3F57-66FC-435A-9790022B0118}"/>
-              </a:ext>
-            </a:extLst>
-          </p:cNvPr>
-          <p:cNvSpPr/>
-          <p:nvPr/>
-        </p:nvSpPr>
-        <p:spPr>
-          <a:xfrm>
-            <a:off x="1046480" y="2382700"/>
-            <a:ext cx="1800000" cy="330200"/>
-          </a:xfrm>
-          <a:custGeom>
-            <a:avLst/>
-            <a:gdLst>
-              <a:gd name="connsiteX0" fmla="*/ 0 w 1744134"/>
-              <a:gd name="connsiteY0" fmla="*/ 636515 h 636515"/>
-              <a:gd name="connsiteX1" fmla="*/ 474134 w 1744134"/>
-              <a:gd name="connsiteY1" fmla="*/ 1515 h 636515"/>
-              <a:gd name="connsiteX2" fmla="*/ 1083734 w 1744134"/>
-              <a:gd name="connsiteY2" fmla="*/ 450248 h 636515"/>
-              <a:gd name="connsiteX3" fmla="*/ 1557867 w 1744134"/>
-              <a:gd name="connsiteY3" fmla="*/ 145448 h 636515"/>
-              <a:gd name="connsiteX4" fmla="*/ 1744134 w 1744134"/>
-              <a:gd name="connsiteY4" fmla="*/ 86181 h 636515"/>
-            </a:gdLst>
-            <a:ahLst/>
-            <a:cxnLst>
-              <a:cxn ang="0">
-                <a:pos x="connsiteX0" y="connsiteY0"/>
-              </a:cxn>
-              <a:cxn ang="0">
-                <a:pos x="connsiteX1" y="connsiteY1"/>
-              </a:cxn>
-              <a:cxn ang="0">
-                <a:pos x="connsiteX2" y="connsiteY2"/>
-              </a:cxn>
-              <a:cxn ang="0">
-                <a:pos x="connsiteX3" y="connsiteY3"/>
-              </a:cxn>
-              <a:cxn ang="0">
-                <a:pos x="connsiteX4" y="connsiteY4"/>
-              </a:cxn>
-            </a:cxnLst>
-            <a:rect l="l" t="t" r="r" b="b"/>
-            <a:pathLst>
-              <a:path w="1744134" h="636515">
-                <a:moveTo>
-                  <a:pt x="0" y="636515"/>
-                </a:moveTo>
-                <a:cubicBezTo>
-                  <a:pt x="146756" y="334537"/>
-                  <a:pt x="293512" y="32559"/>
-                  <a:pt x="474134" y="1515"/>
-                </a:cubicBezTo>
-                <a:cubicBezTo>
-                  <a:pt x="654756" y="-29529"/>
-                  <a:pt x="903112" y="426259"/>
-                  <a:pt x="1083734" y="450248"/>
-                </a:cubicBezTo>
-                <a:cubicBezTo>
-                  <a:pt x="1264356" y="474237"/>
-                  <a:pt x="1447800" y="206126"/>
-                  <a:pt x="1557867" y="145448"/>
-                </a:cubicBezTo>
-                <a:cubicBezTo>
-                  <a:pt x="1667934" y="84770"/>
-                  <a:pt x="1706034" y="85475"/>
-                  <a:pt x="1744134" y="86181"/>
-                </a:cubicBezTo>
-              </a:path>
-            </a:pathLst>
-          </a:custGeom>
-          <a:noFill/>
-          <a:ln>
-            <a:solidFill>
-              <a:schemeClr val="accent2">
-                <a:lumMod val="50000"/>
-              </a:schemeClr>
-            </a:solidFill>
-          </a:ln>
-        </p:spPr>
-        <p:style>
-          <a:lnRef idx="2">
-            <a:schemeClr val="accent1">
-              <a:shade val="15000"/>
-            </a:schemeClr>
-          </a:lnRef>
-          <a:fillRef idx="1">
-            <a:schemeClr val="accent1"/>
-          </a:fillRef>
-          <a:effectRef idx="0">
-            <a:schemeClr val="accent1"/>
-          </a:effectRef>
-          <a:fontRef idx="minor">
-            <a:schemeClr val="lt1"/>
-          </a:fontRef>
-        </p:style>
-        <p:txBody>
-          <a:bodyPr rtlCol="0" anchor="ctr"/>
-          <a:lstStyle/>
-          <a:p>
-            <a:pPr algn="ctr"/>
-            <a:endParaRPr lang="fr-FR"/>
-          </a:p>
-        </p:txBody>
-      </p:sp>
-      <p:cxnSp>
-        <p:nvCxnSpPr>
-          <p:cNvPr id="39" name="Connecteur droit 38">
-            <a:extLst>
-              <a:ext uri="{FF2B5EF4-FFF2-40B4-BE49-F238E27FC236}">
-                <a16:creationId xmlns:a16="http://schemas.microsoft.com/office/drawing/2014/main" id="{4A69997A-B4BB-3B9D-DB19-174F220F569A}"/>
-              </a:ext>
-            </a:extLst>
-          </p:cNvPr>
-          <p:cNvCxnSpPr>
-            <a:cxnSpLocks/>
-            <a:stCxn id="36" idx="2"/>
-          </p:cNvCxnSpPr>
-          <p:nvPr/>
-        </p:nvCxnSpPr>
-        <p:spPr>
-          <a:xfrm>
-            <a:off x="2164927" y="2616272"/>
-            <a:ext cx="0" cy="821195"/>
-          </a:xfrm>
-          <a:prstGeom prst="line">
-            <a:avLst/>
-          </a:prstGeom>
-          <a:noFill/>
-          <a:ln>
-            <a:solidFill>
-              <a:schemeClr val="accent2">
-                <a:lumMod val="50000"/>
-              </a:schemeClr>
-            </a:solidFill>
-            <a:headEnd type="oval"/>
-          </a:ln>
-        </p:spPr>
-        <p:style>
-          <a:lnRef idx="2">
-            <a:schemeClr val="accent1">
-              <a:shade val="15000"/>
-            </a:schemeClr>
-          </a:lnRef>
-          <a:fillRef idx="1">
-            <a:schemeClr val="accent1"/>
-          </a:fillRef>
-          <a:effectRef idx="0">
-            <a:schemeClr val="accent1"/>
-          </a:effectRef>
-          <a:fontRef idx="minor">
-            <a:schemeClr val="lt1"/>
-          </a:fontRef>
-        </p:style>
-      </p:cxnSp>
-      <mc:AlternateContent xmlns:mc="http://schemas.openxmlformats.org/markup-compatibility/2006" xmlns:a14="http://schemas.microsoft.com/office/drawing/2010/main">
-        <mc:Choice Requires="a14">
-          <p:sp>
-            <p:nvSpPr>
-              <p:cNvPr id="43" name="ZoneTexte 42">
-                <a:extLst>
-                  <a:ext uri="{FF2B5EF4-FFF2-40B4-BE49-F238E27FC236}">
-                    <a16:creationId xmlns:a16="http://schemas.microsoft.com/office/drawing/2014/main" id="{684AEDFB-01B1-6FBF-D4E9-4FDA71819579}"/>
-                  </a:ext>
-                </a:extLst>
-              </p:cNvPr>
-              <p:cNvSpPr txBox="1"/>
-              <p:nvPr/>
-            </p:nvSpPr>
-            <p:spPr>
-              <a:xfrm>
-                <a:off x="2077073" y="3437466"/>
-                <a:ext cx="166392" cy="215444"/>
-              </a:xfrm>
-              <a:prstGeom prst="rect">
-                <a:avLst/>
-              </a:prstGeom>
-              <a:noFill/>
-            </p:spPr>
-            <p:txBody>
-              <a:bodyPr wrap="none" lIns="0" tIns="0" rIns="0" bIns="0" rtlCol="0">
-                <a:spAutoFit/>
-              </a:bodyPr>
-              <a:lstStyle/>
-              <a:p>
-                <a:pPr/>
-                <a14:m>
-                  <m:oMathPara xmlns:m="http://schemas.openxmlformats.org/officeDocument/2006/math">
-                    <m:oMathParaPr>
-                      <m:jc m:val="centerGroup"/>
-                    </m:oMathParaPr>
-                    <m:oMath xmlns:m="http://schemas.openxmlformats.org/officeDocument/2006/math">
-                      <m:sSub>
-                        <m:sSubPr>
-                          <m:ctrlPr>
-                            <a:rPr lang="fr-FR" sz="1400" b="0" i="1" smtClean="0">
-                              <a:latin typeface="Cambria Math" panose="02040503050406030204" pitchFamily="18" charset="0"/>
-                            </a:rPr>
-                          </m:ctrlPr>
-                        </m:sSubPr>
-                        <m:e>
-                          <m:r>
-                            <a:rPr lang="fr-FR" sz="1400" b="0" i="1" smtClean="0">
-                              <a:latin typeface="Cambria Math" panose="02040503050406030204" pitchFamily="18" charset="0"/>
-                            </a:rPr>
-                            <m:t>𝑡</m:t>
-                          </m:r>
-                        </m:e>
-                        <m:sub>
-                          <m:r>
-                            <a:rPr lang="fr-FR" sz="1400" b="0" i="1" smtClean="0">
-                              <a:latin typeface="Cambria Math" panose="02040503050406030204" pitchFamily="18" charset="0"/>
-                            </a:rPr>
-                            <m:t>𝑖</m:t>
-                          </m:r>
-                        </m:sub>
-                      </m:sSub>
-                    </m:oMath>
-                  </m:oMathPara>
-                </a14:m>
-                <a:endParaRPr lang="fr-FR" sz="1400" dirty="0"/>
-              </a:p>
-            </p:txBody>
-          </p:sp>
-        </mc:Choice>
-        <mc:Fallback xmlns="">
-          <p:sp>
-            <p:nvSpPr>
-              <p:cNvPr id="43" name="ZoneTexte 42">
-                <a:extLst>
-                  <a:ext uri="{FF2B5EF4-FFF2-40B4-BE49-F238E27FC236}">
-                    <a16:creationId xmlns:a16="http://schemas.microsoft.com/office/drawing/2014/main" id="{684AEDFB-01B1-6FBF-D4E9-4FDA71819579}"/>
-                  </a:ext>
-                </a:extLst>
-              </p:cNvPr>
-              <p:cNvSpPr txBox="1">
-                <a:spLocks noRot="1" noChangeAspect="1" noMove="1" noResize="1" noEditPoints="1" noAdjustHandles="1" noChangeArrowheads="1" noChangeShapeType="1" noTextEdit="1"/>
-              </p:cNvSpPr>
-              <p:nvPr/>
-            </p:nvSpPr>
-            <p:spPr>
-              <a:xfrm>
-                <a:off x="2077073" y="3437466"/>
-                <a:ext cx="166392" cy="215444"/>
-              </a:xfrm>
-              <a:prstGeom prst="rect">
-                <a:avLst/>
-              </a:prstGeom>
-              <a:blipFill>
-                <a:blip r:embed="rId4"/>
-                <a:stretch>
-                  <a:fillRect l="-25926" r="-3704" b="-14286"/>
-                </a:stretch>
-              </a:blipFill>
-            </p:spPr>
-            <p:txBody>
-              <a:bodyPr/>
-              <a:lstStyle/>
-              <a:p>
-                <a:r>
-                  <a:rPr lang="fr-FR">
-                    <a:noFill/>
-                  </a:rPr>
-                  <a:t> </a:t>
-                </a:r>
-              </a:p>
-            </p:txBody>
-          </p:sp>
-        </mc:Fallback>
-      </mc:AlternateContent>
-      <mc:AlternateContent xmlns:mc="http://schemas.openxmlformats.org/markup-compatibility/2006" xmlns:a14="http://schemas.microsoft.com/office/drawing/2010/main">
-        <mc:Choice Requires="a14">
-          <p:sp>
-            <p:nvSpPr>
-              <p:cNvPr id="44" name="ZoneTexte 43">
-                <a:extLst>
-                  <a:ext uri="{FF2B5EF4-FFF2-40B4-BE49-F238E27FC236}">
-                    <a16:creationId xmlns:a16="http://schemas.microsoft.com/office/drawing/2014/main" id="{594B3595-E03C-3700-8DE2-33B9C8A8992E}"/>
-                  </a:ext>
-                </a:extLst>
-              </p:cNvPr>
-              <p:cNvSpPr txBox="1"/>
-              <p:nvPr/>
-            </p:nvSpPr>
-            <p:spPr>
-              <a:xfrm>
-                <a:off x="1102131" y="2678974"/>
-                <a:ext cx="957634" cy="554319"/>
-              </a:xfrm>
-              <a:prstGeom prst="rect">
-                <a:avLst/>
-              </a:prstGeom>
-              <a:noFill/>
-            </p:spPr>
-            <p:txBody>
-              <a:bodyPr wrap="none" lIns="0" tIns="0" rIns="0" bIns="0" rtlCol="0">
-                <a:spAutoFit/>
-              </a:bodyPr>
-              <a:lstStyle/>
-              <a:p>
-                <a:pPr/>
-                <a14:m>
-                  <m:oMathPara xmlns:m="http://schemas.openxmlformats.org/officeDocument/2006/math">
-                    <m:oMathParaPr>
-                      <m:jc m:val="centerGroup"/>
-                    </m:oMathParaPr>
-                    <m:oMath xmlns:m="http://schemas.openxmlformats.org/officeDocument/2006/math">
-                      <m:sSub>
-                        <m:sSubPr>
-                          <m:ctrlPr>
-                            <a:rPr lang="fr-FR" sz="1200" b="0" i="1" smtClean="0">
-                              <a:latin typeface="Cambria Math" panose="02040503050406030204" pitchFamily="18" charset="0"/>
-                            </a:rPr>
-                          </m:ctrlPr>
-                        </m:sSubPr>
-                        <m:e>
-                          <m:r>
-                            <a:rPr lang="fr-FR" sz="1200" b="0" i="1" smtClean="0">
-                              <a:latin typeface="Cambria Math" panose="02040503050406030204" pitchFamily="18" charset="0"/>
-                            </a:rPr>
-                            <m:t>𝑥</m:t>
-                          </m:r>
-                        </m:e>
-                        <m:sub>
-                          <m:r>
-                            <a:rPr lang="fr-FR" sz="1200" b="0" i="1" smtClean="0">
-                              <a:latin typeface="Cambria Math" panose="02040503050406030204" pitchFamily="18" charset="0"/>
-                            </a:rPr>
-                            <m:t>𝑖</m:t>
-                          </m:r>
-                        </m:sub>
-                      </m:sSub>
-                      <m:r>
-                        <a:rPr lang="fr-FR" sz="1200" b="0" i="1" smtClean="0">
-                          <a:latin typeface="Cambria Math" panose="02040503050406030204" pitchFamily="18" charset="0"/>
-                        </a:rPr>
-                        <m:t>=</m:t>
-                      </m:r>
-                      <m:nary>
-                        <m:naryPr>
-                          <m:limLoc m:val="undOvr"/>
-                          <m:ctrlPr>
-                            <a:rPr lang="fr-FR" sz="1200" i="1" smtClean="0">
-                              <a:latin typeface="Cambria Math" panose="02040503050406030204" pitchFamily="18" charset="0"/>
-                            </a:rPr>
-                          </m:ctrlPr>
-                        </m:naryPr>
-                        <m:sub>
-                          <m:r>
-                            <m:rPr>
-                              <m:brk m:alnAt="24"/>
-                            </m:rPr>
-                            <a:rPr lang="fr-FR" sz="1200" b="0" i="1" smtClean="0">
-                              <a:latin typeface="Cambria Math" panose="02040503050406030204" pitchFamily="18" charset="0"/>
-                            </a:rPr>
-                            <m:t>0</m:t>
-                          </m:r>
-                        </m:sub>
-                        <m:sup>
-                          <m:sSub>
-                            <m:sSubPr>
-                              <m:ctrlPr>
-                                <a:rPr lang="fr-FR" sz="1200" b="0" i="1" smtClean="0">
-                                  <a:latin typeface="Cambria Math" panose="02040503050406030204" pitchFamily="18" charset="0"/>
-                                </a:rPr>
-                              </m:ctrlPr>
-                            </m:sSubPr>
-                            <m:e>
-                              <m:r>
-                                <a:rPr lang="fr-FR" sz="1200" b="0" i="1" smtClean="0">
-                                  <a:latin typeface="Cambria Math" panose="02040503050406030204" pitchFamily="18" charset="0"/>
-                                </a:rPr>
-                                <m:t>𝑡</m:t>
-                              </m:r>
-                            </m:e>
-                            <m:sub>
-                              <m:r>
-                                <a:rPr lang="fr-FR" sz="1200" b="0" i="1" smtClean="0">
-                                  <a:latin typeface="Cambria Math" panose="02040503050406030204" pitchFamily="18" charset="0"/>
-                                </a:rPr>
-                                <m:t>𝑖</m:t>
-                              </m:r>
-                            </m:sub>
-                          </m:sSub>
-                        </m:sup>
-                        <m:e>
-                          <m:r>
-                            <a:rPr lang="fr-FR" sz="1200" b="0" i="1" smtClean="0">
-                              <a:latin typeface="Cambria Math" panose="02040503050406030204" pitchFamily="18" charset="0"/>
-                            </a:rPr>
-                            <m:t>𝑣</m:t>
-                          </m:r>
-                          <m:d>
-                            <m:dPr>
-                              <m:ctrlPr>
-                                <a:rPr lang="fr-FR" sz="1200" b="0" i="1" smtClean="0">
-                                  <a:latin typeface="Cambria Math" panose="02040503050406030204" pitchFamily="18" charset="0"/>
-                                </a:rPr>
-                              </m:ctrlPr>
-                            </m:dPr>
-                            <m:e>
-                              <m:r>
-                                <a:rPr lang="fr-FR" sz="1200" b="0" i="1" smtClean="0">
-                                  <a:latin typeface="Cambria Math" panose="02040503050406030204" pitchFamily="18" charset="0"/>
-                                </a:rPr>
-                                <m:t>𝑡</m:t>
-                              </m:r>
-                            </m:e>
-                          </m:d>
-                          <m:r>
-                            <m:rPr>
-                              <m:sty m:val="p"/>
-                            </m:rPr>
-                            <a:rPr lang="fr-FR" sz="1200" b="0" i="0" smtClean="0">
-                              <a:latin typeface="Cambria Math" panose="02040503050406030204" pitchFamily="18" charset="0"/>
-                            </a:rPr>
-                            <m:t>d</m:t>
-                          </m:r>
-                          <m:r>
-                            <a:rPr lang="fr-FR" sz="1200" b="0" i="1" smtClean="0">
-                              <a:latin typeface="Cambria Math" panose="02040503050406030204" pitchFamily="18" charset="0"/>
-                            </a:rPr>
-                            <m:t>𝑡</m:t>
-                          </m:r>
-                        </m:e>
-                      </m:nary>
-                    </m:oMath>
-                  </m:oMathPara>
-                </a14:m>
-                <a:endParaRPr lang="fr-FR" sz="1200" dirty="0"/>
-              </a:p>
-            </p:txBody>
-          </p:sp>
-        </mc:Choice>
-        <mc:Fallback xmlns="">
-          <p:sp>
-            <p:nvSpPr>
-              <p:cNvPr id="44" name="ZoneTexte 43">
-                <a:extLst>
-                  <a:ext uri="{FF2B5EF4-FFF2-40B4-BE49-F238E27FC236}">
-                    <a16:creationId xmlns:a16="http://schemas.microsoft.com/office/drawing/2014/main" id="{594B3595-E03C-3700-8DE2-33B9C8A8992E}"/>
-                  </a:ext>
-                </a:extLst>
-              </p:cNvPr>
-              <p:cNvSpPr txBox="1">
-                <a:spLocks noRot="1" noChangeAspect="1" noMove="1" noResize="1" noEditPoints="1" noAdjustHandles="1" noChangeArrowheads="1" noChangeShapeType="1" noTextEdit="1"/>
-              </p:cNvSpPr>
-              <p:nvPr/>
-            </p:nvSpPr>
-            <p:spPr>
-              <a:xfrm>
-                <a:off x="1102131" y="2678974"/>
-                <a:ext cx="957634" cy="554319"/>
-              </a:xfrm>
-              <a:prstGeom prst="rect">
-                <a:avLst/>
-              </a:prstGeom>
-              <a:blipFill>
-                <a:blip r:embed="rId5"/>
-                <a:stretch>
-                  <a:fillRect/>
-                </a:stretch>
-              </a:blipFill>
-            </p:spPr>
-            <p:txBody>
-              <a:bodyPr/>
-              <a:lstStyle/>
-              <a:p>
-                <a:r>
-                  <a:rPr lang="fr-FR">
-                    <a:noFill/>
-                  </a:rPr>
-                  <a:t> </a:t>
-                </a:r>
-              </a:p>
-            </p:txBody>
-          </p:sp>
-        </mc:Fallback>
-      </mc:AlternateContent>
-      <p:cxnSp>
-        <p:nvCxnSpPr>
-          <p:cNvPr id="45" name="Connecteur droit 44">
-            <a:extLst>
-              <a:ext uri="{FF2B5EF4-FFF2-40B4-BE49-F238E27FC236}">
-                <a16:creationId xmlns:a16="http://schemas.microsoft.com/office/drawing/2014/main" id="{38648722-E4E7-761D-FE10-FB469EEA76E1}"/>
-              </a:ext>
-            </a:extLst>
-          </p:cNvPr>
-          <p:cNvCxnSpPr>
-            <a:cxnSpLocks/>
-          </p:cNvCxnSpPr>
-          <p:nvPr/>
-        </p:nvCxnSpPr>
-        <p:spPr>
-          <a:xfrm>
-            <a:off x="2410461" y="2556267"/>
-            <a:ext cx="0" cy="881199"/>
-          </a:xfrm>
-          <a:prstGeom prst="line">
-            <a:avLst/>
-          </a:prstGeom>
-          <a:noFill/>
-          <a:ln>
-            <a:solidFill>
-              <a:schemeClr val="accent2">
-                <a:lumMod val="50000"/>
-              </a:schemeClr>
-            </a:solidFill>
-            <a:headEnd type="oval"/>
-          </a:ln>
-        </p:spPr>
-        <p:style>
-          <a:lnRef idx="2">
-            <a:schemeClr val="accent1">
-              <a:shade val="15000"/>
-            </a:schemeClr>
-          </a:lnRef>
-          <a:fillRef idx="1">
-            <a:schemeClr val="accent1"/>
-          </a:fillRef>
-          <a:effectRef idx="0">
-            <a:schemeClr val="accent1"/>
-          </a:effectRef>
-          <a:fontRef idx="minor">
-            <a:schemeClr val="lt1"/>
-          </a:fontRef>
-        </p:style>
-      </p:cxnSp>
-      <mc:AlternateContent xmlns:mc="http://schemas.openxmlformats.org/markup-compatibility/2006" xmlns:a14="http://schemas.microsoft.com/office/drawing/2010/main">
-        <mc:Choice Requires="a14">
-          <p:sp>
-            <p:nvSpPr>
-              <p:cNvPr id="49" name="ZoneTexte 48">
-                <a:extLst>
-                  <a:ext uri="{FF2B5EF4-FFF2-40B4-BE49-F238E27FC236}">
-                    <a16:creationId xmlns:a16="http://schemas.microsoft.com/office/drawing/2014/main" id="{A321FB9D-99FD-0066-73F2-D63B9B301AA1}"/>
-                  </a:ext>
-                </a:extLst>
-              </p:cNvPr>
-              <p:cNvSpPr txBox="1"/>
-              <p:nvPr/>
-            </p:nvSpPr>
-            <p:spPr>
-              <a:xfrm>
-                <a:off x="2310334" y="3434096"/>
-                <a:ext cx="336311" cy="215444"/>
-              </a:xfrm>
-              <a:prstGeom prst="rect">
-                <a:avLst/>
-              </a:prstGeom>
-              <a:noFill/>
-            </p:spPr>
-            <p:txBody>
-              <a:bodyPr wrap="none" lIns="0" tIns="0" rIns="0" bIns="0" rtlCol="0">
-                <a:spAutoFit/>
-              </a:bodyPr>
-              <a:lstStyle/>
-              <a:p>
-                <a:pPr/>
-                <a14:m>
-                  <m:oMathPara xmlns:m="http://schemas.openxmlformats.org/officeDocument/2006/math">
-                    <m:oMathParaPr>
-                      <m:jc m:val="centerGroup"/>
-                    </m:oMathParaPr>
-                    <m:oMath xmlns:m="http://schemas.openxmlformats.org/officeDocument/2006/math">
-                      <m:sSub>
-                        <m:sSubPr>
-                          <m:ctrlPr>
-                            <a:rPr lang="fr-FR" sz="1400" b="0" i="1" smtClean="0">
-                              <a:latin typeface="Cambria Math" panose="02040503050406030204" pitchFamily="18" charset="0"/>
-                            </a:rPr>
-                          </m:ctrlPr>
-                        </m:sSubPr>
-                        <m:e>
-                          <m:r>
-                            <a:rPr lang="fr-FR" sz="1400" b="0" i="1" smtClean="0">
-                              <a:latin typeface="Cambria Math" panose="02040503050406030204" pitchFamily="18" charset="0"/>
-                            </a:rPr>
-                            <m:t>𝑡</m:t>
-                          </m:r>
-                        </m:e>
-                        <m:sub>
-                          <m:r>
-                            <a:rPr lang="fr-FR" sz="1400" b="0" i="1" smtClean="0">
-                              <a:latin typeface="Cambria Math" panose="02040503050406030204" pitchFamily="18" charset="0"/>
-                            </a:rPr>
-                            <m:t>𝑖</m:t>
-                          </m:r>
-                          <m:r>
-                            <a:rPr lang="fr-FR" sz="1400" b="0" i="1" smtClean="0">
-                              <a:latin typeface="Cambria Math" panose="02040503050406030204" pitchFamily="18" charset="0"/>
-                            </a:rPr>
-                            <m:t>+1</m:t>
-                          </m:r>
-                        </m:sub>
-                      </m:sSub>
-                    </m:oMath>
-                  </m:oMathPara>
-                </a14:m>
-                <a:endParaRPr lang="fr-FR" sz="1400" dirty="0"/>
-              </a:p>
-            </p:txBody>
-          </p:sp>
-        </mc:Choice>
-        <mc:Fallback xmlns="">
-          <p:sp>
-            <p:nvSpPr>
-              <p:cNvPr id="49" name="ZoneTexte 48">
-                <a:extLst>
-                  <a:ext uri="{FF2B5EF4-FFF2-40B4-BE49-F238E27FC236}">
-                    <a16:creationId xmlns:a16="http://schemas.microsoft.com/office/drawing/2014/main" id="{A321FB9D-99FD-0066-73F2-D63B9B301AA1}"/>
-                  </a:ext>
-                </a:extLst>
-              </p:cNvPr>
-              <p:cNvSpPr txBox="1">
-                <a:spLocks noRot="1" noChangeAspect="1" noMove="1" noResize="1" noEditPoints="1" noAdjustHandles="1" noChangeArrowheads="1" noChangeShapeType="1" noTextEdit="1"/>
-              </p:cNvSpPr>
-              <p:nvPr/>
-            </p:nvSpPr>
-            <p:spPr>
-              <a:xfrm>
-                <a:off x="2310334" y="3434096"/>
-                <a:ext cx="336311" cy="215444"/>
-              </a:xfrm>
-              <a:prstGeom prst="rect">
-                <a:avLst/>
-              </a:prstGeom>
-              <a:blipFill>
-                <a:blip r:embed="rId6"/>
-                <a:stretch>
-                  <a:fillRect l="-12727" r="-3636" b="-13889"/>
-                </a:stretch>
-              </a:blipFill>
-            </p:spPr>
-            <p:txBody>
-              <a:bodyPr/>
-              <a:lstStyle/>
-              <a:p>
-                <a:r>
-                  <a:rPr lang="fr-FR">
-                    <a:noFill/>
-                  </a:rPr>
-                  <a:t> </a:t>
-                </a:r>
-              </a:p>
-            </p:txBody>
-          </p:sp>
-        </mc:Fallback>
-      </mc:AlternateContent>
-      <mc:AlternateContent xmlns:mc="http://schemas.openxmlformats.org/markup-compatibility/2006" xmlns:a14="http://schemas.microsoft.com/office/drawing/2010/main">
-        <mc:Choice Requires="a14">
-          <p:sp>
-            <p:nvSpPr>
-              <p:cNvPr id="50" name="ZoneTexte 49">
-                <a:extLst>
-                  <a:ext uri="{FF2B5EF4-FFF2-40B4-BE49-F238E27FC236}">
-                    <a16:creationId xmlns:a16="http://schemas.microsoft.com/office/drawing/2014/main" id="{541CD644-1E76-4539-0503-49942037516E}"/>
-                  </a:ext>
-                </a:extLst>
-              </p:cNvPr>
-              <p:cNvSpPr txBox="1"/>
-              <p:nvPr/>
-            </p:nvSpPr>
-            <p:spPr>
-              <a:xfrm>
-                <a:off x="2267677" y="2230589"/>
-                <a:ext cx="364459" cy="215444"/>
-              </a:xfrm>
-              <a:prstGeom prst="rect">
-                <a:avLst/>
-              </a:prstGeom>
-              <a:noFill/>
-            </p:spPr>
-            <p:txBody>
-              <a:bodyPr wrap="none" lIns="0" tIns="0" rIns="0" bIns="0" rtlCol="0">
-                <a:spAutoFit/>
-              </a:bodyPr>
-              <a:lstStyle/>
-              <a:p>
-                <a:pPr/>
-                <a14:m>
-                  <m:oMathPara xmlns:m="http://schemas.openxmlformats.org/officeDocument/2006/math">
-                    <m:oMathParaPr>
-                      <m:jc m:val="centerGroup"/>
-                    </m:oMathParaPr>
-                    <m:oMath xmlns:m="http://schemas.openxmlformats.org/officeDocument/2006/math">
-                      <m:sSub>
-                        <m:sSubPr>
-                          <m:ctrlPr>
-                            <a:rPr lang="fr-FR" sz="1400" b="0" i="1" smtClean="0">
-                              <a:latin typeface="Cambria Math" panose="02040503050406030204" pitchFamily="18" charset="0"/>
-                            </a:rPr>
-                          </m:ctrlPr>
-                        </m:sSubPr>
-                        <m:e>
-                          <m:r>
-                            <a:rPr lang="fr-FR" sz="1400" b="0" i="1" smtClean="0">
-                              <a:latin typeface="Cambria Math" panose="02040503050406030204" pitchFamily="18" charset="0"/>
-                            </a:rPr>
-                            <m:t>𝑣</m:t>
-                          </m:r>
-                        </m:e>
-                        <m:sub>
-                          <m:r>
-                            <a:rPr lang="fr-FR" sz="1400" b="0" i="1" smtClean="0">
-                              <a:latin typeface="Cambria Math" panose="02040503050406030204" pitchFamily="18" charset="0"/>
-                            </a:rPr>
-                            <m:t>𝑖</m:t>
-                          </m:r>
-                          <m:r>
-                            <a:rPr lang="fr-FR" sz="1400" b="0" i="1" smtClean="0">
-                              <a:latin typeface="Cambria Math" panose="02040503050406030204" pitchFamily="18" charset="0"/>
-                            </a:rPr>
-                            <m:t>+1</m:t>
-                          </m:r>
-                        </m:sub>
-                      </m:sSub>
-                    </m:oMath>
-                  </m:oMathPara>
-                </a14:m>
-                <a:endParaRPr lang="fr-FR" sz="1400" dirty="0"/>
-              </a:p>
-            </p:txBody>
-          </p:sp>
-        </mc:Choice>
-        <mc:Fallback xmlns="">
-          <p:sp>
-            <p:nvSpPr>
-              <p:cNvPr id="50" name="ZoneTexte 49">
-                <a:extLst>
-                  <a:ext uri="{FF2B5EF4-FFF2-40B4-BE49-F238E27FC236}">
-                    <a16:creationId xmlns:a16="http://schemas.microsoft.com/office/drawing/2014/main" id="{541CD644-1E76-4539-0503-49942037516E}"/>
-                  </a:ext>
-                </a:extLst>
-              </p:cNvPr>
-              <p:cNvSpPr txBox="1">
-                <a:spLocks noRot="1" noChangeAspect="1" noMove="1" noResize="1" noEditPoints="1" noAdjustHandles="1" noChangeArrowheads="1" noChangeShapeType="1" noTextEdit="1"/>
-              </p:cNvSpPr>
-              <p:nvPr/>
-            </p:nvSpPr>
-            <p:spPr>
-              <a:xfrm>
-                <a:off x="2267677" y="2230589"/>
-                <a:ext cx="364459" cy="215444"/>
-              </a:xfrm>
-              <a:prstGeom prst="rect">
-                <a:avLst/>
-              </a:prstGeom>
-              <a:blipFill>
-                <a:blip r:embed="rId7"/>
-                <a:stretch>
-                  <a:fillRect l="-8333" r="-3333" b="-14286"/>
-                </a:stretch>
-              </a:blipFill>
-            </p:spPr>
-            <p:txBody>
-              <a:bodyPr/>
-              <a:lstStyle/>
-              <a:p>
-                <a:r>
-                  <a:rPr lang="fr-FR">
-                    <a:noFill/>
-                  </a:rPr>
-                  <a:t> </a:t>
-                </a:r>
-              </a:p>
-            </p:txBody>
-          </p:sp>
-        </mc:Fallback>
-      </mc:AlternateContent>
-      <mc:AlternateContent xmlns:mc="http://schemas.openxmlformats.org/markup-compatibility/2006" xmlns:a14="http://schemas.microsoft.com/office/drawing/2010/main">
-        <mc:Choice Requires="a14">
-          <p:sp>
-            <p:nvSpPr>
-              <p:cNvPr id="51" name="ZoneTexte 50">
-                <a:extLst>
-                  <a:ext uri="{FF2B5EF4-FFF2-40B4-BE49-F238E27FC236}">
-                    <a16:creationId xmlns:a16="http://schemas.microsoft.com/office/drawing/2014/main" id="{408182C4-13A6-E951-B35B-8261278FF6C0}"/>
-                  </a:ext>
-                </a:extLst>
-              </p:cNvPr>
-              <p:cNvSpPr txBox="1"/>
-              <p:nvPr/>
-            </p:nvSpPr>
-            <p:spPr>
-              <a:xfrm>
-                <a:off x="1937189" y="2293921"/>
-                <a:ext cx="194540" cy="215444"/>
-              </a:xfrm>
-              <a:prstGeom prst="rect">
-                <a:avLst/>
-              </a:prstGeom>
-              <a:noFill/>
-            </p:spPr>
-            <p:txBody>
-              <a:bodyPr wrap="none" lIns="0" tIns="0" rIns="0" bIns="0" rtlCol="0">
-                <a:spAutoFit/>
-              </a:bodyPr>
-              <a:lstStyle/>
-              <a:p>
-                <a:pPr/>
-                <a14:m>
-                  <m:oMathPara xmlns:m="http://schemas.openxmlformats.org/officeDocument/2006/math">
-                    <m:oMathParaPr>
-                      <m:jc m:val="centerGroup"/>
-                    </m:oMathParaPr>
-                    <m:oMath xmlns:m="http://schemas.openxmlformats.org/officeDocument/2006/math">
-                      <m:sSub>
-                        <m:sSubPr>
-                          <m:ctrlPr>
-                            <a:rPr lang="fr-FR" sz="1400" b="0" i="1" smtClean="0">
-                              <a:latin typeface="Cambria Math" panose="02040503050406030204" pitchFamily="18" charset="0"/>
-                            </a:rPr>
-                          </m:ctrlPr>
-                        </m:sSubPr>
-                        <m:e>
-                          <m:r>
-                            <a:rPr lang="fr-FR" sz="1400" b="0" i="1" smtClean="0">
-                              <a:latin typeface="Cambria Math" panose="02040503050406030204" pitchFamily="18" charset="0"/>
-                            </a:rPr>
-                            <m:t>𝑣</m:t>
-                          </m:r>
-                        </m:e>
-                        <m:sub>
-                          <m:r>
-                            <a:rPr lang="fr-FR" sz="1400" b="0" i="1" smtClean="0">
-                              <a:latin typeface="Cambria Math" panose="02040503050406030204" pitchFamily="18" charset="0"/>
-                            </a:rPr>
-                            <m:t>𝑖</m:t>
-                          </m:r>
-                        </m:sub>
-                      </m:sSub>
-                    </m:oMath>
-                  </m:oMathPara>
-                </a14:m>
-                <a:endParaRPr lang="fr-FR" sz="1400" dirty="0"/>
-              </a:p>
-            </p:txBody>
-          </p:sp>
-        </mc:Choice>
-        <mc:Fallback xmlns="">
-          <p:sp>
-            <p:nvSpPr>
-              <p:cNvPr id="51" name="ZoneTexte 50">
-                <a:extLst>
-                  <a:ext uri="{FF2B5EF4-FFF2-40B4-BE49-F238E27FC236}">
-                    <a16:creationId xmlns:a16="http://schemas.microsoft.com/office/drawing/2014/main" id="{408182C4-13A6-E951-B35B-8261278FF6C0}"/>
-                  </a:ext>
-                </a:extLst>
-              </p:cNvPr>
-              <p:cNvSpPr txBox="1">
-                <a:spLocks noRot="1" noChangeAspect="1" noMove="1" noResize="1" noEditPoints="1" noAdjustHandles="1" noChangeArrowheads="1" noChangeShapeType="1" noTextEdit="1"/>
-              </p:cNvSpPr>
-              <p:nvPr/>
-            </p:nvSpPr>
-            <p:spPr>
-              <a:xfrm>
-                <a:off x="1937189" y="2293921"/>
-                <a:ext cx="194540" cy="215444"/>
-              </a:xfrm>
-              <a:prstGeom prst="rect">
-                <a:avLst/>
-              </a:prstGeom>
-              <a:blipFill>
-                <a:blip r:embed="rId8"/>
-                <a:stretch>
-                  <a:fillRect l="-15625" r="-3125" b="-13889"/>
-                </a:stretch>
-              </a:blipFill>
-            </p:spPr>
-            <p:txBody>
-              <a:bodyPr/>
-              <a:lstStyle/>
-              <a:p>
-                <a:r>
-                  <a:rPr lang="fr-FR">
-                    <a:noFill/>
-                  </a:rPr>
-                  <a:t> </a:t>
-                </a:r>
-              </a:p>
-            </p:txBody>
-          </p:sp>
-        </mc:Fallback>
-      </mc:AlternateContent>
-      <mc:AlternateContent xmlns:mc="http://schemas.openxmlformats.org/markup-compatibility/2006" xmlns:a14="http://schemas.microsoft.com/office/drawing/2010/main">
-        <mc:Choice Requires="a14">
-          <p:sp>
-            <p:nvSpPr>
-              <p:cNvPr id="52" name="ZoneTexte 51">
-                <a:extLst>
-                  <a:ext uri="{FF2B5EF4-FFF2-40B4-BE49-F238E27FC236}">
-                    <a16:creationId xmlns:a16="http://schemas.microsoft.com/office/drawing/2014/main" id="{8765A5CD-ED12-2FFE-F9D2-6EBDC4AFA3E8}"/>
-                  </a:ext>
-                </a:extLst>
-              </p:cNvPr>
-              <p:cNvSpPr txBox="1"/>
-              <p:nvPr/>
-            </p:nvSpPr>
-            <p:spPr>
-              <a:xfrm>
-                <a:off x="4420226" y="4542036"/>
-                <a:ext cx="3561295" cy="673711"/>
-              </a:xfrm>
-              <a:prstGeom prst="rect">
-                <a:avLst/>
-              </a:prstGeom>
-              <a:noFill/>
-            </p:spPr>
-            <p:txBody>
-              <a:bodyPr wrap="none" lIns="0" tIns="0" rIns="0" bIns="0" rtlCol="0">
-                <a:spAutoFit/>
-              </a:bodyPr>
-              <a:lstStyle/>
-              <a:p>
-                <a:pPr/>
-                <a14:m>
-                  <m:oMathPara xmlns:m="http://schemas.openxmlformats.org/officeDocument/2006/math">
-                    <m:oMathParaPr>
-                      <m:jc m:val="centerGroup"/>
-                    </m:oMathParaPr>
-                    <m:oMath xmlns:m="http://schemas.openxmlformats.org/officeDocument/2006/math">
-                      <m:nary>
-                        <m:naryPr>
-                          <m:limLoc m:val="undOvr"/>
-                          <m:ctrlPr>
-                            <a:rPr lang="fr-FR" sz="1400" i="1" smtClean="0">
-                              <a:latin typeface="Cambria Math" panose="02040503050406030204" pitchFamily="18" charset="0"/>
-                            </a:rPr>
-                          </m:ctrlPr>
-                        </m:naryPr>
-                        <m:sub>
-                          <m:sSub>
-                            <m:sSubPr>
-                              <m:ctrlPr>
-                                <a:rPr lang="fr-FR" sz="1400" b="0" i="1" smtClean="0">
-                                  <a:latin typeface="Cambria Math" panose="02040503050406030204" pitchFamily="18" charset="0"/>
-                                </a:rPr>
-                              </m:ctrlPr>
-                            </m:sSubPr>
-                            <m:e>
-                              <m:r>
-                                <m:rPr>
-                                  <m:brk m:alnAt="24"/>
-                                </m:rPr>
-                                <a:rPr lang="fr-FR" sz="1400" b="0" i="1" smtClean="0">
-                                  <a:latin typeface="Cambria Math" panose="02040503050406030204" pitchFamily="18" charset="0"/>
-                                </a:rPr>
-                                <m:t>𝑡</m:t>
-                              </m:r>
-                            </m:e>
-                            <m:sub>
-                              <m:r>
-                                <a:rPr lang="fr-FR" sz="1400" b="0" i="1" smtClean="0">
-                                  <a:latin typeface="Cambria Math" panose="02040503050406030204" pitchFamily="18" charset="0"/>
-                                </a:rPr>
-                                <m:t>𝑘</m:t>
-                              </m:r>
-                            </m:sub>
-                          </m:sSub>
-                        </m:sub>
-                        <m:sup>
-                          <m:sSub>
-                            <m:sSubPr>
-                              <m:ctrlPr>
-                                <a:rPr lang="fr-FR" sz="1400" b="0" i="1" smtClean="0">
-                                  <a:latin typeface="Cambria Math" panose="02040503050406030204" pitchFamily="18" charset="0"/>
-                                </a:rPr>
-                              </m:ctrlPr>
-                            </m:sSubPr>
-                            <m:e>
-                              <m:r>
-                                <a:rPr lang="fr-FR" sz="1400" b="0" i="1" smtClean="0">
-                                  <a:latin typeface="Cambria Math" panose="02040503050406030204" pitchFamily="18" charset="0"/>
-                                </a:rPr>
-                                <m:t>𝑡</m:t>
-                              </m:r>
-                            </m:e>
-                            <m:sub>
-                              <m:r>
-                                <a:rPr lang="fr-FR" sz="1400" b="0" i="1" smtClean="0">
-                                  <a:latin typeface="Cambria Math" panose="02040503050406030204" pitchFamily="18" charset="0"/>
-                                </a:rPr>
-                                <m:t>𝑘</m:t>
-                              </m:r>
-                              <m:r>
-                                <a:rPr lang="fr-FR" sz="1400" b="0" i="1" smtClean="0">
-                                  <a:latin typeface="Cambria Math" panose="02040503050406030204" pitchFamily="18" charset="0"/>
-                                </a:rPr>
-                                <m:t>+1</m:t>
-                              </m:r>
-                            </m:sub>
-                          </m:sSub>
-                        </m:sup>
-                        <m:e>
-                          <m:r>
-                            <a:rPr lang="fr-FR" sz="1400" b="0" i="1" smtClean="0">
-                              <a:latin typeface="Cambria Math" panose="02040503050406030204" pitchFamily="18" charset="0"/>
-                            </a:rPr>
-                            <m:t>𝑓</m:t>
-                          </m:r>
-                          <m:d>
-                            <m:dPr>
-                              <m:ctrlPr>
-                                <a:rPr lang="fr-FR" sz="1400" b="0" i="1" smtClean="0">
-                                  <a:latin typeface="Cambria Math" panose="02040503050406030204" pitchFamily="18" charset="0"/>
-                                </a:rPr>
-                              </m:ctrlPr>
-                            </m:dPr>
-                            <m:e>
-                              <m:r>
-                                <a:rPr lang="fr-FR" sz="1400" b="0" i="1" smtClean="0">
-                                  <a:latin typeface="Cambria Math" panose="02040503050406030204" pitchFamily="18" charset="0"/>
-                                </a:rPr>
-                                <m:t>𝑡</m:t>
-                              </m:r>
-                            </m:e>
-                          </m:d>
-                          <m:r>
-                            <m:rPr>
-                              <m:sty m:val="p"/>
-                            </m:rPr>
-                            <a:rPr lang="fr-FR" sz="1400" b="0" i="0" smtClean="0">
-                              <a:latin typeface="Cambria Math" panose="02040503050406030204" pitchFamily="18" charset="0"/>
-                            </a:rPr>
-                            <m:t>d</m:t>
-                          </m:r>
-                          <m:r>
-                            <a:rPr lang="fr-FR" sz="1400" b="0" i="1" smtClean="0">
-                              <a:latin typeface="Cambria Math" panose="02040503050406030204" pitchFamily="18" charset="0"/>
-                            </a:rPr>
-                            <m:t>𝑡</m:t>
-                          </m:r>
-                        </m:e>
-                      </m:nary>
-                      <m:r>
-                        <a:rPr lang="fr-FR" sz="1400" b="0" i="1" smtClean="0">
-                          <a:latin typeface="Cambria Math" panose="02040503050406030204" pitchFamily="18" charset="0"/>
-                        </a:rPr>
-                        <m:t>≃</m:t>
-                      </m:r>
-                      <m:f>
-                        <m:fPr>
-                          <m:ctrlPr>
-                            <a:rPr lang="fr-FR" sz="1400" b="0" i="1" smtClean="0">
-                              <a:latin typeface="Cambria Math" panose="02040503050406030204" pitchFamily="18" charset="0"/>
-                            </a:rPr>
-                          </m:ctrlPr>
-                        </m:fPr>
-                        <m:num>
-                          <m:r>
-                            <a:rPr lang="fr-FR" sz="1400" b="0" i="1" smtClean="0">
-                              <a:latin typeface="Cambria Math" panose="02040503050406030204" pitchFamily="18" charset="0"/>
-                            </a:rPr>
-                            <m:t>1</m:t>
-                          </m:r>
-                        </m:num>
-                        <m:den>
-                          <m:r>
-                            <a:rPr lang="fr-FR" sz="1400" b="0" i="1" smtClean="0">
-                              <a:latin typeface="Cambria Math" panose="02040503050406030204" pitchFamily="18" charset="0"/>
-                            </a:rPr>
-                            <m:t>2</m:t>
-                          </m:r>
-                        </m:den>
-                      </m:f>
-                      <m:d>
-                        <m:dPr>
-                          <m:ctrlPr>
-                            <a:rPr lang="fr-FR" sz="1400" b="0" i="1" smtClean="0">
-                              <a:latin typeface="Cambria Math" panose="02040503050406030204" pitchFamily="18" charset="0"/>
-                            </a:rPr>
-                          </m:ctrlPr>
-                        </m:dPr>
-                        <m:e>
-                          <m:r>
-                            <a:rPr lang="fr-FR" sz="1400" b="0" i="1" smtClean="0">
-                              <a:latin typeface="Cambria Math" panose="02040503050406030204" pitchFamily="18" charset="0"/>
-                            </a:rPr>
-                            <m:t>𝑓</m:t>
-                          </m:r>
-                          <m:d>
-                            <m:dPr>
-                              <m:ctrlPr>
-                                <a:rPr lang="fr-FR" sz="1400" b="0" i="1" smtClean="0">
-                                  <a:latin typeface="Cambria Math" panose="02040503050406030204" pitchFamily="18" charset="0"/>
-                                </a:rPr>
-                              </m:ctrlPr>
-                            </m:dPr>
-                            <m:e>
-                              <m:sSub>
-                                <m:sSubPr>
-                                  <m:ctrlPr>
-                                    <a:rPr lang="fr-FR" sz="1400" b="0" i="1" smtClean="0">
-                                      <a:latin typeface="Cambria Math" panose="02040503050406030204" pitchFamily="18" charset="0"/>
-                                    </a:rPr>
-                                  </m:ctrlPr>
-                                </m:sSubPr>
-                                <m:e>
-                                  <m:r>
-                                    <a:rPr lang="fr-FR" sz="1400" b="0" i="1" smtClean="0">
-                                      <a:latin typeface="Cambria Math" panose="02040503050406030204" pitchFamily="18" charset="0"/>
-                                    </a:rPr>
-                                    <m:t>𝑡</m:t>
-                                  </m:r>
-                                </m:e>
-                                <m:sub>
-                                  <m:r>
-                                    <a:rPr lang="fr-FR" sz="1400" i="1">
-                                      <a:latin typeface="Cambria Math" panose="02040503050406030204" pitchFamily="18" charset="0"/>
-                                    </a:rPr>
-                                    <m:t>𝑘</m:t>
-                                  </m:r>
-                                </m:sub>
-                              </m:sSub>
-                            </m:e>
-                          </m:d>
-                          <m:r>
-                            <a:rPr lang="fr-FR" sz="1400" i="1">
-                              <a:latin typeface="Cambria Math" panose="02040503050406030204" pitchFamily="18" charset="0"/>
-                            </a:rPr>
-                            <m:t>+</m:t>
-                          </m:r>
-                          <m:r>
-                            <a:rPr lang="fr-FR" sz="1400" i="1">
-                              <a:latin typeface="Cambria Math" panose="02040503050406030204" pitchFamily="18" charset="0"/>
-                            </a:rPr>
-                            <m:t>𝑓</m:t>
-                          </m:r>
-                          <m:d>
-                            <m:dPr>
-                              <m:ctrlPr>
-                                <a:rPr lang="fr-FR" sz="1400" i="1">
-                                  <a:latin typeface="Cambria Math" panose="02040503050406030204" pitchFamily="18" charset="0"/>
-                                </a:rPr>
-                              </m:ctrlPr>
-                            </m:dPr>
-                            <m:e>
-                              <m:sSub>
-                                <m:sSubPr>
-                                  <m:ctrlPr>
-                                    <a:rPr lang="fr-FR" sz="1400" i="1">
-                                      <a:latin typeface="Cambria Math" panose="02040503050406030204" pitchFamily="18" charset="0"/>
-                                    </a:rPr>
-                                  </m:ctrlPr>
-                                </m:sSubPr>
-                                <m:e>
-                                  <m:r>
-                                    <a:rPr lang="fr-FR" sz="1400" i="1">
-                                      <a:latin typeface="Cambria Math" panose="02040503050406030204" pitchFamily="18" charset="0"/>
-                                    </a:rPr>
-                                    <m:t>𝑡</m:t>
-                                  </m:r>
-                                </m:e>
-                                <m:sub>
-                                  <m:r>
-                                    <a:rPr lang="fr-FR" sz="1400" i="1">
-                                      <a:latin typeface="Cambria Math" panose="02040503050406030204" pitchFamily="18" charset="0"/>
-                                    </a:rPr>
-                                    <m:t>𝑘</m:t>
-                                  </m:r>
-                                  <m:r>
-                                    <a:rPr lang="fr-FR" sz="1400" i="1">
-                                      <a:latin typeface="Cambria Math" panose="02040503050406030204" pitchFamily="18" charset="0"/>
-                                    </a:rPr>
-                                    <m:t>+1</m:t>
-                                  </m:r>
-                                </m:sub>
-                              </m:sSub>
-                            </m:e>
-                          </m:d>
-                        </m:e>
-                      </m:d>
-                      <m:r>
-                        <a:rPr lang="fr-FR" sz="1400" b="0" i="1" smtClean="0">
-                          <a:latin typeface="Cambria Math" panose="02040503050406030204" pitchFamily="18" charset="0"/>
-                        </a:rPr>
-                        <m:t>⋅</m:t>
-                      </m:r>
-                      <m:d>
-                        <m:dPr>
-                          <m:ctrlPr>
-                            <a:rPr lang="fr-FR" sz="1400" i="1">
-                              <a:latin typeface="Cambria Math" panose="02040503050406030204" pitchFamily="18" charset="0"/>
-                            </a:rPr>
-                          </m:ctrlPr>
-                        </m:dPr>
-                        <m:e>
-                          <m:sSub>
-                            <m:sSubPr>
-                              <m:ctrlPr>
-                                <a:rPr lang="fr-FR" sz="1400" i="1">
-                                  <a:latin typeface="Cambria Math" panose="02040503050406030204" pitchFamily="18" charset="0"/>
-                                </a:rPr>
-                              </m:ctrlPr>
-                            </m:sSubPr>
-                            <m:e>
-                              <m:r>
-                                <a:rPr lang="fr-FR" sz="1400" i="1">
-                                  <a:latin typeface="Cambria Math" panose="02040503050406030204" pitchFamily="18" charset="0"/>
-                                </a:rPr>
-                                <m:t>𝑡</m:t>
-                              </m:r>
-                            </m:e>
-                            <m:sub>
-                              <m:r>
-                                <a:rPr lang="fr-FR" sz="1400" i="1">
-                                  <a:latin typeface="Cambria Math" panose="02040503050406030204" pitchFamily="18" charset="0"/>
-                                </a:rPr>
-                                <m:t>𝑘</m:t>
-                              </m:r>
-                              <m:r>
-                                <a:rPr lang="fr-FR" sz="1400" i="1">
-                                  <a:latin typeface="Cambria Math" panose="02040503050406030204" pitchFamily="18" charset="0"/>
-                                </a:rPr>
-                                <m:t>+1</m:t>
-                              </m:r>
-                            </m:sub>
-                          </m:sSub>
-                          <m:r>
-                            <a:rPr lang="fr-FR" sz="1400" b="0" i="1" smtClean="0">
-                              <a:latin typeface="Cambria Math" panose="02040503050406030204" pitchFamily="18" charset="0"/>
-                            </a:rPr>
-                            <m:t>−</m:t>
-                          </m:r>
-                          <m:sSub>
-                            <m:sSubPr>
-                              <m:ctrlPr>
-                                <a:rPr lang="fr-FR" sz="1400" i="1">
-                                  <a:latin typeface="Cambria Math" panose="02040503050406030204" pitchFamily="18" charset="0"/>
-                                </a:rPr>
-                              </m:ctrlPr>
-                            </m:sSubPr>
-                            <m:e>
-                              <m:r>
-                                <a:rPr lang="fr-FR" sz="1400" i="1">
-                                  <a:latin typeface="Cambria Math" panose="02040503050406030204" pitchFamily="18" charset="0"/>
-                                </a:rPr>
-                                <m:t>𝑡</m:t>
-                              </m:r>
-                            </m:e>
-                            <m:sub>
-                              <m:r>
-                                <a:rPr lang="fr-FR" sz="1400" i="1">
-                                  <a:latin typeface="Cambria Math" panose="02040503050406030204" pitchFamily="18" charset="0"/>
-                                </a:rPr>
-                                <m:t>𝑘</m:t>
-                              </m:r>
-                            </m:sub>
-                          </m:sSub>
-                        </m:e>
-                      </m:d>
-                    </m:oMath>
-                  </m:oMathPara>
-                </a14:m>
-                <a:endParaRPr lang="fr-FR" sz="1400" dirty="0"/>
-              </a:p>
-            </p:txBody>
-          </p:sp>
-        </mc:Choice>
-        <mc:Fallback xmlns="">
-          <p:sp>
-            <p:nvSpPr>
-              <p:cNvPr id="52" name="ZoneTexte 51">
-                <a:extLst>
-                  <a:ext uri="{FF2B5EF4-FFF2-40B4-BE49-F238E27FC236}">
-                    <a16:creationId xmlns:a16="http://schemas.microsoft.com/office/drawing/2014/main" id="{8765A5CD-ED12-2FFE-F9D2-6EBDC4AFA3E8}"/>
-                  </a:ext>
-                </a:extLst>
-              </p:cNvPr>
-              <p:cNvSpPr txBox="1">
-                <a:spLocks noRot="1" noChangeAspect="1" noMove="1" noResize="1" noEditPoints="1" noAdjustHandles="1" noChangeArrowheads="1" noChangeShapeType="1" noTextEdit="1"/>
-              </p:cNvSpPr>
-              <p:nvPr/>
-            </p:nvSpPr>
-            <p:spPr>
-              <a:xfrm>
-                <a:off x="4420226" y="4542036"/>
-                <a:ext cx="3561295" cy="673711"/>
-              </a:xfrm>
-              <a:prstGeom prst="rect">
-                <a:avLst/>
-              </a:prstGeom>
-              <a:blipFill>
-                <a:blip r:embed="rId9"/>
-                <a:stretch>
-                  <a:fillRect/>
-                </a:stretch>
-              </a:blipFill>
-            </p:spPr>
-            <p:txBody>
-              <a:bodyPr/>
-              <a:lstStyle/>
-              <a:p>
-                <a:r>
-                  <a:rPr lang="fr-FR">
-                    <a:noFill/>
-                  </a:rPr>
-                  <a:t> </a:t>
-                </a:r>
-              </a:p>
-            </p:txBody>
-          </p:sp>
-        </mc:Fallback>
-      </mc:AlternateContent>
-      <p:sp>
-        <p:nvSpPr>
-          <p:cNvPr id="53" name="Trapèze 52">
-            <a:extLst>
-              <a:ext uri="{FF2B5EF4-FFF2-40B4-BE49-F238E27FC236}">
-                <a16:creationId xmlns:a16="http://schemas.microsoft.com/office/drawing/2014/main" id="{F09634BB-9CBA-FB01-D468-B7D092645A28}"/>
-              </a:ext>
-            </a:extLst>
-          </p:cNvPr>
-          <p:cNvSpPr/>
-          <p:nvPr/>
-        </p:nvSpPr>
-        <p:spPr>
-          <a:xfrm>
-            <a:off x="5572273" y="2282421"/>
-            <a:ext cx="1968863" cy="973667"/>
-          </a:xfrm>
-          <a:prstGeom prst="trapezoid">
-            <a:avLst>
-              <a:gd name="adj" fmla="val 26044"/>
-            </a:avLst>
-          </a:prstGeom>
-          <a:solidFill>
-            <a:schemeClr val="accent2">
-              <a:lumMod val="20000"/>
-              <a:lumOff val="80000"/>
-            </a:schemeClr>
-          </a:solidFill>
-          <a:ln>
-            <a:solidFill>
-              <a:schemeClr val="accent2">
-                <a:lumMod val="50000"/>
-              </a:schemeClr>
-            </a:solidFill>
-          </a:ln>
-        </p:spPr>
-        <p:style>
-          <a:lnRef idx="2">
-            <a:schemeClr val="accent1">
-              <a:shade val="15000"/>
-            </a:schemeClr>
-          </a:lnRef>
-          <a:fillRef idx="1">
-            <a:schemeClr val="accent1"/>
-          </a:fillRef>
-          <a:effectRef idx="0">
-            <a:schemeClr val="accent1"/>
-          </a:effectRef>
-          <a:fontRef idx="minor">
-            <a:schemeClr val="lt1"/>
-          </a:fontRef>
-        </p:style>
-        <p:txBody>
-          <a:bodyPr rtlCol="0" anchor="ctr"/>
-          <a:lstStyle/>
-          <a:p>
-            <a:pPr algn="ctr"/>
-            <a:endParaRPr lang="fr-FR" dirty="0"/>
-          </a:p>
-        </p:txBody>
-      </p:sp>
-    </p:spTree>
-    <p:extLst>
-      <p:ext uri="{BB962C8B-B14F-4D97-AF65-F5344CB8AC3E}">
-        <p14:creationId xmlns:p14="http://schemas.microsoft.com/office/powerpoint/2010/main" val="3936428797"/>
-      </p:ext>
-    </p:extLst>
-  </p:cSld>
-  <p:clrMapOvr>
-    <a:masterClrMapping/>
-  </p:clrMapOvr>
-</p:sld>
-</file>
-
 <file path=ppt/theme/theme1.xml><?xml version="1.0" encoding="utf-8"?>
 <a:theme xmlns:a="http://schemas.openxmlformats.org/drawingml/2006/main" name="Thème Office">
   <a:themeElements>
